--- a/Graduation/开题报告.pptx
+++ b/Graduation/开题报告.pptx
@@ -23,6 +23,8 @@
     <p:sldId id="268" r:id="rId20"/>
     <p:sldId id="269" r:id="rId21"/>
     <p:sldId id="270" r:id="rId22"/>
+    <p:sldId id="271" r:id="rId23"/>
+    <p:sldId id="272" r:id="rId24"/>
   </p:sldIdLst>
   <p:sldSz cx="9144000" cy="5143500"/>
   <p:notesSz cx="6858000" cy="9144000"/>
@@ -400,13 +402,10 @@
       </p:sp>
     </p:spTree>
   </p:cSld>
-  <p:clrMap bg1="dk1" tx1="lt1" bg2="dk2" tx2="lt2" accent1="accent1" accent2="accent2" accent3="accent3" accent4="accent4" accent5="accent5" accent6="accent6" hlink="hlink" folHlink="folHlink"/>
+  <p:clrMap bg1="lt1" tx1="dk1" bg2="lt2" tx2="dk2" accent1="accent1" accent2="accent2" accent3="accent3" accent4="accent4" accent5="accent5" accent6="accent6" hlink="hlink" folHlink="folHlink"/>
   <p:notesStyle>
     <a:lvl1pPr latinLnBrk="0">
-      <a:defRPr sz="1200">
-        <a:solidFill>
-          <a:srgbClr val="FFFFFF"/>
-        </a:solidFill>
+      <a:defRPr sz="1400">
         <a:latin typeface="+mn-lt"/>
         <a:ea typeface="+mn-ea"/>
         <a:cs typeface="+mn-cs"/>
@@ -414,10 +413,7 @@
       </a:defRPr>
     </a:lvl1pPr>
     <a:lvl2pPr indent="228600" latinLnBrk="0">
-      <a:defRPr sz="1200">
-        <a:solidFill>
-          <a:srgbClr val="FFFFFF"/>
-        </a:solidFill>
+      <a:defRPr sz="1400">
         <a:latin typeface="+mn-lt"/>
         <a:ea typeface="+mn-ea"/>
         <a:cs typeface="+mn-cs"/>
@@ -425,10 +421,7 @@
       </a:defRPr>
     </a:lvl2pPr>
     <a:lvl3pPr indent="457200" latinLnBrk="0">
-      <a:defRPr sz="1200">
-        <a:solidFill>
-          <a:srgbClr val="FFFFFF"/>
-        </a:solidFill>
+      <a:defRPr sz="1400">
         <a:latin typeface="+mn-lt"/>
         <a:ea typeface="+mn-ea"/>
         <a:cs typeface="+mn-cs"/>
@@ -436,10 +429,7 @@
       </a:defRPr>
     </a:lvl3pPr>
     <a:lvl4pPr indent="685800" latinLnBrk="0">
-      <a:defRPr sz="1200">
-        <a:solidFill>
-          <a:srgbClr val="FFFFFF"/>
-        </a:solidFill>
+      <a:defRPr sz="1400">
         <a:latin typeface="+mn-lt"/>
         <a:ea typeface="+mn-ea"/>
         <a:cs typeface="+mn-cs"/>
@@ -447,10 +437,7 @@
       </a:defRPr>
     </a:lvl4pPr>
     <a:lvl5pPr indent="914400" latinLnBrk="0">
-      <a:defRPr sz="1200">
-        <a:solidFill>
-          <a:srgbClr val="FFFFFF"/>
-        </a:solidFill>
+      <a:defRPr sz="1400">
         <a:latin typeface="+mn-lt"/>
         <a:ea typeface="+mn-ea"/>
         <a:cs typeface="+mn-cs"/>
@@ -458,10 +445,7 @@
       </a:defRPr>
     </a:lvl5pPr>
     <a:lvl6pPr indent="1143000" latinLnBrk="0">
-      <a:defRPr sz="1200">
-        <a:solidFill>
-          <a:srgbClr val="FFFFFF"/>
-        </a:solidFill>
+      <a:defRPr sz="1400">
         <a:latin typeface="+mn-lt"/>
         <a:ea typeface="+mn-ea"/>
         <a:cs typeface="+mn-cs"/>
@@ -469,10 +453,7 @@
       </a:defRPr>
     </a:lvl6pPr>
     <a:lvl7pPr indent="1371600" latinLnBrk="0">
-      <a:defRPr sz="1200">
-        <a:solidFill>
-          <a:srgbClr val="FFFFFF"/>
-        </a:solidFill>
+      <a:defRPr sz="1400">
         <a:latin typeface="+mn-lt"/>
         <a:ea typeface="+mn-ea"/>
         <a:cs typeface="+mn-cs"/>
@@ -480,10 +461,7 @@
       </a:defRPr>
     </a:lvl7pPr>
     <a:lvl8pPr indent="1600200" latinLnBrk="0">
-      <a:defRPr sz="1200">
-        <a:solidFill>
-          <a:srgbClr val="FFFFFF"/>
-        </a:solidFill>
+      <a:defRPr sz="1400">
         <a:latin typeface="+mn-lt"/>
         <a:ea typeface="+mn-ea"/>
         <a:cs typeface="+mn-cs"/>
@@ -491,10 +469,7 @@
       </a:defRPr>
     </a:lvl8pPr>
     <a:lvl9pPr indent="1828800" latinLnBrk="0">
-      <a:defRPr sz="1200">
-        <a:solidFill>
-          <a:srgbClr val="FFFFFF"/>
-        </a:solidFill>
+      <a:defRPr sz="1400">
         <a:latin typeface="+mn-lt"/>
         <a:ea typeface="+mn-ea"/>
         <a:cs typeface="+mn-cs"/>
@@ -503,6 +478,782 @@
     </a:lvl9pPr>
   </p:notesStyle>
 </p:notesMaster>
+</file>
+
+<file path=ppt/notesSlides/notesSlide1.xml><?xml version="1.0" encoding="utf-8"?>
+<p:notes xmlns:a="http://schemas.openxmlformats.org/drawingml/2006/main" xmlns:r="http://schemas.openxmlformats.org/officeDocument/2006/relationships" xmlns:p="http://schemas.openxmlformats.org/presentationml/2006/main" showMasterSp="1" showMasterPhAnim="1">
+  <p:cSld>
+    <p:spTree>
+      <p:nvGrpSpPr>
+        <p:cNvPr id="1" name=""/>
+        <p:cNvGrpSpPr/>
+        <p:nvPr/>
+      </p:nvGrpSpPr>
+      <p:grpSpPr>
+        <a:xfrm>
+          <a:off x="0" y="0"/>
+          <a:ext cx="0" cy="0"/>
+          <a:chOff x="0" y="0"/>
+          <a:chExt cx="0" cy="0"/>
+        </a:xfrm>
+      </p:grpSpPr>
+      <p:sp>
+        <p:nvSpPr>
+          <p:cNvPr id="81" name="Shape 81"/>
+          <p:cNvSpPr/>
+          <p:nvPr>
+            <p:ph type="sldImg"/>
+          </p:nvPr>
+        </p:nvSpPr>
+        <p:spPr>
+          <a:prstGeom prst="rect">
+            <a:avLst/>
+          </a:prstGeom>
+        </p:spPr>
+        <p:txBody>
+          <a:bodyPr/>
+          <a:lstStyle/>
+          <a:p>
+            <a:pPr/>
+          </a:p>
+        </p:txBody>
+      </p:sp>
+      <p:sp>
+        <p:nvSpPr>
+          <p:cNvPr id="82" name="Shape 82"/>
+          <p:cNvSpPr/>
+          <p:nvPr>
+            <p:ph type="body" sz="quarter" idx="1"/>
+          </p:nvPr>
+        </p:nvSpPr>
+        <p:spPr>
+          <a:prstGeom prst="rect">
+            <a:avLst/>
+          </a:prstGeom>
+        </p:spPr>
+        <p:txBody>
+          <a:bodyPr/>
+          <a:lstStyle>
+            <a:lvl1pPr>
+              <a:lnSpc>
+                <a:spcPct val="120000"/>
+              </a:lnSpc>
+            </a:lvl1pPr>
+          </a:lstStyle>
+          <a:p>
+            <a:pPr/>
+            <a:r>
+              <a:t>本次开题报告将会围绕以下四个方面展开，分别是相变材料简介，本次课题的背景，为了实现这个课题所规划的工作流程以及如果顺利完成的话，我们预期会得到的成果。</a:t>
+            </a:r>
+          </a:p>
+        </p:txBody>
+      </p:sp>
+    </p:spTree>
+  </p:cSld>
+  <p:clrMapOvr>
+    <a:masterClrMapping/>
+  </p:clrMapOvr>
+</p:notes>
+</file>
+
+<file path=ppt/notesSlides/notesSlide10.xml><?xml version="1.0" encoding="utf-8"?>
+<p:notes xmlns:a="http://schemas.openxmlformats.org/drawingml/2006/main" xmlns:r="http://schemas.openxmlformats.org/officeDocument/2006/relationships" xmlns:p="http://schemas.openxmlformats.org/presentationml/2006/main" showMasterSp="1" showMasterPhAnim="1">
+  <p:cSld>
+    <p:spTree>
+      <p:nvGrpSpPr>
+        <p:cNvPr id="1" name=""/>
+        <p:cNvGrpSpPr/>
+        <p:nvPr/>
+      </p:nvGrpSpPr>
+      <p:grpSpPr>
+        <a:xfrm>
+          <a:off x="0" y="0"/>
+          <a:ext cx="0" cy="0"/>
+          <a:chOff x="0" y="0"/>
+          <a:chExt cx="0" cy="0"/>
+        </a:xfrm>
+      </p:grpSpPr>
+      <p:sp>
+        <p:nvSpPr>
+          <p:cNvPr id="242" name="Shape 242"/>
+          <p:cNvSpPr/>
+          <p:nvPr>
+            <p:ph type="sldImg"/>
+          </p:nvPr>
+        </p:nvSpPr>
+        <p:spPr>
+          <a:prstGeom prst="rect">
+            <a:avLst/>
+          </a:prstGeom>
+        </p:spPr>
+        <p:txBody>
+          <a:bodyPr/>
+          <a:lstStyle/>
+          <a:p>
+            <a:pPr/>
+          </a:p>
+        </p:txBody>
+      </p:sp>
+      <p:sp>
+        <p:nvSpPr>
+          <p:cNvPr id="243" name="Shape 243"/>
+          <p:cNvSpPr/>
+          <p:nvPr>
+            <p:ph type="body" sz="quarter" idx="1"/>
+          </p:nvPr>
+        </p:nvSpPr>
+        <p:spPr>
+          <a:prstGeom prst="rect">
+            <a:avLst/>
+          </a:prstGeom>
+        </p:spPr>
+        <p:txBody>
+          <a:bodyPr/>
+          <a:lstStyle/>
+          <a:p>
+            <a:pPr/>
+            <a:r>
+              <a:t>接下来准备和大家展示一下我结题之前的工作流程。</a:t>
+            </a:r>
+          </a:p>
+        </p:txBody>
+      </p:sp>
+    </p:spTree>
+  </p:cSld>
+  <p:clrMapOvr>
+    <a:masterClrMapping/>
+  </p:clrMapOvr>
+</p:notes>
+</file>
+
+<file path=ppt/notesSlides/notesSlide11.xml><?xml version="1.0" encoding="utf-8"?>
+<p:notes xmlns:a="http://schemas.openxmlformats.org/drawingml/2006/main" xmlns:r="http://schemas.openxmlformats.org/officeDocument/2006/relationships" xmlns:p="http://schemas.openxmlformats.org/presentationml/2006/main" showMasterSp="1" showMasterPhAnim="1">
+  <p:cSld>
+    <p:spTree>
+      <p:nvGrpSpPr>
+        <p:cNvPr id="1" name=""/>
+        <p:cNvGrpSpPr/>
+        <p:nvPr/>
+      </p:nvGrpSpPr>
+      <p:grpSpPr>
+        <a:xfrm>
+          <a:off x="0" y="0"/>
+          <a:ext cx="0" cy="0"/>
+          <a:chOff x="0" y="0"/>
+          <a:chExt cx="0" cy="0"/>
+        </a:xfrm>
+      </p:grpSpPr>
+      <p:sp>
+        <p:nvSpPr>
+          <p:cNvPr id="254" name="Shape 254"/>
+          <p:cNvSpPr/>
+          <p:nvPr>
+            <p:ph type="sldImg"/>
+          </p:nvPr>
+        </p:nvSpPr>
+        <p:spPr>
+          <a:prstGeom prst="rect">
+            <a:avLst/>
+          </a:prstGeom>
+        </p:spPr>
+        <p:txBody>
+          <a:bodyPr/>
+          <a:lstStyle/>
+          <a:p>
+            <a:pPr/>
+          </a:p>
+        </p:txBody>
+      </p:sp>
+      <p:sp>
+        <p:nvSpPr>
+          <p:cNvPr id="255" name="Shape 255"/>
+          <p:cNvSpPr/>
+          <p:nvPr>
+            <p:ph type="body" sz="quarter" idx="1"/>
+          </p:nvPr>
+        </p:nvSpPr>
+        <p:spPr>
+          <a:prstGeom prst="rect">
+            <a:avLst/>
+          </a:prstGeom>
+        </p:spPr>
+        <p:txBody>
+          <a:bodyPr/>
+          <a:lstStyle/>
+          <a:p>
+            <a:pPr/>
+            <a:r>
+              <a:t>首先需要</a:t>
+            </a:r>
+          </a:p>
+        </p:txBody>
+      </p:sp>
+    </p:spTree>
+  </p:cSld>
+  <p:clrMapOvr>
+    <a:masterClrMapping/>
+  </p:clrMapOvr>
+</p:notes>
+</file>
+
+<file path=ppt/notesSlides/notesSlide2.xml><?xml version="1.0" encoding="utf-8"?>
+<p:notes xmlns:a="http://schemas.openxmlformats.org/drawingml/2006/main" xmlns:r="http://schemas.openxmlformats.org/officeDocument/2006/relationships" xmlns:p="http://schemas.openxmlformats.org/presentationml/2006/main" showMasterSp="1" showMasterPhAnim="1">
+  <p:cSld>
+    <p:spTree>
+      <p:nvGrpSpPr>
+        <p:cNvPr id="1" name=""/>
+        <p:cNvGrpSpPr/>
+        <p:nvPr/>
+      </p:nvGrpSpPr>
+      <p:grpSpPr>
+        <a:xfrm>
+          <a:off x="0" y="0"/>
+          <a:ext cx="0" cy="0"/>
+          <a:chOff x="0" y="0"/>
+          <a:chExt cx="0" cy="0"/>
+        </a:xfrm>
+      </p:grpSpPr>
+      <p:sp>
+        <p:nvSpPr>
+          <p:cNvPr id="104" name="Shape 104"/>
+          <p:cNvSpPr/>
+          <p:nvPr>
+            <p:ph type="sldImg"/>
+          </p:nvPr>
+        </p:nvSpPr>
+        <p:spPr>
+          <a:prstGeom prst="rect">
+            <a:avLst/>
+          </a:prstGeom>
+        </p:spPr>
+        <p:txBody>
+          <a:bodyPr/>
+          <a:lstStyle/>
+          <a:p>
+            <a:pPr/>
+          </a:p>
+        </p:txBody>
+      </p:sp>
+      <p:sp>
+        <p:nvSpPr>
+          <p:cNvPr id="105" name="Shape 105"/>
+          <p:cNvSpPr/>
+          <p:nvPr>
+            <p:ph type="body" sz="quarter" idx="1"/>
+          </p:nvPr>
+        </p:nvSpPr>
+        <p:spPr>
+          <a:prstGeom prst="rect">
+            <a:avLst/>
+          </a:prstGeom>
+        </p:spPr>
+        <p:txBody>
+          <a:bodyPr/>
+          <a:lstStyle/>
+          <a:p>
+            <a:pPr/>
+            <a:r>
+              <a:t>相变性质的应用由来已久。比如说给病人擦酒来降温，用冰袋来给蛋糕保鲜等，都是对相变的利用。近年间，相变材料以其良好的储能特性而受到了更多的青睐，比如利用相变材料制作的地板，能够在维持室内恒温环境的同时节约能耗。还有一种相变材料指的是随着外界环境的加电情况变化而改变晶体结构乃至在晶体状态-非晶体状态之间转化的材料，比如我们接下来准备展开讨论的GST材料。这一类型的材料已通过论证能够广泛应用于存储材料和光学材料当中。</a:t>
+            </a:r>
+          </a:p>
+        </p:txBody>
+      </p:sp>
+    </p:spTree>
+  </p:cSld>
+  <p:clrMapOvr>
+    <a:masterClrMapping/>
+  </p:clrMapOvr>
+</p:notes>
+</file>
+
+<file path=ppt/notesSlides/notesSlide3.xml><?xml version="1.0" encoding="utf-8"?>
+<p:notes xmlns:a="http://schemas.openxmlformats.org/drawingml/2006/main" xmlns:r="http://schemas.openxmlformats.org/officeDocument/2006/relationships" xmlns:p="http://schemas.openxmlformats.org/presentationml/2006/main" showMasterSp="1" showMasterPhAnim="1">
+  <p:cSld>
+    <p:spTree>
+      <p:nvGrpSpPr>
+        <p:cNvPr id="1" name=""/>
+        <p:cNvGrpSpPr/>
+        <p:nvPr/>
+      </p:nvGrpSpPr>
+      <p:grpSpPr>
+        <a:xfrm>
+          <a:off x="0" y="0"/>
+          <a:ext cx="0" cy="0"/>
+          <a:chOff x="0" y="0"/>
+          <a:chExt cx="0" cy="0"/>
+        </a:xfrm>
+      </p:grpSpPr>
+      <p:sp>
+        <p:nvSpPr>
+          <p:cNvPr id="119" name="Shape 119"/>
+          <p:cNvSpPr/>
+          <p:nvPr>
+            <p:ph type="sldImg"/>
+          </p:nvPr>
+        </p:nvSpPr>
+        <p:spPr>
+          <a:prstGeom prst="rect">
+            <a:avLst/>
+          </a:prstGeom>
+        </p:spPr>
+        <p:txBody>
+          <a:bodyPr/>
+          <a:lstStyle/>
+          <a:p>
+            <a:pPr/>
+          </a:p>
+        </p:txBody>
+      </p:sp>
+      <p:sp>
+        <p:nvSpPr>
+          <p:cNvPr id="120" name="Shape 120"/>
+          <p:cNvSpPr/>
+          <p:nvPr>
+            <p:ph type="body" sz="quarter" idx="1"/>
+          </p:nvPr>
+        </p:nvSpPr>
+        <p:spPr>
+          <a:prstGeom prst="rect">
+            <a:avLst/>
+          </a:prstGeom>
+        </p:spPr>
+        <p:txBody>
+          <a:bodyPr/>
+          <a:lstStyle/>
+          <a:p>
+            <a:pPr/>
+            <a:r>
+              <a:t>这个课题主要围绕着如何利用相变材料的可见光特性，而文献中被应用于可见光的相变材料集中在GST材料中。目前这种材料已经被应用于柔性超高分辨率的显示屏当中，作图是使用这种材料制作的柔性显示屏的照片，右图是一个文献中实际的显示情况。可以看到，目前使用GST制作的显示材料当中，分辨率固然高，但是存在比较严重的色散。这也是我们将要着重解决的问题之一。</a:t>
+            </a:r>
+          </a:p>
+        </p:txBody>
+      </p:sp>
+    </p:spTree>
+  </p:cSld>
+  <p:clrMapOvr>
+    <a:masterClrMapping/>
+  </p:clrMapOvr>
+</p:notes>
+</file>
+
+<file path=ppt/notesSlides/notesSlide4.xml><?xml version="1.0" encoding="utf-8"?>
+<p:notes xmlns:a="http://schemas.openxmlformats.org/drawingml/2006/main" xmlns:r="http://schemas.openxmlformats.org/officeDocument/2006/relationships" xmlns:p="http://schemas.openxmlformats.org/presentationml/2006/main" showMasterSp="1" showMasterPhAnim="1">
+  <p:cSld>
+    <p:spTree>
+      <p:nvGrpSpPr>
+        <p:cNvPr id="1" name=""/>
+        <p:cNvGrpSpPr/>
+        <p:nvPr/>
+      </p:nvGrpSpPr>
+      <p:grpSpPr>
+        <a:xfrm>
+          <a:off x="0" y="0"/>
+          <a:ext cx="0" cy="0"/>
+          <a:chOff x="0" y="0"/>
+          <a:chExt cx="0" cy="0"/>
+        </a:xfrm>
+      </p:grpSpPr>
+      <p:sp>
+        <p:nvSpPr>
+          <p:cNvPr id="130" name="Shape 130"/>
+          <p:cNvSpPr/>
+          <p:nvPr>
+            <p:ph type="sldImg"/>
+          </p:nvPr>
+        </p:nvSpPr>
+        <p:spPr>
+          <a:prstGeom prst="rect">
+            <a:avLst/>
+          </a:prstGeom>
+        </p:spPr>
+        <p:txBody>
+          <a:bodyPr/>
+          <a:lstStyle/>
+          <a:p>
+            <a:pPr/>
+          </a:p>
+        </p:txBody>
+      </p:sp>
+      <p:sp>
+        <p:nvSpPr>
+          <p:cNvPr id="131" name="Shape 131"/>
+          <p:cNvSpPr/>
+          <p:nvPr>
+            <p:ph type="body" sz="quarter" idx="1"/>
+          </p:nvPr>
+        </p:nvSpPr>
+        <p:spPr>
+          <a:prstGeom prst="rect">
+            <a:avLst/>
+          </a:prstGeom>
+        </p:spPr>
+        <p:txBody>
+          <a:bodyPr/>
+          <a:lstStyle/>
+          <a:p>
+            <a:pPr/>
+            <a:r>
+              <a:t>下面请允许我介绍一下这个课题的背景，以及对研究课题的更仔细的介绍</a:t>
+            </a:r>
+          </a:p>
+        </p:txBody>
+      </p:sp>
+    </p:spTree>
+  </p:cSld>
+  <p:clrMapOvr>
+    <a:masterClrMapping/>
+  </p:clrMapOvr>
+</p:notes>
+</file>
+
+<file path=ppt/notesSlides/notesSlide5.xml><?xml version="1.0" encoding="utf-8"?>
+<p:notes xmlns:a="http://schemas.openxmlformats.org/drawingml/2006/main" xmlns:r="http://schemas.openxmlformats.org/officeDocument/2006/relationships" xmlns:p="http://schemas.openxmlformats.org/presentationml/2006/main" showMasterSp="1" showMasterPhAnim="1">
+  <p:cSld>
+    <p:spTree>
+      <p:nvGrpSpPr>
+        <p:cNvPr id="1" name=""/>
+        <p:cNvGrpSpPr/>
+        <p:nvPr/>
+      </p:nvGrpSpPr>
+      <p:grpSpPr>
+        <a:xfrm>
+          <a:off x="0" y="0"/>
+          <a:ext cx="0" cy="0"/>
+          <a:chOff x="0" y="0"/>
+          <a:chExt cx="0" cy="0"/>
+        </a:xfrm>
+      </p:grpSpPr>
+      <p:sp>
+        <p:nvSpPr>
+          <p:cNvPr id="159" name="Shape 159"/>
+          <p:cNvSpPr/>
+          <p:nvPr>
+            <p:ph type="sldImg"/>
+          </p:nvPr>
+        </p:nvSpPr>
+        <p:spPr>
+          <a:prstGeom prst="rect">
+            <a:avLst/>
+          </a:prstGeom>
+        </p:spPr>
+        <p:txBody>
+          <a:bodyPr/>
+          <a:lstStyle/>
+          <a:p>
+            <a:pPr/>
+          </a:p>
+        </p:txBody>
+      </p:sp>
+      <p:sp>
+        <p:nvSpPr>
+          <p:cNvPr id="160" name="Shape 160"/>
+          <p:cNvSpPr/>
+          <p:nvPr>
+            <p:ph type="body" sz="quarter" idx="1"/>
+          </p:nvPr>
+        </p:nvSpPr>
+        <p:spPr>
+          <a:prstGeom prst="rect">
+            <a:avLst/>
+          </a:prstGeom>
+        </p:spPr>
+        <p:txBody>
+          <a:bodyPr/>
+          <a:lstStyle/>
+          <a:p>
+            <a:pPr/>
+            <a:r>
+              <a:t>随着人年龄的增长，晶状体逐渐纤维硬化，睫状肌逐渐麻痹，使人眼无法有效调节眼球的形状，只能通过调节眼睛与所视物体的距离，看近处的物体时必须移远才能看清楚，这时的眼睛状态就称为老花眼。为了让有老花眼的人能够看清近处的事物，老花镜应运而生。老花镜从光路上来讲应当有凸透镜的特性，所以最初，老花镜就是凸透镜。这样的老花镜的调节能力固定因此有限，随着人年龄的增长，晶状体纤维硬化的程度加深，就需要更换老花镜，这是我们不希望看到的。我们期待有一种新型老花镜，能够通过电控制来改变老花镜的焦距，在此同时还要保持老花镜的透明度、低色散，瞳距的范围能够在人眼附近调节并固定。</a:t>
+            </a:r>
+          </a:p>
+        </p:txBody>
+      </p:sp>
+    </p:spTree>
+  </p:cSld>
+  <p:clrMapOvr>
+    <a:masterClrMapping/>
+  </p:clrMapOvr>
+</p:notes>
+</file>
+
+<file path=ppt/notesSlides/notesSlide6.xml><?xml version="1.0" encoding="utf-8"?>
+<p:notes xmlns:a="http://schemas.openxmlformats.org/drawingml/2006/main" xmlns:r="http://schemas.openxmlformats.org/officeDocument/2006/relationships" xmlns:p="http://schemas.openxmlformats.org/presentationml/2006/main" showMasterSp="1" showMasterPhAnim="1">
+  <p:cSld>
+    <p:spTree>
+      <p:nvGrpSpPr>
+        <p:cNvPr id="1" name=""/>
+        <p:cNvGrpSpPr/>
+        <p:nvPr/>
+      </p:nvGrpSpPr>
+      <p:grpSpPr>
+        <a:xfrm>
+          <a:off x="0" y="0"/>
+          <a:ext cx="0" cy="0"/>
+          <a:chOff x="0" y="0"/>
+          <a:chExt cx="0" cy="0"/>
+        </a:xfrm>
+      </p:grpSpPr>
+      <p:sp>
+        <p:nvSpPr>
+          <p:cNvPr id="186" name="Shape 186"/>
+          <p:cNvSpPr/>
+          <p:nvPr>
+            <p:ph type="sldImg"/>
+          </p:nvPr>
+        </p:nvSpPr>
+        <p:spPr>
+          <a:prstGeom prst="rect">
+            <a:avLst/>
+          </a:prstGeom>
+        </p:spPr>
+        <p:txBody>
+          <a:bodyPr/>
+          <a:lstStyle/>
+          <a:p>
+            <a:pPr/>
+          </a:p>
+        </p:txBody>
+      </p:sp>
+      <p:sp>
+        <p:nvSpPr>
+          <p:cNvPr id="187" name="Shape 187"/>
+          <p:cNvSpPr/>
+          <p:nvPr>
+            <p:ph type="body" sz="quarter" idx="1"/>
+          </p:nvPr>
+        </p:nvSpPr>
+        <p:spPr>
+          <a:prstGeom prst="rect">
+            <a:avLst/>
+          </a:prstGeom>
+        </p:spPr>
+        <p:txBody>
+          <a:bodyPr/>
+          <a:lstStyle/>
+          <a:p>
+            <a:pPr/>
+            <a:r>
+              <a:t>我们尝试使用GST相变材料制备期待中的老花镜，其中GST材料是一种由锗，硒和碲组成的相变材料，配比不同导致的材料性质相应会有所变化。比较常见的是Ge2Sb2Ti5。我们接下来会介绍GST材料的显像原理，对可见光的光学性质，我们将会在接下来依次展开。</a:t>
+            </a:r>
+          </a:p>
+        </p:txBody>
+      </p:sp>
+    </p:spTree>
+  </p:cSld>
+  <p:clrMapOvr>
+    <a:masterClrMapping/>
+  </p:clrMapOvr>
+</p:notes>
+</file>
+
+<file path=ppt/notesSlides/notesSlide7.xml><?xml version="1.0" encoding="utf-8"?>
+<p:notes xmlns:a="http://schemas.openxmlformats.org/drawingml/2006/main" xmlns:r="http://schemas.openxmlformats.org/officeDocument/2006/relationships" xmlns:p="http://schemas.openxmlformats.org/presentationml/2006/main" showMasterSp="1" showMasterPhAnim="1">
+  <p:cSld>
+    <p:spTree>
+      <p:nvGrpSpPr>
+        <p:cNvPr id="1" name=""/>
+        <p:cNvGrpSpPr/>
+        <p:nvPr/>
+      </p:nvGrpSpPr>
+      <p:grpSpPr>
+        <a:xfrm>
+          <a:off x="0" y="0"/>
+          <a:ext cx="0" cy="0"/>
+          <a:chOff x="0" y="0"/>
+          <a:chExt cx="0" cy="0"/>
+        </a:xfrm>
+      </p:grpSpPr>
+      <p:sp>
+        <p:nvSpPr>
+          <p:cNvPr id="202" name="Shape 202"/>
+          <p:cNvSpPr/>
+          <p:nvPr>
+            <p:ph type="sldImg"/>
+          </p:nvPr>
+        </p:nvSpPr>
+        <p:spPr>
+          <a:prstGeom prst="rect">
+            <a:avLst/>
+          </a:prstGeom>
+        </p:spPr>
+        <p:txBody>
+          <a:bodyPr/>
+          <a:lstStyle/>
+          <a:p>
+            <a:pPr/>
+          </a:p>
+        </p:txBody>
+      </p:sp>
+      <p:sp>
+        <p:nvSpPr>
+          <p:cNvPr id="203" name="Shape 203"/>
+          <p:cNvSpPr/>
+          <p:nvPr>
+            <p:ph type="body" sz="quarter" idx="1"/>
+          </p:nvPr>
+        </p:nvSpPr>
+        <p:spPr>
+          <a:prstGeom prst="rect">
+            <a:avLst/>
+          </a:prstGeom>
+        </p:spPr>
+        <p:txBody>
+          <a:bodyPr/>
+          <a:lstStyle/>
+          <a:p>
+            <a:pPr/>
+            <a:r>
+              <a:t>下图是一张GST材料用作反射材料的时候的结构图。结构是在GST相变材料两侧装上ITO电极，其中ITO是一种N型氧化物半导体，具有电阻率低、透明度高的特点；并在一侧镀有金属反射层。通过在ITO电极上加电，能够让中间的GST材料在晶体／非晶体之间切换，从而改变材料整体的折射率。我们可以通过对不同部位加上不同的典雅实现凸透镜的效果，而电压的变化就可以改变透镜的焦距，从而实现我们期待中的可变焦老花镜的结构。有关尺度，为了让光的透过率达到我们预期的指标，两层电极的厚度上限为波长的十五分之一，而中间的GST厚度上限为波长的百分之一。</a:t>
+            </a:r>
+          </a:p>
+        </p:txBody>
+      </p:sp>
+    </p:spTree>
+  </p:cSld>
+  <p:clrMapOvr>
+    <a:masterClrMapping/>
+  </p:clrMapOvr>
+</p:notes>
+</file>
+
+<file path=ppt/notesSlides/notesSlide8.xml><?xml version="1.0" encoding="utf-8"?>
+<p:notes xmlns:a="http://schemas.openxmlformats.org/drawingml/2006/main" xmlns:r="http://schemas.openxmlformats.org/officeDocument/2006/relationships" xmlns:p="http://schemas.openxmlformats.org/presentationml/2006/main" showMasterSp="1" showMasterPhAnim="1">
+  <p:cSld>
+    <p:spTree>
+      <p:nvGrpSpPr>
+        <p:cNvPr id="1" name=""/>
+        <p:cNvGrpSpPr/>
+        <p:nvPr/>
+      </p:nvGrpSpPr>
+      <p:grpSpPr>
+        <a:xfrm>
+          <a:off x="0" y="0"/>
+          <a:ext cx="0" cy="0"/>
+          <a:chOff x="0" y="0"/>
+          <a:chExt cx="0" cy="0"/>
+        </a:xfrm>
+      </p:grpSpPr>
+      <p:sp>
+        <p:nvSpPr>
+          <p:cNvPr id="216" name="Shape 216"/>
+          <p:cNvSpPr/>
+          <p:nvPr>
+            <p:ph type="sldImg"/>
+          </p:nvPr>
+        </p:nvSpPr>
+        <p:spPr>
+          <a:prstGeom prst="rect">
+            <a:avLst/>
+          </a:prstGeom>
+        </p:spPr>
+        <p:txBody>
+          <a:bodyPr/>
+          <a:lstStyle/>
+          <a:p>
+            <a:pPr/>
+          </a:p>
+        </p:txBody>
+      </p:sp>
+      <p:sp>
+        <p:nvSpPr>
+          <p:cNvPr id="217" name="Shape 217"/>
+          <p:cNvSpPr/>
+          <p:nvPr>
+            <p:ph type="body" sz="quarter" idx="1"/>
+          </p:nvPr>
+        </p:nvSpPr>
+        <p:spPr>
+          <a:prstGeom prst="rect">
+            <a:avLst/>
+          </a:prstGeom>
+        </p:spPr>
+        <p:txBody>
+          <a:bodyPr/>
+          <a:lstStyle/>
+          <a:p>
+            <a:pPr/>
+            <a:r>
+              <a:t>下面是一些GST材料的光学特性。图中不同的曲线为不同厚度下的晶化／非晶化GST材料的折射特性，其中横轴为光的波长，纵轴为折射率。从上图我们可以看出，晶化和非晶化的折射射率相差不大，但是对于长波长的光，晶化GST和非晶化GST材料的反射系数存在一定差异。同时，无论是晶化还是非晶化，它们对不同波长的光的折射射率有较大区别，这意味着如果直接使用上述结构制作类似老花镜的材料时，可能存在较为明显的色散现象，这是我们今后的工作中力求减弱的。</a:t>
+            </a:r>
+          </a:p>
+        </p:txBody>
+      </p:sp>
+    </p:spTree>
+  </p:cSld>
+  <p:clrMapOvr>
+    <a:masterClrMapping/>
+  </p:clrMapOvr>
+</p:notes>
+</file>
+
+<file path=ppt/notesSlides/notesSlide9.xml><?xml version="1.0" encoding="utf-8"?>
+<p:notes xmlns:a="http://schemas.openxmlformats.org/drawingml/2006/main" xmlns:r="http://schemas.openxmlformats.org/officeDocument/2006/relationships" xmlns:p="http://schemas.openxmlformats.org/presentationml/2006/main" showMasterSp="1" showMasterPhAnim="1">
+  <p:cSld>
+    <p:spTree>
+      <p:nvGrpSpPr>
+        <p:cNvPr id="1" name=""/>
+        <p:cNvGrpSpPr/>
+        <p:nvPr/>
+      </p:nvGrpSpPr>
+      <p:grpSpPr>
+        <a:xfrm>
+          <a:off x="0" y="0"/>
+          <a:ext cx="0" cy="0"/>
+          <a:chOff x="0" y="0"/>
+          <a:chExt cx="0" cy="0"/>
+        </a:xfrm>
+      </p:grpSpPr>
+      <p:sp>
+        <p:nvSpPr>
+          <p:cNvPr id="231" name="Shape 231"/>
+          <p:cNvSpPr/>
+          <p:nvPr>
+            <p:ph type="sldImg"/>
+          </p:nvPr>
+        </p:nvSpPr>
+        <p:spPr>
+          <a:prstGeom prst="rect">
+            <a:avLst/>
+          </a:prstGeom>
+        </p:spPr>
+        <p:txBody>
+          <a:bodyPr/>
+          <a:lstStyle/>
+          <a:p>
+            <a:pPr/>
+          </a:p>
+        </p:txBody>
+      </p:sp>
+      <p:sp>
+        <p:nvSpPr>
+          <p:cNvPr id="232" name="Shape 232"/>
+          <p:cNvSpPr/>
+          <p:nvPr>
+            <p:ph type="body" sz="quarter" idx="1"/>
+          </p:nvPr>
+        </p:nvSpPr>
+        <p:spPr>
+          <a:prstGeom prst="rect">
+            <a:avLst/>
+          </a:prstGeom>
+        </p:spPr>
+        <p:txBody>
+          <a:bodyPr/>
+          <a:lstStyle/>
+          <a:p>
+            <a:pPr/>
+            <a:r>
+              <a:t>这三幅图表示的是晶态与非晶态的反射率存在的差异。可以看到，对于不同厚度的GST材料，淇在晶化与非晶化的变化过程中，反射率的差异总是随着厚度的增大而减小的。反射率接近意味着在晶化／非晶化切换的过程中，成像的跳变程度越低。而GST材料越厚，固然透明度会下降。因此应当寻找一个比较合适的材料厚度，这需要使用实际镜片模拟来找到。此外，这张图也可以看到GST材料存在较明显的色散现象，因此这将是今后工作的一个难点。</a:t>
+            </a:r>
+          </a:p>
+        </p:txBody>
+      </p:sp>
+    </p:spTree>
+  </p:cSld>
+  <p:clrMapOvr>
+    <a:masterClrMapping/>
+  </p:clrMapOvr>
+</p:notes>
 </file>
 
 <file path=ppt/slideLayouts/slideLayout1.xml><?xml version="1.0" encoding="utf-8"?>
@@ -538,11 +1289,6 @@
           <a:prstGeom prst="rect">
             <a:avLst/>
           </a:prstGeom>
-          <a:extLst>
-            <a:ext uri="{C572A759-6A51-4108-AA02-DFA0A04FC94B}">
-              <ma14:wrappingTextBoxFlag xmlns:ma14="http://schemas.microsoft.com/office/mac/drawingml/2011/main" val="1"/>
-            </a:ext>
-          </a:extLst>
         </p:spPr>
         <p:txBody>
           <a:bodyPr>
@@ -552,7 +1298,7 @@
           <a:p>
             <a:pPr/>
             <a:r>
-              <a:t>Click to add title</a:t>
+              <a:t>标题文本</a:t>
             </a:r>
           </a:p>
         </p:txBody>
@@ -573,11 +1319,6 @@
           <a:prstGeom prst="rect">
             <a:avLst/>
           </a:prstGeom>
-          <a:extLst>
-            <a:ext uri="{C572A759-6A51-4108-AA02-DFA0A04FC94B}">
-              <ma14:wrappingTextBoxFlag xmlns:ma14="http://schemas.microsoft.com/office/mac/drawingml/2011/main" val="1"/>
-            </a:ext>
-          </a:extLst>
         </p:spPr>
         <p:txBody>
           <a:bodyPr>
@@ -587,7 +1328,31 @@
           <a:p>
             <a:pPr/>
             <a:r>
-              <a:t>Click to add subtitle</a:t>
+              <a:t>正文级别 1</a:t>
+            </a:r>
+          </a:p>
+          <a:p>
+            <a:pPr lvl="1"/>
+            <a:r>
+              <a:t>正文级别 2</a:t>
+            </a:r>
+          </a:p>
+          <a:p>
+            <a:pPr lvl="2"/>
+            <a:r>
+              <a:t>正文级别 3</a:t>
+            </a:r>
+          </a:p>
+          <a:p>
+            <a:pPr lvl="3"/>
+            <a:r>
+              <a:t>正文级别 4</a:t>
+            </a:r>
+          </a:p>
+          <a:p>
+            <a:pPr lvl="4"/>
+            <a:r>
+              <a:t>正文级别 5</a:t>
             </a:r>
           </a:p>
         </p:txBody>
@@ -704,11 +1469,6 @@
           <a:prstGeom prst="rect">
             <a:avLst/>
           </a:prstGeom>
-          <a:extLst>
-            <a:ext uri="{C572A759-6A51-4108-AA02-DFA0A04FC94B}">
-              <ma14:wrappingTextBoxFlag xmlns:ma14="http://schemas.microsoft.com/office/mac/drawingml/2011/main" val="1"/>
-            </a:ext>
-          </a:extLst>
         </p:spPr>
         <p:txBody>
           <a:bodyPr>
@@ -739,11 +1499,6 @@
           <a:prstGeom prst="rect">
             <a:avLst/>
           </a:prstGeom>
-          <a:extLst>
-            <a:ext uri="{C572A759-6A51-4108-AA02-DFA0A04FC94B}">
-              <ma14:wrappingTextBoxFlag xmlns:ma14="http://schemas.microsoft.com/office/mac/drawingml/2011/main" val="1"/>
-            </a:ext>
-          </a:extLst>
         </p:spPr>
         <p:txBody>
           <a:bodyPr>
@@ -856,12 +1611,20 @@
           <a:ln w="12700">
             <a:miter lim="400000"/>
           </a:ln>
+          <a:extLst>
+            <a:ext uri="{C572A759-6A51-4108-AA02-DFA0A04FC94B}">
+              <ma14:wrappingTextBoxFlag xmlns:ma14="http://schemas.microsoft.com/office/mac/drawingml/2011/main" val="1"/>
+            </a:ext>
+          </a:extLst>
         </p:spPr>
         <p:txBody>
           <a:bodyPr lIns="45719" rIns="45719" anchor="ctr"/>
           <a:lstStyle/>
           <a:p>
             <a:pPr/>
+            <a:r>
+              <a:t>标题文本</a:t>
+            </a:r>
           </a:p>
         </p:txBody>
       </p:sp>
@@ -884,12 +1647,44 @@
           <a:ln w="12700">
             <a:miter lim="400000"/>
           </a:ln>
+          <a:extLst>
+            <a:ext uri="{C572A759-6A51-4108-AA02-DFA0A04FC94B}">
+              <ma14:wrappingTextBoxFlag xmlns:ma14="http://schemas.microsoft.com/office/mac/drawingml/2011/main" val="1"/>
+            </a:ext>
+          </a:extLst>
         </p:spPr>
         <p:txBody>
           <a:bodyPr lIns="45719" rIns="45719"/>
           <a:lstStyle/>
           <a:p>
             <a:pPr/>
+            <a:r>
+              <a:t>正文级别 1</a:t>
+            </a:r>
+          </a:p>
+          <a:p>
+            <a:pPr lvl="1"/>
+            <a:r>
+              <a:t>正文级别 2</a:t>
+            </a:r>
+          </a:p>
+          <a:p>
+            <a:pPr lvl="2"/>
+            <a:r>
+              <a:t>正文级别 3</a:t>
+            </a:r>
+          </a:p>
+          <a:p>
+            <a:pPr lvl="3"/>
+            <a:r>
+              <a:t>正文级别 4</a:t>
+            </a:r>
+          </a:p>
+          <a:p>
+            <a:pPr lvl="4"/>
+            <a:r>
+              <a:t>正文级别 5</a:t>
+            </a:r>
           </a:p>
         </p:txBody>
       </p:sp>
@@ -1872,14 +2667,14 @@
       </p:sp>
       <p:grpSp>
         <p:nvGrpSpPr>
-          <p:cNvPr id="50" name="Group 50"/>
+          <p:cNvPr id="49" name="Group 49"/>
           <p:cNvGrpSpPr/>
           <p:nvPr/>
         </p:nvGrpSpPr>
         <p:grpSpPr>
           <a:xfrm>
             <a:off x="3736975" y="411162"/>
-            <a:ext cx="1670051" cy="1439864"/>
+            <a:ext cx="1670050" cy="1439863"/>
             <a:chOff x="0" y="0"/>
             <a:chExt cx="1670050" cy="1439862"/>
           </a:xfrm>
@@ -1893,7 +2688,7 @@
           <p:spPr>
             <a:xfrm>
               <a:off x="0" y="0"/>
-              <a:ext cx="1670051" cy="1439863"/>
+              <a:ext cx="1670050" cy="1439863"/>
             </a:xfrm>
             <a:custGeom>
               <a:avLst/>
@@ -2193,53 +2988,6 @@
           </p:nvSpPr>
           <p:spPr>
             <a:xfrm>
-              <a:off x="195767" y="553561"/>
-              <a:ext cx="1249722" cy="332741"/>
-            </a:xfrm>
-            <a:prstGeom prst="rect">
-              <a:avLst/>
-            </a:prstGeom>
-            <a:noFill/>
-            <a:ln w="12700" cap="flat">
-              <a:noFill/>
-              <a:miter lim="400000"/>
-            </a:ln>
-            <a:effectLst/>
-            <a:extLst>
-              <a:ext uri="{C572A759-6A51-4108-AA02-DFA0A04FC94B}">
-                <ma14:wrappingTextBoxFlag xmlns:ma14="http://schemas.microsoft.com/office/mac/drawingml/2011/main" val="1"/>
-              </a:ext>
-            </a:extLst>
-          </p:spPr>
-          <p:txBody>
-            <a:bodyPr wrap="square" lIns="45719" tIns="45719" rIns="45719" bIns="45719" numCol="1" anchor="ctr">
-              <a:spAutoFit/>
-            </a:bodyPr>
-            <a:lstStyle>
-              <a:lvl1pPr algn="ctr">
-                <a:defRPr b="1" sz="1600">
-                  <a:solidFill>
-                    <a:srgbClr val="FFFFFF"/>
-                  </a:solidFill>
-                </a:defRPr>
-              </a:lvl1pPr>
-            </a:lstStyle>
-            <a:p>
-              <a:pPr/>
-              <a:r>
-                <a:t>LOGO</a:t>
-              </a:r>
-            </a:p>
-          </p:txBody>
-        </p:sp>
-        <p:sp>
-          <p:nvSpPr>
-            <p:cNvPr id="49" name="Shape 49"/>
-            <p:cNvSpPr/>
-            <p:nvPr/>
-          </p:nvSpPr>
-          <p:spPr>
-            <a:xfrm>
               <a:off x="70053" y="52559"/>
               <a:ext cx="1524311" cy="1314211"/>
             </a:xfrm>
@@ -2319,7 +3067,7 @@
       </p:grpSp>
       <p:sp>
         <p:nvSpPr>
-          <p:cNvPr id="51" name="Shape 51"/>
+          <p:cNvPr id="50" name="Shape 50"/>
           <p:cNvSpPr/>
           <p:nvPr/>
         </p:nvSpPr>
@@ -2367,7 +3115,7 @@
       </p:sp>
       <p:sp>
         <p:nvSpPr>
-          <p:cNvPr id="52" name="Shape 52"/>
+          <p:cNvPr id="51" name="Shape 51"/>
           <p:cNvSpPr/>
           <p:nvPr/>
         </p:nvSpPr>
@@ -2454,14 +3202,14 @@
       </p:sp>
       <p:sp>
         <p:nvSpPr>
-          <p:cNvPr id="53" name="Shape 53"/>
+          <p:cNvPr id="52" name="Shape 52"/>
           <p:cNvSpPr/>
           <p:nvPr/>
         </p:nvSpPr>
         <p:spPr>
           <a:xfrm>
             <a:off x="3927468" y="1124243"/>
-            <a:ext cx="268295" cy="12407"/>
+            <a:ext cx="268295" cy="12408"/>
           </a:xfrm>
           <a:prstGeom prst="line">
             <a:avLst/>
@@ -2485,7 +3233,7 @@
       </p:sp>
       <p:sp>
         <p:nvSpPr>
-          <p:cNvPr id="54" name="Shape 54"/>
+          <p:cNvPr id="53" name="Shape 53"/>
           <p:cNvSpPr/>
           <p:nvPr/>
         </p:nvSpPr>
@@ -2563,7 +3311,7 @@
       </p:sp>
       <p:sp>
         <p:nvSpPr>
-          <p:cNvPr id="55" name="Shape 55"/>
+          <p:cNvPr id="54" name="Shape 54"/>
           <p:cNvSpPr/>
           <p:nvPr>
             <p:ph type="sldNum" sz="quarter" idx="4294967295"/>
@@ -2620,7 +3368,7 @@
       </p:grpSpPr>
       <p:sp>
         <p:nvSpPr>
-          <p:cNvPr id="191" name="Shape 191"/>
+          <p:cNvPr id="205" name="Shape 205"/>
           <p:cNvSpPr/>
           <p:nvPr/>
         </p:nvSpPr>
@@ -2661,7 +3409,7 @@
       </p:sp>
       <p:sp>
         <p:nvSpPr>
-          <p:cNvPr id="192" name="Shape 192"/>
+          <p:cNvPr id="206" name="Shape 206"/>
           <p:cNvSpPr/>
           <p:nvPr/>
         </p:nvSpPr>
@@ -2690,7 +3438,7 @@
       </p:sp>
       <p:sp>
         <p:nvSpPr>
-          <p:cNvPr id="193" name="Shape 193"/>
+          <p:cNvPr id="207" name="Shape 207"/>
           <p:cNvSpPr/>
           <p:nvPr/>
         </p:nvSpPr>
@@ -2719,7 +3467,7 @@
       </p:sp>
       <p:sp>
         <p:nvSpPr>
-          <p:cNvPr id="194" name="Shape 194"/>
+          <p:cNvPr id="208" name="Shape 208"/>
           <p:cNvSpPr/>
           <p:nvPr/>
         </p:nvSpPr>
@@ -2760,14 +3508,14 @@
           <a:p>
             <a:pPr/>
             <a:r>
-              <a:t>02</a:t>
+              <a:t>2.4</a:t>
             </a:r>
           </a:p>
         </p:txBody>
       </p:sp>
       <p:sp>
         <p:nvSpPr>
-          <p:cNvPr id="195" name="Shape 195"/>
+          <p:cNvPr id="209" name="Shape 209"/>
           <p:cNvSpPr/>
           <p:nvPr/>
         </p:nvSpPr>
@@ -2815,7 +3563,7 @@
       </p:sp>
       <p:sp>
         <p:nvSpPr>
-          <p:cNvPr id="196" name="Shape 196"/>
+          <p:cNvPr id="210" name="Shape 210"/>
           <p:cNvSpPr/>
           <p:nvPr/>
         </p:nvSpPr>
@@ -2893,7 +3641,7 @@
       </p:sp>
       <p:sp>
         <p:nvSpPr>
-          <p:cNvPr id="197" name="Shape 197"/>
+          <p:cNvPr id="211" name="Shape 211"/>
           <p:cNvSpPr/>
           <p:nvPr/>
         </p:nvSpPr>
@@ -2932,7 +3680,7 @@
       </p:sp>
       <p:sp>
         <p:nvSpPr>
-          <p:cNvPr id="198" name="Shape 198"/>
+          <p:cNvPr id="212" name="Shape 212"/>
           <p:cNvSpPr/>
           <p:nvPr/>
         </p:nvSpPr>
@@ -3000,14 +3748,14 @@
       </p:sp>
       <p:sp>
         <p:nvSpPr>
-          <p:cNvPr id="199" name="Shape 199"/>
+          <p:cNvPr id="213" name="Shape 213"/>
           <p:cNvSpPr/>
           <p:nvPr/>
         </p:nvSpPr>
         <p:spPr>
           <a:xfrm>
             <a:off x="646430" y="973137"/>
-            <a:ext cx="2390041" cy="1361441"/>
+            <a:ext cx="1018541" cy="408941"/>
           </a:xfrm>
           <a:prstGeom prst="rect">
             <a:avLst/>
@@ -3022,7 +3770,7 @@
           </a:extLst>
         </p:spPr>
         <p:txBody>
-          <a:bodyPr lIns="45719" rIns="45719">
+          <a:bodyPr wrap="none" lIns="45719" rIns="45719">
             <a:spAutoFit/>
           </a:bodyPr>
           <a:lstStyle>
@@ -3033,43 +3781,14 @@
           <a:p>
             <a:pPr/>
             <a:r>
-              <a:t>晶态与非晶态的折射率差异（∆R越接近0，在晶态-非晶态转换的过程中成像的变化越小）</a:t>
+              <a:t>折射率：</a:t>
             </a:r>
           </a:p>
         </p:txBody>
       </p:sp>
       <p:pic>
         <p:nvPicPr>
-          <p:cNvPr id="200" name="pasted-image.png"/>
-          <p:cNvPicPr>
-            <a:picLocks noChangeAspect="1"/>
-          </p:cNvPicPr>
-          <p:nvPr/>
-        </p:nvPicPr>
-        <p:blipFill>
-          <a:blip r:embed="rId2">
-            <a:extLst/>
-          </a:blip>
-          <a:stretch>
-            <a:fillRect/>
-          </a:stretch>
-        </p:blipFill>
-        <p:spPr>
-          <a:xfrm>
-            <a:off x="3102944" y="811688"/>
-            <a:ext cx="2938112" cy="4181756"/>
-          </a:xfrm>
-          <a:prstGeom prst="rect">
-            <a:avLst/>
-          </a:prstGeom>
-          <a:ln w="12700">
-            <a:miter lim="400000"/>
-          </a:ln>
-        </p:spPr>
-      </p:pic>
-      <p:pic>
-        <p:nvPicPr>
-          <p:cNvPr id="201" name="pasted-image.png"/>
+          <p:cNvPr id="214" name="pasted-image.png"/>
           <p:cNvPicPr>
             <a:picLocks noChangeAspect="1"/>
           </p:cNvPicPr>
@@ -3085,8 +3804,8 @@
         </p:blipFill>
         <p:spPr>
           <a:xfrm>
-            <a:off x="5905500" y="771525"/>
-            <a:ext cx="3165154" cy="2717904"/>
+            <a:off x="3025710" y="771525"/>
+            <a:ext cx="5824754" cy="4324438"/>
           </a:xfrm>
           <a:prstGeom prst="rect">
             <a:avLst/>
@@ -3098,7 +3817,7 @@
       </p:pic>
       <p:sp>
         <p:nvSpPr>
-          <p:cNvPr id="202" name="Shape 202"/>
+          <p:cNvPr id="215" name="Shape 215"/>
           <p:cNvSpPr/>
           <p:nvPr>
             <p:ph type="sldNum" sz="quarter" idx="4294967295"/>
@@ -3162,7 +3881,7 @@
       </p:grpSpPr>
       <p:sp>
         <p:nvSpPr>
-          <p:cNvPr id="204" name="Shape 204"/>
+          <p:cNvPr id="219" name="Shape 219"/>
           <p:cNvSpPr/>
           <p:nvPr/>
         </p:nvSpPr>
@@ -3203,7 +3922,553 @@
       </p:sp>
       <p:sp>
         <p:nvSpPr>
-          <p:cNvPr id="205" name="Shape 205"/>
+          <p:cNvPr id="220" name="Shape 220"/>
+          <p:cNvSpPr/>
+          <p:nvPr/>
+        </p:nvSpPr>
+        <p:spPr>
+          <a:xfrm>
+            <a:off x="179387" y="714375"/>
+            <a:ext cx="8713788" cy="0"/>
+          </a:xfrm>
+          <a:prstGeom prst="line">
+            <a:avLst/>
+          </a:prstGeom>
+          <a:ln>
+            <a:solidFill>
+              <a:srgbClr val="A5A5A5"/>
+            </a:solidFill>
+            <a:miter/>
+          </a:ln>
+        </p:spPr>
+        <p:txBody>
+          <a:bodyPr lIns="45719" rIns="45719"/>
+          <a:lstStyle/>
+          <a:p>
+            <a:pPr/>
+          </a:p>
+        </p:txBody>
+      </p:sp>
+      <p:sp>
+        <p:nvSpPr>
+          <p:cNvPr id="221" name="Shape 221"/>
+          <p:cNvSpPr/>
+          <p:nvPr/>
+        </p:nvSpPr>
+        <p:spPr>
+          <a:xfrm flipV="1">
+            <a:off x="1069975" y="282575"/>
+            <a:ext cx="0" cy="287338"/>
+          </a:xfrm>
+          <a:prstGeom prst="line">
+            <a:avLst/>
+          </a:prstGeom>
+          <a:ln w="19050">
+            <a:solidFill>
+              <a:srgbClr val="595959"/>
+            </a:solidFill>
+            <a:miter/>
+          </a:ln>
+        </p:spPr>
+        <p:txBody>
+          <a:bodyPr lIns="45719" rIns="45719"/>
+          <a:lstStyle/>
+          <a:p>
+            <a:pPr/>
+          </a:p>
+        </p:txBody>
+      </p:sp>
+      <p:sp>
+        <p:nvSpPr>
+          <p:cNvPr id="222" name="Shape 222"/>
+          <p:cNvSpPr/>
+          <p:nvPr/>
+        </p:nvSpPr>
+        <p:spPr>
+          <a:xfrm>
+            <a:off x="287337" y="225425"/>
+            <a:ext cx="782638" cy="396240"/>
+          </a:xfrm>
+          <a:prstGeom prst="rect">
+            <a:avLst/>
+          </a:prstGeom>
+          <a:ln w="12700">
+            <a:miter lim="400000"/>
+          </a:ln>
+          <a:extLst>
+            <a:ext uri="{C572A759-6A51-4108-AA02-DFA0A04FC94B}">
+              <ma14:wrappingTextBoxFlag xmlns:ma14="http://schemas.microsoft.com/office/mac/drawingml/2011/main" val="1"/>
+            </a:ext>
+          </a:extLst>
+        </p:spPr>
+        <p:txBody>
+          <a:bodyPr lIns="45719" rIns="45719">
+            <a:spAutoFit/>
+          </a:bodyPr>
+          <a:lstStyle>
+            <a:lvl1pPr algn="r">
+              <a:defRPr b="1" sz="2000">
+                <a:solidFill>
+                  <a:srgbClr val="3F3F3F"/>
+                </a:solidFill>
+                <a:latin typeface="微软雅黑"/>
+                <a:ea typeface="微软雅黑"/>
+                <a:cs typeface="微软雅黑"/>
+                <a:sym typeface="微软雅黑"/>
+              </a:defRPr>
+            </a:lvl1pPr>
+          </a:lstStyle>
+          <a:p>
+            <a:pPr/>
+            <a:r>
+              <a:t>2.4</a:t>
+            </a:r>
+          </a:p>
+        </p:txBody>
+      </p:sp>
+      <p:sp>
+        <p:nvSpPr>
+          <p:cNvPr id="223" name="Shape 223"/>
+          <p:cNvSpPr/>
+          <p:nvPr/>
+        </p:nvSpPr>
+        <p:spPr>
+          <a:xfrm>
+            <a:off x="1084262" y="241300"/>
+            <a:ext cx="2600822" cy="408940"/>
+          </a:xfrm>
+          <a:prstGeom prst="rect">
+            <a:avLst/>
+          </a:prstGeom>
+          <a:ln w="12700">
+            <a:miter lim="400000"/>
+          </a:ln>
+          <a:extLst>
+            <a:ext uri="{C572A759-6A51-4108-AA02-DFA0A04FC94B}">
+              <ma14:wrappingTextBoxFlag xmlns:ma14="http://schemas.microsoft.com/office/mac/drawingml/2011/main" val="1"/>
+            </a:ext>
+          </a:extLst>
+        </p:spPr>
+        <p:txBody>
+          <a:bodyPr lIns="45719" rIns="45719">
+            <a:spAutoFit/>
+          </a:bodyPr>
+          <a:lstStyle>
+            <a:lvl1pPr>
+              <a:defRPr b="1">
+                <a:solidFill>
+                  <a:srgbClr val="3F3F3F"/>
+                </a:solidFill>
+                <a:latin typeface="微软雅黑"/>
+                <a:ea typeface="微软雅黑"/>
+                <a:cs typeface="微软雅黑"/>
+                <a:sym typeface="微软雅黑"/>
+              </a:defRPr>
+            </a:lvl1pPr>
+          </a:lstStyle>
+          <a:p>
+            <a:pPr/>
+            <a:r>
+              <a:t>GST材料的可见光性质</a:t>
+            </a:r>
+          </a:p>
+        </p:txBody>
+      </p:sp>
+      <p:sp>
+        <p:nvSpPr>
+          <p:cNvPr id="224" name="Shape 224"/>
+          <p:cNvSpPr/>
+          <p:nvPr/>
+        </p:nvSpPr>
+        <p:spPr>
+          <a:xfrm>
+            <a:off x="7369175" y="-33338"/>
+            <a:ext cx="1512888" cy="916941"/>
+          </a:xfrm>
+          <a:prstGeom prst="rect">
+            <a:avLst/>
+          </a:prstGeom>
+          <a:ln w="12700">
+            <a:miter lim="400000"/>
+          </a:ln>
+          <a:extLst>
+            <a:ext uri="{C572A759-6A51-4108-AA02-DFA0A04FC94B}">
+              <ma14:wrappingTextBoxFlag xmlns:ma14="http://schemas.microsoft.com/office/mac/drawingml/2011/main" val="1"/>
+            </a:ext>
+          </a:extLst>
+        </p:spPr>
+        <p:txBody>
+          <a:bodyPr lIns="45719" rIns="45719">
+            <a:spAutoFit/>
+          </a:bodyPr>
+          <a:lstStyle/>
+          <a:p>
+            <a:pPr algn="just">
+              <a:defRPr b="1" sz="5400">
+                <a:solidFill>
+                  <a:srgbClr val="05AFC8"/>
+                </a:solidFill>
+                <a:latin typeface="微软雅黑"/>
+                <a:ea typeface="微软雅黑"/>
+                <a:cs typeface="微软雅黑"/>
+                <a:sym typeface="微软雅黑"/>
+              </a:defRPr>
+            </a:pPr>
+            <a:r>
+              <a:t>·</a:t>
+            </a:r>
+            <a:r>
+              <a:rPr>
+                <a:solidFill>
+                  <a:srgbClr val="3F3F3F"/>
+                </a:solidFill>
+              </a:rPr>
+              <a:t> </a:t>
+            </a:r>
+            <a:r>
+              <a:rPr>
+                <a:solidFill>
+                  <a:srgbClr val="FFC000"/>
+                </a:solidFill>
+              </a:rPr>
+              <a:t>·</a:t>
+            </a:r>
+            <a:r>
+              <a:rPr>
+                <a:solidFill>
+                  <a:srgbClr val="3F3F3F"/>
+                </a:solidFill>
+              </a:rPr>
+              <a:t> </a:t>
+            </a:r>
+            <a:r>
+              <a:rPr>
+                <a:solidFill>
+                  <a:srgbClr val="FA4453"/>
+                </a:solidFill>
+              </a:rPr>
+              <a:t>·</a:t>
+            </a:r>
+          </a:p>
+        </p:txBody>
+      </p:sp>
+      <p:sp>
+        <p:nvSpPr>
+          <p:cNvPr id="225" name="Shape 225"/>
+          <p:cNvSpPr/>
+          <p:nvPr/>
+        </p:nvSpPr>
+        <p:spPr>
+          <a:xfrm>
+            <a:off x="-1" y="5092700"/>
+            <a:ext cx="9144002" cy="142876"/>
+          </a:xfrm>
+          <a:prstGeom prst="rect">
+            <a:avLst/>
+          </a:prstGeom>
+          <a:solidFill>
+            <a:srgbClr val="FFC000"/>
+          </a:solidFill>
+          <a:ln w="12700">
+            <a:miter lim="400000"/>
+          </a:ln>
+        </p:spPr>
+        <p:txBody>
+          <a:bodyPr lIns="45719" rIns="45719" anchor="ctr"/>
+          <a:lstStyle/>
+          <a:p>
+            <a:pPr algn="ctr">
+              <a:defRPr>
+                <a:solidFill>
+                  <a:srgbClr val="FFFFFF"/>
+                </a:solidFill>
+                <a:latin typeface="宋体"/>
+                <a:ea typeface="宋体"/>
+                <a:cs typeface="宋体"/>
+                <a:sym typeface="宋体"/>
+              </a:defRPr>
+            </a:pPr>
+          </a:p>
+        </p:txBody>
+      </p:sp>
+      <p:sp>
+        <p:nvSpPr>
+          <p:cNvPr id="226" name="Shape 226"/>
+          <p:cNvSpPr/>
+          <p:nvPr/>
+        </p:nvSpPr>
+        <p:spPr>
+          <a:xfrm rot="16200000">
+            <a:off x="146843" y="280193"/>
+            <a:ext cx="360364" cy="241301"/>
+          </a:xfrm>
+          <a:custGeom>
+            <a:avLst/>
+            <a:gdLst/>
+            <a:ahLst/>
+            <a:cxnLst>
+              <a:cxn ang="0">
+                <a:pos x="wd2" y="hd2"/>
+              </a:cxn>
+              <a:cxn ang="5400000">
+                <a:pos x="wd2" y="hd2"/>
+              </a:cxn>
+              <a:cxn ang="10800000">
+                <a:pos x="wd2" y="hd2"/>
+              </a:cxn>
+              <a:cxn ang="16200000">
+                <a:pos x="wd2" y="hd2"/>
+              </a:cxn>
+            </a:cxnLst>
+            <a:rect l="0" t="0" r="r" b="b"/>
+            <a:pathLst>
+              <a:path w="21600" h="21600" fill="norm" stroke="1" extrusionOk="0">
+                <a:moveTo>
+                  <a:pt x="0" y="0"/>
+                </a:moveTo>
+                <a:lnTo>
+                  <a:pt x="21600" y="0"/>
+                </a:lnTo>
+                <a:lnTo>
+                  <a:pt x="10800" y="21600"/>
+                </a:lnTo>
+                <a:close/>
+              </a:path>
+            </a:pathLst>
+          </a:custGeom>
+          <a:ln w="6350">
+            <a:solidFill>
+              <a:srgbClr val="7F7F7F"/>
+            </a:solidFill>
+            <a:prstDash val="sysDash"/>
+            <a:miter/>
+          </a:ln>
+        </p:spPr>
+        <p:txBody>
+          <a:bodyPr lIns="45719" rIns="45719" anchor="ctr"/>
+          <a:lstStyle/>
+          <a:p>
+            <a:pPr algn="ctr">
+              <a:defRPr>
+                <a:latin typeface="宋体"/>
+                <a:ea typeface="宋体"/>
+                <a:cs typeface="宋体"/>
+                <a:sym typeface="宋体"/>
+              </a:defRPr>
+            </a:pPr>
+          </a:p>
+        </p:txBody>
+      </p:sp>
+      <p:sp>
+        <p:nvSpPr>
+          <p:cNvPr id="227" name="Shape 227"/>
+          <p:cNvSpPr/>
+          <p:nvPr/>
+        </p:nvSpPr>
+        <p:spPr>
+          <a:xfrm>
+            <a:off x="646430" y="973137"/>
+            <a:ext cx="2390041" cy="1361441"/>
+          </a:xfrm>
+          <a:prstGeom prst="rect">
+            <a:avLst/>
+          </a:prstGeom>
+          <a:ln w="12700">
+            <a:miter lim="400000"/>
+          </a:ln>
+          <a:extLst>
+            <a:ext uri="{C572A759-6A51-4108-AA02-DFA0A04FC94B}">
+              <ma14:wrappingTextBoxFlag xmlns:ma14="http://schemas.microsoft.com/office/mac/drawingml/2011/main" val="1"/>
+            </a:ext>
+          </a:extLst>
+        </p:spPr>
+        <p:txBody>
+          <a:bodyPr lIns="45719" rIns="45719">
+            <a:spAutoFit/>
+          </a:bodyPr>
+          <a:lstStyle>
+            <a:lvl1pPr>
+              <a:defRPr b="1"/>
+            </a:lvl1pPr>
+          </a:lstStyle>
+          <a:p>
+            <a:pPr/>
+            <a:r>
+              <a:t>晶态与非晶态的反射率差异（∆R越接近0，在晶态-非晶态转换的过程中成像的变化越小）</a:t>
+            </a:r>
+          </a:p>
+        </p:txBody>
+      </p:sp>
+      <p:pic>
+        <p:nvPicPr>
+          <p:cNvPr id="228" name="pasted-image.png"/>
+          <p:cNvPicPr>
+            <a:picLocks noChangeAspect="1"/>
+          </p:cNvPicPr>
+          <p:nvPr/>
+        </p:nvPicPr>
+        <p:blipFill>
+          <a:blip r:embed="rId3">
+            <a:extLst/>
+          </a:blip>
+          <a:stretch>
+            <a:fillRect/>
+          </a:stretch>
+        </p:blipFill>
+        <p:spPr>
+          <a:xfrm>
+            <a:off x="3102944" y="811688"/>
+            <a:ext cx="2938112" cy="4181756"/>
+          </a:xfrm>
+          <a:prstGeom prst="rect">
+            <a:avLst/>
+          </a:prstGeom>
+          <a:ln w="12700">
+            <a:miter lim="400000"/>
+          </a:ln>
+        </p:spPr>
+      </p:pic>
+      <p:pic>
+        <p:nvPicPr>
+          <p:cNvPr id="229" name="pasted-image.png"/>
+          <p:cNvPicPr>
+            <a:picLocks noChangeAspect="1"/>
+          </p:cNvPicPr>
+          <p:nvPr/>
+        </p:nvPicPr>
+        <p:blipFill>
+          <a:blip r:embed="rId4">
+            <a:extLst/>
+          </a:blip>
+          <a:stretch>
+            <a:fillRect/>
+          </a:stretch>
+        </p:blipFill>
+        <p:spPr>
+          <a:xfrm>
+            <a:off x="5905500" y="771525"/>
+            <a:ext cx="3165154" cy="2717904"/>
+          </a:xfrm>
+          <a:prstGeom prst="rect">
+            <a:avLst/>
+          </a:prstGeom>
+          <a:ln w="12700">
+            <a:miter lim="400000"/>
+          </a:ln>
+        </p:spPr>
+      </p:pic>
+      <p:sp>
+        <p:nvSpPr>
+          <p:cNvPr id="230" name="Shape 230"/>
+          <p:cNvSpPr/>
+          <p:nvPr>
+            <p:ph type="sldNum" sz="quarter" idx="4294967295"/>
+          </p:nvPr>
+        </p:nvSpPr>
+        <p:spPr>
+          <a:xfrm>
+            <a:off x="8424455" y="4772454"/>
+            <a:ext cx="262345" cy="264255"/>
+          </a:xfrm>
+          <a:prstGeom prst="rect">
+            <a:avLst/>
+          </a:prstGeom>
+          <a:extLst>
+            <a:ext uri="{C572A759-6A51-4108-AA02-DFA0A04FC94B}">
+              <ma14:wrappingTextBoxFlag xmlns:ma14="http://schemas.microsoft.com/office/mac/drawingml/2011/main" val="1"/>
+            </a:ext>
+          </a:extLst>
+        </p:spPr>
+        <p:txBody>
+          <a:bodyPr/>
+          <a:lstStyle/>
+          <a:p>
+            <a:pPr/>
+            <a:fld id="{86CB4B4D-7CA3-9044-876B-883B54F8677D}" type="slidenum"/>
+          </a:p>
+        </p:txBody>
+      </p:sp>
+    </p:spTree>
+  </p:cSld>
+  <p:clrMapOvr>
+    <a:masterClrMapping/>
+  </p:clrMapOvr>
+  <mc:AlternateContent xmlns:mc="http://schemas.openxmlformats.org/markup-compatibility/2006">
+    <mc:Choice xmlns:p14="http://schemas.microsoft.com/office/powerpoint/2010/main" Requires="p14">
+      <p:transition spd="slow" advClick="1" p14:dur="1200">
+        <p:dissolve/>
+      </p:transition>
+    </mc:Choice>
+    <mc:Fallback>
+      <p:transition spd="slow">
+        <p:fade/>
+      </p:transition>
+    </mc:Fallback>
+  </mc:AlternateContent>
+</p:sld>
+</file>
+
+<file path=ppt/slides/slide12.xml><?xml version="1.0" encoding="utf-8"?>
+<p:sld xmlns:a="http://schemas.openxmlformats.org/drawingml/2006/main" xmlns:r="http://schemas.openxmlformats.org/officeDocument/2006/relationships" xmlns:p="http://schemas.openxmlformats.org/presentationml/2006/main" showMasterSp="1" showMasterPhAnim="1">
+  <p:cSld>
+    <p:spTree>
+      <p:nvGrpSpPr>
+        <p:cNvPr id="1" name=""/>
+        <p:cNvGrpSpPr/>
+        <p:nvPr/>
+      </p:nvGrpSpPr>
+      <p:grpSpPr>
+        <a:xfrm>
+          <a:off x="0" y="0"/>
+          <a:ext cx="0" cy="0"/>
+          <a:chOff x="0" y="0"/>
+          <a:chExt cx="0" cy="0"/>
+        </a:xfrm>
+      </p:grpSpPr>
+      <p:sp>
+        <p:nvSpPr>
+          <p:cNvPr id="234" name="Shape 234"/>
+          <p:cNvSpPr/>
+          <p:nvPr/>
+        </p:nvSpPr>
+        <p:spPr>
+          <a:xfrm>
+            <a:off x="-1" y="-33338"/>
+            <a:ext cx="9144002" cy="5270501"/>
+          </a:xfrm>
+          <a:prstGeom prst="rect">
+            <a:avLst/>
+          </a:prstGeom>
+          <a:solidFill>
+            <a:srgbClr val="000000">
+              <a:alpha val="11999"/>
+            </a:srgbClr>
+          </a:solidFill>
+          <a:ln w="12700">
+            <a:miter lim="400000"/>
+          </a:ln>
+        </p:spPr>
+        <p:txBody>
+          <a:bodyPr lIns="45719" rIns="45719" anchor="ctr"/>
+          <a:lstStyle/>
+          <a:p>
+            <a:pPr algn="ctr">
+              <a:defRPr>
+                <a:solidFill>
+                  <a:srgbClr val="FFFFFF"/>
+                </a:solidFill>
+                <a:latin typeface="宋体"/>
+                <a:ea typeface="宋体"/>
+                <a:cs typeface="宋体"/>
+                <a:sym typeface="宋体"/>
+              </a:defRPr>
+            </a:pPr>
+          </a:p>
+        </p:txBody>
+      </p:sp>
+      <p:sp>
+        <p:nvSpPr>
+          <p:cNvPr id="235" name="Shape 235"/>
           <p:cNvSpPr/>
           <p:nvPr/>
         </p:nvSpPr>
@@ -3275,7 +4540,7 @@
       </p:sp>
       <p:sp>
         <p:nvSpPr>
-          <p:cNvPr id="206" name="Shape 206"/>
+          <p:cNvPr id="236" name="Shape 236"/>
           <p:cNvSpPr/>
           <p:nvPr/>
         </p:nvSpPr>
@@ -3343,7 +4608,7 @@
       </p:sp>
       <p:sp>
         <p:nvSpPr>
-          <p:cNvPr id="207" name="Shape 207"/>
+          <p:cNvPr id="237" name="Shape 237"/>
           <p:cNvSpPr/>
           <p:nvPr/>
         </p:nvSpPr>
@@ -3411,14 +4676,14 @@
       </p:sp>
       <p:sp>
         <p:nvSpPr>
-          <p:cNvPr id="208" name="Shape 208"/>
+          <p:cNvPr id="238" name="Shape 238"/>
           <p:cNvSpPr/>
           <p:nvPr/>
         </p:nvSpPr>
         <p:spPr>
           <a:xfrm>
-            <a:off x="3070224" y="3311525"/>
-            <a:ext cx="3086102" cy="599440"/>
+            <a:off x="3070225" y="3311525"/>
+            <a:ext cx="3086101" cy="599440"/>
           </a:xfrm>
           <a:prstGeom prst="rect">
             <a:avLst/>
@@ -3456,7 +4721,7 @@
       </p:sp>
       <p:sp>
         <p:nvSpPr>
-          <p:cNvPr id="209" name="Shape 209"/>
+          <p:cNvPr id="239" name="Shape 239"/>
           <p:cNvSpPr/>
           <p:nvPr/>
         </p:nvSpPr>
@@ -3504,7 +4769,7 @@
       </p:sp>
       <p:sp>
         <p:nvSpPr>
-          <p:cNvPr id="210" name="Shape 210"/>
+          <p:cNvPr id="240" name="Shape 240"/>
           <p:cNvSpPr/>
           <p:nvPr/>
         </p:nvSpPr>
@@ -3545,17 +4810,13 @@
       </p:sp>
       <p:sp>
         <p:nvSpPr>
-          <p:cNvPr id="211" name="Shape 211"/>
+          <p:cNvPr id="241" name="Shape 241"/>
           <p:cNvSpPr/>
           <p:nvPr>
             <p:ph type="sldNum" sz="quarter" idx="4294967295"/>
           </p:nvPr>
         </p:nvSpPr>
         <p:spPr>
-          <a:xfrm>
-            <a:off x="8424455" y="4772454"/>
-            <a:ext cx="262345" cy="264255"/>
-          </a:xfrm>
           <a:prstGeom prst="rect">
             <a:avLst/>
           </a:prstGeom>
@@ -3594,7 +4855,7 @@
 </p:sld>
 </file>
 
-<file path=ppt/slides/slide12.xml><?xml version="1.0" encoding="utf-8"?>
+<file path=ppt/slides/slide13.xml><?xml version="1.0" encoding="utf-8"?>
 <p:sld xmlns:a="http://schemas.openxmlformats.org/drawingml/2006/main" xmlns:r="http://schemas.openxmlformats.org/officeDocument/2006/relationships" xmlns:p="http://schemas.openxmlformats.org/presentationml/2006/main" showMasterSp="1" showMasterPhAnim="1">
   <p:cSld>
     <p:spTree>
@@ -3613,7 +4874,7 @@
       </p:grpSpPr>
       <p:sp>
         <p:nvSpPr>
-          <p:cNvPr id="213" name="Shape 213"/>
+          <p:cNvPr id="245" name="Shape 245"/>
           <p:cNvSpPr/>
           <p:nvPr/>
         </p:nvSpPr>
@@ -3654,7 +4915,7 @@
       </p:sp>
       <p:grpSp>
         <p:nvGrpSpPr>
-          <p:cNvPr id="217" name="Group 217"/>
+          <p:cNvPr id="249" name="Group 249"/>
           <p:cNvGrpSpPr/>
           <p:nvPr/>
         </p:nvGrpSpPr>
@@ -3668,13 +4929,13 @@
         </p:grpSpPr>
         <p:sp>
           <p:nvSpPr>
-            <p:cNvPr id="214" name="Shape 214"/>
+            <p:cNvPr id="246" name="Shape 246"/>
             <p:cNvSpPr/>
             <p:nvPr/>
           </p:nvSpPr>
           <p:spPr>
             <a:xfrm flipV="1">
-              <a:off x="782349" y="40715"/>
+              <a:off x="782350" y="40715"/>
               <a:ext cx="2" cy="288494"/>
             </a:xfrm>
             <a:prstGeom prst="line">
@@ -3702,7 +4963,7 @@
         </p:sp>
         <p:sp>
           <p:nvSpPr>
-            <p:cNvPr id="215" name="Shape 215"/>
+            <p:cNvPr id="247" name="Shape 247"/>
             <p:cNvSpPr/>
             <p:nvPr/>
           </p:nvSpPr>
@@ -3753,7 +5014,7 @@
         </p:sp>
         <p:sp>
           <p:nvSpPr>
-            <p:cNvPr id="216" name="Shape 216"/>
+            <p:cNvPr id="248" name="Shape 248"/>
             <p:cNvSpPr/>
             <p:nvPr/>
           </p:nvSpPr>
@@ -3805,7 +5066,7 @@
       </p:grpSp>
       <p:sp>
         <p:nvSpPr>
-          <p:cNvPr id="218" name="Shape 218"/>
+          <p:cNvPr id="250" name="Shape 250"/>
           <p:cNvSpPr/>
           <p:nvPr/>
         </p:nvSpPr>
@@ -3883,7 +5144,7 @@
       </p:sp>
       <p:sp>
         <p:nvSpPr>
-          <p:cNvPr id="219" name="Shape 219"/>
+          <p:cNvPr id="251" name="Shape 251"/>
           <p:cNvSpPr/>
           <p:nvPr/>
         </p:nvSpPr>
@@ -3951,14 +5212,14 @@
       </p:sp>
       <p:pic>
         <p:nvPicPr>
-          <p:cNvPr id="220" name="pasted-image.png"/>
+          <p:cNvPr id="252" name="pasted-image.png"/>
           <p:cNvPicPr>
             <a:picLocks noChangeAspect="1"/>
           </p:cNvPicPr>
           <p:nvPr/>
         </p:nvPicPr>
         <p:blipFill>
-          <a:blip r:embed="rId2">
+          <a:blip r:embed="rId3">
             <a:extLst/>
           </a:blip>
           <a:stretch>
@@ -3980,7 +5241,7 @@
       </p:pic>
       <p:sp>
         <p:nvSpPr>
-          <p:cNvPr id="221" name="Shape 221"/>
+          <p:cNvPr id="253" name="Shape 253"/>
           <p:cNvSpPr/>
           <p:nvPr>
             <p:ph type="sldNum" sz="quarter" idx="4294967295"/>
@@ -4025,7 +5286,7 @@
 </p:sld>
 </file>
 
-<file path=ppt/slides/slide13.xml><?xml version="1.0" encoding="utf-8"?>
+<file path=ppt/slides/slide14.xml><?xml version="1.0" encoding="utf-8"?>
 <p:sld xmlns:a="http://schemas.openxmlformats.org/drawingml/2006/main" xmlns:r="http://schemas.openxmlformats.org/officeDocument/2006/relationships" xmlns:p="http://schemas.openxmlformats.org/presentationml/2006/main" showMasterSp="1" showMasterPhAnim="1">
   <p:cSld>
     <p:spTree>
@@ -4044,7 +5305,7 @@
       </p:grpSpPr>
       <p:sp>
         <p:nvSpPr>
-          <p:cNvPr id="223" name="Shape 223"/>
+          <p:cNvPr id="257" name="Shape 257"/>
           <p:cNvSpPr/>
           <p:nvPr/>
         </p:nvSpPr>
@@ -4085,7 +5346,7 @@
       </p:sp>
       <p:sp>
         <p:nvSpPr>
-          <p:cNvPr id="224" name="Shape 224"/>
+          <p:cNvPr id="258" name="Shape 258"/>
           <p:cNvSpPr/>
           <p:nvPr/>
         </p:nvSpPr>
@@ -4157,7 +5418,7 @@
       </p:sp>
       <p:sp>
         <p:nvSpPr>
-          <p:cNvPr id="225" name="Shape 225"/>
+          <p:cNvPr id="259" name="Shape 259"/>
           <p:cNvSpPr/>
           <p:nvPr/>
         </p:nvSpPr>
@@ -4225,7 +5486,7 @@
       </p:sp>
       <p:sp>
         <p:nvSpPr>
-          <p:cNvPr id="226" name="Shape 226"/>
+          <p:cNvPr id="260" name="Shape 260"/>
           <p:cNvSpPr/>
           <p:nvPr/>
         </p:nvSpPr>
@@ -4273,7 +5534,7 @@
       </p:sp>
       <p:sp>
         <p:nvSpPr>
-          <p:cNvPr id="227" name="Shape 227"/>
+          <p:cNvPr id="261" name="Shape 261"/>
           <p:cNvSpPr/>
           <p:nvPr/>
         </p:nvSpPr>
@@ -4345,7 +5606,7 @@
       </p:sp>
       <p:sp>
         <p:nvSpPr>
-          <p:cNvPr id="228" name="Shape 228"/>
+          <p:cNvPr id="262" name="Shape 262"/>
           <p:cNvSpPr/>
           <p:nvPr/>
         </p:nvSpPr>
@@ -4418,14 +5679,14 @@
       </p:sp>
       <p:sp>
         <p:nvSpPr>
-          <p:cNvPr id="229" name="Shape 229"/>
+          <p:cNvPr id="263" name="Shape 263"/>
           <p:cNvSpPr/>
           <p:nvPr/>
         </p:nvSpPr>
         <p:spPr>
           <a:xfrm>
             <a:off x="1152525" y="2316162"/>
-            <a:ext cx="6840538" cy="497841"/>
+            <a:ext cx="6840538" cy="599441"/>
           </a:xfrm>
           <a:prstGeom prst="rect">
             <a:avLst/>
@@ -4445,7 +5706,7 @@
           </a:bodyPr>
           <a:lstStyle>
             <a:lvl1pPr algn="ctr">
-              <a:defRPr b="1" sz="2300">
+              <a:defRPr b="1" sz="2800">
                 <a:latin typeface="微软雅黑"/>
                 <a:ea typeface="微软雅黑"/>
                 <a:cs typeface="微软雅黑"/>
@@ -4463,7 +5724,7 @@
       </p:sp>
       <p:sp>
         <p:nvSpPr>
-          <p:cNvPr id="230" name="Shape 230"/>
+          <p:cNvPr id="264" name="Shape 264"/>
           <p:cNvSpPr/>
           <p:nvPr>
             <p:ph type="sldNum" sz="quarter" idx="4294967295"/>
@@ -4497,7 +5758,7 @@
 </p:sld>
 </file>
 
-<file path=ppt/slides/slide14.xml><?xml version="1.0" encoding="utf-8"?>
+<file path=ppt/slides/slide15.xml><?xml version="1.0" encoding="utf-8"?>
 <p:sld xmlns:a="http://schemas.openxmlformats.org/drawingml/2006/main" xmlns:r="http://schemas.openxmlformats.org/officeDocument/2006/relationships" xmlns:p="http://schemas.openxmlformats.org/presentationml/2006/main" showMasterSp="1" showMasterPhAnim="1">
   <p:cSld>
     <p:spTree>
@@ -4516,7 +5777,7 @@
       </p:grpSpPr>
       <p:sp>
         <p:nvSpPr>
-          <p:cNvPr id="232" name="Shape 232"/>
+          <p:cNvPr id="266" name="Shape 266"/>
           <p:cNvSpPr/>
           <p:nvPr/>
         </p:nvSpPr>
@@ -4557,7 +5818,7 @@
       </p:sp>
       <p:sp>
         <p:nvSpPr>
-          <p:cNvPr id="233" name="Shape 233"/>
+          <p:cNvPr id="267" name="Shape 267"/>
           <p:cNvSpPr/>
           <p:nvPr/>
         </p:nvSpPr>
@@ -4629,7 +5890,7 @@
       </p:sp>
       <p:sp>
         <p:nvSpPr>
-          <p:cNvPr id="234" name="Shape 234"/>
+          <p:cNvPr id="268" name="Shape 268"/>
           <p:cNvSpPr/>
           <p:nvPr/>
         </p:nvSpPr>
@@ -4697,7 +5958,7 @@
       </p:sp>
       <p:sp>
         <p:nvSpPr>
-          <p:cNvPr id="235" name="Shape 235"/>
+          <p:cNvPr id="269" name="Shape 269"/>
           <p:cNvSpPr/>
           <p:nvPr/>
         </p:nvSpPr>
@@ -4745,7 +6006,7 @@
       </p:sp>
       <p:sp>
         <p:nvSpPr>
-          <p:cNvPr id="236" name="Shape 236"/>
+          <p:cNvPr id="270" name="Shape 270"/>
           <p:cNvSpPr/>
           <p:nvPr/>
         </p:nvSpPr>
@@ -4817,7 +6078,7 @@
       </p:sp>
       <p:sp>
         <p:nvSpPr>
-          <p:cNvPr id="237" name="Shape 237"/>
+          <p:cNvPr id="271" name="Shape 271"/>
           <p:cNvSpPr/>
           <p:nvPr/>
         </p:nvSpPr>
@@ -4890,7 +6151,7 @@
       </p:sp>
       <p:sp>
         <p:nvSpPr>
-          <p:cNvPr id="238" name="Shape 238"/>
+          <p:cNvPr id="272" name="Shape 272"/>
           <p:cNvSpPr/>
           <p:nvPr/>
         </p:nvSpPr>
@@ -4935,13 +6196,13 @@
       </p:sp>
       <p:sp>
         <p:nvSpPr>
-          <p:cNvPr id="239" name="Shape 239"/>
+          <p:cNvPr id="273" name="Shape 273"/>
           <p:cNvSpPr/>
           <p:nvPr/>
         </p:nvSpPr>
         <p:spPr>
           <a:xfrm>
-            <a:off x="1421130" y="767079"/>
+            <a:off x="1421130" y="767080"/>
             <a:ext cx="5900054" cy="1678941"/>
           </a:xfrm>
           <a:prstGeom prst="rect">
@@ -5010,7 +6271,7 @@
       </p:sp>
       <p:sp>
         <p:nvSpPr>
-          <p:cNvPr id="240" name="Shape 240"/>
+          <p:cNvPr id="274" name="Shape 274"/>
           <p:cNvSpPr/>
           <p:nvPr>
             <p:ph type="sldNum" sz="quarter" idx="4294967295"/>
@@ -5055,7 +6316,7 @@
 </p:sld>
 </file>
 
-<file path=ppt/slides/slide15.xml><?xml version="1.0" encoding="utf-8"?>
+<file path=ppt/slides/slide16.xml><?xml version="1.0" encoding="utf-8"?>
 <p:sld xmlns:a="http://schemas.openxmlformats.org/drawingml/2006/main" xmlns:r="http://schemas.openxmlformats.org/officeDocument/2006/relationships" xmlns:p="http://schemas.openxmlformats.org/presentationml/2006/main" showMasterSp="1" showMasterPhAnim="1">
   <p:cSld>
     <p:spTree>
@@ -5074,14 +6335,14 @@
       </p:grpSpPr>
       <p:sp>
         <p:nvSpPr>
-          <p:cNvPr id="242" name="Shape 242"/>
+          <p:cNvPr id="276" name="Shape 276"/>
           <p:cNvSpPr/>
           <p:nvPr/>
         </p:nvSpPr>
         <p:spPr>
           <a:xfrm>
-            <a:off x="-1" y="-33338"/>
-            <a:ext cx="9144002" cy="5270501"/>
+            <a:off x="-1" y="-63500"/>
+            <a:ext cx="9144002" cy="5270500"/>
           </a:xfrm>
           <a:prstGeom prst="rect">
             <a:avLst/>
@@ -5115,26 +6376,56 @@
       </p:sp>
       <p:sp>
         <p:nvSpPr>
-          <p:cNvPr id="243" name="Shape 243"/>
-          <p:cNvSpPr/>
-          <p:nvPr/>
-        </p:nvSpPr>
-        <p:spPr>
-          <a:xfrm>
-            <a:off x="-69850" y="-17463"/>
-            <a:ext cx="9251950" cy="2281238"/>
-          </a:xfrm>
-          <a:prstGeom prst="rect">
-            <a:avLst/>
-          </a:prstGeom>
+          <p:cNvPr id="277" name="Shape 277"/>
+          <p:cNvSpPr/>
+          <p:nvPr/>
+        </p:nvSpPr>
+        <p:spPr>
+          <a:xfrm rot="10800000">
+            <a:off x="971550" y="4156075"/>
+            <a:ext cx="7200900" cy="1008063"/>
+          </a:xfrm>
+          <a:custGeom>
+            <a:avLst/>
+            <a:gdLst/>
+            <a:ahLst/>
+            <a:cxnLst>
+              <a:cxn ang="0">
+                <a:pos x="wd2" y="hd2"/>
+              </a:cxn>
+              <a:cxn ang="5400000">
+                <a:pos x="wd2" y="hd2"/>
+              </a:cxn>
+              <a:cxn ang="10800000">
+                <a:pos x="wd2" y="hd2"/>
+              </a:cxn>
+              <a:cxn ang="16200000">
+                <a:pos x="wd2" y="hd2"/>
+              </a:cxn>
+            </a:cxnLst>
+            <a:rect l="0" t="0" r="r" b="b"/>
+            <a:pathLst>
+              <a:path w="21600" h="21600" fill="norm" stroke="1" extrusionOk="0">
+                <a:moveTo>
+                  <a:pt x="0" y="0"/>
+                </a:moveTo>
+                <a:lnTo>
+                  <a:pt x="21600" y="0"/>
+                </a:lnTo>
+                <a:lnTo>
+                  <a:pt x="10800" y="21600"/>
+                </a:lnTo>
+                <a:close/>
+              </a:path>
+            </a:pathLst>
+          </a:custGeom>
           <a:solidFill>
-            <a:srgbClr val="FA4453"/>
+            <a:schemeClr val="accent3">
+              <a:lumOff val="11470"/>
+            </a:schemeClr>
           </a:solidFill>
           <a:ln w="12700">
-            <a:solidFill>
-              <a:srgbClr val="FFFFFF"/>
-            </a:solidFill>
-            <a:miter/>
+            <a:miter lim="400000"/>
           </a:ln>
         </p:spPr>
         <p:txBody>
@@ -5157,7 +6448,774 @@
       </p:sp>
       <p:sp>
         <p:nvSpPr>
-          <p:cNvPr id="244" name="Shape 244"/>
+          <p:cNvPr id="278" name="Shape 278"/>
+          <p:cNvSpPr/>
+          <p:nvPr/>
+        </p:nvSpPr>
+        <p:spPr>
+          <a:xfrm rot="10800000">
+            <a:off x="1187450" y="4227512"/>
+            <a:ext cx="6769100" cy="936626"/>
+          </a:xfrm>
+          <a:custGeom>
+            <a:avLst/>
+            <a:gdLst/>
+            <a:ahLst/>
+            <a:cxnLst>
+              <a:cxn ang="0">
+                <a:pos x="wd2" y="hd2"/>
+              </a:cxn>
+              <a:cxn ang="5400000">
+                <a:pos x="wd2" y="hd2"/>
+              </a:cxn>
+              <a:cxn ang="10800000">
+                <a:pos x="wd2" y="hd2"/>
+              </a:cxn>
+              <a:cxn ang="16200000">
+                <a:pos x="wd2" y="hd2"/>
+              </a:cxn>
+            </a:cxnLst>
+            <a:rect l="0" t="0" r="r" b="b"/>
+            <a:pathLst>
+              <a:path w="21600" h="21600" fill="norm" stroke="1" extrusionOk="0">
+                <a:moveTo>
+                  <a:pt x="0" y="0"/>
+                </a:moveTo>
+                <a:lnTo>
+                  <a:pt x="21600" y="0"/>
+                </a:lnTo>
+                <a:lnTo>
+                  <a:pt x="10800" y="21600"/>
+                </a:lnTo>
+                <a:close/>
+              </a:path>
+            </a:pathLst>
+          </a:custGeom>
+          <a:ln w="6350">
+            <a:solidFill>
+              <a:srgbClr val="7F7F7F"/>
+            </a:solidFill>
+            <a:prstDash val="sysDash"/>
+            <a:miter/>
+          </a:ln>
+        </p:spPr>
+        <p:txBody>
+          <a:bodyPr lIns="45719" rIns="45719" anchor="ctr"/>
+          <a:lstStyle/>
+          <a:p>
+            <a:pPr algn="ctr">
+              <a:defRPr>
+                <a:latin typeface="宋体"/>
+                <a:ea typeface="宋体"/>
+                <a:cs typeface="宋体"/>
+                <a:sym typeface="宋体"/>
+              </a:defRPr>
+            </a:pPr>
+          </a:p>
+        </p:txBody>
+      </p:sp>
+      <p:sp>
+        <p:nvSpPr>
+          <p:cNvPr id="279" name="Shape 279"/>
+          <p:cNvSpPr/>
+          <p:nvPr/>
+        </p:nvSpPr>
+        <p:spPr>
+          <a:xfrm>
+            <a:off x="3276600" y="4095750"/>
+            <a:ext cx="2590800" cy="1005840"/>
+          </a:xfrm>
+          <a:prstGeom prst="rect">
+            <a:avLst/>
+          </a:prstGeom>
+          <a:ln w="12700">
+            <a:miter lim="400000"/>
+          </a:ln>
+          <a:extLst>
+            <a:ext uri="{C572A759-6A51-4108-AA02-DFA0A04FC94B}">
+              <ma14:wrappingTextBoxFlag xmlns:ma14="http://schemas.microsoft.com/office/mac/drawingml/2011/main" val="1"/>
+            </a:ext>
+          </a:extLst>
+        </p:spPr>
+        <p:txBody>
+          <a:bodyPr lIns="45719" rIns="45719">
+            <a:spAutoFit/>
+          </a:bodyPr>
+          <a:lstStyle>
+            <a:lvl1pPr algn="ctr">
+              <a:defRPr b="1" sz="6000">
+                <a:solidFill>
+                  <a:srgbClr val="FFFFFF"/>
+                </a:solidFill>
+                <a:latin typeface="BatangChe"/>
+                <a:ea typeface="BatangChe"/>
+                <a:cs typeface="BatangChe"/>
+                <a:sym typeface="BatangChe"/>
+              </a:defRPr>
+            </a:lvl1pPr>
+          </a:lstStyle>
+          <a:p>
+            <a:pPr/>
+            <a:r>
+              <a:t>4</a:t>
+            </a:r>
+          </a:p>
+        </p:txBody>
+      </p:sp>
+      <p:sp>
+        <p:nvSpPr>
+          <p:cNvPr id="280" name="Shape 280"/>
+          <p:cNvSpPr/>
+          <p:nvPr/>
+        </p:nvSpPr>
+        <p:spPr>
+          <a:xfrm>
+            <a:off x="-106363" y="-20638"/>
+            <a:ext cx="1006476" cy="347663"/>
+          </a:xfrm>
+          <a:custGeom>
+            <a:avLst/>
+            <a:gdLst/>
+            <a:ahLst/>
+            <a:cxnLst>
+              <a:cxn ang="0">
+                <a:pos x="wd2" y="hd2"/>
+              </a:cxn>
+              <a:cxn ang="5400000">
+                <a:pos x="wd2" y="hd2"/>
+              </a:cxn>
+              <a:cxn ang="10800000">
+                <a:pos x="wd2" y="hd2"/>
+              </a:cxn>
+              <a:cxn ang="16200000">
+                <a:pos x="wd2" y="hd2"/>
+              </a:cxn>
+            </a:cxnLst>
+            <a:rect l="0" t="0" r="r" b="b"/>
+            <a:pathLst>
+              <a:path w="21600" h="21600" fill="norm" stroke="1" extrusionOk="0">
+                <a:moveTo>
+                  <a:pt x="0" y="0"/>
+                </a:moveTo>
+                <a:lnTo>
+                  <a:pt x="21600" y="0"/>
+                </a:lnTo>
+                <a:lnTo>
+                  <a:pt x="10800" y="21600"/>
+                </a:lnTo>
+                <a:close/>
+              </a:path>
+            </a:pathLst>
+          </a:custGeom>
+          <a:solidFill>
+            <a:schemeClr val="accent3">
+              <a:lumOff val="11470"/>
+            </a:schemeClr>
+          </a:solidFill>
+          <a:ln w="12700">
+            <a:miter lim="400000"/>
+          </a:ln>
+        </p:spPr>
+        <p:txBody>
+          <a:bodyPr lIns="45719" rIns="45719" anchor="ctr"/>
+          <a:lstStyle/>
+          <a:p>
+            <a:pPr algn="ctr">
+              <a:defRPr>
+                <a:solidFill>
+                  <a:srgbClr val="FFFFFF"/>
+                </a:solidFill>
+                <a:latin typeface="宋体"/>
+                <a:ea typeface="宋体"/>
+                <a:cs typeface="宋体"/>
+                <a:sym typeface="宋体"/>
+              </a:defRPr>
+            </a:pPr>
+          </a:p>
+        </p:txBody>
+      </p:sp>
+      <p:sp>
+        <p:nvSpPr>
+          <p:cNvPr id="281" name="Shape 281"/>
+          <p:cNvSpPr/>
+          <p:nvPr/>
+        </p:nvSpPr>
+        <p:spPr>
+          <a:xfrm>
+            <a:off x="0" y="-20638"/>
+            <a:ext cx="755650" cy="288926"/>
+          </a:xfrm>
+          <a:custGeom>
+            <a:avLst/>
+            <a:gdLst/>
+            <a:ahLst/>
+            <a:cxnLst>
+              <a:cxn ang="0">
+                <a:pos x="wd2" y="hd2"/>
+              </a:cxn>
+              <a:cxn ang="5400000">
+                <a:pos x="wd2" y="hd2"/>
+              </a:cxn>
+              <a:cxn ang="10800000">
+                <a:pos x="wd2" y="hd2"/>
+              </a:cxn>
+              <a:cxn ang="16200000">
+                <a:pos x="wd2" y="hd2"/>
+              </a:cxn>
+            </a:cxnLst>
+            <a:rect l="0" t="0" r="r" b="b"/>
+            <a:pathLst>
+              <a:path w="21600" h="21600" fill="norm" stroke="1" extrusionOk="0">
+                <a:moveTo>
+                  <a:pt x="0" y="0"/>
+                </a:moveTo>
+                <a:lnTo>
+                  <a:pt x="21600" y="0"/>
+                </a:lnTo>
+                <a:lnTo>
+                  <a:pt x="10800" y="21600"/>
+                </a:lnTo>
+                <a:close/>
+              </a:path>
+            </a:pathLst>
+          </a:custGeom>
+          <a:solidFill>
+            <a:schemeClr val="accent3">
+              <a:lumOff val="11470"/>
+            </a:schemeClr>
+          </a:solidFill>
+          <a:ln w="6350">
+            <a:solidFill>
+              <a:srgbClr val="7F7F7F"/>
+            </a:solidFill>
+            <a:prstDash val="sysDot"/>
+            <a:miter/>
+          </a:ln>
+        </p:spPr>
+        <p:txBody>
+          <a:bodyPr lIns="45719" rIns="45719" anchor="ctr"/>
+          <a:lstStyle/>
+          <a:p>
+            <a:pPr algn="ctr">
+              <a:defRPr>
+                <a:latin typeface="宋体"/>
+                <a:ea typeface="宋体"/>
+                <a:cs typeface="宋体"/>
+                <a:sym typeface="宋体"/>
+              </a:defRPr>
+            </a:pPr>
+          </a:p>
+        </p:txBody>
+      </p:sp>
+      <p:sp>
+        <p:nvSpPr>
+          <p:cNvPr id="282" name="Shape 282"/>
+          <p:cNvSpPr/>
+          <p:nvPr/>
+        </p:nvSpPr>
+        <p:spPr>
+          <a:xfrm>
+            <a:off x="-777875" y="157162"/>
+            <a:ext cx="6840538" cy="497841"/>
+          </a:xfrm>
+          <a:prstGeom prst="rect">
+            <a:avLst/>
+          </a:prstGeom>
+          <a:ln w="12700">
+            <a:miter lim="400000"/>
+          </a:ln>
+          <a:extLst>
+            <a:ext uri="{C572A759-6A51-4108-AA02-DFA0A04FC94B}">
+              <ma14:wrappingTextBoxFlag xmlns:ma14="http://schemas.microsoft.com/office/mac/drawingml/2011/main" val="1"/>
+            </a:ext>
+          </a:extLst>
+        </p:spPr>
+        <p:txBody>
+          <a:bodyPr lIns="45719" rIns="45719">
+            <a:spAutoFit/>
+          </a:bodyPr>
+          <a:lstStyle>
+            <a:lvl1pPr algn="ctr">
+              <a:defRPr b="1" sz="2300">
+                <a:latin typeface="微软雅黑"/>
+                <a:ea typeface="微软雅黑"/>
+                <a:cs typeface="微软雅黑"/>
+                <a:sym typeface="微软雅黑"/>
+              </a:defRPr>
+            </a:lvl1pPr>
+          </a:lstStyle>
+          <a:p>
+            <a:pPr/>
+            <a:r>
+              <a:t>后期规划</a:t>
+            </a:r>
+          </a:p>
+        </p:txBody>
+      </p:sp>
+      <p:sp>
+        <p:nvSpPr>
+          <p:cNvPr id="283" name="Shape 283"/>
+          <p:cNvSpPr/>
+          <p:nvPr>
+            <p:ph type="sldNum" sz="quarter" idx="4294967295"/>
+          </p:nvPr>
+        </p:nvSpPr>
+        <p:spPr>
+          <a:prstGeom prst="rect">
+            <a:avLst/>
+          </a:prstGeom>
+          <a:extLst>
+            <a:ext uri="{C572A759-6A51-4108-AA02-DFA0A04FC94B}">
+              <ma14:wrappingTextBoxFlag xmlns:ma14="http://schemas.microsoft.com/office/mac/drawingml/2011/main" val="1"/>
+            </a:ext>
+          </a:extLst>
+        </p:spPr>
+        <p:txBody>
+          <a:bodyPr/>
+          <a:lstStyle/>
+          <a:p>
+            <a:pPr/>
+            <a:fld id="{86CB4B4D-7CA3-9044-876B-883B54F8677D}" type="slidenum"/>
+          </a:p>
+        </p:txBody>
+      </p:sp>
+      <p:graphicFrame>
+        <p:nvGraphicFramePr>
+          <p:cNvPr id="284" name="Table 284"/>
+          <p:cNvGraphicFramePr/>
+          <p:nvPr/>
+        </p:nvGraphicFramePr>
+        <p:xfrm>
+          <a:off x="889000" y="666750"/>
+          <a:ext cx="7670214" cy="3140608"/>
+        </p:xfrm>
+        <a:graphic xmlns:a="http://schemas.openxmlformats.org/drawingml/2006/main">
+          <a:graphicData uri="http://schemas.openxmlformats.org/drawingml/2006/table">
+            <a:tbl>
+              <a:tblPr firstCol="0" firstRow="0" lastCol="0" lastRow="0" bandCol="0" bandRow="1" rtl="0">
+                <a:tableStyleId>{4C3C2611-4C71-4FC5-86AE-919BDF0F9419}</a:tableStyleId>
+              </a:tblPr>
+              <a:tblGrid>
+                <a:gridCol w="1144550"/>
+                <a:gridCol w="2850012"/>
+                <a:gridCol w="1101684"/>
+                <a:gridCol w="2561266"/>
+              </a:tblGrid>
+              <a:tr h="625581">
+                <a:tc>
+                  <a:txBody>
+                    <a:bodyPr/>
+                    <a:lstStyle/>
+                    <a:p>
+                      <a:pPr algn="l">
+                        <a:defRPr sz="1800"/>
+                      </a:pPr>
+                      <a:r>
+                        <a:rPr>
+                          <a:sym typeface="Calibri"/>
+                        </a:rPr>
+                        <a:t>开学前</a:t>
+                      </a:r>
+                    </a:p>
+                  </a:txBody>
+                  <a:tcPr marL="0" marR="0" marT="0" marB="0" anchor="t" anchorCtr="0" horzOverflow="overflow"/>
+                </a:tc>
+                <a:tc>
+                  <a:txBody>
+                    <a:bodyPr/>
+                    <a:lstStyle/>
+                    <a:p>
+                      <a:pPr algn="l">
+                        <a:defRPr sz="1800"/>
+                      </a:pPr>
+                      <a:r>
+                        <a:rPr>
+                          <a:sym typeface="Calibri"/>
+                        </a:rPr>
+                        <a:t>进一步做前期调研，加深材料特性和工艺的了解</a:t>
+                      </a:r>
+                    </a:p>
+                  </a:txBody>
+                  <a:tcPr marL="0" marR="0" marT="0" marB="0" anchor="t" anchorCtr="0" horzOverflow="overflow"/>
+                </a:tc>
+                <a:tc>
+                  <a:txBody>
+                    <a:bodyPr/>
+                    <a:lstStyle/>
+                    <a:p>
+                      <a:pPr algn="l">
+                        <a:defRPr sz="1800"/>
+                      </a:pPr>
+                      <a:r>
+                        <a:rPr>
+                          <a:sym typeface="Calibri"/>
+                        </a:rPr>
+                        <a:t>第9-10周</a:t>
+                      </a:r>
+                    </a:p>
+                  </a:txBody>
+                  <a:tcPr marL="0" marR="0" marT="0" marB="0" anchor="t" anchorCtr="0" horzOverflow="overflow"/>
+                </a:tc>
+                <a:tc>
+                  <a:txBody>
+                    <a:bodyPr/>
+                    <a:lstStyle/>
+                    <a:p>
+                      <a:pPr algn="l">
+                        <a:defRPr sz="1800"/>
+                      </a:pPr>
+                      <a:r>
+                        <a:rPr>
+                          <a:sym typeface="Calibri"/>
+                        </a:rPr>
+                        <a:t>调整GST设计指标，重新制作GST样本</a:t>
+                      </a:r>
+                    </a:p>
+                  </a:txBody>
+                  <a:tcPr marL="0" marR="0" marT="0" marB="0" anchor="t" anchorCtr="0" horzOverflow="overflow"/>
+                </a:tc>
+              </a:tr>
+              <a:tr h="625581">
+                <a:tc>
+                  <a:txBody>
+                    <a:bodyPr/>
+                    <a:lstStyle/>
+                    <a:p>
+                      <a:pPr algn="l">
+                        <a:defRPr sz="1800"/>
+                      </a:pPr>
+                      <a:r>
+                        <a:rPr>
+                          <a:sym typeface="Calibri"/>
+                        </a:rPr>
+                        <a:t>第1-3周</a:t>
+                      </a:r>
+                    </a:p>
+                  </a:txBody>
+                  <a:tcPr marL="0" marR="0" marT="0" marB="0" anchor="t" anchorCtr="0" horzOverflow="overflow"/>
+                </a:tc>
+                <a:tc>
+                  <a:txBody>
+                    <a:bodyPr/>
+                    <a:lstStyle/>
+                    <a:p>
+                      <a:pPr algn="l">
+                        <a:defRPr sz="1800"/>
+                      </a:pPr>
+                      <a:r>
+                        <a:rPr>
+                          <a:sym typeface="Calibri"/>
+                        </a:rPr>
+                        <a:t>设计所需的GST指标</a:t>
+                      </a:r>
+                    </a:p>
+                  </a:txBody>
+                  <a:tcPr marL="0" marR="0" marT="0" marB="0" anchor="t" anchorCtr="0" horzOverflow="overflow"/>
+                </a:tc>
+                <a:tc>
+                  <a:txBody>
+                    <a:bodyPr/>
+                    <a:lstStyle/>
+                    <a:p>
+                      <a:pPr algn="l">
+                        <a:defRPr sz="1800"/>
+                      </a:pPr>
+                      <a:r>
+                        <a:rPr>
+                          <a:sym typeface="Calibri"/>
+                        </a:rPr>
+                        <a:t>第11-12周</a:t>
+                      </a:r>
+                    </a:p>
+                  </a:txBody>
+                  <a:tcPr marL="0" marR="0" marT="0" marB="0" anchor="t" anchorCtr="0" horzOverflow="overflow"/>
+                </a:tc>
+                <a:tc>
+                  <a:txBody>
+                    <a:bodyPr/>
+                    <a:lstStyle/>
+                    <a:p>
+                      <a:pPr algn="l">
+                        <a:defRPr sz="1800"/>
+                      </a:pPr>
+                      <a:r>
+                        <a:rPr>
+                          <a:sym typeface="Calibri"/>
+                        </a:rPr>
+                        <a:t>将GST材料镀到玻璃上，进行整体测试；同时开始进行结题准备</a:t>
+                      </a:r>
+                    </a:p>
+                  </a:txBody>
+                  <a:tcPr marL="0" marR="0" marT="0" marB="0" anchor="t" anchorCtr="0" horzOverflow="overflow"/>
+                </a:tc>
+              </a:tr>
+              <a:tr h="625581">
+                <a:tc>
+                  <a:txBody>
+                    <a:bodyPr/>
+                    <a:lstStyle/>
+                    <a:p>
+                      <a:pPr algn="l">
+                        <a:defRPr sz="1800"/>
+                      </a:pPr>
+                      <a:r>
+                        <a:rPr>
+                          <a:sym typeface="Calibri"/>
+                        </a:rPr>
+                        <a:t>第4-6周</a:t>
+                      </a:r>
+                    </a:p>
+                  </a:txBody>
+                  <a:tcPr marL="0" marR="0" marT="0" marB="0" anchor="t" anchorCtr="0" horzOverflow="overflow"/>
+                </a:tc>
+                <a:tc>
+                  <a:txBody>
+                    <a:bodyPr/>
+                    <a:lstStyle/>
+                    <a:p>
+                      <a:pPr algn="l">
+                        <a:defRPr sz="1800"/>
+                      </a:pPr>
+                      <a:r>
+                        <a:rPr>
+                          <a:sym typeface="Calibri"/>
+                        </a:rPr>
+                        <a:t>根据设计的指标，制作一批GST材料样本</a:t>
+                      </a:r>
+                    </a:p>
+                  </a:txBody>
+                  <a:tcPr marL="0" marR="0" marT="0" marB="0" anchor="t" anchorCtr="0" horzOverflow="overflow"/>
+                </a:tc>
+                <a:tc>
+                  <a:txBody>
+                    <a:bodyPr/>
+                    <a:lstStyle/>
+                    <a:p>
+                      <a:pPr algn="l">
+                        <a:defRPr sz="1800"/>
+                      </a:pPr>
+                      <a:r>
+                        <a:rPr>
+                          <a:sym typeface="Calibri"/>
+                        </a:rPr>
+                        <a:t>12周以后</a:t>
+                      </a:r>
+                    </a:p>
+                  </a:txBody>
+                  <a:tcPr marL="0" marR="0" marT="0" marB="0" anchor="t" anchorCtr="0" horzOverflow="overflow"/>
+                </a:tc>
+                <a:tc>
+                  <a:txBody>
+                    <a:bodyPr/>
+                    <a:lstStyle/>
+                    <a:p>
+                      <a:pPr algn="l">
+                        <a:defRPr sz="1800"/>
+                      </a:pPr>
+                      <a:r>
+                        <a:rPr>
+                          <a:sym typeface="Calibri"/>
+                        </a:rPr>
+                        <a:t>进行微调，总结经验，进行结题</a:t>
+                      </a:r>
+                    </a:p>
+                  </a:txBody>
+                  <a:tcPr marL="0" marR="0" marT="0" marB="0" anchor="t" anchorCtr="0" horzOverflow="overflow"/>
+                </a:tc>
+              </a:tr>
+              <a:tr h="625581">
+                <a:tc>
+                  <a:txBody>
+                    <a:bodyPr/>
+                    <a:lstStyle/>
+                    <a:p>
+                      <a:pPr algn="l">
+                        <a:defRPr sz="1800"/>
+                      </a:pPr>
+                      <a:r>
+                        <a:rPr>
+                          <a:sym typeface="Calibri"/>
+                        </a:rPr>
+                        <a:t>第7-8周</a:t>
+                      </a:r>
+                    </a:p>
+                  </a:txBody>
+                  <a:tcPr marL="0" marR="0" marT="0" marB="0" anchor="t" anchorCtr="0" horzOverflow="overflow"/>
+                </a:tc>
+                <a:tc>
+                  <a:txBody>
+                    <a:bodyPr/>
+                    <a:lstStyle/>
+                    <a:p>
+                      <a:pPr algn="l">
+                        <a:defRPr sz="1800"/>
+                      </a:pPr>
+                      <a:r>
+                        <a:rPr>
+                          <a:sym typeface="Calibri"/>
+                        </a:rPr>
+                        <a:t>测试GST样本，总结应用场合中的缺陷，完成中期报告</a:t>
+                      </a:r>
+                    </a:p>
+                  </a:txBody>
+                  <a:tcPr marL="0" marR="0" marT="0" marB="0" anchor="t" anchorCtr="0" horzOverflow="overflow"/>
+                </a:tc>
+                <a:tc>
+                  <a:txBody>
+                    <a:bodyPr/>
+                    <a:lstStyle/>
+                    <a:p>
+                      <a:pPr algn="l">
+                        <a:defRPr sz="1800">
+                          <a:sym typeface="Calibri"/>
+                        </a:defRPr>
+                      </a:pPr>
+                    </a:p>
+                  </a:txBody>
+                  <a:tcPr marL="0" marR="0" marT="0" marB="0" anchor="t" anchorCtr="0" horzOverflow="overflow"/>
+                </a:tc>
+                <a:tc>
+                  <a:txBody>
+                    <a:bodyPr/>
+                    <a:lstStyle/>
+                    <a:p>
+                      <a:pPr algn="l">
+                        <a:defRPr sz="1800">
+                          <a:sym typeface="Calibri"/>
+                        </a:defRPr>
+                      </a:pPr>
+                    </a:p>
+                  </a:txBody>
+                  <a:tcPr marL="0" marR="0" marT="0" marB="0" anchor="t" anchorCtr="0" horzOverflow="overflow"/>
+                </a:tc>
+              </a:tr>
+            </a:tbl>
+          </a:graphicData>
+        </a:graphic>
+      </p:graphicFrame>
+    </p:spTree>
+  </p:cSld>
+  <p:clrMapOvr>
+    <a:masterClrMapping/>
+  </p:clrMapOvr>
+  <mc:AlternateContent xmlns:mc="http://schemas.openxmlformats.org/markup-compatibility/2006">
+    <mc:Choice xmlns:p14="http://schemas.microsoft.com/office/powerpoint/2010/main" Requires="p14">
+      <p:transition spd="slow" advClick="1" p14:dur="1200">
+        <p:push dir="u"/>
+      </p:transition>
+    </mc:Choice>
+    <mc:Fallback>
+      <p:transition spd="slow">
+        <p:fade/>
+      </p:transition>
+    </mc:Fallback>
+  </mc:AlternateContent>
+</p:sld>
+</file>
+
+<file path=ppt/slides/slide17.xml><?xml version="1.0" encoding="utf-8"?>
+<p:sld xmlns:a="http://schemas.openxmlformats.org/drawingml/2006/main" xmlns:r="http://schemas.openxmlformats.org/officeDocument/2006/relationships" xmlns:p="http://schemas.openxmlformats.org/presentationml/2006/main" showMasterSp="1" showMasterPhAnim="1">
+  <p:cSld>
+    <p:spTree>
+      <p:nvGrpSpPr>
+        <p:cNvPr id="1" name=""/>
+        <p:cNvGrpSpPr/>
+        <p:nvPr/>
+      </p:nvGrpSpPr>
+      <p:grpSpPr>
+        <a:xfrm>
+          <a:off x="0" y="0"/>
+          <a:ext cx="0" cy="0"/>
+          <a:chOff x="0" y="0"/>
+          <a:chExt cx="0" cy="0"/>
+        </a:xfrm>
+      </p:grpSpPr>
+      <p:sp>
+        <p:nvSpPr>
+          <p:cNvPr id="286" name="Shape 286"/>
+          <p:cNvSpPr/>
+          <p:nvPr/>
+        </p:nvSpPr>
+        <p:spPr>
+          <a:xfrm>
+            <a:off x="-1" y="-33338"/>
+            <a:ext cx="9144002" cy="5270501"/>
+          </a:xfrm>
+          <a:prstGeom prst="rect">
+            <a:avLst/>
+          </a:prstGeom>
+          <a:solidFill>
+            <a:srgbClr val="000000">
+              <a:alpha val="11999"/>
+            </a:srgbClr>
+          </a:solidFill>
+          <a:ln w="12700">
+            <a:miter lim="400000"/>
+          </a:ln>
+        </p:spPr>
+        <p:txBody>
+          <a:bodyPr lIns="45719" rIns="45719" anchor="ctr"/>
+          <a:lstStyle/>
+          <a:p>
+            <a:pPr algn="ctr">
+              <a:defRPr>
+                <a:solidFill>
+                  <a:srgbClr val="FFFFFF"/>
+                </a:solidFill>
+                <a:latin typeface="宋体"/>
+                <a:ea typeface="宋体"/>
+                <a:cs typeface="宋体"/>
+                <a:sym typeface="宋体"/>
+              </a:defRPr>
+            </a:pPr>
+          </a:p>
+        </p:txBody>
+      </p:sp>
+      <p:sp>
+        <p:nvSpPr>
+          <p:cNvPr id="287" name="Shape 287"/>
+          <p:cNvSpPr/>
+          <p:nvPr/>
+        </p:nvSpPr>
+        <p:spPr>
+          <a:xfrm>
+            <a:off x="-69850" y="-17463"/>
+            <a:ext cx="9251950" cy="2281238"/>
+          </a:xfrm>
+          <a:prstGeom prst="rect">
+            <a:avLst/>
+          </a:prstGeom>
+          <a:solidFill>
+            <a:srgbClr val="FA4453"/>
+          </a:solidFill>
+          <a:ln w="12700">
+            <a:solidFill>
+              <a:srgbClr val="FFFFFF"/>
+            </a:solidFill>
+            <a:miter/>
+          </a:ln>
+        </p:spPr>
+        <p:txBody>
+          <a:bodyPr lIns="45719" rIns="45719" anchor="ctr"/>
+          <a:lstStyle/>
+          <a:p>
+            <a:pPr algn="ctr">
+              <a:defRPr>
+                <a:solidFill>
+                  <a:srgbClr val="FFFFFF"/>
+                </a:solidFill>
+                <a:latin typeface="宋体"/>
+                <a:ea typeface="宋体"/>
+                <a:cs typeface="宋体"/>
+                <a:sym typeface="宋体"/>
+              </a:defRPr>
+            </a:pPr>
+          </a:p>
+        </p:txBody>
+      </p:sp>
+      <p:sp>
+        <p:nvSpPr>
+          <p:cNvPr id="288" name="Shape 288"/>
           <p:cNvSpPr/>
           <p:nvPr/>
         </p:nvSpPr>
@@ -5188,7 +7246,7 @@
       </p:sp>
       <p:grpSp>
         <p:nvGrpSpPr>
-          <p:cNvPr id="254" name="Group 254"/>
+          <p:cNvPr id="297" name="Group 297"/>
           <p:cNvGrpSpPr/>
           <p:nvPr/>
         </p:nvGrpSpPr>
@@ -5202,7 +7260,7 @@
         </p:grpSpPr>
         <p:sp>
           <p:nvSpPr>
-            <p:cNvPr id="245" name="Shape 245"/>
+            <p:cNvPr id="289" name="Shape 289"/>
             <p:cNvSpPr/>
             <p:nvPr/>
           </p:nvSpPr>
@@ -5285,7 +7343,7 @@
         </p:sp>
         <p:sp>
           <p:nvSpPr>
-            <p:cNvPr id="246" name="Shape 246"/>
+            <p:cNvPr id="290" name="Shape 290"/>
             <p:cNvSpPr/>
             <p:nvPr/>
           </p:nvSpPr>
@@ -5320,7 +7378,7 @@
         </p:sp>
         <p:sp>
           <p:nvSpPr>
-            <p:cNvPr id="247" name="Shape 247"/>
+            <p:cNvPr id="291" name="Shape 291"/>
             <p:cNvSpPr/>
             <p:nvPr/>
           </p:nvSpPr>
@@ -5355,7 +7413,7 @@
         </p:sp>
         <p:sp>
           <p:nvSpPr>
-            <p:cNvPr id="248" name="Shape 248"/>
+            <p:cNvPr id="292" name="Shape 292"/>
             <p:cNvSpPr/>
             <p:nvPr/>
           </p:nvSpPr>
@@ -5390,7 +7448,7 @@
         </p:sp>
         <p:sp>
           <p:nvSpPr>
-            <p:cNvPr id="249" name="Shape 249"/>
+            <p:cNvPr id="293" name="Shape 293"/>
             <p:cNvSpPr/>
             <p:nvPr/>
           </p:nvSpPr>
@@ -5425,7 +7483,7 @@
         </p:sp>
         <p:sp>
           <p:nvSpPr>
-            <p:cNvPr id="250" name="Shape 250"/>
+            <p:cNvPr id="294" name="Shape 294"/>
             <p:cNvSpPr/>
             <p:nvPr/>
           </p:nvSpPr>
@@ -5460,7 +7518,7 @@
         </p:sp>
         <p:sp>
           <p:nvSpPr>
-            <p:cNvPr id="251" name="Shape 251"/>
+            <p:cNvPr id="295" name="Shape 295"/>
             <p:cNvSpPr/>
             <p:nvPr/>
           </p:nvSpPr>
@@ -5503,54 +7561,7 @@
         </p:sp>
         <p:sp>
           <p:nvSpPr>
-            <p:cNvPr id="252" name="Shape 252"/>
-            <p:cNvSpPr/>
-            <p:nvPr/>
-          </p:nvSpPr>
-          <p:spPr>
-            <a:xfrm>
-              <a:off x="195767" y="553561"/>
-              <a:ext cx="1249722" cy="332741"/>
-            </a:xfrm>
-            <a:prstGeom prst="rect">
-              <a:avLst/>
-            </a:prstGeom>
-            <a:noFill/>
-            <a:ln w="12700" cap="flat">
-              <a:noFill/>
-              <a:miter lim="400000"/>
-            </a:ln>
-            <a:effectLst/>
-            <a:extLst>
-              <a:ext uri="{C572A759-6A51-4108-AA02-DFA0A04FC94B}">
-                <ma14:wrappingTextBoxFlag xmlns:ma14="http://schemas.microsoft.com/office/mac/drawingml/2011/main" val="1"/>
-              </a:ext>
-            </a:extLst>
-          </p:spPr>
-          <p:txBody>
-            <a:bodyPr wrap="square" lIns="45719" tIns="45719" rIns="45719" bIns="45719" numCol="1" anchor="ctr">
-              <a:spAutoFit/>
-            </a:bodyPr>
-            <a:lstStyle>
-              <a:lvl1pPr algn="ctr">
-                <a:defRPr b="1" sz="1600">
-                  <a:solidFill>
-                    <a:srgbClr val="FFFFFF"/>
-                  </a:solidFill>
-                </a:defRPr>
-              </a:lvl1pPr>
-            </a:lstStyle>
-            <a:p>
-              <a:pPr/>
-              <a:r>
-                <a:t>LOGO</a:t>
-              </a:r>
-            </a:p>
-          </p:txBody>
-        </p:sp>
-        <p:sp>
-          <p:nvSpPr>
-            <p:cNvPr id="253" name="Shape 253"/>
+            <p:cNvPr id="296" name="Shape 296"/>
             <p:cNvSpPr/>
             <p:nvPr/>
           </p:nvSpPr>
@@ -5635,7 +7646,7 @@
       </p:grpSp>
       <p:sp>
         <p:nvSpPr>
-          <p:cNvPr id="255" name="Shape 255"/>
+          <p:cNvPr id="298" name="Shape 298"/>
           <p:cNvSpPr/>
           <p:nvPr/>
         </p:nvSpPr>
@@ -5683,7 +7694,7 @@
       </p:sp>
       <p:sp>
         <p:nvSpPr>
-          <p:cNvPr id="256" name="Shape 256"/>
+          <p:cNvPr id="299" name="Shape 299"/>
           <p:cNvSpPr/>
           <p:nvPr/>
         </p:nvSpPr>
@@ -5714,7 +7725,7 @@
       </p:sp>
       <p:sp>
         <p:nvSpPr>
-          <p:cNvPr id="257" name="Shape 257"/>
+          <p:cNvPr id="300" name="Shape 300"/>
           <p:cNvSpPr/>
           <p:nvPr/>
         </p:nvSpPr>
@@ -5792,14 +7803,14 @@
       </p:sp>
       <p:sp>
         <p:nvSpPr>
-          <p:cNvPr id="258" name="Shape 258"/>
+          <p:cNvPr id="301" name="Shape 301"/>
           <p:cNvSpPr/>
           <p:nvPr/>
         </p:nvSpPr>
         <p:spPr>
           <a:xfrm>
-            <a:off x="4621530" y="3313747"/>
-            <a:ext cx="2470173" cy="408941"/>
+            <a:off x="4621529" y="3313747"/>
+            <a:ext cx="2470174" cy="408941"/>
           </a:xfrm>
           <a:prstGeom prst="rect">
             <a:avLst/>
@@ -5828,7 +7839,7 @@
       </p:sp>
       <p:sp>
         <p:nvSpPr>
-          <p:cNvPr id="259" name="Shape 259"/>
+          <p:cNvPr id="302" name="Shape 302"/>
           <p:cNvSpPr/>
           <p:nvPr>
             <p:ph type="sldNum" sz="quarter" idx="4294967295"/>
@@ -5892,7 +7903,7 @@
       </p:grpSpPr>
       <p:sp>
         <p:nvSpPr>
-          <p:cNvPr id="57" name="Shape 57"/>
+          <p:cNvPr id="56" name="Shape 56"/>
           <p:cNvSpPr/>
           <p:nvPr/>
         </p:nvSpPr>
@@ -5933,14 +7944,14 @@
       </p:sp>
       <p:sp>
         <p:nvSpPr>
-          <p:cNvPr id="58" name="Shape 58"/>
+          <p:cNvPr id="57" name="Shape 57"/>
           <p:cNvSpPr/>
           <p:nvPr/>
         </p:nvSpPr>
         <p:spPr>
           <a:xfrm>
-            <a:off x="-1" y="5092699"/>
-            <a:ext cx="9144002" cy="142877"/>
+            <a:off x="-1" y="5092700"/>
+            <a:ext cx="9144002" cy="142876"/>
           </a:xfrm>
           <a:prstGeom prst="rect">
             <a:avLst/>
@@ -5972,7 +7983,7 @@
       </p:sp>
       <p:sp>
         <p:nvSpPr>
-          <p:cNvPr id="59" name="Shape 59"/>
+          <p:cNvPr id="58" name="Shape 58"/>
           <p:cNvSpPr/>
           <p:nvPr/>
         </p:nvSpPr>
@@ -6001,7 +8012,7 @@
       </p:sp>
       <p:sp>
         <p:nvSpPr>
-          <p:cNvPr id="60" name="Shape 60"/>
+          <p:cNvPr id="59" name="Shape 59"/>
           <p:cNvSpPr/>
           <p:nvPr/>
         </p:nvSpPr>
@@ -6030,7 +8041,7 @@
       </p:sp>
       <p:sp>
         <p:nvSpPr>
-          <p:cNvPr id="61" name="Shape 61"/>
+          <p:cNvPr id="60" name="Shape 60"/>
           <p:cNvSpPr/>
           <p:nvPr/>
         </p:nvSpPr>
@@ -6078,7 +8089,7 @@
       </p:sp>
       <p:sp>
         <p:nvSpPr>
-          <p:cNvPr id="62" name="Shape 62"/>
+          <p:cNvPr id="61" name="Shape 61"/>
           <p:cNvSpPr/>
           <p:nvPr/>
         </p:nvSpPr>
@@ -6126,14 +8137,14 @@
       </p:sp>
       <p:sp>
         <p:nvSpPr>
-          <p:cNvPr id="63" name="Shape 63"/>
+          <p:cNvPr id="62" name="Shape 62"/>
           <p:cNvSpPr/>
           <p:nvPr/>
         </p:nvSpPr>
         <p:spPr>
           <a:xfrm>
-            <a:off x="1142206" y="2066924"/>
-            <a:ext cx="1008063" cy="1009651"/>
+            <a:off x="1142206" y="2066925"/>
+            <a:ext cx="1008063" cy="1009650"/>
           </a:xfrm>
           <a:prstGeom prst="ellipse">
             <a:avLst/>
@@ -6165,7 +8176,7 @@
       </p:sp>
       <p:sp>
         <p:nvSpPr>
-          <p:cNvPr id="64" name="Shape 64"/>
+          <p:cNvPr id="63" name="Shape 63"/>
           <p:cNvSpPr/>
           <p:nvPr/>
         </p:nvSpPr>
@@ -6213,7 +8224,7 @@
       </p:sp>
       <p:sp>
         <p:nvSpPr>
-          <p:cNvPr id="65" name="Shape 65"/>
+          <p:cNvPr id="64" name="Shape 64"/>
           <p:cNvSpPr/>
           <p:nvPr/>
         </p:nvSpPr>
@@ -6261,7 +8272,7 @@
       </p:sp>
       <p:sp>
         <p:nvSpPr>
-          <p:cNvPr id="66" name="Shape 66"/>
+          <p:cNvPr id="65" name="Shape 65"/>
           <p:cNvSpPr/>
           <p:nvPr/>
         </p:nvSpPr>
@@ -6312,14 +8323,14 @@
       </p:sp>
       <p:sp>
         <p:nvSpPr>
-          <p:cNvPr id="67" name="Shape 67"/>
+          <p:cNvPr id="66" name="Shape 66"/>
           <p:cNvSpPr/>
           <p:nvPr/>
         </p:nvSpPr>
         <p:spPr>
           <a:xfrm>
-            <a:off x="7261224" y="2097087"/>
-            <a:ext cx="1008064" cy="1009651"/>
+            <a:off x="7261225" y="2097087"/>
+            <a:ext cx="1008063" cy="1009651"/>
           </a:xfrm>
           <a:prstGeom prst="ellipse">
             <a:avLst/>
@@ -6351,7 +8362,7 @@
       </p:sp>
       <p:sp>
         <p:nvSpPr>
-          <p:cNvPr id="68" name="Shape 68"/>
+          <p:cNvPr id="67" name="Shape 67"/>
           <p:cNvSpPr/>
           <p:nvPr/>
         </p:nvSpPr>
@@ -6390,7 +8401,7 @@
       </p:sp>
       <p:sp>
         <p:nvSpPr>
-          <p:cNvPr id="69" name="Shape 69"/>
+          <p:cNvPr id="68" name="Shape 68"/>
           <p:cNvSpPr/>
           <p:nvPr/>
         </p:nvSpPr>
@@ -6429,7 +8440,7 @@
       </p:sp>
       <p:grpSp>
         <p:nvGrpSpPr>
-          <p:cNvPr id="74" name="Group 74"/>
+          <p:cNvPr id="73" name="Group 73"/>
           <p:cNvGrpSpPr/>
           <p:nvPr/>
         </p:nvGrpSpPr>
@@ -6443,7 +8454,7 @@
         </p:grpSpPr>
         <p:sp>
           <p:nvSpPr>
-            <p:cNvPr id="70" name="Shape 70"/>
+            <p:cNvPr id="69" name="Shape 69"/>
             <p:cNvSpPr/>
             <p:nvPr/>
           </p:nvSpPr>
@@ -6479,7 +8490,7 @@
         </p:sp>
         <p:sp>
           <p:nvSpPr>
-            <p:cNvPr id="71" name="Shape 71"/>
+            <p:cNvPr id="70" name="Shape 70"/>
             <p:cNvSpPr/>
             <p:nvPr/>
           </p:nvSpPr>
@@ -6552,7 +8563,7 @@
         </p:sp>
         <p:sp>
           <p:nvSpPr>
-            <p:cNvPr id="72" name="Shape 72"/>
+            <p:cNvPr id="71" name="Shape 71"/>
             <p:cNvSpPr/>
             <p:nvPr/>
           </p:nvSpPr>
@@ -6588,7 +8599,7 @@
         </p:sp>
         <p:sp>
           <p:nvSpPr>
-            <p:cNvPr id="73" name="Shape 73"/>
+            <p:cNvPr id="72" name="Shape 72"/>
             <p:cNvSpPr/>
             <p:nvPr/>
           </p:nvSpPr>
@@ -6724,7 +8735,7 @@
       </p:grpSp>
       <p:grpSp>
         <p:nvGrpSpPr>
-          <p:cNvPr id="77" name="Group 77"/>
+          <p:cNvPr id="76" name="Group 76"/>
           <p:cNvGrpSpPr/>
           <p:nvPr/>
         </p:nvGrpSpPr>
@@ -6738,7 +8749,7 @@
         </p:grpSpPr>
         <p:sp>
           <p:nvSpPr>
-            <p:cNvPr id="75" name="Shape 75"/>
+            <p:cNvPr id="74" name="Shape 74"/>
             <p:cNvSpPr/>
             <p:nvPr/>
           </p:nvSpPr>
@@ -7165,7 +9176,7 @@
         </p:sp>
         <p:sp>
           <p:nvSpPr>
-            <p:cNvPr id="76" name="Shape 76"/>
+            <p:cNvPr id="75" name="Shape 75"/>
             <p:cNvSpPr/>
             <p:nvPr/>
           </p:nvSpPr>
@@ -7281,14 +9292,14 @@
       </p:grpSp>
       <p:pic>
         <p:nvPicPr>
-          <p:cNvPr id="78" name="image.pdf" descr="C:\Users\ybi9\AppData\Local\Microsoft\Windows\Temporary Internet Files\Content.IE5\OM1J1Y24\MC900298153[1].wmf"/>
+          <p:cNvPr id="77" name="image.pdf" descr="C:\Users\ybi9\AppData\Local\Microsoft\Windows\Temporary Internet Files\Content.IE5\OM1J1Y24\MC900298153[1].wmf"/>
           <p:cNvPicPr>
             <a:picLocks noChangeAspect="1"/>
           </p:cNvPicPr>
           <p:nvPr/>
         </p:nvPicPr>
         <p:blipFill>
-          <a:blip r:embed="rId2">
+          <a:blip r:embed="rId3">
             <a:extLst/>
           </a:blip>
           <a:stretch>
@@ -7310,7 +9321,7 @@
       </p:pic>
       <p:sp>
         <p:nvSpPr>
-          <p:cNvPr id="79" name="Shape 79"/>
+          <p:cNvPr id="78" name="Shape 78"/>
           <p:cNvSpPr/>
           <p:nvPr/>
         </p:nvSpPr>
@@ -7358,7 +9369,7 @@
       </p:sp>
       <p:sp>
         <p:nvSpPr>
-          <p:cNvPr id="80" name="Shape 80"/>
+          <p:cNvPr id="79" name="Shape 79"/>
           <p:cNvSpPr/>
           <p:nvPr>
             <p:ph type="sldNum" sz="quarter" idx="4294967295"/>
@@ -7387,6 +9398,35 @@
           </a:p>
         </p:txBody>
       </p:sp>
+      <p:pic>
+        <p:nvPicPr>
+          <p:cNvPr id="80" name="pasted-image.png"/>
+          <p:cNvPicPr>
+            <a:picLocks noChangeAspect="1"/>
+          </p:cNvPicPr>
+          <p:nvPr/>
+        </p:nvPicPr>
+        <p:blipFill>
+          <a:blip r:embed="rId4">
+            <a:extLst/>
+          </a:blip>
+          <a:stretch>
+            <a:fillRect/>
+          </a:stretch>
+        </p:blipFill>
+        <p:spPr>
+          <a:xfrm>
+            <a:off x="7366793" y="2211581"/>
+            <a:ext cx="796926" cy="780663"/>
+          </a:xfrm>
+          <a:prstGeom prst="rect">
+            <a:avLst/>
+          </a:prstGeom>
+          <a:ln w="12700">
+            <a:miter lim="400000"/>
+          </a:ln>
+        </p:spPr>
+      </p:pic>
     </p:spTree>
   </p:cSld>
   <p:clrMapOvr>
@@ -7426,7 +9466,7 @@
       </p:grpSpPr>
       <p:sp>
         <p:nvSpPr>
-          <p:cNvPr id="82" name="Shape 82"/>
+          <p:cNvPr id="84" name="Shape 84"/>
           <p:cNvSpPr/>
           <p:nvPr/>
         </p:nvSpPr>
@@ -7467,14 +9507,14 @@
       </p:sp>
       <p:sp>
         <p:nvSpPr>
-          <p:cNvPr id="83" name="Shape 83"/>
+          <p:cNvPr id="85" name="Shape 85"/>
           <p:cNvSpPr/>
           <p:nvPr/>
         </p:nvSpPr>
         <p:spPr>
           <a:xfrm rot="10800000">
-            <a:off x="971550" y="4156074"/>
-            <a:ext cx="7200900" cy="1008064"/>
+            <a:off x="971550" y="4156075"/>
+            <a:ext cx="7200900" cy="1008063"/>
           </a:xfrm>
           <a:custGeom>
             <a:avLst/>
@@ -7539,14 +9579,14 @@
       </p:sp>
       <p:sp>
         <p:nvSpPr>
-          <p:cNvPr id="84" name="Shape 84"/>
+          <p:cNvPr id="86" name="Shape 86"/>
           <p:cNvSpPr/>
           <p:nvPr/>
         </p:nvSpPr>
         <p:spPr>
           <a:xfrm rot="10800000">
-            <a:off x="1187449" y="4227512"/>
-            <a:ext cx="6769101" cy="936626"/>
+            <a:off x="1187450" y="4227512"/>
+            <a:ext cx="6769100" cy="936626"/>
           </a:xfrm>
           <a:custGeom>
             <a:avLst/>
@@ -7607,7 +9647,7 @@
       </p:sp>
       <p:sp>
         <p:nvSpPr>
-          <p:cNvPr id="85" name="Shape 85"/>
+          <p:cNvPr id="87" name="Shape 87"/>
           <p:cNvSpPr/>
           <p:nvPr/>
         </p:nvSpPr>
@@ -7655,7 +9695,7 @@
       </p:sp>
       <p:sp>
         <p:nvSpPr>
-          <p:cNvPr id="86" name="Shape 86"/>
+          <p:cNvPr id="88" name="Shape 88"/>
           <p:cNvSpPr/>
           <p:nvPr/>
         </p:nvSpPr>
@@ -7723,7 +9763,7 @@
       </p:sp>
       <p:sp>
         <p:nvSpPr>
-          <p:cNvPr id="87" name="Shape 87"/>
+          <p:cNvPr id="89" name="Shape 89"/>
           <p:cNvSpPr/>
           <p:nvPr/>
         </p:nvSpPr>
@@ -7768,7 +9808,7 @@
       </p:sp>
       <p:sp>
         <p:nvSpPr>
-          <p:cNvPr id="88" name="Shape 88"/>
+          <p:cNvPr id="90" name="Shape 90"/>
           <p:cNvSpPr/>
           <p:nvPr/>
         </p:nvSpPr>
@@ -7838,7 +9878,7 @@
       </p:sp>
       <p:sp>
         <p:nvSpPr>
-          <p:cNvPr id="89" name="Shape 89"/>
+          <p:cNvPr id="91" name="Shape 91"/>
           <p:cNvSpPr/>
           <p:nvPr/>
         </p:nvSpPr>
@@ -7906,7 +9946,7 @@
       </p:sp>
       <p:sp>
         <p:nvSpPr>
-          <p:cNvPr id="90" name="Shape 90"/>
+          <p:cNvPr id="92" name="Shape 92"/>
           <p:cNvSpPr/>
           <p:nvPr>
             <p:ph type="sldNum" sz="quarter" idx="4294967295"/>
@@ -7974,7 +10014,7 @@
       </p:grpSpPr>
       <p:sp>
         <p:nvSpPr>
-          <p:cNvPr id="92" name="Shape 92"/>
+          <p:cNvPr id="94" name="Shape 94"/>
           <p:cNvSpPr/>
           <p:nvPr/>
         </p:nvSpPr>
@@ -8015,7 +10055,7 @@
       </p:sp>
       <p:sp>
         <p:nvSpPr>
-          <p:cNvPr id="93" name="Shape 93"/>
+          <p:cNvPr id="95" name="Shape 95"/>
           <p:cNvSpPr/>
           <p:nvPr/>
         </p:nvSpPr>
@@ -8087,7 +10127,7 @@
       </p:sp>
       <p:sp>
         <p:nvSpPr>
-          <p:cNvPr id="94" name="Shape 94"/>
+          <p:cNvPr id="96" name="Shape 96"/>
           <p:cNvSpPr/>
           <p:nvPr/>
         </p:nvSpPr>
@@ -8155,7 +10195,7 @@
       </p:sp>
       <p:sp>
         <p:nvSpPr>
-          <p:cNvPr id="95" name="Shape 95"/>
+          <p:cNvPr id="97" name="Shape 97"/>
           <p:cNvSpPr/>
           <p:nvPr/>
         </p:nvSpPr>
@@ -8203,7 +10243,7 @@
       </p:sp>
       <p:sp>
         <p:nvSpPr>
-          <p:cNvPr id="96" name="Shape 96"/>
+          <p:cNvPr id="98" name="Shape 98"/>
           <p:cNvSpPr/>
           <p:nvPr/>
         </p:nvSpPr>
@@ -8271,7 +10311,7 @@
       </p:sp>
       <p:sp>
         <p:nvSpPr>
-          <p:cNvPr id="97" name="Shape 97"/>
+          <p:cNvPr id="99" name="Shape 99"/>
           <p:cNvSpPr/>
           <p:nvPr/>
         </p:nvSpPr>
@@ -8316,7 +10356,7 @@
       </p:sp>
       <p:sp>
         <p:nvSpPr>
-          <p:cNvPr id="98" name="Shape 98"/>
+          <p:cNvPr id="100" name="Shape 100"/>
           <p:cNvSpPr/>
           <p:nvPr/>
         </p:nvSpPr>
@@ -8386,7 +10426,7 @@
       </p:sp>
       <p:sp>
         <p:nvSpPr>
-          <p:cNvPr id="99" name="Shape 99"/>
+          <p:cNvPr id="101" name="Shape 101"/>
           <p:cNvSpPr/>
           <p:nvPr/>
         </p:nvSpPr>
@@ -8454,14 +10494,14 @@
       </p:sp>
       <p:sp>
         <p:nvSpPr>
-          <p:cNvPr id="100" name="Shape 100"/>
+          <p:cNvPr id="102" name="Shape 102"/>
           <p:cNvSpPr/>
           <p:nvPr/>
         </p:nvSpPr>
         <p:spPr>
           <a:xfrm>
-            <a:off x="1649730" y="967739"/>
-            <a:ext cx="7020146" cy="1996441"/>
+            <a:off x="1649729" y="967739"/>
+            <a:ext cx="7020147" cy="1996441"/>
           </a:xfrm>
           <a:prstGeom prst="rect">
             <a:avLst/>
@@ -8495,14 +10535,14 @@
           <a:p>
             <a:pPr/>
             <a:r>
-              <a:t>还有一种相变材料指的是随着外界家电情况变化能够改变晶体结构的材料，被应用于存储材料和光学材料中。</a:t>
+              <a:t>还有一种相变材料指的是随着外界加电情况变化能够改变晶体结构的材料，被应用于存储材料和光学材料中。</a:t>
             </a:r>
           </a:p>
         </p:txBody>
       </p:sp>
       <p:sp>
         <p:nvSpPr>
-          <p:cNvPr id="101" name="Shape 101"/>
+          <p:cNvPr id="103" name="Shape 103"/>
           <p:cNvSpPr/>
           <p:nvPr>
             <p:ph type="sldNum" sz="quarter" idx="4294967295"/>
@@ -8570,14 +10610,14 @@
       </p:grpSpPr>
       <p:sp>
         <p:nvSpPr>
-          <p:cNvPr id="103" name="Shape 103"/>
+          <p:cNvPr id="107" name="Shape 107"/>
           <p:cNvSpPr/>
           <p:nvPr/>
         </p:nvSpPr>
         <p:spPr>
           <a:xfrm>
-            <a:off x="-26988" y="0"/>
-            <a:ext cx="9142413" cy="5272088"/>
+            <a:off x="-1" y="-63500"/>
+            <a:ext cx="9144002" cy="5270500"/>
           </a:xfrm>
           <a:prstGeom prst="rect">
             <a:avLst/>
@@ -8611,20 +10651,53 @@
       </p:sp>
       <p:sp>
         <p:nvSpPr>
-          <p:cNvPr id="104" name="Shape 104"/>
-          <p:cNvSpPr/>
-          <p:nvPr/>
-        </p:nvSpPr>
-        <p:spPr>
-          <a:xfrm>
-            <a:off x="-1" y="5092699"/>
-            <a:ext cx="9144002" cy="142877"/>
-          </a:xfrm>
-          <a:prstGeom prst="rect">
-            <a:avLst/>
-          </a:prstGeom>
+          <p:cNvPr id="108" name="Shape 108"/>
+          <p:cNvSpPr/>
+          <p:nvPr/>
+        </p:nvSpPr>
+        <p:spPr>
+          <a:xfrm rot="10800000">
+            <a:off x="971550" y="4156075"/>
+            <a:ext cx="7200900" cy="1008063"/>
+          </a:xfrm>
+          <a:custGeom>
+            <a:avLst/>
+            <a:gdLst/>
+            <a:ahLst/>
+            <a:cxnLst>
+              <a:cxn ang="0">
+                <a:pos x="wd2" y="hd2"/>
+              </a:cxn>
+              <a:cxn ang="5400000">
+                <a:pos x="wd2" y="hd2"/>
+              </a:cxn>
+              <a:cxn ang="10800000">
+                <a:pos x="wd2" y="hd2"/>
+              </a:cxn>
+              <a:cxn ang="16200000">
+                <a:pos x="wd2" y="hd2"/>
+              </a:cxn>
+            </a:cxnLst>
+            <a:rect l="0" t="0" r="r" b="b"/>
+            <a:pathLst>
+              <a:path w="21600" h="21600" fill="norm" stroke="1" extrusionOk="0">
+                <a:moveTo>
+                  <a:pt x="0" y="0"/>
+                </a:moveTo>
+                <a:lnTo>
+                  <a:pt x="21600" y="0"/>
+                </a:lnTo>
+                <a:lnTo>
+                  <a:pt x="10800" y="21600"/>
+                </a:lnTo>
+                <a:close/>
+              </a:path>
+            </a:pathLst>
+          </a:custGeom>
           <a:solidFill>
-            <a:srgbClr val="FFC000"/>
+            <a:srgbClr val="05AFC8">
+              <a:alpha val="68998"/>
+            </a:srgbClr>
           </a:solidFill>
           <a:ln w="12700">
             <a:miter lim="400000"/>
@@ -8650,7 +10723,616 @@
       </p:sp>
       <p:sp>
         <p:nvSpPr>
-          <p:cNvPr id="105" name="Shape 105"/>
+          <p:cNvPr id="109" name="Shape 109"/>
+          <p:cNvSpPr/>
+          <p:nvPr/>
+        </p:nvSpPr>
+        <p:spPr>
+          <a:xfrm rot="10800000">
+            <a:off x="1187450" y="4227512"/>
+            <a:ext cx="6769100" cy="936626"/>
+          </a:xfrm>
+          <a:custGeom>
+            <a:avLst/>
+            <a:gdLst/>
+            <a:ahLst/>
+            <a:cxnLst>
+              <a:cxn ang="0">
+                <a:pos x="wd2" y="hd2"/>
+              </a:cxn>
+              <a:cxn ang="5400000">
+                <a:pos x="wd2" y="hd2"/>
+              </a:cxn>
+              <a:cxn ang="10800000">
+                <a:pos x="wd2" y="hd2"/>
+              </a:cxn>
+              <a:cxn ang="16200000">
+                <a:pos x="wd2" y="hd2"/>
+              </a:cxn>
+            </a:cxnLst>
+            <a:rect l="0" t="0" r="r" b="b"/>
+            <a:pathLst>
+              <a:path w="21600" h="21600" fill="norm" stroke="1" extrusionOk="0">
+                <a:moveTo>
+                  <a:pt x="0" y="0"/>
+                </a:moveTo>
+                <a:lnTo>
+                  <a:pt x="21600" y="0"/>
+                </a:lnTo>
+                <a:lnTo>
+                  <a:pt x="10800" y="21600"/>
+                </a:lnTo>
+                <a:close/>
+              </a:path>
+            </a:pathLst>
+          </a:custGeom>
+          <a:ln w="6350">
+            <a:solidFill>
+              <a:srgbClr val="7F7F7F"/>
+            </a:solidFill>
+            <a:prstDash val="sysDash"/>
+            <a:miter/>
+          </a:ln>
+        </p:spPr>
+        <p:txBody>
+          <a:bodyPr lIns="45719" rIns="45719" anchor="ctr"/>
+          <a:lstStyle/>
+          <a:p>
+            <a:pPr algn="ctr">
+              <a:defRPr>
+                <a:latin typeface="宋体"/>
+                <a:ea typeface="宋体"/>
+                <a:cs typeface="宋体"/>
+                <a:sym typeface="宋体"/>
+              </a:defRPr>
+            </a:pPr>
+          </a:p>
+        </p:txBody>
+      </p:sp>
+      <p:sp>
+        <p:nvSpPr>
+          <p:cNvPr id="110" name="Shape 110"/>
+          <p:cNvSpPr/>
+          <p:nvPr/>
+        </p:nvSpPr>
+        <p:spPr>
+          <a:xfrm>
+            <a:off x="3276600" y="4095750"/>
+            <a:ext cx="2590800" cy="1005840"/>
+          </a:xfrm>
+          <a:prstGeom prst="rect">
+            <a:avLst/>
+          </a:prstGeom>
+          <a:ln w="12700">
+            <a:miter lim="400000"/>
+          </a:ln>
+          <a:extLst>
+            <a:ext uri="{C572A759-6A51-4108-AA02-DFA0A04FC94B}">
+              <ma14:wrappingTextBoxFlag xmlns:ma14="http://schemas.microsoft.com/office/mac/drawingml/2011/main" val="1"/>
+            </a:ext>
+          </a:extLst>
+        </p:spPr>
+        <p:txBody>
+          <a:bodyPr lIns="45719" rIns="45719">
+            <a:spAutoFit/>
+          </a:bodyPr>
+          <a:lstStyle>
+            <a:lvl1pPr algn="ctr">
+              <a:defRPr b="1" sz="6000">
+                <a:solidFill>
+                  <a:srgbClr val="FFFFFF"/>
+                </a:solidFill>
+                <a:latin typeface="BatangChe"/>
+                <a:ea typeface="BatangChe"/>
+                <a:cs typeface="BatangChe"/>
+                <a:sym typeface="BatangChe"/>
+              </a:defRPr>
+            </a:lvl1pPr>
+          </a:lstStyle>
+          <a:p>
+            <a:pPr/>
+            <a:r>
+              <a:t>1</a:t>
+            </a:r>
+          </a:p>
+        </p:txBody>
+      </p:sp>
+      <p:sp>
+        <p:nvSpPr>
+          <p:cNvPr id="111" name="Shape 111"/>
+          <p:cNvSpPr/>
+          <p:nvPr/>
+        </p:nvSpPr>
+        <p:spPr>
+          <a:xfrm>
+            <a:off x="1346200" y="501855"/>
+            <a:ext cx="431800" cy="288926"/>
+          </a:xfrm>
+          <a:custGeom>
+            <a:avLst/>
+            <a:gdLst/>
+            <a:ahLst/>
+            <a:cxnLst>
+              <a:cxn ang="0">
+                <a:pos x="wd2" y="hd2"/>
+              </a:cxn>
+              <a:cxn ang="5400000">
+                <a:pos x="wd2" y="hd2"/>
+              </a:cxn>
+              <a:cxn ang="10800000">
+                <a:pos x="wd2" y="hd2"/>
+              </a:cxn>
+              <a:cxn ang="16200000">
+                <a:pos x="wd2" y="hd2"/>
+              </a:cxn>
+            </a:cxnLst>
+            <a:rect l="0" t="0" r="r" b="b"/>
+            <a:pathLst>
+              <a:path w="21600" h="21600" fill="norm" stroke="1" extrusionOk="0">
+                <a:moveTo>
+                  <a:pt x="0" y="0"/>
+                </a:moveTo>
+                <a:lnTo>
+                  <a:pt x="21600" y="0"/>
+                </a:lnTo>
+                <a:lnTo>
+                  <a:pt x="10800" y="21600"/>
+                </a:lnTo>
+                <a:close/>
+              </a:path>
+            </a:pathLst>
+          </a:custGeom>
+          <a:ln w="6350">
+            <a:solidFill>
+              <a:srgbClr val="7F7F7F"/>
+            </a:solidFill>
+            <a:prstDash val="sysDash"/>
+            <a:miter/>
+          </a:ln>
+        </p:spPr>
+        <p:txBody>
+          <a:bodyPr lIns="45719" rIns="45719" anchor="ctr"/>
+          <a:lstStyle/>
+          <a:p>
+            <a:pPr algn="ctr">
+              <a:defRPr>
+                <a:latin typeface="宋体"/>
+                <a:ea typeface="宋体"/>
+                <a:cs typeface="宋体"/>
+                <a:sym typeface="宋体"/>
+              </a:defRPr>
+            </a:pPr>
+          </a:p>
+        </p:txBody>
+      </p:sp>
+      <p:sp>
+        <p:nvSpPr>
+          <p:cNvPr id="112" name="Shape 112"/>
+          <p:cNvSpPr/>
+          <p:nvPr/>
+        </p:nvSpPr>
+        <p:spPr>
+          <a:xfrm>
+            <a:off x="454025" y="398462"/>
+            <a:ext cx="6840538" cy="497841"/>
+          </a:xfrm>
+          <a:prstGeom prst="rect">
+            <a:avLst/>
+          </a:prstGeom>
+          <a:ln w="12700">
+            <a:miter lim="400000"/>
+          </a:ln>
+          <a:extLst>
+            <a:ext uri="{C572A759-6A51-4108-AA02-DFA0A04FC94B}">
+              <ma14:wrappingTextBoxFlag xmlns:ma14="http://schemas.microsoft.com/office/mac/drawingml/2011/main" val="1"/>
+            </a:ext>
+          </a:extLst>
+        </p:spPr>
+        <p:txBody>
+          <a:bodyPr lIns="45719" rIns="45719">
+            <a:spAutoFit/>
+          </a:bodyPr>
+          <a:lstStyle>
+            <a:lvl1pPr algn="ctr">
+              <a:defRPr b="1" sz="2300">
+                <a:latin typeface="微软雅黑"/>
+                <a:ea typeface="微软雅黑"/>
+                <a:cs typeface="微软雅黑"/>
+                <a:sym typeface="微软雅黑"/>
+              </a:defRPr>
+            </a:lvl1pPr>
+          </a:lstStyle>
+          <a:p>
+            <a:pPr/>
+            <a:r>
+              <a:t>相变材料的应用——可见光部分</a:t>
+            </a:r>
+          </a:p>
+        </p:txBody>
+      </p:sp>
+      <p:sp>
+        <p:nvSpPr>
+          <p:cNvPr id="113" name="Shape 113"/>
+          <p:cNvSpPr/>
+          <p:nvPr/>
+        </p:nvSpPr>
+        <p:spPr>
+          <a:xfrm>
+            <a:off x="-106363" y="-20638"/>
+            <a:ext cx="1006476" cy="347663"/>
+          </a:xfrm>
+          <a:custGeom>
+            <a:avLst/>
+            <a:gdLst/>
+            <a:ahLst/>
+            <a:cxnLst>
+              <a:cxn ang="0">
+                <a:pos x="wd2" y="hd2"/>
+              </a:cxn>
+              <a:cxn ang="5400000">
+                <a:pos x="wd2" y="hd2"/>
+              </a:cxn>
+              <a:cxn ang="10800000">
+                <a:pos x="wd2" y="hd2"/>
+              </a:cxn>
+              <a:cxn ang="16200000">
+                <a:pos x="wd2" y="hd2"/>
+              </a:cxn>
+            </a:cxnLst>
+            <a:rect l="0" t="0" r="r" b="b"/>
+            <a:pathLst>
+              <a:path w="21600" h="21600" fill="norm" stroke="1" extrusionOk="0">
+                <a:moveTo>
+                  <a:pt x="0" y="0"/>
+                </a:moveTo>
+                <a:lnTo>
+                  <a:pt x="21600" y="0"/>
+                </a:lnTo>
+                <a:lnTo>
+                  <a:pt x="10800" y="21600"/>
+                </a:lnTo>
+                <a:close/>
+              </a:path>
+            </a:pathLst>
+          </a:custGeom>
+          <a:solidFill>
+            <a:srgbClr val="05AFC8"/>
+          </a:solidFill>
+          <a:ln w="12700">
+            <a:miter lim="400000"/>
+          </a:ln>
+        </p:spPr>
+        <p:txBody>
+          <a:bodyPr lIns="45719" rIns="45719" anchor="ctr"/>
+          <a:lstStyle/>
+          <a:p>
+            <a:pPr algn="ctr">
+              <a:defRPr>
+                <a:solidFill>
+                  <a:srgbClr val="FFFFFF"/>
+                </a:solidFill>
+                <a:latin typeface="宋体"/>
+                <a:ea typeface="宋体"/>
+                <a:cs typeface="宋体"/>
+                <a:sym typeface="宋体"/>
+              </a:defRPr>
+            </a:pPr>
+          </a:p>
+        </p:txBody>
+      </p:sp>
+      <p:sp>
+        <p:nvSpPr>
+          <p:cNvPr id="114" name="Shape 114"/>
+          <p:cNvSpPr/>
+          <p:nvPr/>
+        </p:nvSpPr>
+        <p:spPr>
+          <a:xfrm>
+            <a:off x="0" y="-20638"/>
+            <a:ext cx="755650" cy="288926"/>
+          </a:xfrm>
+          <a:custGeom>
+            <a:avLst/>
+            <a:gdLst/>
+            <a:ahLst/>
+            <a:cxnLst>
+              <a:cxn ang="0">
+                <a:pos x="wd2" y="hd2"/>
+              </a:cxn>
+              <a:cxn ang="5400000">
+                <a:pos x="wd2" y="hd2"/>
+              </a:cxn>
+              <a:cxn ang="10800000">
+                <a:pos x="wd2" y="hd2"/>
+              </a:cxn>
+              <a:cxn ang="16200000">
+                <a:pos x="wd2" y="hd2"/>
+              </a:cxn>
+            </a:cxnLst>
+            <a:rect l="0" t="0" r="r" b="b"/>
+            <a:pathLst>
+              <a:path w="21600" h="21600" fill="norm" stroke="1" extrusionOk="0">
+                <a:moveTo>
+                  <a:pt x="0" y="0"/>
+                </a:moveTo>
+                <a:lnTo>
+                  <a:pt x="21600" y="0"/>
+                </a:lnTo>
+                <a:lnTo>
+                  <a:pt x="10800" y="21600"/>
+                </a:lnTo>
+                <a:close/>
+              </a:path>
+            </a:pathLst>
+          </a:custGeom>
+          <a:ln w="6350">
+            <a:solidFill>
+              <a:srgbClr val="7F7F7F"/>
+            </a:solidFill>
+            <a:prstDash val="sysDot"/>
+            <a:miter/>
+          </a:ln>
+        </p:spPr>
+        <p:txBody>
+          <a:bodyPr lIns="45719" rIns="45719" anchor="ctr"/>
+          <a:lstStyle/>
+          <a:p>
+            <a:pPr algn="ctr">
+              <a:defRPr>
+                <a:latin typeface="宋体"/>
+                <a:ea typeface="宋体"/>
+                <a:cs typeface="宋体"/>
+                <a:sym typeface="宋体"/>
+              </a:defRPr>
+            </a:pPr>
+          </a:p>
+        </p:txBody>
+      </p:sp>
+      <p:sp>
+        <p:nvSpPr>
+          <p:cNvPr id="115" name="Shape 115"/>
+          <p:cNvSpPr/>
+          <p:nvPr/>
+        </p:nvSpPr>
+        <p:spPr>
+          <a:xfrm>
+            <a:off x="1649729" y="967739"/>
+            <a:ext cx="7020147" cy="726441"/>
+          </a:xfrm>
+          <a:prstGeom prst="rect">
+            <a:avLst/>
+          </a:prstGeom>
+          <a:ln w="12700">
+            <a:miter lim="400000"/>
+          </a:ln>
+          <a:extLst>
+            <a:ext uri="{C572A759-6A51-4108-AA02-DFA0A04FC94B}">
+              <ma14:wrappingTextBoxFlag xmlns:ma14="http://schemas.microsoft.com/office/mac/drawingml/2011/main" val="1"/>
+            </a:ext>
+          </a:extLst>
+        </p:spPr>
+        <p:txBody>
+          <a:bodyPr lIns="45719" rIns="45719">
+            <a:spAutoFit/>
+          </a:bodyPr>
+          <a:lstStyle/>
+          <a:p>
+            <a:pPr/>
+            <a:r>
+              <a:t>有一种相变材料由Ge Sb Ti 组成，目前可以用于制作柔性超高分辨率显示屏，我们本次研究内容也围绕这种材料展开。</a:t>
+            </a:r>
+          </a:p>
+        </p:txBody>
+      </p:sp>
+      <p:sp>
+        <p:nvSpPr>
+          <p:cNvPr id="116" name="Shape 116"/>
+          <p:cNvSpPr/>
+          <p:nvPr>
+            <p:ph type="sldNum" sz="quarter" idx="4294967295"/>
+          </p:nvPr>
+        </p:nvSpPr>
+        <p:spPr>
+          <a:xfrm>
+            <a:off x="8497902" y="4772454"/>
+            <a:ext cx="188898" cy="264255"/>
+          </a:xfrm>
+          <a:prstGeom prst="rect">
+            <a:avLst/>
+          </a:prstGeom>
+          <a:extLst>
+            <a:ext uri="{C572A759-6A51-4108-AA02-DFA0A04FC94B}">
+              <ma14:wrappingTextBoxFlag xmlns:ma14="http://schemas.microsoft.com/office/mac/drawingml/2011/main" val="1"/>
+            </a:ext>
+          </a:extLst>
+        </p:spPr>
+        <p:txBody>
+          <a:bodyPr/>
+          <a:lstStyle/>
+          <a:p>
+            <a:pPr/>
+            <a:fld id="{86CB4B4D-7CA3-9044-876B-883B54F8677D}" type="slidenum"/>
+          </a:p>
+        </p:txBody>
+      </p:sp>
+      <p:pic>
+        <p:nvPicPr>
+          <p:cNvPr id="117" name="pasted-image.png"/>
+          <p:cNvPicPr>
+            <a:picLocks noChangeAspect="1"/>
+          </p:cNvPicPr>
+          <p:nvPr/>
+        </p:nvPicPr>
+        <p:blipFill>
+          <a:blip r:embed="rId3">
+            <a:extLst/>
+          </a:blip>
+          <a:stretch>
+            <a:fillRect/>
+          </a:stretch>
+        </p:blipFill>
+        <p:spPr>
+          <a:xfrm>
+            <a:off x="1469117" y="1839834"/>
+            <a:ext cx="2590801" cy="2238964"/>
+          </a:xfrm>
+          <a:prstGeom prst="rect">
+            <a:avLst/>
+          </a:prstGeom>
+          <a:ln w="12700">
+            <a:miter lim="400000"/>
+          </a:ln>
+        </p:spPr>
+      </p:pic>
+      <p:pic>
+        <p:nvPicPr>
+          <p:cNvPr id="118" name="pasted-image.png"/>
+          <p:cNvPicPr>
+            <a:picLocks noChangeAspect="1"/>
+          </p:cNvPicPr>
+          <p:nvPr/>
+        </p:nvPicPr>
+        <p:blipFill>
+          <a:blip r:embed="rId4">
+            <a:extLst/>
+          </a:blip>
+          <a:stretch>
+            <a:fillRect/>
+          </a:stretch>
+        </p:blipFill>
+        <p:spPr>
+          <a:xfrm>
+            <a:off x="5167023" y="1839834"/>
+            <a:ext cx="2507931" cy="2238964"/>
+          </a:xfrm>
+          <a:prstGeom prst="rect">
+            <a:avLst/>
+          </a:prstGeom>
+          <a:ln w="12700">
+            <a:miter lim="400000"/>
+          </a:ln>
+        </p:spPr>
+      </p:pic>
+    </p:spTree>
+  </p:cSld>
+  <p:clrMapOvr>
+    <a:masterClrMapping/>
+  </p:clrMapOvr>
+  <mc:AlternateContent xmlns:mc="http://schemas.openxmlformats.org/markup-compatibility/2006">
+    <mc:Choice xmlns:p14="http://schemas.microsoft.com/office/powerpoint/2010/main" Requires="p14">
+      <p:transition spd="slow" advClick="1" p14:dur="1200">
+        <p:push dir="u"/>
+      </p:transition>
+    </mc:Choice>
+    <mc:Fallback>
+      <p:transition spd="slow">
+        <p:fade/>
+      </p:transition>
+    </mc:Fallback>
+  </mc:AlternateContent>
+</p:sld>
+</file>
+
+<file path=ppt/slides/slide6.xml><?xml version="1.0" encoding="utf-8"?>
+<p:sld xmlns:a="http://schemas.openxmlformats.org/drawingml/2006/main" xmlns:r="http://schemas.openxmlformats.org/officeDocument/2006/relationships" xmlns:p="http://schemas.openxmlformats.org/presentationml/2006/main" showMasterSp="1" showMasterPhAnim="1">
+  <p:cSld>
+    <p:spTree>
+      <p:nvGrpSpPr>
+        <p:cNvPr id="1" name=""/>
+        <p:cNvGrpSpPr/>
+        <p:nvPr/>
+      </p:nvGrpSpPr>
+      <p:grpSpPr>
+        <a:xfrm>
+          <a:off x="0" y="0"/>
+          <a:ext cx="0" cy="0"/>
+          <a:chOff x="0" y="0"/>
+          <a:chExt cx="0" cy="0"/>
+        </a:xfrm>
+      </p:grpSpPr>
+      <p:sp>
+        <p:nvSpPr>
+          <p:cNvPr id="122" name="Shape 122"/>
+          <p:cNvSpPr/>
+          <p:nvPr/>
+        </p:nvSpPr>
+        <p:spPr>
+          <a:xfrm>
+            <a:off x="-26988" y="0"/>
+            <a:ext cx="9142413" cy="5272088"/>
+          </a:xfrm>
+          <a:prstGeom prst="rect">
+            <a:avLst/>
+          </a:prstGeom>
+          <a:solidFill>
+            <a:srgbClr val="000000">
+              <a:alpha val="11999"/>
+            </a:srgbClr>
+          </a:solidFill>
+          <a:ln w="12700">
+            <a:miter lim="400000"/>
+          </a:ln>
+        </p:spPr>
+        <p:txBody>
+          <a:bodyPr lIns="45719" rIns="45719" anchor="ctr"/>
+          <a:lstStyle/>
+          <a:p>
+            <a:pPr algn="ctr">
+              <a:defRPr>
+                <a:solidFill>
+                  <a:srgbClr val="FFFFFF"/>
+                </a:solidFill>
+                <a:latin typeface="宋体"/>
+                <a:ea typeface="宋体"/>
+                <a:cs typeface="宋体"/>
+                <a:sym typeface="宋体"/>
+              </a:defRPr>
+            </a:pPr>
+          </a:p>
+        </p:txBody>
+      </p:sp>
+      <p:sp>
+        <p:nvSpPr>
+          <p:cNvPr id="123" name="Shape 123"/>
+          <p:cNvSpPr/>
+          <p:nvPr/>
+        </p:nvSpPr>
+        <p:spPr>
+          <a:xfrm>
+            <a:off x="-1" y="5092700"/>
+            <a:ext cx="9144002" cy="142876"/>
+          </a:xfrm>
+          <a:prstGeom prst="rect">
+            <a:avLst/>
+          </a:prstGeom>
+          <a:solidFill>
+            <a:srgbClr val="FFC000"/>
+          </a:solidFill>
+          <a:ln w="12700">
+            <a:miter lim="400000"/>
+          </a:ln>
+        </p:spPr>
+        <p:txBody>
+          <a:bodyPr lIns="45719" rIns="45719" anchor="ctr"/>
+          <a:lstStyle/>
+          <a:p>
+            <a:pPr algn="ctr">
+              <a:defRPr>
+                <a:solidFill>
+                  <a:srgbClr val="FFFFFF"/>
+                </a:solidFill>
+                <a:latin typeface="宋体"/>
+                <a:ea typeface="宋体"/>
+                <a:cs typeface="宋体"/>
+                <a:sym typeface="宋体"/>
+              </a:defRPr>
+            </a:pPr>
+          </a:p>
+        </p:txBody>
+      </p:sp>
+      <p:sp>
+        <p:nvSpPr>
+          <p:cNvPr id="124" name="Shape 124"/>
           <p:cNvSpPr/>
           <p:nvPr/>
         </p:nvSpPr>
@@ -8722,7 +11404,7 @@
       </p:sp>
       <p:sp>
         <p:nvSpPr>
-          <p:cNvPr id="106" name="Shape 106"/>
+          <p:cNvPr id="125" name="Shape 125"/>
           <p:cNvSpPr/>
           <p:nvPr/>
         </p:nvSpPr>
@@ -8790,7 +11472,7 @@
       </p:sp>
       <p:sp>
         <p:nvSpPr>
-          <p:cNvPr id="107" name="Shape 107"/>
+          <p:cNvPr id="126" name="Shape 126"/>
           <p:cNvSpPr/>
           <p:nvPr/>
         </p:nvSpPr>
@@ -8838,14 +11520,14 @@
       </p:sp>
       <p:sp>
         <p:nvSpPr>
-          <p:cNvPr id="108" name="Shape 108"/>
+          <p:cNvPr id="127" name="Shape 127"/>
           <p:cNvSpPr/>
           <p:nvPr/>
         </p:nvSpPr>
         <p:spPr>
           <a:xfrm rot="16200000">
             <a:off x="2700337" y="2282825"/>
-            <a:ext cx="431801" cy="288926"/>
+            <a:ext cx="431801" cy="288925"/>
           </a:xfrm>
           <a:custGeom>
             <a:avLst/>
@@ -8906,7 +11588,7 @@
       </p:sp>
       <p:sp>
         <p:nvSpPr>
-          <p:cNvPr id="109" name="Shape 109"/>
+          <p:cNvPr id="128" name="Shape 128"/>
           <p:cNvSpPr/>
           <p:nvPr/>
         </p:nvSpPr>
@@ -8951,7 +11633,7 @@
       </p:sp>
       <p:sp>
         <p:nvSpPr>
-          <p:cNvPr id="110" name="Shape 110"/>
+          <p:cNvPr id="129" name="Shape 129"/>
           <p:cNvSpPr/>
           <p:nvPr>
             <p:ph type="sldNum" sz="quarter" idx="4294967295"/>
@@ -9000,7 +11682,7 @@
 </p:sld>
 </file>
 
-<file path=ppt/slides/slide6.xml><?xml version="1.0" encoding="utf-8"?>
+<file path=ppt/slides/slide7.xml><?xml version="1.0" encoding="utf-8"?>
 <p:sld xmlns:a="http://schemas.openxmlformats.org/drawingml/2006/main" xmlns:r="http://schemas.openxmlformats.org/officeDocument/2006/relationships" xmlns:p="http://schemas.openxmlformats.org/presentationml/2006/main" showMasterSp="1" showMasterPhAnim="1">
   <p:cSld>
     <p:spTree>
@@ -9019,7 +11701,7 @@
       </p:grpSpPr>
       <p:sp>
         <p:nvSpPr>
-          <p:cNvPr id="112" name="Shape 112"/>
+          <p:cNvPr id="133" name="Shape 133"/>
           <p:cNvSpPr/>
           <p:nvPr/>
         </p:nvSpPr>
@@ -9060,14 +11742,14 @@
       </p:sp>
       <p:sp>
         <p:nvSpPr>
-          <p:cNvPr id="113" name="Shape 113"/>
+          <p:cNvPr id="134" name="Shape 134"/>
           <p:cNvSpPr/>
           <p:nvPr/>
         </p:nvSpPr>
         <p:spPr>
           <a:xfrm>
             <a:off x="179387" y="714375"/>
-            <a:ext cx="8713789" cy="0"/>
+            <a:ext cx="8713788" cy="0"/>
           </a:xfrm>
           <a:prstGeom prst="line">
             <a:avLst/>
@@ -9089,14 +11771,14 @@
       </p:sp>
       <p:sp>
         <p:nvSpPr>
-          <p:cNvPr id="114" name="Shape 114"/>
+          <p:cNvPr id="135" name="Shape 135"/>
           <p:cNvSpPr/>
           <p:nvPr/>
         </p:nvSpPr>
         <p:spPr>
           <a:xfrm flipV="1">
-            <a:off x="1069975" y="282574"/>
-            <a:ext cx="0" cy="287339"/>
+            <a:off x="1069975" y="282575"/>
+            <a:ext cx="0" cy="287338"/>
           </a:xfrm>
           <a:prstGeom prst="line">
             <a:avLst/>
@@ -9118,7 +11800,7 @@
       </p:sp>
       <p:sp>
         <p:nvSpPr>
-          <p:cNvPr id="115" name="Shape 115"/>
+          <p:cNvPr id="136" name="Shape 136"/>
           <p:cNvSpPr/>
           <p:nvPr/>
         </p:nvSpPr>
@@ -9159,14 +11841,14 @@
           <a:p>
             <a:pPr/>
             <a:r>
-              <a:t>01</a:t>
+              <a:t>2.1</a:t>
             </a:r>
           </a:p>
         </p:txBody>
       </p:sp>
       <p:sp>
         <p:nvSpPr>
-          <p:cNvPr id="116" name="Shape 116"/>
+          <p:cNvPr id="137" name="Shape 137"/>
           <p:cNvSpPr/>
           <p:nvPr/>
         </p:nvSpPr>
@@ -9214,7 +11896,7 @@
       </p:sp>
       <p:sp>
         <p:nvSpPr>
-          <p:cNvPr id="117" name="Shape 117"/>
+          <p:cNvPr id="138" name="Shape 138"/>
           <p:cNvSpPr/>
           <p:nvPr/>
         </p:nvSpPr>
@@ -9292,7 +11974,7 @@
       </p:sp>
       <p:sp>
         <p:nvSpPr>
-          <p:cNvPr id="118" name="Shape 118"/>
+          <p:cNvPr id="139" name="Shape 139"/>
           <p:cNvSpPr/>
           <p:nvPr/>
         </p:nvSpPr>
@@ -9331,7 +12013,7 @@
       </p:sp>
       <p:sp>
         <p:nvSpPr>
-          <p:cNvPr id="119" name="Shape 119"/>
+          <p:cNvPr id="140" name="Shape 140"/>
           <p:cNvSpPr/>
           <p:nvPr/>
         </p:nvSpPr>
@@ -9370,7 +12052,7 @@
       </p:sp>
       <p:sp>
         <p:nvSpPr>
-          <p:cNvPr id="120" name="Shape 120"/>
+          <p:cNvPr id="141" name="Shape 141"/>
           <p:cNvSpPr/>
           <p:nvPr/>
         </p:nvSpPr>
@@ -9418,7 +12100,7 @@
       </p:sp>
       <p:grpSp>
         <p:nvGrpSpPr>
-          <p:cNvPr id="124" name="Group 124"/>
+          <p:cNvPr id="145" name="Group 145"/>
           <p:cNvGrpSpPr/>
           <p:nvPr/>
         </p:nvGrpSpPr>
@@ -9432,7 +12114,7 @@
         </p:grpSpPr>
         <p:sp>
           <p:nvSpPr>
-            <p:cNvPr id="121" name="Shape 121"/>
+            <p:cNvPr id="142" name="Shape 142"/>
             <p:cNvSpPr/>
             <p:nvPr/>
           </p:nvSpPr>
@@ -9475,7 +12157,7 @@
         </p:sp>
         <p:sp>
           <p:nvSpPr>
-            <p:cNvPr id="122" name="Shape 122"/>
+            <p:cNvPr id="143" name="Shape 143"/>
             <p:cNvSpPr/>
             <p:nvPr/>
           </p:nvSpPr>
@@ -9518,7 +12200,7 @@
         </p:sp>
         <p:sp>
           <p:nvSpPr>
-            <p:cNvPr id="123" name="Shape 123"/>
+            <p:cNvPr id="144" name="Shape 144"/>
             <p:cNvSpPr/>
             <p:nvPr/>
           </p:nvSpPr>
@@ -9570,7 +12252,7 @@
       </p:grpSp>
       <p:sp>
         <p:nvSpPr>
-          <p:cNvPr id="125" name="Shape 125"/>
+          <p:cNvPr id="146" name="Shape 146"/>
           <p:cNvSpPr/>
           <p:nvPr/>
         </p:nvSpPr>
@@ -9644,14 +12326,14 @@
       </p:sp>
       <p:sp>
         <p:nvSpPr>
-          <p:cNvPr id="126" name="Shape 126"/>
+          <p:cNvPr id="147" name="Shape 147"/>
           <p:cNvSpPr/>
           <p:nvPr/>
         </p:nvSpPr>
         <p:spPr>
           <a:xfrm>
-            <a:off x="-1" y="5092699"/>
-            <a:ext cx="9144002" cy="142877"/>
+            <a:off x="-1" y="5092700"/>
+            <a:ext cx="9144002" cy="142876"/>
           </a:xfrm>
           <a:prstGeom prst="rect">
             <a:avLst/>
@@ -9683,7 +12365,7 @@
       </p:sp>
       <p:sp>
         <p:nvSpPr>
-          <p:cNvPr id="127" name="Shape 127"/>
+          <p:cNvPr id="148" name="Shape 148"/>
           <p:cNvSpPr/>
           <p:nvPr/>
         </p:nvSpPr>
@@ -9751,7 +12433,7 @@
       </p:sp>
       <p:sp>
         <p:nvSpPr>
-          <p:cNvPr id="128" name="Shape 128"/>
+          <p:cNvPr id="149" name="Shape 149"/>
           <p:cNvSpPr/>
           <p:nvPr/>
         </p:nvSpPr>
@@ -9869,7 +12551,7 @@
       </p:sp>
       <p:grpSp>
         <p:nvGrpSpPr>
-          <p:cNvPr id="131" name="Group 131"/>
+          <p:cNvPr id="152" name="Group 152"/>
           <p:cNvGrpSpPr/>
           <p:nvPr/>
         </p:nvGrpSpPr>
@@ -9883,7 +12565,7 @@
         </p:grpSpPr>
         <p:sp>
           <p:nvSpPr>
-            <p:cNvPr id="129" name="Shape 129"/>
+            <p:cNvPr id="150" name="Shape 150"/>
             <p:cNvSpPr/>
             <p:nvPr/>
           </p:nvSpPr>
@@ -9923,7 +12605,7 @@
         </p:sp>
         <p:sp>
           <p:nvSpPr>
-            <p:cNvPr id="130" name="Shape 130"/>
+            <p:cNvPr id="151" name="Shape 151"/>
             <p:cNvSpPr/>
             <p:nvPr/>
           </p:nvSpPr>
@@ -9983,110 +12665,7 @@
       </p:grpSp>
       <p:grpSp>
         <p:nvGrpSpPr>
-          <p:cNvPr id="134" name="Group 134"/>
-          <p:cNvGrpSpPr/>
-          <p:nvPr/>
-        </p:nvGrpSpPr>
-        <p:grpSpPr>
-          <a:xfrm>
-            <a:off x="4224337" y="3333245"/>
-            <a:ext cx="2862263" cy="1574801"/>
-            <a:chOff x="0" y="0"/>
-            <a:chExt cx="2862262" cy="1574800"/>
-          </a:xfrm>
-        </p:grpSpPr>
-        <p:sp>
-          <p:nvSpPr>
-            <p:cNvPr id="132" name="Shape 132"/>
-            <p:cNvSpPr/>
-            <p:nvPr/>
-          </p:nvSpPr>
-          <p:spPr>
-            <a:xfrm>
-              <a:off x="0" y="0"/>
-              <a:ext cx="2862263" cy="1574800"/>
-            </a:xfrm>
-            <a:prstGeom prst="rect">
-              <a:avLst/>
-            </a:prstGeom>
-            <a:solidFill>
-              <a:srgbClr val="FFFFFF"/>
-            </a:solidFill>
-            <a:ln w="12700" cap="flat">
-              <a:noFill/>
-              <a:miter lim="400000"/>
-            </a:ln>
-            <a:effectLst/>
-          </p:spPr>
-          <p:txBody>
-            <a:bodyPr wrap="square" lIns="45719" tIns="45719" rIns="45719" bIns="45719" numCol="1" anchor="ctr">
-              <a:noAutofit/>
-            </a:bodyPr>
-            <a:lstStyle/>
-            <a:p>
-              <a:pPr algn="ctr">
-                <a:defRPr b="1">
-                  <a:latin typeface="微软雅黑"/>
-                  <a:ea typeface="微软雅黑"/>
-                  <a:cs typeface="微软雅黑"/>
-                  <a:sym typeface="微软雅黑"/>
-                </a:defRPr>
-              </a:pPr>
-            </a:p>
-          </p:txBody>
-        </p:sp>
-        <p:sp>
-          <p:nvSpPr>
-            <p:cNvPr id="133" name="Shape 133"/>
-            <p:cNvSpPr/>
-            <p:nvPr/>
-          </p:nvSpPr>
-          <p:spPr>
-            <a:xfrm>
-              <a:off x="0" y="582930"/>
-              <a:ext cx="2862263" cy="408941"/>
-            </a:xfrm>
-            <a:prstGeom prst="rect">
-              <a:avLst/>
-            </a:prstGeom>
-            <a:noFill/>
-            <a:ln w="12700" cap="flat">
-              <a:noFill/>
-              <a:miter lim="400000"/>
-            </a:ln>
-            <a:effectLst/>
-            <a:extLst>
-              <a:ext uri="{C572A759-6A51-4108-AA02-DFA0A04FC94B}">
-                <ma14:wrappingTextBoxFlag xmlns:ma14="http://schemas.microsoft.com/office/mac/drawingml/2011/main" val="1"/>
-              </a:ext>
-            </a:extLst>
-          </p:spPr>
-          <p:txBody>
-            <a:bodyPr wrap="square" lIns="45719" tIns="45719" rIns="45719" bIns="45719" numCol="1" anchor="ctr">
-              <a:spAutoFit/>
-            </a:bodyPr>
-            <a:lstStyle>
-              <a:lvl1pPr algn="ctr">
-                <a:defRPr b="1">
-                  <a:latin typeface="微软雅黑"/>
-                  <a:ea typeface="微软雅黑"/>
-                  <a:cs typeface="微软雅黑"/>
-                  <a:sym typeface="微软雅黑"/>
-                </a:defRPr>
-              </a:lvl1pPr>
-            </a:lstStyle>
-            <a:p>
-              <a:pPr/>
-              <a:r>
-                <a:t>图片</a:t>
-              </a:r>
-            </a:p>
-          </p:txBody>
-        </p:sp>
-      </p:grpSp>
-      <p:grpSp>
-        <p:nvGrpSpPr>
-          <p:cNvPr id="137" name="Group 137"/>
+          <p:cNvPr id="155" name="Group 155"/>
           <p:cNvGrpSpPr/>
           <p:nvPr/>
         </p:nvGrpSpPr>
@@ -10100,7 +12679,7 @@
         </p:grpSpPr>
         <p:sp>
           <p:nvSpPr>
-            <p:cNvPr id="135" name="Shape 135"/>
+            <p:cNvPr id="153" name="Shape 153"/>
             <p:cNvSpPr/>
             <p:nvPr/>
           </p:nvSpPr>
@@ -10140,7 +12719,7 @@
         </p:sp>
         <p:sp>
           <p:nvSpPr>
-            <p:cNvPr id="136" name="Shape 136"/>
+            <p:cNvPr id="154" name="Shape 154"/>
             <p:cNvSpPr/>
             <p:nvPr/>
           </p:nvSpPr>
@@ -10189,14 +12768,14 @@
       </p:grpSp>
       <p:pic>
         <p:nvPicPr>
-          <p:cNvPr id="138" name="pasted-image.png"/>
+          <p:cNvPr id="156" name="pasted-image.png"/>
           <p:cNvPicPr>
             <a:picLocks noChangeAspect="1"/>
           </p:cNvPicPr>
           <p:nvPr/>
         </p:nvPicPr>
         <p:blipFill>
-          <a:blip r:embed="rId2">
+          <a:blip r:embed="rId3">
             <a:extLst/>
           </a:blip>
           <a:stretch>
@@ -10205,7 +12784,7 @@
         </p:blipFill>
         <p:spPr>
           <a:xfrm>
-            <a:off x="4287043" y="818832"/>
+            <a:off x="4304506" y="753878"/>
             <a:ext cx="2701926" cy="2329760"/>
           </a:xfrm>
           <a:prstGeom prst="rect">
@@ -10218,7 +12797,7 @@
       </p:pic>
       <p:sp>
         <p:nvSpPr>
-          <p:cNvPr id="139" name="Shape 139"/>
+          <p:cNvPr id="157" name="Shape 157"/>
           <p:cNvSpPr/>
           <p:nvPr>
             <p:ph type="sldNum" sz="quarter" idx="4294967295"/>
@@ -10247,6 +12826,35 @@
           </a:p>
         </p:txBody>
       </p:sp>
+      <p:pic>
+        <p:nvPicPr>
+          <p:cNvPr id="158" name="pasted-image.png"/>
+          <p:cNvPicPr>
+            <a:picLocks noChangeAspect="1"/>
+          </p:cNvPicPr>
+          <p:nvPr/>
+        </p:nvPicPr>
+        <p:blipFill>
+          <a:blip r:embed="rId4">
+            <a:extLst/>
+          </a:blip>
+          <a:stretch>
+            <a:fillRect/>
+          </a:stretch>
+        </p:blipFill>
+        <p:spPr>
+          <a:xfrm>
+            <a:off x="4224337" y="3118378"/>
+            <a:ext cx="2862263" cy="1899844"/>
+          </a:xfrm>
+          <a:prstGeom prst="rect">
+            <a:avLst/>
+          </a:prstGeom>
+          <a:ln w="12700">
+            <a:miter lim="400000"/>
+          </a:ln>
+        </p:spPr>
+      </p:pic>
     </p:spTree>
   </p:cSld>
   <p:clrMapOvr>
@@ -10267,7 +12875,7 @@
 </p:sld>
 </file>
 
-<file path=ppt/slides/slide7.xml><?xml version="1.0" encoding="utf-8"?>
+<file path=ppt/slides/slide8.xml><?xml version="1.0" encoding="utf-8"?>
 <p:sld xmlns:a="http://schemas.openxmlformats.org/drawingml/2006/main" xmlns:r="http://schemas.openxmlformats.org/officeDocument/2006/relationships" xmlns:p="http://schemas.openxmlformats.org/presentationml/2006/main" showMasterSp="1" showMasterPhAnim="1">
   <p:cSld>
     <p:spTree>
@@ -10286,7 +12894,7 @@
       </p:grpSpPr>
       <p:grpSp>
         <p:nvGrpSpPr>
-          <p:cNvPr id="144" name="Group 144"/>
+          <p:cNvPr id="165" name="Group 165"/>
           <p:cNvGrpSpPr/>
           <p:nvPr/>
         </p:nvGrpSpPr>
@@ -10300,7 +12908,7 @@
         </p:grpSpPr>
         <p:sp>
           <p:nvSpPr>
-            <p:cNvPr id="141" name="Shape 141"/>
+            <p:cNvPr id="162" name="Shape 162"/>
             <p:cNvSpPr/>
             <p:nvPr/>
           </p:nvSpPr>
@@ -10334,7 +12942,7 @@
         </p:sp>
         <p:sp>
           <p:nvSpPr>
-            <p:cNvPr id="142" name="Shape 142"/>
+            <p:cNvPr id="163" name="Shape 163"/>
             <p:cNvSpPr/>
             <p:nvPr/>
           </p:nvSpPr>
@@ -10378,14 +12986,14 @@
             <a:p>
               <a:pPr/>
               <a:r>
-                <a:t>02</a:t>
+                <a:t>2.2</a:t>
               </a:r>
             </a:p>
           </p:txBody>
         </p:sp>
         <p:sp>
           <p:nvSpPr>
-            <p:cNvPr id="143" name="Shape 143"/>
+            <p:cNvPr id="164" name="Shape 164"/>
             <p:cNvSpPr/>
             <p:nvPr/>
           </p:nvSpPr>
@@ -10437,7 +13045,7 @@
       </p:grpSp>
       <p:grpSp>
         <p:nvGrpSpPr>
-          <p:cNvPr id="147" name="Group 147"/>
+          <p:cNvPr id="168" name="Group 168"/>
           <p:cNvGrpSpPr/>
           <p:nvPr/>
         </p:nvGrpSpPr>
@@ -10451,7 +13059,7 @@
         </p:grpSpPr>
         <p:sp>
           <p:nvSpPr>
-            <p:cNvPr id="145" name="Shape 145"/>
+            <p:cNvPr id="166" name="Shape 166"/>
             <p:cNvSpPr/>
             <p:nvPr/>
           </p:nvSpPr>
@@ -10497,7 +13105,7 @@
         </p:sp>
         <p:sp>
           <p:nvSpPr>
-            <p:cNvPr id="146" name="Shape 146"/>
+            <p:cNvPr id="167" name="Shape 167"/>
             <p:cNvSpPr/>
             <p:nvPr/>
           </p:nvSpPr>
@@ -10549,7 +13157,9 @@
       </p:grpSp>
       <p:sp>
         <p:nvSpPr>
-          <p:cNvPr id="148" name="Shape 148"/>
+          <p:cNvPr id="169" name="Shape 169">
+            <a:hlinkClick r:id="rId3" invalidUrl="" action="ppaction://hlinksldjump" tgtFrame="" tooltip="" history="1" highlightClick="0" endSnd="0"/>
+          </p:cNvPr>
           <p:cNvSpPr/>
           <p:nvPr/>
         </p:nvSpPr>
@@ -10604,21 +13214,21 @@
               </a:defRPr>
             </a:pPr>
             <a:r>
-              <a:t>·见P8</a:t>
+              <a:t>·见P9</a:t>
             </a:r>
           </a:p>
         </p:txBody>
       </p:sp>
       <p:sp>
         <p:nvSpPr>
-          <p:cNvPr id="149" name="Shape 149"/>
+          <p:cNvPr id="170" name="Shape 170"/>
           <p:cNvSpPr/>
           <p:nvPr/>
         </p:nvSpPr>
         <p:spPr>
           <a:xfrm>
             <a:off x="179387" y="657225"/>
-            <a:ext cx="8713789" cy="0"/>
+            <a:ext cx="8713788" cy="0"/>
           </a:xfrm>
           <a:prstGeom prst="line">
             <a:avLst/>
@@ -10640,7 +13250,7 @@
       </p:sp>
       <p:sp>
         <p:nvSpPr>
-          <p:cNvPr id="150" name="Shape 150"/>
+          <p:cNvPr id="171" name="Shape 171"/>
           <p:cNvSpPr/>
           <p:nvPr/>
         </p:nvSpPr>
@@ -10718,14 +13328,14 @@
       </p:sp>
       <p:sp>
         <p:nvSpPr>
-          <p:cNvPr id="151" name="Shape 151"/>
+          <p:cNvPr id="172" name="Shape 172"/>
           <p:cNvSpPr/>
           <p:nvPr/>
         </p:nvSpPr>
         <p:spPr>
           <a:xfrm>
-            <a:off x="-1" y="5092699"/>
-            <a:ext cx="9144002" cy="142877"/>
+            <a:off x="-1" y="5092700"/>
+            <a:ext cx="9144002" cy="142876"/>
           </a:xfrm>
           <a:prstGeom prst="rect">
             <a:avLst/>
@@ -10757,7 +13367,7 @@
       </p:sp>
       <p:sp>
         <p:nvSpPr>
-          <p:cNvPr id="152" name="Shape 152"/>
+          <p:cNvPr id="173" name="Shape 173"/>
           <p:cNvSpPr/>
           <p:nvPr/>
         </p:nvSpPr>
@@ -10825,7 +13435,7 @@
       </p:sp>
       <p:grpSp>
         <p:nvGrpSpPr>
-          <p:cNvPr id="155" name="Group 155"/>
+          <p:cNvPr id="176" name="Group 176"/>
           <p:cNvGrpSpPr/>
           <p:nvPr/>
         </p:nvGrpSpPr>
@@ -10839,7 +13449,7 @@
         </p:grpSpPr>
         <p:sp>
           <p:nvSpPr>
-            <p:cNvPr id="153" name="Shape 153"/>
+            <p:cNvPr id="174" name="Shape 174"/>
             <p:cNvSpPr/>
             <p:nvPr/>
           </p:nvSpPr>
@@ -10885,7 +13495,7 @@
         </p:sp>
         <p:sp>
           <p:nvSpPr>
-            <p:cNvPr id="154" name="Shape 154"/>
+            <p:cNvPr id="175" name="Shape 175"/>
             <p:cNvSpPr/>
             <p:nvPr/>
           </p:nvSpPr>
@@ -10937,7 +13547,7 @@
       </p:grpSp>
       <p:grpSp>
         <p:nvGrpSpPr>
-          <p:cNvPr id="158" name="Group 158"/>
+          <p:cNvPr id="179" name="Group 179"/>
           <p:cNvGrpSpPr/>
           <p:nvPr/>
         </p:nvGrpSpPr>
@@ -10951,7 +13561,7 @@
         </p:grpSpPr>
         <p:sp>
           <p:nvSpPr>
-            <p:cNvPr id="156" name="Shape 156"/>
+            <p:cNvPr id="177" name="Shape 177"/>
             <p:cNvSpPr/>
             <p:nvPr/>
           </p:nvSpPr>
@@ -10997,7 +13607,7 @@
         </p:sp>
         <p:sp>
           <p:nvSpPr>
-            <p:cNvPr id="157" name="Shape 157"/>
+            <p:cNvPr id="178" name="Shape 178"/>
             <p:cNvSpPr/>
             <p:nvPr/>
           </p:nvSpPr>
@@ -11049,7 +13659,7 @@
       </p:grpSp>
       <p:sp>
         <p:nvSpPr>
-          <p:cNvPr id="159" name="Shape 159"/>
+          <p:cNvPr id="180" name="Shape 180"/>
           <p:cNvSpPr/>
           <p:nvPr/>
         </p:nvSpPr>
@@ -11104,14 +13714,16 @@
               </a:defRPr>
             </a:pPr>
             <a:r>
-              <a:t>· 由锗-硒-碲组成，可以表示为(GeTi)x(Sb2Ti3)y，比较常见的配比是Ge2Sb3Ti5</a:t>
+              <a:t>· 由锗-硒-碲组成，可以表示为(GeTi2)x(Sb2Ti3)y，比较常见的配比是Ge2Sb2Ti5</a:t>
             </a:r>
           </a:p>
         </p:txBody>
       </p:sp>
       <p:sp>
         <p:nvSpPr>
-          <p:cNvPr id="160" name="Shape 160"/>
+          <p:cNvPr id="181" name="Shape 181">
+            <a:hlinkClick r:id="rId4" invalidUrl="" action="ppaction://hlinksldjump" tgtFrame="" tooltip="" history="1" highlightClick="0" endSnd="0"/>
+          </p:cNvPr>
           <p:cNvSpPr/>
           <p:nvPr/>
         </p:nvSpPr>
@@ -11166,21 +13778,21 @@
               </a:defRPr>
             </a:pPr>
             <a:r>
-              <a:t>· 见P9-10</a:t>
+              <a:t>· 见P10-11</a:t>
             </a:r>
           </a:p>
         </p:txBody>
       </p:sp>
       <p:pic>
         <p:nvPicPr>
-          <p:cNvPr id="161" name="pasted-image.png"/>
+          <p:cNvPr id="182" name="pasted-image.png"/>
           <p:cNvPicPr>
             <a:picLocks noChangeAspect="1"/>
           </p:cNvPicPr>
           <p:nvPr/>
         </p:nvPicPr>
         <p:blipFill>
-          <a:blip r:embed="rId2">
+          <a:blip r:embed="rId5">
             <a:extLst/>
           </a:blip>
           <a:stretch>
@@ -11202,14 +13814,14 @@
       </p:pic>
       <p:pic>
         <p:nvPicPr>
-          <p:cNvPr id="162" name="pasted-image.png"/>
+          <p:cNvPr id="183" name="pasted-image.png"/>
           <p:cNvPicPr>
             <a:picLocks noChangeAspect="1"/>
           </p:cNvPicPr>
           <p:nvPr/>
         </p:nvPicPr>
         <p:blipFill>
-          <a:blip r:embed="rId3">
+          <a:blip r:embed="rId6">
             <a:extLst/>
           </a:blip>
           <a:stretch>
@@ -11218,8 +13830,8 @@
         </p:blipFill>
         <p:spPr>
           <a:xfrm>
-            <a:off x="3284233" y="2632400"/>
-            <a:ext cx="1642084" cy="1840722"/>
+            <a:off x="3284234" y="2632400"/>
+            <a:ext cx="1642083" cy="1840722"/>
           </a:xfrm>
           <a:prstGeom prst="rect">
             <a:avLst/>
@@ -11231,14 +13843,14 @@
       </p:pic>
       <p:pic>
         <p:nvPicPr>
-          <p:cNvPr id="163" name="pasted-image.png"/>
+          <p:cNvPr id="184" name="pasted-image.png"/>
           <p:cNvPicPr>
             <a:picLocks noChangeAspect="1"/>
           </p:cNvPicPr>
           <p:nvPr/>
         </p:nvPicPr>
         <p:blipFill>
-          <a:blip r:embed="rId4">
+          <a:blip r:embed="rId7">
             <a:extLst/>
           </a:blip>
           <a:stretch>
@@ -11260,7 +13872,7 @@
       </p:pic>
       <p:sp>
         <p:nvSpPr>
-          <p:cNvPr id="164" name="Shape 164"/>
+          <p:cNvPr id="185" name="Shape 185"/>
           <p:cNvSpPr/>
           <p:nvPr>
             <p:ph type="sldNum" sz="quarter" idx="4294967295"/>
@@ -11309,7 +13921,7 @@
 </p:sld>
 </file>
 
-<file path=ppt/slides/slide8.xml><?xml version="1.0" encoding="utf-8"?>
+<file path=ppt/slides/slide9.xml><?xml version="1.0" encoding="utf-8"?>
 <p:sld xmlns:a="http://schemas.openxmlformats.org/drawingml/2006/main" xmlns:r="http://schemas.openxmlformats.org/officeDocument/2006/relationships" xmlns:p="http://schemas.openxmlformats.org/presentationml/2006/main" showMasterSp="1" showMasterPhAnim="1">
   <p:cSld>
     <p:spTree>
@@ -11328,7 +13940,7 @@
       </p:grpSpPr>
       <p:sp>
         <p:nvSpPr>
-          <p:cNvPr id="166" name="Shape 166"/>
+          <p:cNvPr id="189" name="Shape 189"/>
           <p:cNvSpPr/>
           <p:nvPr/>
         </p:nvSpPr>
@@ -11369,7 +13981,7 @@
       </p:sp>
       <p:sp>
         <p:nvSpPr>
-          <p:cNvPr id="167" name="Shape 167"/>
+          <p:cNvPr id="190" name="Shape 190"/>
           <p:cNvSpPr/>
           <p:nvPr/>
         </p:nvSpPr>
@@ -11398,7 +14010,7 @@
       </p:sp>
       <p:sp>
         <p:nvSpPr>
-          <p:cNvPr id="168" name="Shape 168"/>
+          <p:cNvPr id="191" name="Shape 191"/>
           <p:cNvSpPr/>
           <p:nvPr/>
         </p:nvSpPr>
@@ -11427,7 +14039,7 @@
       </p:sp>
       <p:sp>
         <p:nvSpPr>
-          <p:cNvPr id="169" name="Shape 169"/>
+          <p:cNvPr id="192" name="Shape 192"/>
           <p:cNvSpPr/>
           <p:nvPr/>
         </p:nvSpPr>
@@ -11468,14 +14080,14 @@
           <a:p>
             <a:pPr/>
             <a:r>
-              <a:t>02</a:t>
+              <a:t>2.3</a:t>
             </a:r>
           </a:p>
         </p:txBody>
       </p:sp>
       <p:sp>
         <p:nvSpPr>
-          <p:cNvPr id="170" name="Shape 170"/>
+          <p:cNvPr id="193" name="Shape 193"/>
           <p:cNvSpPr/>
           <p:nvPr/>
         </p:nvSpPr>
@@ -11523,7 +14135,7 @@
       </p:sp>
       <p:sp>
         <p:nvSpPr>
-          <p:cNvPr id="171" name="Shape 171"/>
+          <p:cNvPr id="194" name="Shape 194"/>
           <p:cNvSpPr/>
           <p:nvPr/>
         </p:nvSpPr>
@@ -11601,7 +14213,7 @@
       </p:sp>
       <p:sp>
         <p:nvSpPr>
-          <p:cNvPr id="172" name="Shape 172"/>
+          <p:cNvPr id="195" name="Shape 195"/>
           <p:cNvSpPr/>
           <p:nvPr/>
         </p:nvSpPr>
@@ -11640,7 +14252,7 @@
       </p:sp>
       <p:sp>
         <p:nvSpPr>
-          <p:cNvPr id="173" name="Shape 173"/>
+          <p:cNvPr id="196" name="Shape 196"/>
           <p:cNvSpPr/>
           <p:nvPr/>
         </p:nvSpPr>
@@ -11708,7 +14320,7 @@
       </p:sp>
       <p:sp>
         <p:nvSpPr>
-          <p:cNvPr id="174" name="Shape 174"/>
+          <p:cNvPr id="197" name="Shape 197"/>
           <p:cNvSpPr/>
           <p:nvPr/>
         </p:nvSpPr>
@@ -11775,7 +14387,7 @@
               </a:defRPr>
             </a:pPr>
             <a:r>
-              <a:t>其中ITO是一种N型氧化物半导体，目前的ITO电阻率接近电阻，同时有90%以上的透过率</a:t>
+              <a:t>其中ITO是一种N型氧化物半导体，目前的ITO电阻率接近金属，同时有90%以上的透过率</a:t>
             </a:r>
           </a:p>
           <a:p>
@@ -11826,36 +14438,7 @@
       </p:sp>
       <p:pic>
         <p:nvPicPr>
-          <p:cNvPr id="175" name="pasted-image.png"/>
-          <p:cNvPicPr>
-            <a:picLocks noChangeAspect="1"/>
-          </p:cNvPicPr>
-          <p:nvPr/>
-        </p:nvPicPr>
-        <p:blipFill>
-          <a:blip r:embed="rId2">
-            <a:extLst/>
-          </a:blip>
-          <a:stretch>
-            <a:fillRect/>
-          </a:stretch>
-        </p:blipFill>
-        <p:spPr>
-          <a:xfrm>
-            <a:off x="4287043" y="818832"/>
-            <a:ext cx="2701926" cy="2329760"/>
-          </a:xfrm>
-          <a:prstGeom prst="rect">
-            <a:avLst/>
-          </a:prstGeom>
-          <a:ln w="12700">
-            <a:miter lim="400000"/>
-          </a:ln>
-        </p:spPr>
-      </p:pic>
-      <p:pic>
-        <p:nvPicPr>
-          <p:cNvPr id="176" name="pasted-image.png"/>
+          <p:cNvPr id="198" name="pasted-image.png"/>
           <p:cNvPicPr>
             <a:picLocks noChangeAspect="1"/>
           </p:cNvPicPr>
@@ -11871,8 +14454,8 @@
         </p:blipFill>
         <p:spPr>
           <a:xfrm>
-            <a:off x="4135437" y="818832"/>
-            <a:ext cx="4065794" cy="3810294"/>
+            <a:off x="4287043" y="818832"/>
+            <a:ext cx="2701926" cy="2329760"/>
           </a:xfrm>
           <a:prstGeom prst="rect">
             <a:avLst/>
@@ -11882,9 +14465,38 @@
           </a:ln>
         </p:spPr>
       </p:pic>
-      <p:sp>
-        <p:nvSpPr>
-          <p:cNvPr id="177" name="Shape 177"/>
+      <p:pic>
+        <p:nvPicPr>
+          <p:cNvPr id="199" name="pasted-image.png"/>
+          <p:cNvPicPr>
+            <a:picLocks noChangeAspect="1"/>
+          </p:cNvPicPr>
+          <p:nvPr/>
+        </p:nvPicPr>
+        <p:blipFill>
+          <a:blip r:embed="rId4">
+            <a:extLst/>
+          </a:blip>
+          <a:stretch>
+            <a:fillRect/>
+          </a:stretch>
+        </p:blipFill>
+        <p:spPr>
+          <a:xfrm>
+            <a:off x="4135437" y="818832"/>
+            <a:ext cx="4065794" cy="3810294"/>
+          </a:xfrm>
+          <a:prstGeom prst="rect">
+            <a:avLst/>
+          </a:prstGeom>
+          <a:ln w="12700">
+            <a:miter lim="400000"/>
+          </a:ln>
+        </p:spPr>
+      </p:pic>
+      <p:sp>
+        <p:nvSpPr>
+          <p:cNvPr id="200" name="Shape 200"/>
           <p:cNvSpPr/>
           <p:nvPr>
             <p:ph type="sldNum" sz="quarter" idx="4294967295"/>
@@ -11913,6 +14525,37 @@
           </a:p>
         </p:txBody>
       </p:sp>
+      <p:pic>
+        <p:nvPicPr>
+          <p:cNvPr id="201" name="pasted-image.png">
+            <a:hlinkClick r:id="" invalidUrl="" action="ppaction://hlinkshowjump?jump=previousslide" tgtFrame="" tooltip="" history="1" highlightClick="0" endSnd="0"/>
+          </p:cNvPr>
+          <p:cNvPicPr>
+            <a:picLocks noChangeAspect="1"/>
+          </p:cNvPicPr>
+          <p:nvPr/>
+        </p:nvPicPr>
+        <p:blipFill>
+          <a:blip r:embed="rId5">
+            <a:extLst/>
+          </a:blip>
+          <a:stretch>
+            <a:fillRect/>
+          </a:stretch>
+        </p:blipFill>
+        <p:spPr>
+          <a:xfrm>
+            <a:off x="3350426" y="4282384"/>
+            <a:ext cx="424822" cy="408941"/>
+          </a:xfrm>
+          <a:prstGeom prst="rect">
+            <a:avLst/>
+          </a:prstGeom>
+          <a:ln w="12700">
+            <a:miter lim="400000"/>
+          </a:ln>
+        </p:spPr>
+      </p:pic>
     </p:spTree>
   </p:cSld>
   <p:clrMapOvr>
@@ -11922,523 +14565,6 @@
     <mc:Choice xmlns:p14="http://schemas.microsoft.com/office/powerpoint/2010/main" Requires="p14">
       <p:transition spd="slow" advClick="1" p14:dur="1200">
         <p:wipe dir="r"/>
-      </p:transition>
-    </mc:Choice>
-    <mc:Fallback>
-      <p:transition spd="slow">
-        <p:fade/>
-      </p:transition>
-    </mc:Fallback>
-  </mc:AlternateContent>
-</p:sld>
-</file>
-
-<file path=ppt/slides/slide9.xml><?xml version="1.0" encoding="utf-8"?>
-<p:sld xmlns:a="http://schemas.openxmlformats.org/drawingml/2006/main" xmlns:r="http://schemas.openxmlformats.org/officeDocument/2006/relationships" xmlns:p="http://schemas.openxmlformats.org/presentationml/2006/main" showMasterSp="1" showMasterPhAnim="1">
-  <p:cSld>
-    <p:spTree>
-      <p:nvGrpSpPr>
-        <p:cNvPr id="1" name=""/>
-        <p:cNvGrpSpPr/>
-        <p:nvPr/>
-      </p:nvGrpSpPr>
-      <p:grpSpPr>
-        <a:xfrm>
-          <a:off x="0" y="0"/>
-          <a:ext cx="0" cy="0"/>
-          <a:chOff x="0" y="0"/>
-          <a:chExt cx="0" cy="0"/>
-        </a:xfrm>
-      </p:grpSpPr>
-      <p:sp>
-        <p:nvSpPr>
-          <p:cNvPr id="179" name="Shape 179"/>
-          <p:cNvSpPr/>
-          <p:nvPr/>
-        </p:nvSpPr>
-        <p:spPr>
-          <a:xfrm>
-            <a:off x="-1" y="-33338"/>
-            <a:ext cx="9144002" cy="5270501"/>
-          </a:xfrm>
-          <a:prstGeom prst="rect">
-            <a:avLst/>
-          </a:prstGeom>
-          <a:solidFill>
-            <a:srgbClr val="000000">
-              <a:alpha val="11999"/>
-            </a:srgbClr>
-          </a:solidFill>
-          <a:ln w="12700">
-            <a:miter lim="400000"/>
-          </a:ln>
-        </p:spPr>
-        <p:txBody>
-          <a:bodyPr lIns="45719" rIns="45719" anchor="ctr"/>
-          <a:lstStyle/>
-          <a:p>
-            <a:pPr algn="ctr">
-              <a:defRPr>
-                <a:solidFill>
-                  <a:srgbClr val="FFFFFF"/>
-                </a:solidFill>
-                <a:latin typeface="宋体"/>
-                <a:ea typeface="宋体"/>
-                <a:cs typeface="宋体"/>
-                <a:sym typeface="宋体"/>
-              </a:defRPr>
-            </a:pPr>
-          </a:p>
-        </p:txBody>
-      </p:sp>
-      <p:sp>
-        <p:nvSpPr>
-          <p:cNvPr id="180" name="Shape 180"/>
-          <p:cNvSpPr/>
-          <p:nvPr/>
-        </p:nvSpPr>
-        <p:spPr>
-          <a:xfrm>
-            <a:off x="179387" y="714375"/>
-            <a:ext cx="8713788" cy="0"/>
-          </a:xfrm>
-          <a:prstGeom prst="line">
-            <a:avLst/>
-          </a:prstGeom>
-          <a:ln>
-            <a:solidFill>
-              <a:srgbClr val="A5A5A5"/>
-            </a:solidFill>
-            <a:miter/>
-          </a:ln>
-        </p:spPr>
-        <p:txBody>
-          <a:bodyPr lIns="45719" rIns="45719"/>
-          <a:lstStyle/>
-          <a:p>
-            <a:pPr/>
-          </a:p>
-        </p:txBody>
-      </p:sp>
-      <p:sp>
-        <p:nvSpPr>
-          <p:cNvPr id="181" name="Shape 181"/>
-          <p:cNvSpPr/>
-          <p:nvPr/>
-        </p:nvSpPr>
-        <p:spPr>
-          <a:xfrm flipV="1">
-            <a:off x="1069975" y="282575"/>
-            <a:ext cx="0" cy="287338"/>
-          </a:xfrm>
-          <a:prstGeom prst="line">
-            <a:avLst/>
-          </a:prstGeom>
-          <a:ln w="19050">
-            <a:solidFill>
-              <a:srgbClr val="595959"/>
-            </a:solidFill>
-            <a:miter/>
-          </a:ln>
-        </p:spPr>
-        <p:txBody>
-          <a:bodyPr lIns="45719" rIns="45719"/>
-          <a:lstStyle/>
-          <a:p>
-            <a:pPr/>
-          </a:p>
-        </p:txBody>
-      </p:sp>
-      <p:sp>
-        <p:nvSpPr>
-          <p:cNvPr id="182" name="Shape 182"/>
-          <p:cNvSpPr/>
-          <p:nvPr/>
-        </p:nvSpPr>
-        <p:spPr>
-          <a:xfrm>
-            <a:off x="287337" y="225425"/>
-            <a:ext cx="782638" cy="396240"/>
-          </a:xfrm>
-          <a:prstGeom prst="rect">
-            <a:avLst/>
-          </a:prstGeom>
-          <a:ln w="12700">
-            <a:miter lim="400000"/>
-          </a:ln>
-          <a:extLst>
-            <a:ext uri="{C572A759-6A51-4108-AA02-DFA0A04FC94B}">
-              <ma14:wrappingTextBoxFlag xmlns:ma14="http://schemas.microsoft.com/office/mac/drawingml/2011/main" val="1"/>
-            </a:ext>
-          </a:extLst>
-        </p:spPr>
-        <p:txBody>
-          <a:bodyPr lIns="45719" rIns="45719">
-            <a:spAutoFit/>
-          </a:bodyPr>
-          <a:lstStyle>
-            <a:lvl1pPr algn="r">
-              <a:defRPr b="1" sz="2000">
-                <a:solidFill>
-                  <a:srgbClr val="3F3F3F"/>
-                </a:solidFill>
-                <a:latin typeface="微软雅黑"/>
-                <a:ea typeface="微软雅黑"/>
-                <a:cs typeface="微软雅黑"/>
-                <a:sym typeface="微软雅黑"/>
-              </a:defRPr>
-            </a:lvl1pPr>
-          </a:lstStyle>
-          <a:p>
-            <a:pPr/>
-            <a:r>
-              <a:t>02</a:t>
-            </a:r>
-          </a:p>
-        </p:txBody>
-      </p:sp>
-      <p:sp>
-        <p:nvSpPr>
-          <p:cNvPr id="183" name="Shape 183"/>
-          <p:cNvSpPr/>
-          <p:nvPr/>
-        </p:nvSpPr>
-        <p:spPr>
-          <a:xfrm>
-            <a:off x="1084262" y="241299"/>
-            <a:ext cx="2600822" cy="408941"/>
-          </a:xfrm>
-          <a:prstGeom prst="rect">
-            <a:avLst/>
-          </a:prstGeom>
-          <a:ln w="12700">
-            <a:miter lim="400000"/>
-          </a:ln>
-          <a:extLst>
-            <a:ext uri="{C572A759-6A51-4108-AA02-DFA0A04FC94B}">
-              <ma14:wrappingTextBoxFlag xmlns:ma14="http://schemas.microsoft.com/office/mac/drawingml/2011/main" val="1"/>
-            </a:ext>
-          </a:extLst>
-        </p:spPr>
-        <p:txBody>
-          <a:bodyPr lIns="45719" rIns="45719">
-            <a:spAutoFit/>
-          </a:bodyPr>
-          <a:lstStyle>
-            <a:lvl1pPr>
-              <a:defRPr b="1">
-                <a:solidFill>
-                  <a:srgbClr val="3F3F3F"/>
-                </a:solidFill>
-                <a:latin typeface="微软雅黑"/>
-                <a:ea typeface="微软雅黑"/>
-                <a:cs typeface="微软雅黑"/>
-                <a:sym typeface="微软雅黑"/>
-              </a:defRPr>
-            </a:lvl1pPr>
-          </a:lstStyle>
-          <a:p>
-            <a:pPr/>
-            <a:r>
-              <a:t>GST材料的可见光性质</a:t>
-            </a:r>
-          </a:p>
-        </p:txBody>
-      </p:sp>
-      <p:sp>
-        <p:nvSpPr>
-          <p:cNvPr id="184" name="Shape 184"/>
-          <p:cNvSpPr/>
-          <p:nvPr/>
-        </p:nvSpPr>
-        <p:spPr>
-          <a:xfrm>
-            <a:off x="7369175" y="-33338"/>
-            <a:ext cx="1512888" cy="916941"/>
-          </a:xfrm>
-          <a:prstGeom prst="rect">
-            <a:avLst/>
-          </a:prstGeom>
-          <a:ln w="12700">
-            <a:miter lim="400000"/>
-          </a:ln>
-          <a:extLst>
-            <a:ext uri="{C572A759-6A51-4108-AA02-DFA0A04FC94B}">
-              <ma14:wrappingTextBoxFlag xmlns:ma14="http://schemas.microsoft.com/office/mac/drawingml/2011/main" val="1"/>
-            </a:ext>
-          </a:extLst>
-        </p:spPr>
-        <p:txBody>
-          <a:bodyPr lIns="45719" rIns="45719">
-            <a:spAutoFit/>
-          </a:bodyPr>
-          <a:lstStyle/>
-          <a:p>
-            <a:pPr algn="just">
-              <a:defRPr b="1" sz="5400">
-                <a:solidFill>
-                  <a:srgbClr val="05AFC8"/>
-                </a:solidFill>
-                <a:latin typeface="微软雅黑"/>
-                <a:ea typeface="微软雅黑"/>
-                <a:cs typeface="微软雅黑"/>
-                <a:sym typeface="微软雅黑"/>
-              </a:defRPr>
-            </a:pPr>
-            <a:r>
-              <a:t>·</a:t>
-            </a:r>
-            <a:r>
-              <a:rPr>
-                <a:solidFill>
-                  <a:srgbClr val="3F3F3F"/>
-                </a:solidFill>
-              </a:rPr>
-              <a:t> </a:t>
-            </a:r>
-            <a:r>
-              <a:rPr>
-                <a:solidFill>
-                  <a:srgbClr val="FFC000"/>
-                </a:solidFill>
-              </a:rPr>
-              <a:t>·</a:t>
-            </a:r>
-            <a:r>
-              <a:rPr>
-                <a:solidFill>
-                  <a:srgbClr val="3F3F3F"/>
-                </a:solidFill>
-              </a:rPr>
-              <a:t> </a:t>
-            </a:r>
-            <a:r>
-              <a:rPr>
-                <a:solidFill>
-                  <a:srgbClr val="FA4453"/>
-                </a:solidFill>
-              </a:rPr>
-              <a:t>·</a:t>
-            </a:r>
-          </a:p>
-        </p:txBody>
-      </p:sp>
-      <p:sp>
-        <p:nvSpPr>
-          <p:cNvPr id="185" name="Shape 185"/>
-          <p:cNvSpPr/>
-          <p:nvPr/>
-        </p:nvSpPr>
-        <p:spPr>
-          <a:xfrm>
-            <a:off x="-1" y="5092700"/>
-            <a:ext cx="9144002" cy="142876"/>
-          </a:xfrm>
-          <a:prstGeom prst="rect">
-            <a:avLst/>
-          </a:prstGeom>
-          <a:solidFill>
-            <a:srgbClr val="FFC000"/>
-          </a:solidFill>
-          <a:ln w="12700">
-            <a:miter lim="400000"/>
-          </a:ln>
-        </p:spPr>
-        <p:txBody>
-          <a:bodyPr lIns="45719" rIns="45719" anchor="ctr"/>
-          <a:lstStyle/>
-          <a:p>
-            <a:pPr algn="ctr">
-              <a:defRPr>
-                <a:solidFill>
-                  <a:srgbClr val="FFFFFF"/>
-                </a:solidFill>
-                <a:latin typeface="宋体"/>
-                <a:ea typeface="宋体"/>
-                <a:cs typeface="宋体"/>
-                <a:sym typeface="宋体"/>
-              </a:defRPr>
-            </a:pPr>
-          </a:p>
-        </p:txBody>
-      </p:sp>
-      <p:sp>
-        <p:nvSpPr>
-          <p:cNvPr id="186" name="Shape 186"/>
-          <p:cNvSpPr/>
-          <p:nvPr/>
-        </p:nvSpPr>
-        <p:spPr>
-          <a:xfrm rot="16200000">
-            <a:off x="146843" y="280193"/>
-            <a:ext cx="360364" cy="241301"/>
-          </a:xfrm>
-          <a:custGeom>
-            <a:avLst/>
-            <a:gdLst/>
-            <a:ahLst/>
-            <a:cxnLst>
-              <a:cxn ang="0">
-                <a:pos x="wd2" y="hd2"/>
-              </a:cxn>
-              <a:cxn ang="5400000">
-                <a:pos x="wd2" y="hd2"/>
-              </a:cxn>
-              <a:cxn ang="10800000">
-                <a:pos x="wd2" y="hd2"/>
-              </a:cxn>
-              <a:cxn ang="16200000">
-                <a:pos x="wd2" y="hd2"/>
-              </a:cxn>
-            </a:cxnLst>
-            <a:rect l="0" t="0" r="r" b="b"/>
-            <a:pathLst>
-              <a:path w="21600" h="21600" fill="norm" stroke="1" extrusionOk="0">
-                <a:moveTo>
-                  <a:pt x="0" y="0"/>
-                </a:moveTo>
-                <a:lnTo>
-                  <a:pt x="21600" y="0"/>
-                </a:lnTo>
-                <a:lnTo>
-                  <a:pt x="10800" y="21600"/>
-                </a:lnTo>
-                <a:close/>
-              </a:path>
-            </a:pathLst>
-          </a:custGeom>
-          <a:ln w="6350">
-            <a:solidFill>
-              <a:srgbClr val="7F7F7F"/>
-            </a:solidFill>
-            <a:prstDash val="sysDash"/>
-            <a:miter/>
-          </a:ln>
-        </p:spPr>
-        <p:txBody>
-          <a:bodyPr lIns="45719" rIns="45719" anchor="ctr"/>
-          <a:lstStyle/>
-          <a:p>
-            <a:pPr algn="ctr">
-              <a:defRPr>
-                <a:latin typeface="宋体"/>
-                <a:ea typeface="宋体"/>
-                <a:cs typeface="宋体"/>
-                <a:sym typeface="宋体"/>
-              </a:defRPr>
-            </a:pPr>
-          </a:p>
-        </p:txBody>
-      </p:sp>
-      <p:sp>
-        <p:nvSpPr>
-          <p:cNvPr id="187" name="Shape 187"/>
-          <p:cNvSpPr/>
-          <p:nvPr/>
-        </p:nvSpPr>
-        <p:spPr>
-          <a:xfrm>
-            <a:off x="646430" y="973137"/>
-            <a:ext cx="2161540" cy="408941"/>
-          </a:xfrm>
-          <a:prstGeom prst="rect">
-            <a:avLst/>
-          </a:prstGeom>
-          <a:ln w="12700">
-            <a:miter lim="400000"/>
-          </a:ln>
-          <a:extLst>
-            <a:ext uri="{C572A759-6A51-4108-AA02-DFA0A04FC94B}">
-              <ma14:wrappingTextBoxFlag xmlns:ma14="http://schemas.microsoft.com/office/mac/drawingml/2011/main" val="1"/>
-            </a:ext>
-          </a:extLst>
-        </p:spPr>
-        <p:txBody>
-          <a:bodyPr wrap="none" lIns="45719" rIns="45719">
-            <a:spAutoFit/>
-          </a:bodyPr>
-          <a:lstStyle>
-            <a:lvl1pPr>
-              <a:defRPr b="1"/>
-            </a:lvl1pPr>
-          </a:lstStyle>
-          <a:p>
-            <a:pPr/>
-            <a:r>
-              <a:t>反射材料的反射率：</a:t>
-            </a:r>
-          </a:p>
-        </p:txBody>
-      </p:sp>
-      <p:pic>
-        <p:nvPicPr>
-          <p:cNvPr id="188" name="pasted-image.png"/>
-          <p:cNvPicPr>
-            <a:picLocks noChangeAspect="1"/>
-          </p:cNvPicPr>
-          <p:nvPr/>
-        </p:nvPicPr>
-        <p:blipFill>
-          <a:blip r:embed="rId2">
-            <a:extLst/>
-          </a:blip>
-          <a:stretch>
-            <a:fillRect/>
-          </a:stretch>
-        </p:blipFill>
-        <p:spPr>
-          <a:xfrm>
-            <a:off x="3025710" y="771525"/>
-            <a:ext cx="5824754" cy="4324438"/>
-          </a:xfrm>
-          <a:prstGeom prst="rect">
-            <a:avLst/>
-          </a:prstGeom>
-          <a:ln w="12700">
-            <a:miter lim="400000"/>
-          </a:ln>
-        </p:spPr>
-      </p:pic>
-      <p:sp>
-        <p:nvSpPr>
-          <p:cNvPr id="189" name="Shape 189"/>
-          <p:cNvSpPr/>
-          <p:nvPr>
-            <p:ph type="sldNum" sz="quarter" idx="4294967295"/>
-          </p:nvPr>
-        </p:nvSpPr>
-        <p:spPr>
-          <a:xfrm>
-            <a:off x="8497902" y="4772454"/>
-            <a:ext cx="188898" cy="264255"/>
-          </a:xfrm>
-          <a:prstGeom prst="rect">
-            <a:avLst/>
-          </a:prstGeom>
-          <a:extLst>
-            <a:ext uri="{C572A759-6A51-4108-AA02-DFA0A04FC94B}">
-              <ma14:wrappingTextBoxFlag xmlns:ma14="http://schemas.microsoft.com/office/mac/drawingml/2011/main" val="1"/>
-            </a:ext>
-          </a:extLst>
-        </p:spPr>
-        <p:txBody>
-          <a:bodyPr/>
-          <a:lstStyle/>
-          <a:p>
-            <a:pPr/>
-            <a:fld id="{86CB4B4D-7CA3-9044-876B-883B54F8677D}" type="slidenum"/>
-          </a:p>
-        </p:txBody>
-      </p:sp>
-    </p:spTree>
-  </p:cSld>
-  <p:clrMapOvr>
-    <a:masterClrMapping/>
-  </p:clrMapOvr>
-  <mc:AlternateContent xmlns:mc="http://schemas.openxmlformats.org/markup-compatibility/2006">
-    <mc:Choice xmlns:p14="http://schemas.microsoft.com/office/powerpoint/2010/main" Requires="p14">
-      <p:transition spd="slow" advClick="1" p14:dur="1200">
-        <p:dissolve/>
       </p:transition>
     </mc:Choice>
     <mc:Fallback>

--- a/Graduation/开题报告.pptx
+++ b/Graduation/开题报告.pptx
@@ -683,7 +683,147 @@
           <a:p>
             <a:pPr/>
             <a:r>
-              <a:t>首先需要</a:t>
+              <a:t>首先需要了解为了制作一个可变焦老花镜所需要的各个指标，尤其是折射率的要求；然后根据这个来设计制作出来的GST材料的相应指标，此处要更加细致，包括厚度、重量、晶体结构等都需要在这一步中建模出来；接下来就是根据设计的指标来制备相应的GST材料，制作出来之后会进行调试，用来观察制作出来的GST材料和我们的预期是否相符，包括光学性质和电学性质，其中光学性质要着重考量怼色散的衰减；电学性质以保障佩戴者的安全为首要目标，低能耗为次要目标；如果这部分的指标不令人满意的话，我们需要重新制备待测试的材料，乃至于重新设计GST的各项指标（如果工艺受限的话）；这个环可能会有若干次的反复，当材料的光电特性符合要求之后我们会把材料镀到镜片上，进行整体的测试。由于测试反复的重点在上一个模块，这个模块中可能不会有太多的反复过程，预测更多造成折返跑的部分在于镀层工艺和预期的镜片本身的特性。这一步调试完成之后如果时间富裕，我们会致力于确保量产中的成功率、电路优化、提升通过率、降低重量、提高硬度、不易上霜等优化，最终输出一个制备产品的工艺和根据工艺制作出来的样品。</a:t>
+            </a:r>
+          </a:p>
+        </p:txBody>
+      </p:sp>
+    </p:spTree>
+  </p:cSld>
+  <p:clrMapOvr>
+    <a:masterClrMapping/>
+  </p:clrMapOvr>
+</p:notes>
+</file>
+
+<file path=ppt/notesSlides/notesSlide12.xml><?xml version="1.0" encoding="utf-8"?>
+<p:notes xmlns:a="http://schemas.openxmlformats.org/drawingml/2006/main" xmlns:r="http://schemas.openxmlformats.org/officeDocument/2006/relationships" xmlns:p="http://schemas.openxmlformats.org/presentationml/2006/main" showMasterSp="1" showMasterPhAnim="1">
+  <p:cSld>
+    <p:spTree>
+      <p:nvGrpSpPr>
+        <p:cNvPr id="1" name=""/>
+        <p:cNvGrpSpPr/>
+        <p:nvPr/>
+      </p:nvGrpSpPr>
+      <p:grpSpPr>
+        <a:xfrm>
+          <a:off x="0" y="0"/>
+          <a:ext cx="0" cy="0"/>
+          <a:chOff x="0" y="0"/>
+          <a:chExt cx="0" cy="0"/>
+        </a:xfrm>
+      </p:grpSpPr>
+      <p:sp>
+        <p:nvSpPr>
+          <p:cNvPr id="275" name="Shape 275"/>
+          <p:cNvSpPr/>
+          <p:nvPr>
+            <p:ph type="sldImg"/>
+          </p:nvPr>
+        </p:nvSpPr>
+        <p:spPr>
+          <a:prstGeom prst="rect">
+            <a:avLst/>
+          </a:prstGeom>
+        </p:spPr>
+        <p:txBody>
+          <a:bodyPr/>
+          <a:lstStyle/>
+          <a:p>
+            <a:pPr/>
+          </a:p>
+        </p:txBody>
+      </p:sp>
+      <p:sp>
+        <p:nvSpPr>
+          <p:cNvPr id="276" name="Shape 276"/>
+          <p:cNvSpPr/>
+          <p:nvPr>
+            <p:ph type="body" sz="quarter" idx="1"/>
+          </p:nvPr>
+        </p:nvSpPr>
+        <p:spPr>
+          <a:prstGeom prst="rect">
+            <a:avLst/>
+          </a:prstGeom>
+        </p:spPr>
+        <p:txBody>
+          <a:bodyPr/>
+          <a:lstStyle/>
+          <a:p>
+            <a:pPr/>
+            <a:r>
+              <a:t>在完成了这个过程的研究之后，我们首先应当能够制备能够用于可见光期间中的GST相变材料，并且能够将这材料制成薄膜镀到玻璃／树脂上。我们应当能够验证所制得的材料能够在达到老花镜的指标需求，同时可以自动变焦，从而完成我们最初设计的“变焦老花镜”的目标。进一步地，我们会通过与其它材料结合制作下一代的老花镜，并顺利投产。 以上是于人的收获，而于己，我可以通过对此项课题的研究加深对相变材料的理解。 由于整个课题会由一系列实验完成，我能够通过这个课题提升自己的实验素养。</a:t>
+            </a:r>
+          </a:p>
+        </p:txBody>
+      </p:sp>
+    </p:spTree>
+  </p:cSld>
+  <p:clrMapOvr>
+    <a:masterClrMapping/>
+  </p:clrMapOvr>
+</p:notes>
+</file>
+
+<file path=ppt/notesSlides/notesSlide13.xml><?xml version="1.0" encoding="utf-8"?>
+<p:notes xmlns:a="http://schemas.openxmlformats.org/drawingml/2006/main" xmlns:r="http://schemas.openxmlformats.org/officeDocument/2006/relationships" xmlns:p="http://schemas.openxmlformats.org/presentationml/2006/main" showMasterSp="1" showMasterPhAnim="1">
+  <p:cSld>
+    <p:spTree>
+      <p:nvGrpSpPr>
+        <p:cNvPr id="1" name=""/>
+        <p:cNvGrpSpPr/>
+        <p:nvPr/>
+      </p:nvGrpSpPr>
+      <p:grpSpPr>
+        <a:xfrm>
+          <a:off x="0" y="0"/>
+          <a:ext cx="0" cy="0"/>
+          <a:chOff x="0" y="0"/>
+          <a:chExt cx="0" cy="0"/>
+        </a:xfrm>
+      </p:grpSpPr>
+      <p:sp>
+        <p:nvSpPr>
+          <p:cNvPr id="287" name="Shape 287"/>
+          <p:cNvSpPr/>
+          <p:nvPr>
+            <p:ph type="sldImg"/>
+          </p:nvPr>
+        </p:nvSpPr>
+        <p:spPr>
+          <a:prstGeom prst="rect">
+            <a:avLst/>
+          </a:prstGeom>
+        </p:spPr>
+        <p:txBody>
+          <a:bodyPr/>
+          <a:lstStyle/>
+          <a:p>
+            <a:pPr/>
+          </a:p>
+        </p:txBody>
+      </p:sp>
+      <p:sp>
+        <p:nvSpPr>
+          <p:cNvPr id="288" name="Shape 288"/>
+          <p:cNvSpPr/>
+          <p:nvPr>
+            <p:ph type="body" sz="quarter" idx="1"/>
+          </p:nvPr>
+        </p:nvSpPr>
+        <p:spPr>
+          <a:prstGeom prst="rect">
+            <a:avLst/>
+          </a:prstGeom>
+        </p:spPr>
+        <p:txBody>
+          <a:bodyPr/>
+          <a:lstStyle/>
+          <a:p>
+            <a:pPr/>
+            <a:r>
+              <a:t>在开题之后到下学期开学这段时间，我会进一步做前期调研，加深对GST材料特性和制作工艺的了解。开学后的1-3周，我会根据仿真来指引设计所需的GST的各项指标。4-6周会根据设计的指标制作样本，这期间就涉及到了反复测试的过程。7-8周集中测试样本，对半程的经验教训做总结，完成中期报告，此处会根据系里实际的中期报告时间做调整；在中期之后就要开始为了结题做准备；会继续调整GST的设计和样本，使淇特性趋于完善；第11-12周会开始对模拟的镜片进行调试，此后便是整体测试—微调—总结经验教训，为量产做准备—准备结题的过程，直到结题，此时应当能够确保完成上页文稿中预期的所有输出。</a:t>
             </a:r>
           </a:p>
         </p:txBody>
@@ -6203,7 +6343,7 @@
         <p:spPr>
           <a:xfrm>
             <a:off x="1421130" y="767080"/>
-            <a:ext cx="5900054" cy="1678941"/>
+            <a:ext cx="5900054" cy="1996441"/>
           </a:xfrm>
           <a:prstGeom prst="rect">
             <a:avLst/>
@@ -6237,7 +6377,7 @@
               <a:buAutoNum type="arabicPeriod" startAt="1"/>
             </a:pPr>
             <a:r>
-              <a:t>能够将GST材料制成薄膜镀到平面玻璃／树脂上</a:t>
+              <a:t>能够将GST材料制成薄膜镀到玻璃／树脂上</a:t>
             </a:r>
           </a:p>
           <a:p>
@@ -6255,7 +6395,7 @@
               <a:buAutoNum type="arabicPeriod" startAt="1"/>
             </a:pPr>
             <a:r>
-              <a:t>加深对相变材料的理解</a:t>
+              <a:t>制作可用的老花镜，并联系制作方投产</a:t>
             </a:r>
           </a:p>
           <a:p>
@@ -6264,7 +6404,16 @@
               <a:buAutoNum type="arabicPeriod" startAt="1"/>
             </a:pPr>
             <a:r>
-              <a:t>制作可用的老花镜，并联系制作方投产</a:t>
+              <a:t>加深对相变材料的理解</a:t>
+            </a:r>
+          </a:p>
+          <a:p>
+            <a:pPr marL="240631" indent="-240631">
+              <a:buSzPct val="100000"/>
+              <a:buAutoNum type="arabicPeriod" startAt="1"/>
+            </a:pPr>
+            <a:r>
+              <a:t>提高实验素养</a:t>
             </a:r>
           </a:p>
         </p:txBody>
@@ -6335,7 +6484,7 @@
       </p:grpSpPr>
       <p:sp>
         <p:nvSpPr>
-          <p:cNvPr id="276" name="Shape 276"/>
+          <p:cNvPr id="278" name="Shape 278"/>
           <p:cNvSpPr/>
           <p:nvPr/>
         </p:nvSpPr>
@@ -6376,7 +6525,7 @@
       </p:sp>
       <p:sp>
         <p:nvSpPr>
-          <p:cNvPr id="277" name="Shape 277"/>
+          <p:cNvPr id="279" name="Shape 279"/>
           <p:cNvSpPr/>
           <p:nvPr/>
         </p:nvSpPr>
@@ -6448,7 +6597,7 @@
       </p:sp>
       <p:sp>
         <p:nvSpPr>
-          <p:cNvPr id="278" name="Shape 278"/>
+          <p:cNvPr id="280" name="Shape 280"/>
           <p:cNvSpPr/>
           <p:nvPr/>
         </p:nvSpPr>
@@ -6516,7 +6665,7 @@
       </p:sp>
       <p:sp>
         <p:nvSpPr>
-          <p:cNvPr id="279" name="Shape 279"/>
+          <p:cNvPr id="281" name="Shape 281"/>
           <p:cNvSpPr/>
           <p:nvPr/>
         </p:nvSpPr>
@@ -6564,7 +6713,7 @@
       </p:sp>
       <p:sp>
         <p:nvSpPr>
-          <p:cNvPr id="280" name="Shape 280"/>
+          <p:cNvPr id="282" name="Shape 282"/>
           <p:cNvSpPr/>
           <p:nvPr/>
         </p:nvSpPr>
@@ -6636,7 +6785,7 @@
       </p:sp>
       <p:sp>
         <p:nvSpPr>
-          <p:cNvPr id="281" name="Shape 281"/>
+          <p:cNvPr id="283" name="Shape 283"/>
           <p:cNvSpPr/>
           <p:nvPr/>
         </p:nvSpPr>
@@ -6709,7 +6858,7 @@
       </p:sp>
       <p:sp>
         <p:nvSpPr>
-          <p:cNvPr id="282" name="Shape 282"/>
+          <p:cNvPr id="284" name="Shape 284"/>
           <p:cNvSpPr/>
           <p:nvPr/>
         </p:nvSpPr>
@@ -6754,7 +6903,7 @@
       </p:sp>
       <p:sp>
         <p:nvSpPr>
-          <p:cNvPr id="283" name="Shape 283"/>
+          <p:cNvPr id="285" name="Shape 285"/>
           <p:cNvSpPr/>
           <p:nvPr>
             <p:ph type="sldNum" sz="quarter" idx="4294967295"/>
@@ -6781,7 +6930,7 @@
       </p:sp>
       <p:graphicFrame>
         <p:nvGraphicFramePr>
-          <p:cNvPr id="284" name="Table 284"/>
+          <p:cNvPr id="286" name="Table 286"/>
           <p:cNvGraphicFramePr/>
           <p:nvPr/>
         </p:nvGraphicFramePr>
@@ -7132,7 +7281,7 @@
       </p:grpSpPr>
       <p:sp>
         <p:nvSpPr>
-          <p:cNvPr id="286" name="Shape 286"/>
+          <p:cNvPr id="290" name="Shape 290"/>
           <p:cNvSpPr/>
           <p:nvPr/>
         </p:nvSpPr>
@@ -7173,7 +7322,7 @@
       </p:sp>
       <p:sp>
         <p:nvSpPr>
-          <p:cNvPr id="287" name="Shape 287"/>
+          <p:cNvPr id="291" name="Shape 291"/>
           <p:cNvSpPr/>
           <p:nvPr/>
         </p:nvSpPr>
@@ -7215,7 +7364,7 @@
       </p:sp>
       <p:sp>
         <p:nvSpPr>
-          <p:cNvPr id="288" name="Shape 288"/>
+          <p:cNvPr id="292" name="Shape 292"/>
           <p:cNvSpPr/>
           <p:nvPr/>
         </p:nvSpPr>
@@ -7246,7 +7395,7 @@
       </p:sp>
       <p:grpSp>
         <p:nvGrpSpPr>
-          <p:cNvPr id="297" name="Group 297"/>
+          <p:cNvPr id="301" name="Group 301"/>
           <p:cNvGrpSpPr/>
           <p:nvPr/>
         </p:nvGrpSpPr>
@@ -7260,7 +7409,7 @@
         </p:grpSpPr>
         <p:sp>
           <p:nvSpPr>
-            <p:cNvPr id="289" name="Shape 289"/>
+            <p:cNvPr id="293" name="Shape 293"/>
             <p:cNvSpPr/>
             <p:nvPr/>
           </p:nvSpPr>
@@ -7343,7 +7492,7 @@
         </p:sp>
         <p:sp>
           <p:nvSpPr>
-            <p:cNvPr id="290" name="Shape 290"/>
+            <p:cNvPr id="294" name="Shape 294"/>
             <p:cNvSpPr/>
             <p:nvPr/>
           </p:nvSpPr>
@@ -7378,7 +7527,7 @@
         </p:sp>
         <p:sp>
           <p:nvSpPr>
-            <p:cNvPr id="291" name="Shape 291"/>
+            <p:cNvPr id="295" name="Shape 295"/>
             <p:cNvSpPr/>
             <p:nvPr/>
           </p:nvSpPr>
@@ -7413,7 +7562,7 @@
         </p:sp>
         <p:sp>
           <p:nvSpPr>
-            <p:cNvPr id="292" name="Shape 292"/>
+            <p:cNvPr id="296" name="Shape 296"/>
             <p:cNvSpPr/>
             <p:nvPr/>
           </p:nvSpPr>
@@ -7448,7 +7597,7 @@
         </p:sp>
         <p:sp>
           <p:nvSpPr>
-            <p:cNvPr id="293" name="Shape 293"/>
+            <p:cNvPr id="297" name="Shape 297"/>
             <p:cNvSpPr/>
             <p:nvPr/>
           </p:nvSpPr>
@@ -7483,7 +7632,7 @@
         </p:sp>
         <p:sp>
           <p:nvSpPr>
-            <p:cNvPr id="294" name="Shape 294"/>
+            <p:cNvPr id="298" name="Shape 298"/>
             <p:cNvSpPr/>
             <p:nvPr/>
           </p:nvSpPr>
@@ -7518,7 +7667,7 @@
         </p:sp>
         <p:sp>
           <p:nvSpPr>
-            <p:cNvPr id="295" name="Shape 295"/>
+            <p:cNvPr id="299" name="Shape 299"/>
             <p:cNvSpPr/>
             <p:nvPr/>
           </p:nvSpPr>
@@ -7561,7 +7710,7 @@
         </p:sp>
         <p:sp>
           <p:nvSpPr>
-            <p:cNvPr id="296" name="Shape 296"/>
+            <p:cNvPr id="300" name="Shape 300"/>
             <p:cNvSpPr/>
             <p:nvPr/>
           </p:nvSpPr>
@@ -7646,7 +7795,7 @@
       </p:grpSp>
       <p:sp>
         <p:nvSpPr>
-          <p:cNvPr id="298" name="Shape 298"/>
+          <p:cNvPr id="302" name="Shape 302"/>
           <p:cNvSpPr/>
           <p:nvPr/>
         </p:nvSpPr>
@@ -7694,7 +7843,7 @@
       </p:sp>
       <p:sp>
         <p:nvSpPr>
-          <p:cNvPr id="299" name="Shape 299"/>
+          <p:cNvPr id="303" name="Shape 303"/>
           <p:cNvSpPr/>
           <p:nvPr/>
         </p:nvSpPr>
@@ -7725,7 +7874,7 @@
       </p:sp>
       <p:sp>
         <p:nvSpPr>
-          <p:cNvPr id="300" name="Shape 300"/>
+          <p:cNvPr id="304" name="Shape 304"/>
           <p:cNvSpPr/>
           <p:nvPr/>
         </p:nvSpPr>
@@ -7803,7 +7952,7 @@
       </p:sp>
       <p:sp>
         <p:nvSpPr>
-          <p:cNvPr id="301" name="Shape 301"/>
+          <p:cNvPr id="305" name="Shape 305"/>
           <p:cNvSpPr/>
           <p:nvPr/>
         </p:nvSpPr>
@@ -7839,7 +7988,7 @@
       </p:sp>
       <p:sp>
         <p:nvSpPr>
-          <p:cNvPr id="302" name="Shape 302"/>
+          <p:cNvPr id="306" name="Shape 306"/>
           <p:cNvSpPr/>
           <p:nvPr>
             <p:ph type="sldNum" sz="quarter" idx="4294967295"/>

--- a/Graduation/开题报告.pptx
+++ b/Graduation/开题报告.pptx
@@ -24,7 +24,6 @@
     <p:sldId id="269" r:id="rId21"/>
     <p:sldId id="270" r:id="rId22"/>
     <p:sldId id="271" r:id="rId23"/>
-    <p:sldId id="272" r:id="rId24"/>
   </p:sldIdLst>
   <p:sldSz cx="9144000" cy="5143500"/>
   <p:notesSz cx="6858000" cy="9144000"/>
@@ -543,7 +542,7 @@
           <a:p>
             <a:pPr/>
             <a:r>
-              <a:t>本次开题报告将会围绕以下四个方面展开，分别是相变材料简介，本次课题的背景，为了实现这个课题所规划的工作流程以及如果顺利完成的话，我们预期会得到的成果。</a:t>
+              <a:t>本次开题报告将会围绕以下四个方面展开，分别是GST简介，本次课题的背景，为了实现这个课题所规划的工作流程以及如果顺利完成的话，我们预期会得到的成果。</a:t>
             </a:r>
           </a:p>
         </p:txBody>
@@ -575,7 +574,7 @@
       </p:grpSpPr>
       <p:sp>
         <p:nvSpPr>
-          <p:cNvPr id="242" name="Shape 242"/>
+          <p:cNvPr id="231" name="Shape 231"/>
           <p:cNvSpPr/>
           <p:nvPr>
             <p:ph type="sldImg"/>
@@ -596,7 +595,7 @@
       </p:sp>
       <p:sp>
         <p:nvSpPr>
-          <p:cNvPr id="243" name="Shape 243"/>
+          <p:cNvPr id="232" name="Shape 232"/>
           <p:cNvSpPr/>
           <p:nvPr>
             <p:ph type="body" sz="quarter" idx="1"/>
@@ -613,7 +612,7 @@
           <a:p>
             <a:pPr/>
             <a:r>
-              <a:t>接下来准备和大家展示一下我结题之前的工作流程。</a:t>
+              <a:t>首先需要了解为了制作一个可变焦老花镜所需要的各个指标，尤其是折射率的要求；然后根据这个来设计制作出来的GST材料的相应指标，此处要更加细致，包括厚度、重量、晶体结构等都需要在这一步中建模出来；接下来就是根据设计的指标来制备相应的GST材料，制作出来之后会进行调试，用来观察制作出来的GST材料和我们的预期是否相符，包括光学性质和电学性质，其中光学性质要着重考量怼色散的衰减；电学性质以保障佩戴者的安全为首要目标，低能耗为次要目标；如果这部分的指标不令人满意的话，我们需要重新制备待测试的材料，乃至于重新设计GST的各项指标（如果工艺受限的话）；这个环可能会有若干次的反复，当材料的光电特性符合要求之后我们会把材料镀到镜片上，进行整体的测试。由于测试反复的重点在上一个模块，这个模块中可能不会有太多的反复过程，预测更多造成折返跑的部分在于镀层工艺和预期的镜片本身的特性。这一步调试完成之后如果时间富裕，我们会致力于确保量产中的成功率、电路优化、提升通过率、降低重量、提高硬度、不易上霜等优化，最终输出一个制备产品的工艺和根据工艺制作出来的样品。</a:t>
             </a:r>
           </a:p>
         </p:txBody>
@@ -645,7 +644,7 @@
       </p:grpSpPr>
       <p:sp>
         <p:nvSpPr>
-          <p:cNvPr id="254" name="Shape 254"/>
+          <p:cNvPr id="252" name="Shape 252"/>
           <p:cNvSpPr/>
           <p:nvPr>
             <p:ph type="sldImg"/>
@@ -666,7 +665,7 @@
       </p:sp>
       <p:sp>
         <p:nvSpPr>
-          <p:cNvPr id="255" name="Shape 255"/>
+          <p:cNvPr id="253" name="Shape 253"/>
           <p:cNvSpPr/>
           <p:nvPr>
             <p:ph type="body" sz="quarter" idx="1"/>
@@ -683,7 +682,7 @@
           <a:p>
             <a:pPr/>
             <a:r>
-              <a:t>首先需要了解为了制作一个可变焦老花镜所需要的各个指标，尤其是折射率的要求；然后根据这个来设计制作出来的GST材料的相应指标，此处要更加细致，包括厚度、重量、晶体结构等都需要在这一步中建模出来；接下来就是根据设计的指标来制备相应的GST材料，制作出来之后会进行调试，用来观察制作出来的GST材料和我们的预期是否相符，包括光学性质和电学性质，其中光学性质要着重考量怼色散的衰减；电学性质以保障佩戴者的安全为首要目标，低能耗为次要目标；如果这部分的指标不令人满意的话，我们需要重新制备待测试的材料，乃至于重新设计GST的各项指标（如果工艺受限的话）；这个环可能会有若干次的反复，当材料的光电特性符合要求之后我们会把材料镀到镜片上，进行整体的测试。由于测试反复的重点在上一个模块，这个模块中可能不会有太多的反复过程，预测更多造成折返跑的部分在于镀层工艺和预期的镜片本身的特性。这一步调试完成之后如果时间富裕，我们会致力于确保量产中的成功率、电路优化、提升通过率、降低重量、提高硬度、不易上霜等优化，最终输出一个制备产品的工艺和根据工艺制作出来的样品。</a:t>
+              <a:t>在完成了这个过程的研究之后，我们首先应当能够制备能够用于可见光期间中的GST相变材料，并且能够将这材料制成薄膜镀到玻璃／树脂上。我们应当能够验证所制得的材料能够在达到老花镜的指标需求，同时可以自动变焦，从而完成我们最初设计的“变焦老花镜”的目标。进一步地，我们会通过与其它材料结合制作下一代的老花镜，并顺利投产。 以上是于人的收获，而于己，我可以通过对此项课题的研究加深对相变材料的理解。 由于整个课题会由一系列实验完成，我能够通过这个课题提升自己的实验素养。</a:t>
             </a:r>
           </a:p>
         </p:txBody>
@@ -715,7 +714,7 @@
       </p:grpSpPr>
       <p:sp>
         <p:nvSpPr>
-          <p:cNvPr id="275" name="Shape 275"/>
+          <p:cNvPr id="264" name="Shape 264"/>
           <p:cNvSpPr/>
           <p:nvPr>
             <p:ph type="sldImg"/>
@@ -736,77 +735,7 @@
       </p:sp>
       <p:sp>
         <p:nvSpPr>
-          <p:cNvPr id="276" name="Shape 276"/>
-          <p:cNvSpPr/>
-          <p:nvPr>
-            <p:ph type="body" sz="quarter" idx="1"/>
-          </p:nvPr>
-        </p:nvSpPr>
-        <p:spPr>
-          <a:prstGeom prst="rect">
-            <a:avLst/>
-          </a:prstGeom>
-        </p:spPr>
-        <p:txBody>
-          <a:bodyPr/>
-          <a:lstStyle/>
-          <a:p>
-            <a:pPr/>
-            <a:r>
-              <a:t>在完成了这个过程的研究之后，我们首先应当能够制备能够用于可见光期间中的GST相变材料，并且能够将这材料制成薄膜镀到玻璃／树脂上。我们应当能够验证所制得的材料能够在达到老花镜的指标需求，同时可以自动变焦，从而完成我们最初设计的“变焦老花镜”的目标。进一步地，我们会通过与其它材料结合制作下一代的老花镜，并顺利投产。 以上是于人的收获，而于己，我可以通过对此项课题的研究加深对相变材料的理解。 由于整个课题会由一系列实验完成，我能够通过这个课题提升自己的实验素养。</a:t>
-            </a:r>
-          </a:p>
-        </p:txBody>
-      </p:sp>
-    </p:spTree>
-  </p:cSld>
-  <p:clrMapOvr>
-    <a:masterClrMapping/>
-  </p:clrMapOvr>
-</p:notes>
-</file>
-
-<file path=ppt/notesSlides/notesSlide13.xml><?xml version="1.0" encoding="utf-8"?>
-<p:notes xmlns:a="http://schemas.openxmlformats.org/drawingml/2006/main" xmlns:r="http://schemas.openxmlformats.org/officeDocument/2006/relationships" xmlns:p="http://schemas.openxmlformats.org/presentationml/2006/main" showMasterSp="1" showMasterPhAnim="1">
-  <p:cSld>
-    <p:spTree>
-      <p:nvGrpSpPr>
-        <p:cNvPr id="1" name=""/>
-        <p:cNvGrpSpPr/>
-        <p:nvPr/>
-      </p:nvGrpSpPr>
-      <p:grpSpPr>
-        <a:xfrm>
-          <a:off x="0" y="0"/>
-          <a:ext cx="0" cy="0"/>
-          <a:chOff x="0" y="0"/>
-          <a:chExt cx="0" cy="0"/>
-        </a:xfrm>
-      </p:grpSpPr>
-      <p:sp>
-        <p:nvSpPr>
-          <p:cNvPr id="287" name="Shape 287"/>
-          <p:cNvSpPr/>
-          <p:nvPr>
-            <p:ph type="sldImg"/>
-          </p:nvPr>
-        </p:nvSpPr>
-        <p:spPr>
-          <a:prstGeom prst="rect">
-            <a:avLst/>
-          </a:prstGeom>
-        </p:spPr>
-        <p:txBody>
-          <a:bodyPr/>
-          <a:lstStyle/>
-          <a:p>
-            <a:pPr/>
-          </a:p>
-        </p:txBody>
-      </p:sp>
-      <p:sp>
-        <p:nvSpPr>
-          <p:cNvPr id="288" name="Shape 288"/>
+          <p:cNvPr id="265" name="Shape 265"/>
           <p:cNvSpPr/>
           <p:nvPr>
             <p:ph type="body" sz="quarter" idx="1"/>
@@ -855,7 +784,7 @@
       </p:grpSpPr>
       <p:sp>
         <p:nvSpPr>
-          <p:cNvPr id="104" name="Shape 104"/>
+          <p:cNvPr id="105" name="Shape 105"/>
           <p:cNvSpPr/>
           <p:nvPr>
             <p:ph type="sldImg"/>
@@ -876,7 +805,7 @@
       </p:sp>
       <p:sp>
         <p:nvSpPr>
-          <p:cNvPr id="105" name="Shape 105"/>
+          <p:cNvPr id="106" name="Shape 106"/>
           <p:cNvSpPr/>
           <p:nvPr>
             <p:ph type="body" sz="quarter" idx="1"/>
@@ -893,7 +822,13 @@
           <a:p>
             <a:pPr/>
             <a:r>
-              <a:t>相变性质的应用由来已久。比如说给病人擦酒来降温，用冰袋来给蛋糕保鲜等，都是对相变的利用。近年间，相变材料以其良好的储能特性而受到了更多的青睐，比如利用相变材料制作的地板，能够在维持室内恒温环境的同时节约能耗。还有一种相变材料指的是随着外界环境的加电情况变化而改变晶体结构乃至在晶体状态-非晶体状态之间转化的材料，比如我们接下来准备展开讨论的GST材料。这一类型的材料已通过论证能够广泛应用于存储材料和光学材料当中。</a:t>
+              <a:t>换成GST材料的简介，组分，特点，基于相变的原理来实现空间光调制器</a:t>
+            </a:r>
+          </a:p>
+          <a:p>
+            <a:pPr/>
+            <a:r>
+              <a:t>GST材料是一种相变材料，其中相变材料指的是随着外界环境变化会改变晶体结构的材料。GST材料具有两种晶体结构，其中六方密堆的结构是稳定结构。通过通电，GST材料能够在晶态和非晶态之间转换	</a:t>
             </a:r>
           </a:p>
         </p:txBody>
@@ -925,7 +860,7 @@
       </p:grpSpPr>
       <p:sp>
         <p:nvSpPr>
-          <p:cNvPr id="119" name="Shape 119"/>
+          <p:cNvPr id="120" name="Shape 120"/>
           <p:cNvSpPr/>
           <p:nvPr>
             <p:ph type="sldImg"/>
@@ -946,7 +881,7 @@
       </p:sp>
       <p:sp>
         <p:nvSpPr>
-          <p:cNvPr id="120" name="Shape 120"/>
+          <p:cNvPr id="121" name="Shape 121"/>
           <p:cNvSpPr/>
           <p:nvPr>
             <p:ph type="body" sz="quarter" idx="1"/>
@@ -995,7 +930,7 @@
       </p:grpSpPr>
       <p:sp>
         <p:nvSpPr>
-          <p:cNvPr id="130" name="Shape 130"/>
+          <p:cNvPr id="131" name="Shape 131"/>
           <p:cNvSpPr/>
           <p:nvPr>
             <p:ph type="sldImg"/>
@@ -1016,7 +951,7 @@
       </p:sp>
       <p:sp>
         <p:nvSpPr>
-          <p:cNvPr id="131" name="Shape 131"/>
+          <p:cNvPr id="132" name="Shape 132"/>
           <p:cNvSpPr/>
           <p:nvPr>
             <p:ph type="body" sz="quarter" idx="1"/>
@@ -1065,7 +1000,7 @@
       </p:grpSpPr>
       <p:sp>
         <p:nvSpPr>
-          <p:cNvPr id="159" name="Shape 159"/>
+          <p:cNvPr id="160" name="Shape 160"/>
           <p:cNvSpPr/>
           <p:nvPr>
             <p:ph type="sldImg"/>
@@ -1086,7 +1021,7 @@
       </p:sp>
       <p:sp>
         <p:nvSpPr>
-          <p:cNvPr id="160" name="Shape 160"/>
+          <p:cNvPr id="161" name="Shape 161"/>
           <p:cNvSpPr/>
           <p:nvPr>
             <p:ph type="body" sz="quarter" idx="1"/>
@@ -1135,7 +1070,7 @@
       </p:grpSpPr>
       <p:sp>
         <p:nvSpPr>
-          <p:cNvPr id="186" name="Shape 186"/>
+          <p:cNvPr id="177" name="Shape 177"/>
           <p:cNvSpPr/>
           <p:nvPr>
             <p:ph type="sldImg"/>
@@ -1156,7 +1091,7 @@
       </p:sp>
       <p:sp>
         <p:nvSpPr>
-          <p:cNvPr id="187" name="Shape 187"/>
+          <p:cNvPr id="178" name="Shape 178"/>
           <p:cNvSpPr/>
           <p:nvPr>
             <p:ph type="body" sz="quarter" idx="1"/>
@@ -1173,7 +1108,7 @@
           <a:p>
             <a:pPr/>
             <a:r>
-              <a:t>我们尝试使用GST相变材料制备期待中的老花镜，其中GST材料是一种由锗，硒和碲组成的相变材料，配比不同导致的材料性质相应会有所变化。比较常见的是Ge2Sb2Ti5。我们接下来会介绍GST材料的显像原理，对可见光的光学性质，我们将会在接下来依次展开。</a:t>
+              <a:t>我们尝试使用GST相变材料制备期待中的老花镜，其中GST材料是一种由锗，硒和碲组成的相变材料，配比不同导致的材料性质相应会有所变化。比较常见的是Ge2Sb2Ti5。我们接下来会介绍GST材料的显像原理，对可见光的光学性质，我们将会在接下来依次展开。从文献调研来看，GST材料在晶化和非晶化之间折射率相差50% - 70%，因此可以用来制作空间光调制器。</a:t>
             </a:r>
           </a:p>
         </p:txBody>
@@ -1205,7 +1140,7 @@
       </p:grpSpPr>
       <p:sp>
         <p:nvSpPr>
-          <p:cNvPr id="202" name="Shape 202"/>
+          <p:cNvPr id="193" name="Shape 193"/>
           <p:cNvSpPr/>
           <p:nvPr>
             <p:ph type="sldImg"/>
@@ -1226,7 +1161,7 @@
       </p:sp>
       <p:sp>
         <p:nvSpPr>
-          <p:cNvPr id="203" name="Shape 203"/>
+          <p:cNvPr id="194" name="Shape 194"/>
           <p:cNvSpPr/>
           <p:nvPr>
             <p:ph type="body" sz="quarter" idx="1"/>
@@ -1275,7 +1210,7 @@
       </p:grpSpPr>
       <p:sp>
         <p:nvSpPr>
-          <p:cNvPr id="216" name="Shape 216"/>
+          <p:cNvPr id="207" name="Shape 207"/>
           <p:cNvSpPr/>
           <p:nvPr>
             <p:ph type="sldImg"/>
@@ -1296,7 +1231,7 @@
       </p:sp>
       <p:sp>
         <p:nvSpPr>
-          <p:cNvPr id="217" name="Shape 217"/>
+          <p:cNvPr id="208" name="Shape 208"/>
           <p:cNvSpPr/>
           <p:nvPr>
             <p:ph type="body" sz="quarter" idx="1"/>
@@ -1313,7 +1248,7 @@
           <a:p>
             <a:pPr/>
             <a:r>
-              <a:t>下面是一些GST材料的光学特性。图中不同的曲线为不同厚度下的晶化／非晶化GST材料的折射特性，其中横轴为光的波长，纵轴为折射率。从上图我们可以看出，晶化和非晶化的折射射率相差不大，但是对于长波长的光，晶化GST和非晶化GST材料的反射系数存在一定差异。同时，无论是晶化还是非晶化，它们对不同波长的光的折射射率有较大区别，这意味着如果直接使用上述结构制作类似老花镜的材料时，可能存在较为明显的色散现象，这是我们今后的工作中力求减弱的。</a:t>
+              <a:t>下面是一些GST材料的光学特性。图中不同的曲线为不同厚度下的晶化／非晶化GST材料的折射特性，其中横轴为光的波长，纵轴为折射率的相对值。从上图我们可以看出，无论是晶化还是非晶化，它们对不同波长的光的折射射率有较大区别，这意味着如果直接使用上述结构制作类似老花镜的材料时，可能存在较为明显的色散现象，这是我们今后的工作中力求减弱的。</a:t>
             </a:r>
           </a:p>
         </p:txBody>
@@ -1345,7 +1280,7 @@
       </p:grpSpPr>
       <p:sp>
         <p:nvSpPr>
-          <p:cNvPr id="231" name="Shape 231"/>
+          <p:cNvPr id="218" name="Shape 218"/>
           <p:cNvSpPr/>
           <p:nvPr>
             <p:ph type="sldImg"/>
@@ -1366,7 +1301,7 @@
       </p:sp>
       <p:sp>
         <p:nvSpPr>
-          <p:cNvPr id="232" name="Shape 232"/>
+          <p:cNvPr id="219" name="Shape 219"/>
           <p:cNvSpPr/>
           <p:nvPr>
             <p:ph type="body" sz="quarter" idx="1"/>
@@ -1383,7 +1318,7 @@
           <a:p>
             <a:pPr/>
             <a:r>
-              <a:t>这三幅图表示的是晶态与非晶态的反射率存在的差异。可以看到，对于不同厚度的GST材料，淇在晶化与非晶化的变化过程中，反射率的差异总是随着厚度的增大而减小的。反射率接近意味着在晶化／非晶化切换的过程中，成像的跳变程度越低。而GST材料越厚，固然透明度会下降。因此应当寻找一个比较合适的材料厚度，这需要使用实际镜片模拟来找到。此外，这张图也可以看到GST材料存在较明显的色散现象，因此这将是今后工作的一个难点。</a:t>
+              <a:t>接下来准备和大家展示一下我结题之前的工作流程。</a:t>
             </a:r>
           </a:p>
         </p:txBody>
@@ -3248,7 +3183,7 @@
           <a:p>
             <a:pPr/>
             <a:r>
-              <a:t>相变材料制作与研究</a:t>
+              <a:t>基于GST的空间光调制器件</a:t>
             </a:r>
           </a:p>
         </p:txBody>
@@ -3508,7 +3443,7 @@
       </p:grpSpPr>
       <p:sp>
         <p:nvSpPr>
-          <p:cNvPr id="205" name="Shape 205"/>
+          <p:cNvPr id="196" name="Shape 196"/>
           <p:cNvSpPr/>
           <p:nvPr/>
         </p:nvSpPr>
@@ -3549,7 +3484,7 @@
       </p:sp>
       <p:sp>
         <p:nvSpPr>
-          <p:cNvPr id="206" name="Shape 206"/>
+          <p:cNvPr id="197" name="Shape 197"/>
           <p:cNvSpPr/>
           <p:nvPr/>
         </p:nvSpPr>
@@ -3578,7 +3513,7 @@
       </p:sp>
       <p:sp>
         <p:nvSpPr>
-          <p:cNvPr id="207" name="Shape 207"/>
+          <p:cNvPr id="198" name="Shape 198"/>
           <p:cNvSpPr/>
           <p:nvPr/>
         </p:nvSpPr>
@@ -3607,7 +3542,7 @@
       </p:sp>
       <p:sp>
         <p:nvSpPr>
-          <p:cNvPr id="208" name="Shape 208"/>
+          <p:cNvPr id="199" name="Shape 199"/>
           <p:cNvSpPr/>
           <p:nvPr/>
         </p:nvSpPr>
@@ -3655,7 +3590,7 @@
       </p:sp>
       <p:sp>
         <p:nvSpPr>
-          <p:cNvPr id="209" name="Shape 209"/>
+          <p:cNvPr id="200" name="Shape 200"/>
           <p:cNvSpPr/>
           <p:nvPr/>
         </p:nvSpPr>
@@ -3703,7 +3638,7 @@
       </p:sp>
       <p:sp>
         <p:nvSpPr>
-          <p:cNvPr id="210" name="Shape 210"/>
+          <p:cNvPr id="201" name="Shape 201"/>
           <p:cNvSpPr/>
           <p:nvPr/>
         </p:nvSpPr>
@@ -3781,7 +3716,7 @@
       </p:sp>
       <p:sp>
         <p:nvSpPr>
-          <p:cNvPr id="211" name="Shape 211"/>
+          <p:cNvPr id="202" name="Shape 202"/>
           <p:cNvSpPr/>
           <p:nvPr/>
         </p:nvSpPr>
@@ -3820,7 +3755,7 @@
       </p:sp>
       <p:sp>
         <p:nvSpPr>
-          <p:cNvPr id="212" name="Shape 212"/>
+          <p:cNvPr id="203" name="Shape 203"/>
           <p:cNvSpPr/>
           <p:nvPr/>
         </p:nvSpPr>
@@ -3888,7 +3823,7 @@
       </p:sp>
       <p:sp>
         <p:nvSpPr>
-          <p:cNvPr id="213" name="Shape 213"/>
+          <p:cNvPr id="204" name="Shape 204"/>
           <p:cNvSpPr/>
           <p:nvPr/>
         </p:nvSpPr>
@@ -3928,7 +3863,7 @@
       </p:sp>
       <p:pic>
         <p:nvPicPr>
-          <p:cNvPr id="214" name="pasted-image.png"/>
+          <p:cNvPr id="205" name="pasted-image.png"/>
           <p:cNvPicPr>
             <a:picLocks noChangeAspect="1"/>
           </p:cNvPicPr>
@@ -3957,7 +3892,7 @@
       </p:pic>
       <p:sp>
         <p:nvSpPr>
-          <p:cNvPr id="215" name="Shape 215"/>
+          <p:cNvPr id="206" name="Shape 206"/>
           <p:cNvSpPr/>
           <p:nvPr>
             <p:ph type="sldNum" sz="quarter" idx="4294967295"/>
@@ -4021,7 +3956,7 @@
       </p:grpSpPr>
       <p:sp>
         <p:nvSpPr>
-          <p:cNvPr id="219" name="Shape 219"/>
+          <p:cNvPr id="210" name="Shape 210"/>
           <p:cNvSpPr/>
           <p:nvPr/>
         </p:nvSpPr>
@@ -4062,553 +3997,7 @@
       </p:sp>
       <p:sp>
         <p:nvSpPr>
-          <p:cNvPr id="220" name="Shape 220"/>
-          <p:cNvSpPr/>
-          <p:nvPr/>
-        </p:nvSpPr>
-        <p:spPr>
-          <a:xfrm>
-            <a:off x="179387" y="714375"/>
-            <a:ext cx="8713788" cy="0"/>
-          </a:xfrm>
-          <a:prstGeom prst="line">
-            <a:avLst/>
-          </a:prstGeom>
-          <a:ln>
-            <a:solidFill>
-              <a:srgbClr val="A5A5A5"/>
-            </a:solidFill>
-            <a:miter/>
-          </a:ln>
-        </p:spPr>
-        <p:txBody>
-          <a:bodyPr lIns="45719" rIns="45719"/>
-          <a:lstStyle/>
-          <a:p>
-            <a:pPr/>
-          </a:p>
-        </p:txBody>
-      </p:sp>
-      <p:sp>
-        <p:nvSpPr>
-          <p:cNvPr id="221" name="Shape 221"/>
-          <p:cNvSpPr/>
-          <p:nvPr/>
-        </p:nvSpPr>
-        <p:spPr>
-          <a:xfrm flipV="1">
-            <a:off x="1069975" y="282575"/>
-            <a:ext cx="0" cy="287338"/>
-          </a:xfrm>
-          <a:prstGeom prst="line">
-            <a:avLst/>
-          </a:prstGeom>
-          <a:ln w="19050">
-            <a:solidFill>
-              <a:srgbClr val="595959"/>
-            </a:solidFill>
-            <a:miter/>
-          </a:ln>
-        </p:spPr>
-        <p:txBody>
-          <a:bodyPr lIns="45719" rIns="45719"/>
-          <a:lstStyle/>
-          <a:p>
-            <a:pPr/>
-          </a:p>
-        </p:txBody>
-      </p:sp>
-      <p:sp>
-        <p:nvSpPr>
-          <p:cNvPr id="222" name="Shape 222"/>
-          <p:cNvSpPr/>
-          <p:nvPr/>
-        </p:nvSpPr>
-        <p:spPr>
-          <a:xfrm>
-            <a:off x="287337" y="225425"/>
-            <a:ext cx="782638" cy="396240"/>
-          </a:xfrm>
-          <a:prstGeom prst="rect">
-            <a:avLst/>
-          </a:prstGeom>
-          <a:ln w="12700">
-            <a:miter lim="400000"/>
-          </a:ln>
-          <a:extLst>
-            <a:ext uri="{C572A759-6A51-4108-AA02-DFA0A04FC94B}">
-              <ma14:wrappingTextBoxFlag xmlns:ma14="http://schemas.microsoft.com/office/mac/drawingml/2011/main" val="1"/>
-            </a:ext>
-          </a:extLst>
-        </p:spPr>
-        <p:txBody>
-          <a:bodyPr lIns="45719" rIns="45719">
-            <a:spAutoFit/>
-          </a:bodyPr>
-          <a:lstStyle>
-            <a:lvl1pPr algn="r">
-              <a:defRPr b="1" sz="2000">
-                <a:solidFill>
-                  <a:srgbClr val="3F3F3F"/>
-                </a:solidFill>
-                <a:latin typeface="微软雅黑"/>
-                <a:ea typeface="微软雅黑"/>
-                <a:cs typeface="微软雅黑"/>
-                <a:sym typeface="微软雅黑"/>
-              </a:defRPr>
-            </a:lvl1pPr>
-          </a:lstStyle>
-          <a:p>
-            <a:pPr/>
-            <a:r>
-              <a:t>2.4</a:t>
-            </a:r>
-          </a:p>
-        </p:txBody>
-      </p:sp>
-      <p:sp>
-        <p:nvSpPr>
-          <p:cNvPr id="223" name="Shape 223"/>
-          <p:cNvSpPr/>
-          <p:nvPr/>
-        </p:nvSpPr>
-        <p:spPr>
-          <a:xfrm>
-            <a:off x="1084262" y="241300"/>
-            <a:ext cx="2600822" cy="408940"/>
-          </a:xfrm>
-          <a:prstGeom prst="rect">
-            <a:avLst/>
-          </a:prstGeom>
-          <a:ln w="12700">
-            <a:miter lim="400000"/>
-          </a:ln>
-          <a:extLst>
-            <a:ext uri="{C572A759-6A51-4108-AA02-DFA0A04FC94B}">
-              <ma14:wrappingTextBoxFlag xmlns:ma14="http://schemas.microsoft.com/office/mac/drawingml/2011/main" val="1"/>
-            </a:ext>
-          </a:extLst>
-        </p:spPr>
-        <p:txBody>
-          <a:bodyPr lIns="45719" rIns="45719">
-            <a:spAutoFit/>
-          </a:bodyPr>
-          <a:lstStyle>
-            <a:lvl1pPr>
-              <a:defRPr b="1">
-                <a:solidFill>
-                  <a:srgbClr val="3F3F3F"/>
-                </a:solidFill>
-                <a:latin typeface="微软雅黑"/>
-                <a:ea typeface="微软雅黑"/>
-                <a:cs typeface="微软雅黑"/>
-                <a:sym typeface="微软雅黑"/>
-              </a:defRPr>
-            </a:lvl1pPr>
-          </a:lstStyle>
-          <a:p>
-            <a:pPr/>
-            <a:r>
-              <a:t>GST材料的可见光性质</a:t>
-            </a:r>
-          </a:p>
-        </p:txBody>
-      </p:sp>
-      <p:sp>
-        <p:nvSpPr>
-          <p:cNvPr id="224" name="Shape 224"/>
-          <p:cNvSpPr/>
-          <p:nvPr/>
-        </p:nvSpPr>
-        <p:spPr>
-          <a:xfrm>
-            <a:off x="7369175" y="-33338"/>
-            <a:ext cx="1512888" cy="916941"/>
-          </a:xfrm>
-          <a:prstGeom prst="rect">
-            <a:avLst/>
-          </a:prstGeom>
-          <a:ln w="12700">
-            <a:miter lim="400000"/>
-          </a:ln>
-          <a:extLst>
-            <a:ext uri="{C572A759-6A51-4108-AA02-DFA0A04FC94B}">
-              <ma14:wrappingTextBoxFlag xmlns:ma14="http://schemas.microsoft.com/office/mac/drawingml/2011/main" val="1"/>
-            </a:ext>
-          </a:extLst>
-        </p:spPr>
-        <p:txBody>
-          <a:bodyPr lIns="45719" rIns="45719">
-            <a:spAutoFit/>
-          </a:bodyPr>
-          <a:lstStyle/>
-          <a:p>
-            <a:pPr algn="just">
-              <a:defRPr b="1" sz="5400">
-                <a:solidFill>
-                  <a:srgbClr val="05AFC8"/>
-                </a:solidFill>
-                <a:latin typeface="微软雅黑"/>
-                <a:ea typeface="微软雅黑"/>
-                <a:cs typeface="微软雅黑"/>
-                <a:sym typeface="微软雅黑"/>
-              </a:defRPr>
-            </a:pPr>
-            <a:r>
-              <a:t>·</a:t>
-            </a:r>
-            <a:r>
-              <a:rPr>
-                <a:solidFill>
-                  <a:srgbClr val="3F3F3F"/>
-                </a:solidFill>
-              </a:rPr>
-              <a:t> </a:t>
-            </a:r>
-            <a:r>
-              <a:rPr>
-                <a:solidFill>
-                  <a:srgbClr val="FFC000"/>
-                </a:solidFill>
-              </a:rPr>
-              <a:t>·</a:t>
-            </a:r>
-            <a:r>
-              <a:rPr>
-                <a:solidFill>
-                  <a:srgbClr val="3F3F3F"/>
-                </a:solidFill>
-              </a:rPr>
-              <a:t> </a:t>
-            </a:r>
-            <a:r>
-              <a:rPr>
-                <a:solidFill>
-                  <a:srgbClr val="FA4453"/>
-                </a:solidFill>
-              </a:rPr>
-              <a:t>·</a:t>
-            </a:r>
-          </a:p>
-        </p:txBody>
-      </p:sp>
-      <p:sp>
-        <p:nvSpPr>
-          <p:cNvPr id="225" name="Shape 225"/>
-          <p:cNvSpPr/>
-          <p:nvPr/>
-        </p:nvSpPr>
-        <p:spPr>
-          <a:xfrm>
-            <a:off x="-1" y="5092700"/>
-            <a:ext cx="9144002" cy="142876"/>
-          </a:xfrm>
-          <a:prstGeom prst="rect">
-            <a:avLst/>
-          </a:prstGeom>
-          <a:solidFill>
-            <a:srgbClr val="FFC000"/>
-          </a:solidFill>
-          <a:ln w="12700">
-            <a:miter lim="400000"/>
-          </a:ln>
-        </p:spPr>
-        <p:txBody>
-          <a:bodyPr lIns="45719" rIns="45719" anchor="ctr"/>
-          <a:lstStyle/>
-          <a:p>
-            <a:pPr algn="ctr">
-              <a:defRPr>
-                <a:solidFill>
-                  <a:srgbClr val="FFFFFF"/>
-                </a:solidFill>
-                <a:latin typeface="宋体"/>
-                <a:ea typeface="宋体"/>
-                <a:cs typeface="宋体"/>
-                <a:sym typeface="宋体"/>
-              </a:defRPr>
-            </a:pPr>
-          </a:p>
-        </p:txBody>
-      </p:sp>
-      <p:sp>
-        <p:nvSpPr>
-          <p:cNvPr id="226" name="Shape 226"/>
-          <p:cNvSpPr/>
-          <p:nvPr/>
-        </p:nvSpPr>
-        <p:spPr>
-          <a:xfrm rot="16200000">
-            <a:off x="146843" y="280193"/>
-            <a:ext cx="360364" cy="241301"/>
-          </a:xfrm>
-          <a:custGeom>
-            <a:avLst/>
-            <a:gdLst/>
-            <a:ahLst/>
-            <a:cxnLst>
-              <a:cxn ang="0">
-                <a:pos x="wd2" y="hd2"/>
-              </a:cxn>
-              <a:cxn ang="5400000">
-                <a:pos x="wd2" y="hd2"/>
-              </a:cxn>
-              <a:cxn ang="10800000">
-                <a:pos x="wd2" y="hd2"/>
-              </a:cxn>
-              <a:cxn ang="16200000">
-                <a:pos x="wd2" y="hd2"/>
-              </a:cxn>
-            </a:cxnLst>
-            <a:rect l="0" t="0" r="r" b="b"/>
-            <a:pathLst>
-              <a:path w="21600" h="21600" fill="norm" stroke="1" extrusionOk="0">
-                <a:moveTo>
-                  <a:pt x="0" y="0"/>
-                </a:moveTo>
-                <a:lnTo>
-                  <a:pt x="21600" y="0"/>
-                </a:lnTo>
-                <a:lnTo>
-                  <a:pt x="10800" y="21600"/>
-                </a:lnTo>
-                <a:close/>
-              </a:path>
-            </a:pathLst>
-          </a:custGeom>
-          <a:ln w="6350">
-            <a:solidFill>
-              <a:srgbClr val="7F7F7F"/>
-            </a:solidFill>
-            <a:prstDash val="sysDash"/>
-            <a:miter/>
-          </a:ln>
-        </p:spPr>
-        <p:txBody>
-          <a:bodyPr lIns="45719" rIns="45719" anchor="ctr"/>
-          <a:lstStyle/>
-          <a:p>
-            <a:pPr algn="ctr">
-              <a:defRPr>
-                <a:latin typeface="宋体"/>
-                <a:ea typeface="宋体"/>
-                <a:cs typeface="宋体"/>
-                <a:sym typeface="宋体"/>
-              </a:defRPr>
-            </a:pPr>
-          </a:p>
-        </p:txBody>
-      </p:sp>
-      <p:sp>
-        <p:nvSpPr>
-          <p:cNvPr id="227" name="Shape 227"/>
-          <p:cNvSpPr/>
-          <p:nvPr/>
-        </p:nvSpPr>
-        <p:spPr>
-          <a:xfrm>
-            <a:off x="646430" y="973137"/>
-            <a:ext cx="2390041" cy="1361441"/>
-          </a:xfrm>
-          <a:prstGeom prst="rect">
-            <a:avLst/>
-          </a:prstGeom>
-          <a:ln w="12700">
-            <a:miter lim="400000"/>
-          </a:ln>
-          <a:extLst>
-            <a:ext uri="{C572A759-6A51-4108-AA02-DFA0A04FC94B}">
-              <ma14:wrappingTextBoxFlag xmlns:ma14="http://schemas.microsoft.com/office/mac/drawingml/2011/main" val="1"/>
-            </a:ext>
-          </a:extLst>
-        </p:spPr>
-        <p:txBody>
-          <a:bodyPr lIns="45719" rIns="45719">
-            <a:spAutoFit/>
-          </a:bodyPr>
-          <a:lstStyle>
-            <a:lvl1pPr>
-              <a:defRPr b="1"/>
-            </a:lvl1pPr>
-          </a:lstStyle>
-          <a:p>
-            <a:pPr/>
-            <a:r>
-              <a:t>晶态与非晶态的反射率差异（∆R越接近0，在晶态-非晶态转换的过程中成像的变化越小）</a:t>
-            </a:r>
-          </a:p>
-        </p:txBody>
-      </p:sp>
-      <p:pic>
-        <p:nvPicPr>
-          <p:cNvPr id="228" name="pasted-image.png"/>
-          <p:cNvPicPr>
-            <a:picLocks noChangeAspect="1"/>
-          </p:cNvPicPr>
-          <p:nvPr/>
-        </p:nvPicPr>
-        <p:blipFill>
-          <a:blip r:embed="rId3">
-            <a:extLst/>
-          </a:blip>
-          <a:stretch>
-            <a:fillRect/>
-          </a:stretch>
-        </p:blipFill>
-        <p:spPr>
-          <a:xfrm>
-            <a:off x="3102944" y="811688"/>
-            <a:ext cx="2938112" cy="4181756"/>
-          </a:xfrm>
-          <a:prstGeom prst="rect">
-            <a:avLst/>
-          </a:prstGeom>
-          <a:ln w="12700">
-            <a:miter lim="400000"/>
-          </a:ln>
-        </p:spPr>
-      </p:pic>
-      <p:pic>
-        <p:nvPicPr>
-          <p:cNvPr id="229" name="pasted-image.png"/>
-          <p:cNvPicPr>
-            <a:picLocks noChangeAspect="1"/>
-          </p:cNvPicPr>
-          <p:nvPr/>
-        </p:nvPicPr>
-        <p:blipFill>
-          <a:blip r:embed="rId4">
-            <a:extLst/>
-          </a:blip>
-          <a:stretch>
-            <a:fillRect/>
-          </a:stretch>
-        </p:blipFill>
-        <p:spPr>
-          <a:xfrm>
-            <a:off x="5905500" y="771525"/>
-            <a:ext cx="3165154" cy="2717904"/>
-          </a:xfrm>
-          <a:prstGeom prst="rect">
-            <a:avLst/>
-          </a:prstGeom>
-          <a:ln w="12700">
-            <a:miter lim="400000"/>
-          </a:ln>
-        </p:spPr>
-      </p:pic>
-      <p:sp>
-        <p:nvSpPr>
-          <p:cNvPr id="230" name="Shape 230"/>
-          <p:cNvSpPr/>
-          <p:nvPr>
-            <p:ph type="sldNum" sz="quarter" idx="4294967295"/>
-          </p:nvPr>
-        </p:nvSpPr>
-        <p:spPr>
-          <a:xfrm>
-            <a:off x="8424455" y="4772454"/>
-            <a:ext cx="262345" cy="264255"/>
-          </a:xfrm>
-          <a:prstGeom prst="rect">
-            <a:avLst/>
-          </a:prstGeom>
-          <a:extLst>
-            <a:ext uri="{C572A759-6A51-4108-AA02-DFA0A04FC94B}">
-              <ma14:wrappingTextBoxFlag xmlns:ma14="http://schemas.microsoft.com/office/mac/drawingml/2011/main" val="1"/>
-            </a:ext>
-          </a:extLst>
-        </p:spPr>
-        <p:txBody>
-          <a:bodyPr/>
-          <a:lstStyle/>
-          <a:p>
-            <a:pPr/>
-            <a:fld id="{86CB4B4D-7CA3-9044-876B-883B54F8677D}" type="slidenum"/>
-          </a:p>
-        </p:txBody>
-      </p:sp>
-    </p:spTree>
-  </p:cSld>
-  <p:clrMapOvr>
-    <a:masterClrMapping/>
-  </p:clrMapOvr>
-  <mc:AlternateContent xmlns:mc="http://schemas.openxmlformats.org/markup-compatibility/2006">
-    <mc:Choice xmlns:p14="http://schemas.microsoft.com/office/powerpoint/2010/main" Requires="p14">
-      <p:transition spd="slow" advClick="1" p14:dur="1200">
-        <p:dissolve/>
-      </p:transition>
-    </mc:Choice>
-    <mc:Fallback>
-      <p:transition spd="slow">
-        <p:fade/>
-      </p:transition>
-    </mc:Fallback>
-  </mc:AlternateContent>
-</p:sld>
-</file>
-
-<file path=ppt/slides/slide12.xml><?xml version="1.0" encoding="utf-8"?>
-<p:sld xmlns:a="http://schemas.openxmlformats.org/drawingml/2006/main" xmlns:r="http://schemas.openxmlformats.org/officeDocument/2006/relationships" xmlns:p="http://schemas.openxmlformats.org/presentationml/2006/main" showMasterSp="1" showMasterPhAnim="1">
-  <p:cSld>
-    <p:spTree>
-      <p:nvGrpSpPr>
-        <p:cNvPr id="1" name=""/>
-        <p:cNvGrpSpPr/>
-        <p:nvPr/>
-      </p:nvGrpSpPr>
-      <p:grpSpPr>
-        <a:xfrm>
-          <a:off x="0" y="0"/>
-          <a:ext cx="0" cy="0"/>
-          <a:chOff x="0" y="0"/>
-          <a:chExt cx="0" cy="0"/>
-        </a:xfrm>
-      </p:grpSpPr>
-      <p:sp>
-        <p:nvSpPr>
-          <p:cNvPr id="234" name="Shape 234"/>
-          <p:cNvSpPr/>
-          <p:nvPr/>
-        </p:nvSpPr>
-        <p:spPr>
-          <a:xfrm>
-            <a:off x="-1" y="-33338"/>
-            <a:ext cx="9144002" cy="5270501"/>
-          </a:xfrm>
-          <a:prstGeom prst="rect">
-            <a:avLst/>
-          </a:prstGeom>
-          <a:solidFill>
-            <a:srgbClr val="000000">
-              <a:alpha val="11999"/>
-            </a:srgbClr>
-          </a:solidFill>
-          <a:ln w="12700">
-            <a:miter lim="400000"/>
-          </a:ln>
-        </p:spPr>
-        <p:txBody>
-          <a:bodyPr lIns="45719" rIns="45719" anchor="ctr"/>
-          <a:lstStyle/>
-          <a:p>
-            <a:pPr algn="ctr">
-              <a:defRPr>
-                <a:solidFill>
-                  <a:srgbClr val="FFFFFF"/>
-                </a:solidFill>
-                <a:latin typeface="宋体"/>
-                <a:ea typeface="宋体"/>
-                <a:cs typeface="宋体"/>
-                <a:sym typeface="宋体"/>
-              </a:defRPr>
-            </a:pPr>
-          </a:p>
-        </p:txBody>
-      </p:sp>
-      <p:sp>
-        <p:nvSpPr>
-          <p:cNvPr id="235" name="Shape 235"/>
+          <p:cNvPr id="211" name="Shape 211"/>
           <p:cNvSpPr/>
           <p:nvPr/>
         </p:nvSpPr>
@@ -4680,7 +4069,7 @@
       </p:sp>
       <p:sp>
         <p:nvSpPr>
-          <p:cNvPr id="236" name="Shape 236"/>
+          <p:cNvPr id="212" name="Shape 212"/>
           <p:cNvSpPr/>
           <p:nvPr/>
         </p:nvSpPr>
@@ -4748,7 +4137,7 @@
       </p:sp>
       <p:sp>
         <p:nvSpPr>
-          <p:cNvPr id="237" name="Shape 237"/>
+          <p:cNvPr id="213" name="Shape 213"/>
           <p:cNvSpPr/>
           <p:nvPr/>
         </p:nvSpPr>
@@ -4816,7 +4205,7 @@
       </p:sp>
       <p:sp>
         <p:nvSpPr>
-          <p:cNvPr id="238" name="Shape 238"/>
+          <p:cNvPr id="214" name="Shape 214"/>
           <p:cNvSpPr/>
           <p:nvPr/>
         </p:nvSpPr>
@@ -4861,7 +4250,7 @@
       </p:sp>
       <p:sp>
         <p:nvSpPr>
-          <p:cNvPr id="239" name="Shape 239"/>
+          <p:cNvPr id="215" name="Shape 215"/>
           <p:cNvSpPr/>
           <p:nvPr/>
         </p:nvSpPr>
@@ -4909,7 +4298,7 @@
       </p:sp>
       <p:sp>
         <p:nvSpPr>
-          <p:cNvPr id="240" name="Shape 240"/>
+          <p:cNvPr id="216" name="Shape 216"/>
           <p:cNvSpPr/>
           <p:nvPr/>
         </p:nvSpPr>
@@ -4950,13 +4339,17 @@
       </p:sp>
       <p:sp>
         <p:nvSpPr>
-          <p:cNvPr id="241" name="Shape 241"/>
+          <p:cNvPr id="217" name="Shape 217"/>
           <p:cNvSpPr/>
           <p:nvPr>
             <p:ph type="sldNum" sz="quarter" idx="4294967295"/>
           </p:nvPr>
         </p:nvSpPr>
         <p:spPr>
+          <a:xfrm>
+            <a:off x="8424455" y="4772454"/>
+            <a:ext cx="262345" cy="264255"/>
+          </a:xfrm>
           <a:prstGeom prst="rect">
             <a:avLst/>
           </a:prstGeom>
@@ -4995,7 +4388,7 @@
 </p:sld>
 </file>
 
-<file path=ppt/slides/slide13.xml><?xml version="1.0" encoding="utf-8"?>
+<file path=ppt/slides/slide12.xml><?xml version="1.0" encoding="utf-8"?>
 <p:sld xmlns:a="http://schemas.openxmlformats.org/drawingml/2006/main" xmlns:r="http://schemas.openxmlformats.org/officeDocument/2006/relationships" xmlns:p="http://schemas.openxmlformats.org/presentationml/2006/main" showMasterSp="1" showMasterPhAnim="1">
   <p:cSld>
     <p:spTree>
@@ -5014,7 +4407,7 @@
       </p:grpSpPr>
       <p:sp>
         <p:nvSpPr>
-          <p:cNvPr id="245" name="Shape 245"/>
+          <p:cNvPr id="221" name="Shape 221"/>
           <p:cNvSpPr/>
           <p:nvPr/>
         </p:nvSpPr>
@@ -5055,7 +4448,7 @@
       </p:sp>
       <p:grpSp>
         <p:nvGrpSpPr>
-          <p:cNvPr id="249" name="Group 249"/>
+          <p:cNvPr id="225" name="Group 225"/>
           <p:cNvGrpSpPr/>
           <p:nvPr/>
         </p:nvGrpSpPr>
@@ -5069,7 +4462,7 @@
         </p:grpSpPr>
         <p:sp>
           <p:nvSpPr>
-            <p:cNvPr id="246" name="Shape 246"/>
+            <p:cNvPr id="222" name="Shape 222"/>
             <p:cNvSpPr/>
             <p:nvPr/>
           </p:nvSpPr>
@@ -5103,7 +4496,7 @@
         </p:sp>
         <p:sp>
           <p:nvSpPr>
-            <p:cNvPr id="247" name="Shape 247"/>
+            <p:cNvPr id="223" name="Shape 223"/>
             <p:cNvSpPr/>
             <p:nvPr/>
           </p:nvSpPr>
@@ -5154,7 +4547,7 @@
         </p:sp>
         <p:sp>
           <p:nvSpPr>
-            <p:cNvPr id="248" name="Shape 248"/>
+            <p:cNvPr id="224" name="Shape 224"/>
             <p:cNvSpPr/>
             <p:nvPr/>
           </p:nvSpPr>
@@ -5206,7 +4599,7 @@
       </p:grpSp>
       <p:sp>
         <p:nvSpPr>
-          <p:cNvPr id="250" name="Shape 250"/>
+          <p:cNvPr id="226" name="Shape 226"/>
           <p:cNvSpPr/>
           <p:nvPr/>
         </p:nvSpPr>
@@ -5284,7 +4677,7 @@
       </p:sp>
       <p:sp>
         <p:nvSpPr>
-          <p:cNvPr id="251" name="Shape 251"/>
+          <p:cNvPr id="227" name="Shape 227"/>
           <p:cNvSpPr/>
           <p:nvPr/>
         </p:nvSpPr>
@@ -5352,7 +4745,7 @@
       </p:sp>
       <p:pic>
         <p:nvPicPr>
-          <p:cNvPr id="252" name="pasted-image.png"/>
+          <p:cNvPr id="228" name="pasted-image.png"/>
           <p:cNvPicPr>
             <a:picLocks noChangeAspect="1"/>
           </p:cNvPicPr>
@@ -5381,7 +4774,7 @@
       </p:pic>
       <p:sp>
         <p:nvSpPr>
-          <p:cNvPr id="253" name="Shape 253"/>
+          <p:cNvPr id="229" name="Shape 229"/>
           <p:cNvSpPr/>
           <p:nvPr>
             <p:ph type="sldNum" sz="quarter" idx="4294967295"/>
@@ -5403,6 +4796,45 @@
           <a:p>
             <a:pPr/>
             <a:fld id="{86CB4B4D-7CA3-9044-876B-883B54F8677D}" type="slidenum"/>
+          </a:p>
+        </p:txBody>
+      </p:sp>
+      <p:sp>
+        <p:nvSpPr>
+          <p:cNvPr id="230" name="Shape 230"/>
+          <p:cNvSpPr/>
+          <p:nvPr/>
+        </p:nvSpPr>
+        <p:spPr>
+          <a:xfrm>
+            <a:off x="6321486" y="2303601"/>
+            <a:ext cx="2250939" cy="2486188"/>
+          </a:xfrm>
+          <a:prstGeom prst="rect">
+            <a:avLst/>
+          </a:prstGeom>
+          <a:solidFill>
+            <a:srgbClr val="DDDDDD">
+              <a:alpha val="65638"/>
+            </a:srgbClr>
+          </a:solidFill>
+          <a:ln w="25400">
+            <a:solidFill>
+              <a:srgbClr val="000000">
+                <a:alpha val="65638"/>
+              </a:srgbClr>
+            </a:solidFill>
+            <a:custDash>
+              <a:ds d="200000" sp="200000"/>
+            </a:custDash>
+            <a:miter lim="400000"/>
+          </a:ln>
+        </p:spPr>
+        <p:txBody>
+          <a:bodyPr lIns="45719" rIns="45719"/>
+          <a:lstStyle/>
+          <a:p>
+            <a:pPr/>
           </a:p>
         </p:txBody>
       </p:sp>
@@ -5426,7 +4858,7 @@
 </p:sld>
 </file>
 
-<file path=ppt/slides/slide14.xml><?xml version="1.0" encoding="utf-8"?>
+<file path=ppt/slides/slide13.xml><?xml version="1.0" encoding="utf-8"?>
 <p:sld xmlns:a="http://schemas.openxmlformats.org/drawingml/2006/main" xmlns:r="http://schemas.openxmlformats.org/officeDocument/2006/relationships" xmlns:p="http://schemas.openxmlformats.org/presentationml/2006/main" showMasterSp="1" showMasterPhAnim="1">
   <p:cSld>
     <p:spTree>
@@ -5445,7 +4877,7 @@
       </p:grpSpPr>
       <p:sp>
         <p:nvSpPr>
-          <p:cNvPr id="257" name="Shape 257"/>
+          <p:cNvPr id="234" name="Shape 234"/>
           <p:cNvSpPr/>
           <p:nvPr/>
         </p:nvSpPr>
@@ -5486,7 +4918,7 @@
       </p:sp>
       <p:sp>
         <p:nvSpPr>
-          <p:cNvPr id="258" name="Shape 258"/>
+          <p:cNvPr id="235" name="Shape 235"/>
           <p:cNvSpPr/>
           <p:nvPr/>
         </p:nvSpPr>
@@ -5558,7 +4990,7 @@
       </p:sp>
       <p:sp>
         <p:nvSpPr>
-          <p:cNvPr id="259" name="Shape 259"/>
+          <p:cNvPr id="236" name="Shape 236"/>
           <p:cNvSpPr/>
           <p:nvPr/>
         </p:nvSpPr>
@@ -5626,7 +5058,7 @@
       </p:sp>
       <p:sp>
         <p:nvSpPr>
-          <p:cNvPr id="260" name="Shape 260"/>
+          <p:cNvPr id="237" name="Shape 237"/>
           <p:cNvSpPr/>
           <p:nvPr/>
         </p:nvSpPr>
@@ -5674,7 +5106,7 @@
       </p:sp>
       <p:sp>
         <p:nvSpPr>
-          <p:cNvPr id="261" name="Shape 261"/>
+          <p:cNvPr id="238" name="Shape 238"/>
           <p:cNvSpPr/>
           <p:nvPr/>
         </p:nvSpPr>
@@ -5746,7 +5178,7 @@
       </p:sp>
       <p:sp>
         <p:nvSpPr>
-          <p:cNvPr id="262" name="Shape 262"/>
+          <p:cNvPr id="239" name="Shape 239"/>
           <p:cNvSpPr/>
           <p:nvPr/>
         </p:nvSpPr>
@@ -5819,7 +5251,7 @@
       </p:sp>
       <p:sp>
         <p:nvSpPr>
-          <p:cNvPr id="263" name="Shape 263"/>
+          <p:cNvPr id="240" name="Shape 240"/>
           <p:cNvSpPr/>
           <p:nvPr/>
         </p:nvSpPr>
@@ -5864,7 +5296,7 @@
       </p:sp>
       <p:sp>
         <p:nvSpPr>
-          <p:cNvPr id="264" name="Shape 264"/>
+          <p:cNvPr id="241" name="Shape 241"/>
           <p:cNvSpPr/>
           <p:nvPr>
             <p:ph type="sldNum" sz="quarter" idx="4294967295"/>
@@ -5898,7 +5330,7 @@
 </p:sld>
 </file>
 
-<file path=ppt/slides/slide15.xml><?xml version="1.0" encoding="utf-8"?>
+<file path=ppt/slides/slide14.xml><?xml version="1.0" encoding="utf-8"?>
 <p:sld xmlns:a="http://schemas.openxmlformats.org/drawingml/2006/main" xmlns:r="http://schemas.openxmlformats.org/officeDocument/2006/relationships" xmlns:p="http://schemas.openxmlformats.org/presentationml/2006/main" showMasterSp="1" showMasterPhAnim="1">
   <p:cSld>
     <p:spTree>
@@ -5917,7 +5349,7 @@
       </p:grpSpPr>
       <p:sp>
         <p:nvSpPr>
-          <p:cNvPr id="266" name="Shape 266"/>
+          <p:cNvPr id="243" name="Shape 243"/>
           <p:cNvSpPr/>
           <p:nvPr/>
         </p:nvSpPr>
@@ -5958,7 +5390,7 @@
       </p:sp>
       <p:sp>
         <p:nvSpPr>
-          <p:cNvPr id="267" name="Shape 267"/>
+          <p:cNvPr id="244" name="Shape 244"/>
           <p:cNvSpPr/>
           <p:nvPr/>
         </p:nvSpPr>
@@ -6030,7 +5462,7 @@
       </p:sp>
       <p:sp>
         <p:nvSpPr>
-          <p:cNvPr id="268" name="Shape 268"/>
+          <p:cNvPr id="245" name="Shape 245"/>
           <p:cNvSpPr/>
           <p:nvPr/>
         </p:nvSpPr>
@@ -6098,7 +5530,7 @@
       </p:sp>
       <p:sp>
         <p:nvSpPr>
-          <p:cNvPr id="269" name="Shape 269"/>
+          <p:cNvPr id="246" name="Shape 246"/>
           <p:cNvSpPr/>
           <p:nvPr/>
         </p:nvSpPr>
@@ -6146,7 +5578,7 @@
       </p:sp>
       <p:sp>
         <p:nvSpPr>
-          <p:cNvPr id="270" name="Shape 270"/>
+          <p:cNvPr id="247" name="Shape 247"/>
           <p:cNvSpPr/>
           <p:nvPr/>
         </p:nvSpPr>
@@ -6218,7 +5650,7 @@
       </p:sp>
       <p:sp>
         <p:nvSpPr>
-          <p:cNvPr id="271" name="Shape 271"/>
+          <p:cNvPr id="248" name="Shape 248"/>
           <p:cNvSpPr/>
           <p:nvPr/>
         </p:nvSpPr>
@@ -6291,7 +5723,7 @@
       </p:sp>
       <p:sp>
         <p:nvSpPr>
-          <p:cNvPr id="272" name="Shape 272"/>
+          <p:cNvPr id="249" name="Shape 249"/>
           <p:cNvSpPr/>
           <p:nvPr/>
         </p:nvSpPr>
@@ -6336,7 +5768,7 @@
       </p:sp>
       <p:sp>
         <p:nvSpPr>
-          <p:cNvPr id="273" name="Shape 273"/>
+          <p:cNvPr id="250" name="Shape 250"/>
           <p:cNvSpPr/>
           <p:nvPr/>
         </p:nvSpPr>
@@ -6420,7 +5852,7 @@
       </p:sp>
       <p:sp>
         <p:nvSpPr>
-          <p:cNvPr id="274" name="Shape 274"/>
+          <p:cNvPr id="251" name="Shape 251"/>
           <p:cNvSpPr/>
           <p:nvPr>
             <p:ph type="sldNum" sz="quarter" idx="4294967295"/>
@@ -6465,7 +5897,7 @@
 </p:sld>
 </file>
 
-<file path=ppt/slides/slide16.xml><?xml version="1.0" encoding="utf-8"?>
+<file path=ppt/slides/slide15.xml><?xml version="1.0" encoding="utf-8"?>
 <p:sld xmlns:a="http://schemas.openxmlformats.org/drawingml/2006/main" xmlns:r="http://schemas.openxmlformats.org/officeDocument/2006/relationships" xmlns:p="http://schemas.openxmlformats.org/presentationml/2006/main" showMasterSp="1" showMasterPhAnim="1">
   <p:cSld>
     <p:spTree>
@@ -6484,7 +5916,7 @@
       </p:grpSpPr>
       <p:sp>
         <p:nvSpPr>
-          <p:cNvPr id="278" name="Shape 278"/>
+          <p:cNvPr id="255" name="Shape 255"/>
           <p:cNvSpPr/>
           <p:nvPr/>
         </p:nvSpPr>
@@ -6504,12 +5936,16 @@
           <a:ln w="12700">
             <a:miter lim="400000"/>
           </a:ln>
+          <a:extLst>
+            <a:ext uri="{C572A759-6A51-4108-AA02-DFA0A04FC94B}">
+              <ma14:wrappingTextBoxFlag xmlns:ma14="http://schemas.microsoft.com/office/mac/drawingml/2011/main" val="1"/>
+            </a:ext>
+          </a:extLst>
         </p:spPr>
         <p:txBody>
           <a:bodyPr lIns="45719" rIns="45719" anchor="ctr"/>
-          <a:lstStyle/>
-          <a:p>
-            <a:pPr algn="ctr">
+          <a:lstStyle>
+            <a:lvl1pPr algn="ctr">
               <a:defRPr>
                 <a:solidFill>
                   <a:srgbClr val="FFFFFF"/>
@@ -6519,13 +5955,19 @@
                 <a:cs typeface="宋体"/>
                 <a:sym typeface="宋体"/>
               </a:defRPr>
-            </a:pPr>
-          </a:p>
-        </p:txBody>
-      </p:sp>
-      <p:sp>
-        <p:nvSpPr>
-          <p:cNvPr id="279" name="Shape 279"/>
+            </a:lvl1pPr>
+          </a:lstStyle>
+          <a:p>
+            <a:pPr/>
+            <a:r>
+              <a:t>      </a:t>
+            </a:r>
+          </a:p>
+        </p:txBody>
+      </p:sp>
+      <p:sp>
+        <p:nvSpPr>
+          <p:cNvPr id="256" name="Shape 256"/>
           <p:cNvSpPr/>
           <p:nvPr/>
         </p:nvSpPr>
@@ -6597,7 +6039,7 @@
       </p:sp>
       <p:sp>
         <p:nvSpPr>
-          <p:cNvPr id="280" name="Shape 280"/>
+          <p:cNvPr id="257" name="Shape 257"/>
           <p:cNvSpPr/>
           <p:nvPr/>
         </p:nvSpPr>
@@ -6665,7 +6107,7 @@
       </p:sp>
       <p:sp>
         <p:nvSpPr>
-          <p:cNvPr id="281" name="Shape 281"/>
+          <p:cNvPr id="258" name="Shape 258"/>
           <p:cNvSpPr/>
           <p:nvPr/>
         </p:nvSpPr>
@@ -6713,7 +6155,7 @@
       </p:sp>
       <p:sp>
         <p:nvSpPr>
-          <p:cNvPr id="282" name="Shape 282"/>
+          <p:cNvPr id="259" name="Shape 259"/>
           <p:cNvSpPr/>
           <p:nvPr/>
         </p:nvSpPr>
@@ -6785,7 +6227,7 @@
       </p:sp>
       <p:sp>
         <p:nvSpPr>
-          <p:cNvPr id="283" name="Shape 283"/>
+          <p:cNvPr id="260" name="Shape 260"/>
           <p:cNvSpPr/>
           <p:nvPr/>
         </p:nvSpPr>
@@ -6858,7 +6300,7 @@
       </p:sp>
       <p:sp>
         <p:nvSpPr>
-          <p:cNvPr id="284" name="Shape 284"/>
+          <p:cNvPr id="261" name="Shape 261"/>
           <p:cNvSpPr/>
           <p:nvPr/>
         </p:nvSpPr>
@@ -6903,7 +6345,7 @@
       </p:sp>
       <p:sp>
         <p:nvSpPr>
-          <p:cNvPr id="285" name="Shape 285"/>
+          <p:cNvPr id="262" name="Shape 262"/>
           <p:cNvSpPr/>
           <p:nvPr>
             <p:ph type="sldNum" sz="quarter" idx="4294967295"/>
@@ -6930,7 +6372,7 @@
       </p:sp>
       <p:graphicFrame>
         <p:nvGraphicFramePr>
-          <p:cNvPr id="286" name="Table 286"/>
+          <p:cNvPr id="263" name="Table 263"/>
           <p:cNvGraphicFramePr/>
           <p:nvPr/>
         </p:nvGraphicFramePr>
@@ -7262,7 +6704,7 @@
 </p:sld>
 </file>
 
-<file path=ppt/slides/slide17.xml><?xml version="1.0" encoding="utf-8"?>
+<file path=ppt/slides/slide16.xml><?xml version="1.0" encoding="utf-8"?>
 <p:sld xmlns:a="http://schemas.openxmlformats.org/drawingml/2006/main" xmlns:r="http://schemas.openxmlformats.org/officeDocument/2006/relationships" xmlns:p="http://schemas.openxmlformats.org/presentationml/2006/main" showMasterSp="1" showMasterPhAnim="1">
   <p:cSld>
     <p:spTree>
@@ -7281,7 +6723,7 @@
       </p:grpSpPr>
       <p:sp>
         <p:nvSpPr>
-          <p:cNvPr id="290" name="Shape 290"/>
+          <p:cNvPr id="267" name="Shape 267"/>
           <p:cNvSpPr/>
           <p:nvPr/>
         </p:nvSpPr>
@@ -7322,7 +6764,7 @@
       </p:sp>
       <p:sp>
         <p:nvSpPr>
-          <p:cNvPr id="291" name="Shape 291"/>
+          <p:cNvPr id="268" name="Shape 268"/>
           <p:cNvSpPr/>
           <p:nvPr/>
         </p:nvSpPr>
@@ -7364,7 +6806,7 @@
       </p:sp>
       <p:sp>
         <p:nvSpPr>
-          <p:cNvPr id="292" name="Shape 292"/>
+          <p:cNvPr id="269" name="Shape 269"/>
           <p:cNvSpPr/>
           <p:nvPr/>
         </p:nvSpPr>
@@ -7395,7 +6837,7 @@
       </p:sp>
       <p:grpSp>
         <p:nvGrpSpPr>
-          <p:cNvPr id="301" name="Group 301"/>
+          <p:cNvPr id="278" name="Group 278"/>
           <p:cNvGrpSpPr/>
           <p:nvPr/>
         </p:nvGrpSpPr>
@@ -7409,7 +6851,7 @@
         </p:grpSpPr>
         <p:sp>
           <p:nvSpPr>
-            <p:cNvPr id="293" name="Shape 293"/>
+            <p:cNvPr id="270" name="Shape 270"/>
             <p:cNvSpPr/>
             <p:nvPr/>
           </p:nvSpPr>
@@ -7492,7 +6934,7 @@
         </p:sp>
         <p:sp>
           <p:nvSpPr>
-            <p:cNvPr id="294" name="Shape 294"/>
+            <p:cNvPr id="271" name="Shape 271"/>
             <p:cNvSpPr/>
             <p:nvPr/>
           </p:nvSpPr>
@@ -7527,7 +6969,7 @@
         </p:sp>
         <p:sp>
           <p:nvSpPr>
-            <p:cNvPr id="295" name="Shape 295"/>
+            <p:cNvPr id="272" name="Shape 272"/>
             <p:cNvSpPr/>
             <p:nvPr/>
           </p:nvSpPr>
@@ -7562,7 +7004,7 @@
         </p:sp>
         <p:sp>
           <p:nvSpPr>
-            <p:cNvPr id="296" name="Shape 296"/>
+            <p:cNvPr id="273" name="Shape 273"/>
             <p:cNvSpPr/>
             <p:nvPr/>
           </p:nvSpPr>
@@ -7597,7 +7039,7 @@
         </p:sp>
         <p:sp>
           <p:nvSpPr>
-            <p:cNvPr id="297" name="Shape 297"/>
+            <p:cNvPr id="274" name="Shape 274"/>
             <p:cNvSpPr/>
             <p:nvPr/>
           </p:nvSpPr>
@@ -7632,7 +7074,7 @@
         </p:sp>
         <p:sp>
           <p:nvSpPr>
-            <p:cNvPr id="298" name="Shape 298"/>
+            <p:cNvPr id="275" name="Shape 275"/>
             <p:cNvSpPr/>
             <p:nvPr/>
           </p:nvSpPr>
@@ -7667,7 +7109,7 @@
         </p:sp>
         <p:sp>
           <p:nvSpPr>
-            <p:cNvPr id="299" name="Shape 299"/>
+            <p:cNvPr id="276" name="Shape 276"/>
             <p:cNvSpPr/>
             <p:nvPr/>
           </p:nvSpPr>
@@ -7710,7 +7152,7 @@
         </p:sp>
         <p:sp>
           <p:nvSpPr>
-            <p:cNvPr id="300" name="Shape 300"/>
+            <p:cNvPr id="277" name="Shape 277"/>
             <p:cNvSpPr/>
             <p:nvPr/>
           </p:nvSpPr>
@@ -7795,7 +7237,7 @@
       </p:grpSp>
       <p:sp>
         <p:nvSpPr>
-          <p:cNvPr id="302" name="Shape 302"/>
+          <p:cNvPr id="279" name="Shape 279"/>
           <p:cNvSpPr/>
           <p:nvPr/>
         </p:nvSpPr>
@@ -7843,7 +7285,7 @@
       </p:sp>
       <p:sp>
         <p:nvSpPr>
-          <p:cNvPr id="303" name="Shape 303"/>
+          <p:cNvPr id="280" name="Shape 280"/>
           <p:cNvSpPr/>
           <p:nvPr/>
         </p:nvSpPr>
@@ -7874,7 +7316,7 @@
       </p:sp>
       <p:sp>
         <p:nvSpPr>
-          <p:cNvPr id="304" name="Shape 304"/>
+          <p:cNvPr id="281" name="Shape 281"/>
           <p:cNvSpPr/>
           <p:nvPr/>
         </p:nvSpPr>
@@ -7952,7 +7394,7 @@
       </p:sp>
       <p:sp>
         <p:nvSpPr>
-          <p:cNvPr id="305" name="Shape 305"/>
+          <p:cNvPr id="282" name="Shape 282"/>
           <p:cNvSpPr/>
           <p:nvPr/>
         </p:nvSpPr>
@@ -7988,7 +7430,7 @@
       </p:sp>
       <p:sp>
         <p:nvSpPr>
-          <p:cNvPr id="306" name="Shape 306"/>
+          <p:cNvPr id="283" name="Shape 283"/>
           <p:cNvSpPr/>
           <p:nvPr>
             <p:ph type="sldNum" sz="quarter" idx="4294967295"/>
@@ -8366,7 +7808,7 @@
           <a:p>
             <a:pPr/>
             <a:r>
-              <a:t>相变材料简介</a:t>
+              <a:t>GST简介</a:t>
             </a:r>
           </a:p>
         </p:txBody>
@@ -9950,7 +9392,7 @@
           <a:p>
             <a:pPr/>
             <a:r>
-              <a:t>相变材料简介</a:t>
+              <a:t>GST材料简介</a:t>
             </a:r>
           </a:p>
         </p:txBody>
@@ -10498,7 +9940,7 @@
           <a:p>
             <a:pPr/>
             <a:r>
-              <a:t>相变材料简介</a:t>
+              <a:t>GST材料简介</a:t>
             </a:r>
           </a:p>
         </p:txBody>
@@ -10649,8 +10091,8 @@
         </p:nvSpPr>
         <p:spPr>
           <a:xfrm>
-            <a:off x="1649729" y="967739"/>
-            <a:ext cx="7020147" cy="1996441"/>
+            <a:off x="860650" y="1185759"/>
+            <a:ext cx="3893688" cy="2580641"/>
           </a:xfrm>
           <a:prstGeom prst="rect">
             <a:avLst/>
@@ -10672,19 +10114,31 @@
           <a:p>
             <a:pPr/>
             <a:r>
-              <a:t>相变材料指的是能够随着外界环境变化而发生物质结构改变的材料。</a:t>
+              <a:t>· 一种相变材料</a:t>
             </a:r>
           </a:p>
           <a:p>
             <a:pPr/>
             <a:r>
-              <a:t>相变材料起初被应用于储能／恒温的应用场所，利用相变材料在物质结构发生变化时的吸／放热能力来达成恒温的目的。 譬如恒温地板，CPU散热片，制造低温环境储存医学材料等。</a:t>
+              <a:t>· 由Ge Sb Te 三种元素组成的合金</a:t>
             </a:r>
           </a:p>
           <a:p>
             <a:pPr/>
             <a:r>
-              <a:t>还有一种相变材料指的是随着外界加电情况变化能够改变晶体结构的材料，被应用于存储材料和光学材料中。</a:t>
+              <a:t>· 最常见的化学计量比：Ge2Sb2Te5  GeSb4Te7  GeSb2Te4</a:t>
+            </a:r>
+          </a:p>
+          <a:p>
+            <a:pPr/>
+            <a:r>
+              <a:t>· 具有两种晶态：面心立方和六方密堆</a:t>
+            </a:r>
+          </a:p>
+          <a:p>
+            <a:pPr/>
+            <a:r>
+              <a:t>· 通过通电能够在非晶态和两种晶态之间转换</a:t>
             </a:r>
           </a:p>
         </p:txBody>
@@ -10720,6 +10174,35 @@
           </a:p>
         </p:txBody>
       </p:sp>
+      <p:pic>
+        <p:nvPicPr>
+          <p:cNvPr id="104" name="pasted-image.png"/>
+          <p:cNvPicPr>
+            <a:picLocks noChangeAspect="1"/>
+          </p:cNvPicPr>
+          <p:nvPr/>
+        </p:nvPicPr>
+        <p:blipFill>
+          <a:blip r:embed="rId3">
+            <a:extLst/>
+          </a:blip>
+          <a:stretch>
+            <a:fillRect/>
+          </a:stretch>
+        </p:blipFill>
+        <p:spPr>
+          <a:xfrm>
+            <a:off x="4891213" y="1319006"/>
+            <a:ext cx="3893687" cy="2414366"/>
+          </a:xfrm>
+          <a:prstGeom prst="rect">
+            <a:avLst/>
+          </a:prstGeom>
+          <a:ln w="12700">
+            <a:miter lim="400000"/>
+          </a:ln>
+        </p:spPr>
+      </p:pic>
     </p:spTree>
   </p:cSld>
   <p:clrMapOvr>
@@ -10759,7 +10242,7 @@
       </p:grpSpPr>
       <p:sp>
         <p:nvSpPr>
-          <p:cNvPr id="107" name="Shape 107"/>
+          <p:cNvPr id="108" name="Shape 108"/>
           <p:cNvSpPr/>
           <p:nvPr/>
         </p:nvSpPr>
@@ -10800,7 +10283,7 @@
       </p:sp>
       <p:sp>
         <p:nvSpPr>
-          <p:cNvPr id="108" name="Shape 108"/>
+          <p:cNvPr id="109" name="Shape 109"/>
           <p:cNvSpPr/>
           <p:nvPr/>
         </p:nvSpPr>
@@ -10872,7 +10355,7 @@
       </p:sp>
       <p:sp>
         <p:nvSpPr>
-          <p:cNvPr id="109" name="Shape 109"/>
+          <p:cNvPr id="110" name="Shape 110"/>
           <p:cNvSpPr/>
           <p:nvPr/>
         </p:nvSpPr>
@@ -10940,7 +10423,7 @@
       </p:sp>
       <p:sp>
         <p:nvSpPr>
-          <p:cNvPr id="110" name="Shape 110"/>
+          <p:cNvPr id="111" name="Shape 111"/>
           <p:cNvSpPr/>
           <p:nvPr/>
         </p:nvSpPr>
@@ -10988,7 +10471,7 @@
       </p:sp>
       <p:sp>
         <p:nvSpPr>
-          <p:cNvPr id="111" name="Shape 111"/>
+          <p:cNvPr id="112" name="Shape 112"/>
           <p:cNvSpPr/>
           <p:nvPr/>
         </p:nvSpPr>
@@ -11056,13 +10539,13 @@
       </p:sp>
       <p:sp>
         <p:nvSpPr>
-          <p:cNvPr id="112" name="Shape 112"/>
+          <p:cNvPr id="113" name="Shape 113"/>
           <p:cNvSpPr/>
           <p:nvPr/>
         </p:nvSpPr>
         <p:spPr>
           <a:xfrm>
-            <a:off x="454025" y="398462"/>
+            <a:off x="-257576" y="398462"/>
             <a:ext cx="6840538" cy="497841"/>
           </a:xfrm>
           <a:prstGeom prst="rect">
@@ -11094,14 +10577,14 @@
           <a:p>
             <a:pPr/>
             <a:r>
-              <a:t>相变材料的应用——可见光部分</a:t>
+              <a:t>GST材料的应用</a:t>
             </a:r>
           </a:p>
         </p:txBody>
       </p:sp>
       <p:sp>
         <p:nvSpPr>
-          <p:cNvPr id="113" name="Shape 113"/>
+          <p:cNvPr id="114" name="Shape 114"/>
           <p:cNvSpPr/>
           <p:nvPr/>
         </p:nvSpPr>
@@ -11171,7 +10654,7 @@
       </p:sp>
       <p:sp>
         <p:nvSpPr>
-          <p:cNvPr id="114" name="Shape 114"/>
+          <p:cNvPr id="115" name="Shape 115"/>
           <p:cNvSpPr/>
           <p:nvPr/>
         </p:nvSpPr>
@@ -11239,14 +10722,14 @@
       </p:sp>
       <p:sp>
         <p:nvSpPr>
-          <p:cNvPr id="115" name="Shape 115"/>
+          <p:cNvPr id="116" name="Shape 116"/>
           <p:cNvSpPr/>
           <p:nvPr/>
         </p:nvSpPr>
         <p:spPr>
           <a:xfrm>
-            <a:off x="1649729" y="967739"/>
-            <a:ext cx="7020147" cy="726441"/>
+            <a:off x="863223" y="1041957"/>
+            <a:ext cx="2770683" cy="726441"/>
           </a:xfrm>
           <a:prstGeom prst="rect">
             <a:avLst/>
@@ -11268,14 +10751,20 @@
           <a:p>
             <a:pPr/>
             <a:r>
-              <a:t>有一种相变材料由Ge Sb Ti 组成，目前可以用于制作柔性超高分辨率显示屏，我们本次研究内容也围绕这种材料展开。</a:t>
+              <a:t>· 相变存储器</a:t>
             </a:r>
           </a:p>
-        </p:txBody>
-      </p:sp>
-      <p:sp>
-        <p:nvSpPr>
-          <p:cNvPr id="116" name="Shape 116"/>
+          <a:p>
+            <a:pPr/>
+            <a:r>
+              <a:t>· 柔性超高分辨率显示屏</a:t>
+            </a:r>
+          </a:p>
+        </p:txBody>
+      </p:sp>
+      <p:sp>
+        <p:nvSpPr>
+          <p:cNvPr id="117" name="Shape 117"/>
           <p:cNvSpPr/>
           <p:nvPr>
             <p:ph type="sldNum" sz="quarter" idx="4294967295"/>
@@ -11306,7 +10795,7 @@
       </p:sp>
       <p:pic>
         <p:nvPicPr>
-          <p:cNvPr id="117" name="pasted-image.png"/>
+          <p:cNvPr id="118" name="pasted-image.png"/>
           <p:cNvPicPr>
             <a:picLocks noChangeAspect="1"/>
           </p:cNvPicPr>
@@ -11322,8 +10811,8 @@
         </p:blipFill>
         <p:spPr>
           <a:xfrm>
-            <a:off x="1469117" y="1839834"/>
-            <a:ext cx="2590801" cy="2238964"/>
+            <a:off x="5566518" y="1961348"/>
+            <a:ext cx="2507931" cy="2238964"/>
           </a:xfrm>
           <a:prstGeom prst="rect">
             <a:avLst/>
@@ -11335,7 +10824,7 @@
       </p:pic>
       <p:pic>
         <p:nvPicPr>
-          <p:cNvPr id="118" name="pasted-image.png"/>
+          <p:cNvPr id="119" name="pasted-image.png"/>
           <p:cNvPicPr>
             <a:picLocks noChangeAspect="1"/>
           </p:cNvPicPr>
@@ -11351,8 +10840,8 @@
         </p:blipFill>
         <p:spPr>
           <a:xfrm>
-            <a:off x="5167023" y="1839834"/>
-            <a:ext cx="2507931" cy="2238964"/>
+            <a:off x="1377888" y="2014270"/>
+            <a:ext cx="2472160" cy="2133121"/>
           </a:xfrm>
           <a:prstGeom prst="rect">
             <a:avLst/>
@@ -11401,7 +10890,7 @@
       </p:grpSpPr>
       <p:sp>
         <p:nvSpPr>
-          <p:cNvPr id="122" name="Shape 122"/>
+          <p:cNvPr id="123" name="Shape 123"/>
           <p:cNvSpPr/>
           <p:nvPr/>
         </p:nvSpPr>
@@ -11442,7 +10931,7 @@
       </p:sp>
       <p:sp>
         <p:nvSpPr>
-          <p:cNvPr id="123" name="Shape 123"/>
+          <p:cNvPr id="124" name="Shape 124"/>
           <p:cNvSpPr/>
           <p:nvPr/>
         </p:nvSpPr>
@@ -11481,7 +10970,7 @@
       </p:sp>
       <p:sp>
         <p:nvSpPr>
-          <p:cNvPr id="124" name="Shape 124"/>
+          <p:cNvPr id="125" name="Shape 125"/>
           <p:cNvSpPr/>
           <p:nvPr/>
         </p:nvSpPr>
@@ -11553,7 +11042,7 @@
       </p:sp>
       <p:sp>
         <p:nvSpPr>
-          <p:cNvPr id="125" name="Shape 125"/>
+          <p:cNvPr id="126" name="Shape 126"/>
           <p:cNvSpPr/>
           <p:nvPr/>
         </p:nvSpPr>
@@ -11621,7 +11110,7 @@
       </p:sp>
       <p:sp>
         <p:nvSpPr>
-          <p:cNvPr id="126" name="Shape 126"/>
+          <p:cNvPr id="127" name="Shape 127"/>
           <p:cNvSpPr/>
           <p:nvPr/>
         </p:nvSpPr>
@@ -11669,7 +11158,7 @@
       </p:sp>
       <p:sp>
         <p:nvSpPr>
-          <p:cNvPr id="127" name="Shape 127"/>
+          <p:cNvPr id="128" name="Shape 128"/>
           <p:cNvSpPr/>
           <p:nvPr/>
         </p:nvSpPr>
@@ -11737,7 +11226,7 @@
       </p:sp>
       <p:sp>
         <p:nvSpPr>
-          <p:cNvPr id="128" name="Shape 128"/>
+          <p:cNvPr id="129" name="Shape 129"/>
           <p:cNvSpPr/>
           <p:nvPr/>
         </p:nvSpPr>
@@ -11782,7 +11271,7 @@
       </p:sp>
       <p:sp>
         <p:nvSpPr>
-          <p:cNvPr id="129" name="Shape 129"/>
+          <p:cNvPr id="130" name="Shape 130"/>
           <p:cNvSpPr/>
           <p:nvPr>
             <p:ph type="sldNum" sz="quarter" idx="4294967295"/>
@@ -11850,7 +11339,7 @@
       </p:grpSpPr>
       <p:sp>
         <p:nvSpPr>
-          <p:cNvPr id="133" name="Shape 133"/>
+          <p:cNvPr id="134" name="Shape 134"/>
           <p:cNvSpPr/>
           <p:nvPr/>
         </p:nvSpPr>
@@ -11891,7 +11380,7 @@
       </p:sp>
       <p:sp>
         <p:nvSpPr>
-          <p:cNvPr id="134" name="Shape 134"/>
+          <p:cNvPr id="135" name="Shape 135"/>
           <p:cNvSpPr/>
           <p:nvPr/>
         </p:nvSpPr>
@@ -11920,7 +11409,7 @@
       </p:sp>
       <p:sp>
         <p:nvSpPr>
-          <p:cNvPr id="135" name="Shape 135"/>
+          <p:cNvPr id="136" name="Shape 136"/>
           <p:cNvSpPr/>
           <p:nvPr/>
         </p:nvSpPr>
@@ -11949,7 +11438,7 @@
       </p:sp>
       <p:sp>
         <p:nvSpPr>
-          <p:cNvPr id="136" name="Shape 136"/>
+          <p:cNvPr id="137" name="Shape 137"/>
           <p:cNvSpPr/>
           <p:nvPr/>
         </p:nvSpPr>
@@ -11997,7 +11486,7 @@
       </p:sp>
       <p:sp>
         <p:nvSpPr>
-          <p:cNvPr id="137" name="Shape 137"/>
+          <p:cNvPr id="138" name="Shape 138"/>
           <p:cNvSpPr/>
           <p:nvPr/>
         </p:nvSpPr>
@@ -12045,7 +11534,7 @@
       </p:sp>
       <p:sp>
         <p:nvSpPr>
-          <p:cNvPr id="138" name="Shape 138"/>
+          <p:cNvPr id="139" name="Shape 139"/>
           <p:cNvSpPr/>
           <p:nvPr/>
         </p:nvSpPr>
@@ -12123,7 +11612,7 @@
       </p:sp>
       <p:sp>
         <p:nvSpPr>
-          <p:cNvPr id="139" name="Shape 139"/>
+          <p:cNvPr id="140" name="Shape 140"/>
           <p:cNvSpPr/>
           <p:nvPr/>
         </p:nvSpPr>
@@ -12162,7 +11651,7 @@
       </p:sp>
       <p:sp>
         <p:nvSpPr>
-          <p:cNvPr id="140" name="Shape 140"/>
+          <p:cNvPr id="141" name="Shape 141"/>
           <p:cNvSpPr/>
           <p:nvPr/>
         </p:nvSpPr>
@@ -12201,7 +11690,7 @@
       </p:sp>
       <p:sp>
         <p:nvSpPr>
-          <p:cNvPr id="141" name="Shape 141"/>
+          <p:cNvPr id="142" name="Shape 142"/>
           <p:cNvSpPr/>
           <p:nvPr/>
         </p:nvSpPr>
@@ -12249,7 +11738,7 @@
       </p:sp>
       <p:grpSp>
         <p:nvGrpSpPr>
-          <p:cNvPr id="145" name="Group 145"/>
+          <p:cNvPr id="146" name="Group 146"/>
           <p:cNvGrpSpPr/>
           <p:nvPr/>
         </p:nvGrpSpPr>
@@ -12263,7 +11752,7 @@
         </p:grpSpPr>
         <p:sp>
           <p:nvSpPr>
-            <p:cNvPr id="142" name="Shape 142"/>
+            <p:cNvPr id="143" name="Shape 143"/>
             <p:cNvSpPr/>
             <p:nvPr/>
           </p:nvSpPr>
@@ -12306,7 +11795,7 @@
         </p:sp>
         <p:sp>
           <p:nvSpPr>
-            <p:cNvPr id="143" name="Shape 143"/>
+            <p:cNvPr id="144" name="Shape 144"/>
             <p:cNvSpPr/>
             <p:nvPr/>
           </p:nvSpPr>
@@ -12349,7 +11838,7 @@
         </p:sp>
         <p:sp>
           <p:nvSpPr>
-            <p:cNvPr id="144" name="Shape 144"/>
+            <p:cNvPr id="145" name="Shape 145"/>
             <p:cNvSpPr/>
             <p:nvPr/>
           </p:nvSpPr>
@@ -12401,7 +11890,7 @@
       </p:grpSp>
       <p:sp>
         <p:nvSpPr>
-          <p:cNvPr id="146" name="Shape 146"/>
+          <p:cNvPr id="147" name="Shape 147"/>
           <p:cNvSpPr/>
           <p:nvPr/>
         </p:nvSpPr>
@@ -12475,7 +11964,7 @@
       </p:sp>
       <p:sp>
         <p:nvSpPr>
-          <p:cNvPr id="147" name="Shape 147"/>
+          <p:cNvPr id="148" name="Shape 148"/>
           <p:cNvSpPr/>
           <p:nvPr/>
         </p:nvSpPr>
@@ -12514,7 +12003,7 @@
       </p:sp>
       <p:sp>
         <p:nvSpPr>
-          <p:cNvPr id="148" name="Shape 148"/>
+          <p:cNvPr id="149" name="Shape 149"/>
           <p:cNvSpPr/>
           <p:nvPr/>
         </p:nvSpPr>
@@ -12582,7 +12071,7 @@
       </p:sp>
       <p:sp>
         <p:nvSpPr>
-          <p:cNvPr id="149" name="Shape 149"/>
+          <p:cNvPr id="150" name="Shape 150"/>
           <p:cNvSpPr/>
           <p:nvPr/>
         </p:nvSpPr>
@@ -12700,7 +12189,7 @@
       </p:sp>
       <p:grpSp>
         <p:nvGrpSpPr>
-          <p:cNvPr id="152" name="Group 152"/>
+          <p:cNvPr id="153" name="Group 153"/>
           <p:cNvGrpSpPr/>
           <p:nvPr/>
         </p:nvGrpSpPr>
@@ -12714,7 +12203,7 @@
         </p:grpSpPr>
         <p:sp>
           <p:nvSpPr>
-            <p:cNvPr id="150" name="Shape 150"/>
+            <p:cNvPr id="151" name="Shape 151"/>
             <p:cNvSpPr/>
             <p:nvPr/>
           </p:nvSpPr>
@@ -12754,7 +12243,7 @@
         </p:sp>
         <p:sp>
           <p:nvSpPr>
-            <p:cNvPr id="151" name="Shape 151"/>
+            <p:cNvPr id="152" name="Shape 152"/>
             <p:cNvSpPr/>
             <p:nvPr/>
           </p:nvSpPr>
@@ -12814,7 +12303,7 @@
       </p:grpSp>
       <p:grpSp>
         <p:nvGrpSpPr>
-          <p:cNvPr id="155" name="Group 155"/>
+          <p:cNvPr id="156" name="Group 156"/>
           <p:cNvGrpSpPr/>
           <p:nvPr/>
         </p:nvGrpSpPr>
@@ -12828,7 +12317,7 @@
         </p:grpSpPr>
         <p:sp>
           <p:nvSpPr>
-            <p:cNvPr id="153" name="Shape 153"/>
+            <p:cNvPr id="154" name="Shape 154"/>
             <p:cNvSpPr/>
             <p:nvPr/>
           </p:nvSpPr>
@@ -12868,7 +12357,7 @@
         </p:sp>
         <p:sp>
           <p:nvSpPr>
-            <p:cNvPr id="154" name="Shape 154"/>
+            <p:cNvPr id="155" name="Shape 155"/>
             <p:cNvSpPr/>
             <p:nvPr/>
           </p:nvSpPr>
@@ -12917,7 +12406,7 @@
       </p:grpSp>
       <p:pic>
         <p:nvPicPr>
-          <p:cNvPr id="156" name="pasted-image.png"/>
+          <p:cNvPr id="157" name="pasted-image.png"/>
           <p:cNvPicPr>
             <a:picLocks noChangeAspect="1"/>
           </p:cNvPicPr>
@@ -12946,7 +12435,7 @@
       </p:pic>
       <p:sp>
         <p:nvSpPr>
-          <p:cNvPr id="157" name="Shape 157"/>
+          <p:cNvPr id="158" name="Shape 158"/>
           <p:cNvSpPr/>
           <p:nvPr>
             <p:ph type="sldNum" sz="quarter" idx="4294967295"/>
@@ -12977,7 +12466,7 @@
       </p:sp>
       <p:pic>
         <p:nvPicPr>
-          <p:cNvPr id="158" name="pasted-image.png"/>
+          <p:cNvPr id="159" name="pasted-image.png"/>
           <p:cNvPicPr>
             <a:picLocks noChangeAspect="1"/>
           </p:cNvPicPr>
@@ -13043,7 +12532,7 @@
       </p:grpSpPr>
       <p:grpSp>
         <p:nvGrpSpPr>
-          <p:cNvPr id="165" name="Group 165"/>
+          <p:cNvPr id="166" name="Group 166"/>
           <p:cNvGrpSpPr/>
           <p:nvPr/>
         </p:nvGrpSpPr>
@@ -13057,7 +12546,7 @@
         </p:grpSpPr>
         <p:sp>
           <p:nvSpPr>
-            <p:cNvPr id="162" name="Shape 162"/>
+            <p:cNvPr id="163" name="Shape 163"/>
             <p:cNvSpPr/>
             <p:nvPr/>
           </p:nvSpPr>
@@ -13091,7 +12580,7 @@
         </p:sp>
         <p:sp>
           <p:nvSpPr>
-            <p:cNvPr id="163" name="Shape 163"/>
+            <p:cNvPr id="164" name="Shape 164"/>
             <p:cNvSpPr/>
             <p:nvPr/>
           </p:nvSpPr>
@@ -13142,7 +12631,7 @@
         </p:sp>
         <p:sp>
           <p:nvSpPr>
-            <p:cNvPr id="164" name="Shape 164"/>
+            <p:cNvPr id="165" name="Shape 165"/>
             <p:cNvSpPr/>
             <p:nvPr/>
           </p:nvSpPr>
@@ -13186,127 +12675,15 @@
             <a:p>
               <a:pPr/>
               <a:r>
-                <a:t>我们尝试使用GST相变材料制备期待中的老花镜</a:t>
+                <a:t>GST材料和液晶的对比</a:t>
               </a:r>
             </a:p>
           </p:txBody>
         </p:sp>
       </p:grpSp>
-      <p:grpSp>
-        <p:nvGrpSpPr>
-          <p:cNvPr id="168" name="Group 168"/>
-          <p:cNvGrpSpPr/>
-          <p:nvPr/>
-        </p:nvGrpSpPr>
-        <p:grpSpPr>
-          <a:xfrm>
-            <a:off x="541337" y="1419224"/>
-            <a:ext cx="1295401" cy="1296989"/>
-            <a:chOff x="0" y="0"/>
-            <a:chExt cx="1295400" cy="1296987"/>
-          </a:xfrm>
-        </p:grpSpPr>
-        <p:sp>
-          <p:nvSpPr>
-            <p:cNvPr id="166" name="Shape 166"/>
-            <p:cNvSpPr/>
-            <p:nvPr/>
-          </p:nvSpPr>
-          <p:spPr>
-            <a:xfrm>
-              <a:off x="0" y="-1"/>
-              <a:ext cx="1295400" cy="1296989"/>
-            </a:xfrm>
-            <a:prstGeom prst="ellipse">
-              <a:avLst/>
-            </a:prstGeom>
-            <a:solidFill>
-              <a:srgbClr val="FFC000"/>
-            </a:solidFill>
-            <a:ln w="25400" cap="flat">
-              <a:solidFill>
-                <a:srgbClr val="FFC000"/>
-              </a:solidFill>
-              <a:prstDash val="solid"/>
-              <a:miter lim="800000"/>
-            </a:ln>
-            <a:effectLst/>
-          </p:spPr>
-          <p:txBody>
-            <a:bodyPr wrap="square" lIns="45719" tIns="45719" rIns="45719" bIns="45719" numCol="1" anchor="ctr">
-              <a:noAutofit/>
-            </a:bodyPr>
-            <a:lstStyle/>
-            <a:p>
-              <a:pPr algn="ctr">
-                <a:defRPr b="1">
-                  <a:solidFill>
-                    <a:srgbClr val="FFFFFF"/>
-                  </a:solidFill>
-                  <a:latin typeface="微软雅黑"/>
-                  <a:ea typeface="微软雅黑"/>
-                  <a:cs typeface="微软雅黑"/>
-                  <a:sym typeface="微软雅黑"/>
-                </a:defRPr>
-              </a:pPr>
-            </a:p>
-          </p:txBody>
-        </p:sp>
-        <p:sp>
-          <p:nvSpPr>
-            <p:cNvPr id="167" name="Shape 167"/>
-            <p:cNvSpPr/>
-            <p:nvPr/>
-          </p:nvSpPr>
-          <p:spPr>
-            <a:xfrm>
-              <a:off x="189692" y="444023"/>
-              <a:ext cx="916016" cy="408941"/>
-            </a:xfrm>
-            <a:prstGeom prst="rect">
-              <a:avLst/>
-            </a:prstGeom>
-            <a:noFill/>
-            <a:ln w="12700" cap="flat">
-              <a:noFill/>
-              <a:miter lim="400000"/>
-            </a:ln>
-            <a:effectLst/>
-            <a:extLst>
-              <a:ext uri="{C572A759-6A51-4108-AA02-DFA0A04FC94B}">
-                <ma14:wrappingTextBoxFlag xmlns:ma14="http://schemas.microsoft.com/office/mac/drawingml/2011/main" val="1"/>
-              </a:ext>
-            </a:extLst>
-          </p:spPr>
-          <p:txBody>
-            <a:bodyPr wrap="square" lIns="45719" tIns="45719" rIns="45719" bIns="45719" numCol="1" anchor="ctr">
-              <a:spAutoFit/>
-            </a:bodyPr>
-            <a:lstStyle>
-              <a:lvl1pPr algn="ctr">
-                <a:defRPr b="1">
-                  <a:solidFill>
-                    <a:srgbClr val="FFFFFF"/>
-                  </a:solidFill>
-                  <a:latin typeface="微软雅黑"/>
-                  <a:ea typeface="微软雅黑"/>
-                  <a:cs typeface="微软雅黑"/>
-                  <a:sym typeface="微软雅黑"/>
-                </a:defRPr>
-              </a:lvl1pPr>
-            </a:lstStyle>
-            <a:p>
-              <a:pPr/>
-              <a:r>
-                <a:t>图片</a:t>
-              </a:r>
-            </a:p>
-          </p:txBody>
-        </p:sp>
-      </p:grpSp>
-      <p:sp>
-        <p:nvSpPr>
-          <p:cNvPr id="169" name="Shape 169">
+      <p:sp>
+        <p:nvSpPr>
+          <p:cNvPr id="167" name="Shape 167">
             <a:hlinkClick r:id="rId3" invalidUrl="" action="ppaction://hlinksldjump" tgtFrame="" tooltip="" history="1" highlightClick="0" endSnd="0"/>
           </p:cNvPr>
           <p:cNvSpPr/>
@@ -13314,8 +12691,8 @@
         </p:nvSpPr>
         <p:spPr>
           <a:xfrm>
-            <a:off x="955675" y="3265740"/>
-            <a:ext cx="2232025" cy="574041"/>
+            <a:off x="6874" y="3740141"/>
+            <a:ext cx="2232026" cy="574041"/>
           </a:xfrm>
           <a:prstGeom prst="rect">
             <a:avLst/>
@@ -13370,7 +12747,7 @@
       </p:sp>
       <p:sp>
         <p:nvSpPr>
-          <p:cNvPr id="170" name="Shape 170"/>
+          <p:cNvPr id="168" name="Shape 168"/>
           <p:cNvSpPr/>
           <p:nvPr/>
         </p:nvSpPr>
@@ -13399,7 +12776,7 @@
       </p:sp>
       <p:sp>
         <p:nvSpPr>
-          <p:cNvPr id="171" name="Shape 171"/>
+          <p:cNvPr id="169" name="Shape 169"/>
           <p:cNvSpPr/>
           <p:nvPr/>
         </p:nvSpPr>
@@ -13477,7 +12854,7 @@
       </p:sp>
       <p:sp>
         <p:nvSpPr>
-          <p:cNvPr id="172" name="Shape 172"/>
+          <p:cNvPr id="170" name="Shape 170"/>
           <p:cNvSpPr/>
           <p:nvPr/>
         </p:nvSpPr>
@@ -13516,7 +12893,7 @@
       </p:sp>
       <p:sp>
         <p:nvSpPr>
-          <p:cNvPr id="173" name="Shape 173"/>
+          <p:cNvPr id="171" name="Shape 171"/>
           <p:cNvSpPr/>
           <p:nvPr/>
         </p:nvSpPr>
@@ -13582,295 +12959,9 @@
           </a:p>
         </p:txBody>
       </p:sp>
-      <p:grpSp>
-        <p:nvGrpSpPr>
-          <p:cNvPr id="176" name="Group 176"/>
-          <p:cNvGrpSpPr/>
-          <p:nvPr/>
-        </p:nvGrpSpPr>
-        <p:grpSpPr>
-          <a:xfrm>
-            <a:off x="3457575" y="2855912"/>
-            <a:ext cx="1295400" cy="1295401"/>
-            <a:chOff x="0" y="0"/>
-            <a:chExt cx="1295400" cy="1295400"/>
-          </a:xfrm>
-        </p:grpSpPr>
-        <p:sp>
-          <p:nvSpPr>
-            <p:cNvPr id="174" name="Shape 174"/>
-            <p:cNvSpPr/>
-            <p:nvPr/>
-          </p:nvSpPr>
-          <p:spPr>
-            <a:xfrm>
-              <a:off x="0" y="0"/>
-              <a:ext cx="1295400" cy="1295400"/>
-            </a:xfrm>
-            <a:prstGeom prst="ellipse">
-              <a:avLst/>
-            </a:prstGeom>
-            <a:solidFill>
-              <a:srgbClr val="FFC000"/>
-            </a:solidFill>
-            <a:ln w="25400" cap="flat">
-              <a:solidFill>
-                <a:srgbClr val="FFC000"/>
-              </a:solidFill>
-              <a:prstDash val="solid"/>
-              <a:miter lim="800000"/>
-            </a:ln>
-            <a:effectLst/>
-          </p:spPr>
-          <p:txBody>
-            <a:bodyPr wrap="square" lIns="45719" tIns="45719" rIns="45719" bIns="45719" numCol="1" anchor="ctr">
-              <a:noAutofit/>
-            </a:bodyPr>
-            <a:lstStyle/>
-            <a:p>
-              <a:pPr algn="ctr">
-                <a:defRPr b="1">
-                  <a:solidFill>
-                    <a:srgbClr val="FFFFFF"/>
-                  </a:solidFill>
-                  <a:latin typeface="微软雅黑"/>
-                  <a:ea typeface="微软雅黑"/>
-                  <a:cs typeface="微软雅黑"/>
-                  <a:sym typeface="微软雅黑"/>
-                </a:defRPr>
-              </a:pPr>
-            </a:p>
-          </p:txBody>
-        </p:sp>
-        <p:sp>
-          <p:nvSpPr>
-            <p:cNvPr id="175" name="Shape 175"/>
-            <p:cNvSpPr/>
-            <p:nvPr/>
-          </p:nvSpPr>
-          <p:spPr>
-            <a:xfrm>
-              <a:off x="189692" y="443230"/>
-              <a:ext cx="916016" cy="408940"/>
-            </a:xfrm>
-            <a:prstGeom prst="rect">
-              <a:avLst/>
-            </a:prstGeom>
-            <a:noFill/>
-            <a:ln w="12700" cap="flat">
-              <a:noFill/>
-              <a:miter lim="400000"/>
-            </a:ln>
-            <a:effectLst/>
-            <a:extLst>
-              <a:ext uri="{C572A759-6A51-4108-AA02-DFA0A04FC94B}">
-                <ma14:wrappingTextBoxFlag xmlns:ma14="http://schemas.microsoft.com/office/mac/drawingml/2011/main" val="1"/>
-              </a:ext>
-            </a:extLst>
-          </p:spPr>
-          <p:txBody>
-            <a:bodyPr wrap="square" lIns="45719" tIns="45719" rIns="45719" bIns="45719" numCol="1" anchor="ctr">
-              <a:spAutoFit/>
-            </a:bodyPr>
-            <a:lstStyle>
-              <a:lvl1pPr algn="ctr">
-                <a:defRPr b="1">
-                  <a:solidFill>
-                    <a:srgbClr val="FFFFFF"/>
-                  </a:solidFill>
-                  <a:latin typeface="微软雅黑"/>
-                  <a:ea typeface="微软雅黑"/>
-                  <a:cs typeface="微软雅黑"/>
-                  <a:sym typeface="微软雅黑"/>
-                </a:defRPr>
-              </a:lvl1pPr>
-            </a:lstStyle>
-            <a:p>
-              <a:pPr/>
-              <a:r>
-                <a:t>图片</a:t>
-              </a:r>
-            </a:p>
-          </p:txBody>
-        </p:sp>
-      </p:grpSp>
-      <p:grpSp>
-        <p:nvGrpSpPr>
-          <p:cNvPr id="179" name="Group 179"/>
-          <p:cNvGrpSpPr/>
-          <p:nvPr/>
-        </p:nvGrpSpPr>
-        <p:grpSpPr>
-          <a:xfrm>
-            <a:off x="4827587" y="1419224"/>
-            <a:ext cx="1296989" cy="1296989"/>
-            <a:chOff x="0" y="0"/>
-            <a:chExt cx="1296987" cy="1296987"/>
-          </a:xfrm>
-        </p:grpSpPr>
-        <p:sp>
-          <p:nvSpPr>
-            <p:cNvPr id="177" name="Shape 177"/>
-            <p:cNvSpPr/>
-            <p:nvPr/>
-          </p:nvSpPr>
-          <p:spPr>
-            <a:xfrm>
-              <a:off x="-1" y="-1"/>
-              <a:ext cx="1296989" cy="1296989"/>
-            </a:xfrm>
-            <a:prstGeom prst="ellipse">
-              <a:avLst/>
-            </a:prstGeom>
-            <a:solidFill>
-              <a:srgbClr val="FFC000"/>
-            </a:solidFill>
-            <a:ln w="25400" cap="flat">
-              <a:solidFill>
-                <a:srgbClr val="FFC000"/>
-              </a:solidFill>
-              <a:prstDash val="solid"/>
-              <a:miter lim="800000"/>
-            </a:ln>
-            <a:effectLst/>
-          </p:spPr>
-          <p:txBody>
-            <a:bodyPr wrap="square" lIns="45719" tIns="45719" rIns="45719" bIns="45719" numCol="1" anchor="ctr">
-              <a:noAutofit/>
-            </a:bodyPr>
-            <a:lstStyle/>
-            <a:p>
-              <a:pPr algn="ctr">
-                <a:defRPr b="1">
-                  <a:solidFill>
-                    <a:srgbClr val="FFFFFF"/>
-                  </a:solidFill>
-                  <a:latin typeface="微软雅黑"/>
-                  <a:ea typeface="微软雅黑"/>
-                  <a:cs typeface="微软雅黑"/>
-                  <a:sym typeface="微软雅黑"/>
-                </a:defRPr>
-              </a:pPr>
-            </a:p>
-          </p:txBody>
-        </p:sp>
-        <p:sp>
-          <p:nvSpPr>
-            <p:cNvPr id="178" name="Shape 178"/>
-            <p:cNvSpPr/>
-            <p:nvPr/>
-          </p:nvSpPr>
-          <p:spPr>
-            <a:xfrm>
-              <a:off x="189924" y="444023"/>
-              <a:ext cx="917139" cy="408941"/>
-            </a:xfrm>
-            <a:prstGeom prst="rect">
-              <a:avLst/>
-            </a:prstGeom>
-            <a:noFill/>
-            <a:ln w="12700" cap="flat">
-              <a:noFill/>
-              <a:miter lim="400000"/>
-            </a:ln>
-            <a:effectLst/>
-            <a:extLst>
-              <a:ext uri="{C572A759-6A51-4108-AA02-DFA0A04FC94B}">
-                <ma14:wrappingTextBoxFlag xmlns:ma14="http://schemas.microsoft.com/office/mac/drawingml/2011/main" val="1"/>
-              </a:ext>
-            </a:extLst>
-          </p:spPr>
-          <p:txBody>
-            <a:bodyPr wrap="square" lIns="45719" tIns="45719" rIns="45719" bIns="45719" numCol="1" anchor="ctr">
-              <a:spAutoFit/>
-            </a:bodyPr>
-            <a:lstStyle>
-              <a:lvl1pPr algn="ctr">
-                <a:defRPr b="1">
-                  <a:solidFill>
-                    <a:srgbClr val="FFFFFF"/>
-                  </a:solidFill>
-                  <a:latin typeface="微软雅黑"/>
-                  <a:ea typeface="微软雅黑"/>
-                  <a:cs typeface="微软雅黑"/>
-                  <a:sym typeface="微软雅黑"/>
-                </a:defRPr>
-              </a:lvl1pPr>
-            </a:lstStyle>
-            <a:p>
-              <a:pPr/>
-              <a:r>
-                <a:t>图片</a:t>
-              </a:r>
-            </a:p>
-          </p:txBody>
-        </p:sp>
-      </p:grpSp>
-      <p:sp>
-        <p:nvSpPr>
-          <p:cNvPr id="180" name="Shape 180"/>
-          <p:cNvSpPr/>
-          <p:nvPr/>
-        </p:nvSpPr>
-        <p:spPr>
-          <a:xfrm>
-            <a:off x="1908175" y="1443037"/>
-            <a:ext cx="2232025" cy="1005841"/>
-          </a:xfrm>
-          <a:prstGeom prst="rect">
-            <a:avLst/>
-          </a:prstGeom>
-          <a:ln w="12700">
-            <a:miter lim="400000"/>
-          </a:ln>
-          <a:extLst>
-            <a:ext uri="{C572A759-6A51-4108-AA02-DFA0A04FC94B}">
-              <ma14:wrappingTextBoxFlag xmlns:ma14="http://schemas.microsoft.com/office/mac/drawingml/2011/main" val="1"/>
-            </a:ext>
-          </a:extLst>
-        </p:spPr>
-        <p:txBody>
-          <a:bodyPr lIns="45719" rIns="45719">
-            <a:spAutoFit/>
-          </a:bodyPr>
-          <a:lstStyle/>
-          <a:p>
-            <a:pPr>
-              <a:defRPr b="1" sz="1500">
-                <a:solidFill>
-                  <a:srgbClr val="3F3F3F"/>
-                </a:solidFill>
-                <a:latin typeface="微软雅黑"/>
-                <a:ea typeface="微软雅黑"/>
-                <a:cs typeface="微软雅黑"/>
-                <a:sym typeface="微软雅黑"/>
-              </a:defRPr>
-            </a:pPr>
-            <a:r>
-              <a:t>GST相变材料</a:t>
-            </a:r>
-          </a:p>
-          <a:p>
-            <a:pPr>
-              <a:defRPr b="1" sz="1200">
-                <a:solidFill>
-                  <a:srgbClr val="3F3F3F"/>
-                </a:solidFill>
-                <a:latin typeface="微软雅黑"/>
-                <a:ea typeface="微软雅黑"/>
-                <a:cs typeface="微软雅黑"/>
-                <a:sym typeface="微软雅黑"/>
-              </a:defRPr>
-            </a:pPr>
-            <a:r>
-              <a:t>· 由锗-硒-碲组成，可以表示为(GeTi2)x(Sb2Ti3)y，比较常见的配比是Ge2Sb2Ti5</a:t>
-            </a:r>
-          </a:p>
-        </p:txBody>
-      </p:sp>
-      <p:sp>
-        <p:nvSpPr>
-          <p:cNvPr id="181" name="Shape 181">
+      <p:sp>
+        <p:nvSpPr>
+          <p:cNvPr id="172" name="Shape 172">
             <a:hlinkClick r:id="rId4" invalidUrl="" action="ppaction://hlinksldjump" tgtFrame="" tooltip="" history="1" highlightClick="0" endSnd="0"/>
           </p:cNvPr>
           <p:cNvSpPr/>
@@ -13878,8 +12969,8 @@
         </p:nvSpPr>
         <p:spPr>
           <a:xfrm>
-            <a:off x="6227762" y="1443037"/>
-            <a:ext cx="2233613" cy="574041"/>
+            <a:off x="6702162" y="3740141"/>
+            <a:ext cx="2233614" cy="574041"/>
           </a:xfrm>
           <a:prstGeom prst="rect">
             <a:avLst/>
@@ -13934,7 +13025,7 @@
       </p:sp>
       <p:pic>
         <p:nvPicPr>
-          <p:cNvPr id="182" name="pasted-image.png"/>
+          <p:cNvPr id="173" name="pasted-image.png"/>
           <p:cNvPicPr>
             <a:picLocks noChangeAspect="1"/>
           </p:cNvPicPr>
@@ -13950,8 +13041,8 @@
         </p:blipFill>
         <p:spPr>
           <a:xfrm>
-            <a:off x="58737" y="1385883"/>
-            <a:ext cx="1851591" cy="1363672"/>
+            <a:off x="2335433" y="3106800"/>
+            <a:ext cx="1642083" cy="1840722"/>
           </a:xfrm>
           <a:prstGeom prst="rect">
             <a:avLst/>
@@ -13963,7 +13054,7 @@
       </p:pic>
       <p:pic>
         <p:nvPicPr>
-          <p:cNvPr id="183" name="pasted-image.png"/>
+          <p:cNvPr id="174" name="pasted-image.png"/>
           <p:cNvPicPr>
             <a:picLocks noChangeAspect="1"/>
           </p:cNvPicPr>
@@ -13979,8 +13070,8 @@
         </p:blipFill>
         <p:spPr>
           <a:xfrm>
-            <a:off x="3284234" y="2632400"/>
-            <a:ext cx="1642083" cy="1840722"/>
+            <a:off x="4722913" y="3345326"/>
+            <a:ext cx="1795642" cy="1363671"/>
           </a:xfrm>
           <a:prstGeom prst="rect">
             <a:avLst/>
@@ -13990,38 +13081,9 @@
           </a:ln>
         </p:spPr>
       </p:pic>
-      <p:pic>
-        <p:nvPicPr>
-          <p:cNvPr id="184" name="pasted-image.png"/>
-          <p:cNvPicPr>
-            <a:picLocks noChangeAspect="1"/>
-          </p:cNvPicPr>
-          <p:nvPr/>
-        </p:nvPicPr>
-        <p:blipFill>
-          <a:blip r:embed="rId7">
-            <a:extLst/>
-          </a:blip>
-          <a:stretch>
-            <a:fillRect/>
-          </a:stretch>
-        </p:blipFill>
-        <p:spPr>
-          <a:xfrm>
-            <a:off x="4335587" y="1383411"/>
-            <a:ext cx="1795642" cy="1363672"/>
-          </a:xfrm>
-          <a:prstGeom prst="rect">
-            <a:avLst/>
-          </a:prstGeom>
-          <a:ln w="12700">
-            <a:miter lim="400000"/>
-          </a:ln>
-        </p:spPr>
-      </p:pic>
-      <p:sp>
-        <p:nvSpPr>
-          <p:cNvPr id="185" name="Shape 185"/>
+      <p:sp>
+        <p:nvSpPr>
+          <p:cNvPr id="175" name="Shape 175"/>
           <p:cNvSpPr/>
           <p:nvPr>
             <p:ph type="sldNum" sz="quarter" idx="4294967295"/>
@@ -14050,6 +13112,196 @@
           </a:p>
         </p:txBody>
       </p:sp>
+      <p:graphicFrame>
+        <p:nvGraphicFramePr>
+          <p:cNvPr id="176" name="Table 176"/>
+          <p:cNvGraphicFramePr/>
+          <p:nvPr/>
+        </p:nvGraphicFramePr>
+        <p:xfrm>
+          <a:off x="916479" y="936500"/>
+          <a:ext cx="7543812" cy="2635826"/>
+        </p:xfrm>
+        <a:graphic xmlns:a="http://schemas.openxmlformats.org/drawingml/2006/main">
+          <a:graphicData uri="http://schemas.openxmlformats.org/drawingml/2006/table">
+            <a:tbl>
+              <a:tblPr firstCol="0" firstRow="1" lastCol="0" lastRow="0" bandCol="0" bandRow="1" rtl="0">
+                <a:tableStyleId>{4C3C2611-4C71-4FC5-86AE-919BDF0F9419}</a:tableStyleId>
+              </a:tblPr>
+              <a:tblGrid>
+                <a:gridCol w="3765555"/>
+                <a:gridCol w="3765555"/>
+              </a:tblGrid>
+              <a:tr h="524625">
+                <a:tc>
+                  <a:txBody>
+                    <a:bodyPr/>
+                    <a:lstStyle/>
+                    <a:p>
+                      <a:pPr algn="l">
+                        <a:defRPr b="0" sz="1800">
+                          <a:solidFill>
+                            <a:srgbClr val="000000"/>
+                          </a:solidFill>
+                        </a:defRPr>
+                      </a:pPr>
+                      <a:r>
+                        <a:rPr b="1">
+                          <a:solidFill>
+                            <a:srgbClr val="FFFFFF"/>
+                          </a:solidFill>
+                          <a:sym typeface="Calibri"/>
+                        </a:rPr>
+                        <a:t>液晶材料</a:t>
+                      </a:r>
+                    </a:p>
+                  </a:txBody>
+                  <a:tcPr marL="0" marR="0" marT="0" marB="0" anchor="t" anchorCtr="0" horzOverflow="overflow"/>
+                </a:tc>
+                <a:tc>
+                  <a:txBody>
+                    <a:bodyPr/>
+                    <a:lstStyle/>
+                    <a:p>
+                      <a:pPr algn="l">
+                        <a:defRPr b="0" sz="1800">
+                          <a:solidFill>
+                            <a:srgbClr val="000000"/>
+                          </a:solidFill>
+                        </a:defRPr>
+                      </a:pPr>
+                      <a:r>
+                        <a:rPr b="1">
+                          <a:solidFill>
+                            <a:srgbClr val="FFFFFF"/>
+                          </a:solidFill>
+                          <a:sym typeface="Calibri"/>
+                        </a:rPr>
+                        <a:t>GST材料</a:t>
+                      </a:r>
+                    </a:p>
+                  </a:txBody>
+                  <a:tcPr marL="0" marR="0" marT="0" marB="0" anchor="t" anchorCtr="0" horzOverflow="overflow"/>
+                </a:tc>
+              </a:tr>
+              <a:tr h="524625">
+                <a:tc>
+                  <a:txBody>
+                    <a:bodyPr/>
+                    <a:lstStyle/>
+                    <a:p>
+                      <a:pPr algn="l">
+                        <a:defRPr sz="1800"/>
+                      </a:pPr>
+                      <a:r>
+                        <a:rPr>
+                          <a:sym typeface="Calibri"/>
+                        </a:rPr>
+                        <a:t>状态切换的时间在毫秒量级(&gt;1ms)</a:t>
+                      </a:r>
+                    </a:p>
+                  </a:txBody>
+                  <a:tcPr marL="0" marR="0" marT="0" marB="0" anchor="t" anchorCtr="0" horzOverflow="overflow"/>
+                </a:tc>
+                <a:tc>
+                  <a:txBody>
+                    <a:bodyPr/>
+                    <a:lstStyle/>
+                    <a:p>
+                      <a:pPr algn="l">
+                        <a:defRPr sz="1800"/>
+                      </a:pPr>
+                      <a:r>
+                        <a:rPr>
+                          <a:sym typeface="Calibri"/>
+                        </a:rPr>
+                        <a:t>状态切换的时间在纳秒量级(&lt;400ns)</a:t>
+                      </a:r>
+                    </a:p>
+                  </a:txBody>
+                  <a:tcPr marL="0" marR="0" marT="0" marB="0" anchor="t" anchorCtr="0" horzOverflow="overflow"/>
+                </a:tc>
+              </a:tr>
+              <a:tr h="524625">
+                <a:tc>
+                  <a:txBody>
+                    <a:bodyPr/>
+                    <a:lstStyle/>
+                    <a:p>
+                      <a:pPr algn="l">
+                        <a:defRPr sz="1800"/>
+                      </a:pPr>
+                      <a:r>
+                        <a:rPr>
+                          <a:sym typeface="Calibri"/>
+                        </a:rPr>
+                        <a:t>器件为堆叠结构</a:t>
+                      </a:r>
+                    </a:p>
+                  </a:txBody>
+                  <a:tcPr marL="0" marR="0" marT="0" marB="0" anchor="t" anchorCtr="0" horzOverflow="overflow"/>
+                </a:tc>
+                <a:tc>
+                  <a:txBody>
+                    <a:bodyPr/>
+                    <a:lstStyle/>
+                    <a:p>
+                      <a:pPr algn="l">
+                        <a:defRPr sz="1800"/>
+                      </a:pPr>
+                      <a:r>
+                        <a:rPr>
+                          <a:sym typeface="Calibri"/>
+                        </a:rPr>
+                        <a:t>器件为薄膜结构</a:t>
+                      </a:r>
+                    </a:p>
+                  </a:txBody>
+                  <a:tcPr marL="0" marR="0" marT="0" marB="0" anchor="t" anchorCtr="0" horzOverflow="overflow"/>
+                </a:tc>
+              </a:tr>
+              <a:tr h="524625">
+                <a:tc>
+                  <a:txBody>
+                    <a:bodyPr/>
+                    <a:lstStyle/>
+                    <a:p>
+                      <a:pPr algn="l">
+                        <a:defRPr sz="1800"/>
+                      </a:pPr>
+                      <a:r>
+                        <a:rPr>
+                          <a:sym typeface="Calibri"/>
+                        </a:rPr>
+                        <a:t>控制精度低</a:t>
+                      </a:r>
+                    </a:p>
+                  </a:txBody>
+                  <a:tcPr marL="0" marR="0" marT="0" marB="0" anchor="t" anchorCtr="0" horzOverflow="overflow"/>
+                </a:tc>
+                <a:tc>
+                  <a:txBody>
+                    <a:bodyPr/>
+                    <a:lstStyle/>
+                    <a:p>
+                      <a:pPr algn="l">
+                        <a:defRPr sz="1800"/>
+                      </a:pPr>
+                      <a:r>
+                        <a:rPr>
+                          <a:sym typeface="Calibri"/>
+                        </a:rPr>
+                        <a:t>控制精度高</a:t>
+                      </a:r>
+                    </a:p>
+                  </a:txBody>
+                  <a:tcPr marL="0" marR="0" marT="0" marB="0" anchor="t" anchorCtr="0" horzOverflow="overflow"/>
+                </a:tc>
+              </a:tr>
+            </a:tbl>
+          </a:graphicData>
+        </a:graphic>
+      </p:graphicFrame>
     </p:spTree>
   </p:cSld>
   <p:clrMapOvr>
@@ -14089,7 +13341,7 @@
       </p:grpSpPr>
       <p:sp>
         <p:nvSpPr>
-          <p:cNvPr id="189" name="Shape 189"/>
+          <p:cNvPr id="180" name="Shape 180"/>
           <p:cNvSpPr/>
           <p:nvPr/>
         </p:nvSpPr>
@@ -14130,7 +13382,7 @@
       </p:sp>
       <p:sp>
         <p:nvSpPr>
-          <p:cNvPr id="190" name="Shape 190"/>
+          <p:cNvPr id="181" name="Shape 181"/>
           <p:cNvSpPr/>
           <p:nvPr/>
         </p:nvSpPr>
@@ -14159,7 +13411,7 @@
       </p:sp>
       <p:sp>
         <p:nvSpPr>
-          <p:cNvPr id="191" name="Shape 191"/>
+          <p:cNvPr id="182" name="Shape 182"/>
           <p:cNvSpPr/>
           <p:nvPr/>
         </p:nvSpPr>
@@ -14188,7 +13440,7 @@
       </p:sp>
       <p:sp>
         <p:nvSpPr>
-          <p:cNvPr id="192" name="Shape 192"/>
+          <p:cNvPr id="183" name="Shape 183"/>
           <p:cNvSpPr/>
           <p:nvPr/>
         </p:nvSpPr>
@@ -14236,7 +13488,7 @@
       </p:sp>
       <p:sp>
         <p:nvSpPr>
-          <p:cNvPr id="193" name="Shape 193"/>
+          <p:cNvPr id="184" name="Shape 184"/>
           <p:cNvSpPr/>
           <p:nvPr/>
         </p:nvSpPr>
@@ -14284,7 +13536,7 @@
       </p:sp>
       <p:sp>
         <p:nvSpPr>
-          <p:cNvPr id="194" name="Shape 194"/>
+          <p:cNvPr id="185" name="Shape 185"/>
           <p:cNvSpPr/>
           <p:nvPr/>
         </p:nvSpPr>
@@ -14362,7 +13614,7 @@
       </p:sp>
       <p:sp>
         <p:nvSpPr>
-          <p:cNvPr id="195" name="Shape 195"/>
+          <p:cNvPr id="186" name="Shape 186"/>
           <p:cNvSpPr/>
           <p:nvPr/>
         </p:nvSpPr>
@@ -14401,7 +13653,7 @@
       </p:sp>
       <p:sp>
         <p:nvSpPr>
-          <p:cNvPr id="196" name="Shape 196"/>
+          <p:cNvPr id="187" name="Shape 187"/>
           <p:cNvSpPr/>
           <p:nvPr/>
         </p:nvSpPr>
@@ -14469,7 +13721,7 @@
       </p:sp>
       <p:sp>
         <p:nvSpPr>
-          <p:cNvPr id="197" name="Shape 197"/>
+          <p:cNvPr id="188" name="Shape 188"/>
           <p:cNvSpPr/>
           <p:nvPr/>
         </p:nvSpPr>
@@ -14587,7 +13839,7 @@
       </p:sp>
       <p:pic>
         <p:nvPicPr>
-          <p:cNvPr id="198" name="pasted-image.png"/>
+          <p:cNvPr id="189" name="pasted-image.png"/>
           <p:cNvPicPr>
             <a:picLocks noChangeAspect="1"/>
           </p:cNvPicPr>
@@ -14616,7 +13868,7 @@
       </p:pic>
       <p:pic>
         <p:nvPicPr>
-          <p:cNvPr id="199" name="pasted-image.png"/>
+          <p:cNvPr id="190" name="pasted-image.png"/>
           <p:cNvPicPr>
             <a:picLocks noChangeAspect="1"/>
           </p:cNvPicPr>
@@ -14645,7 +13897,7 @@
       </p:pic>
       <p:sp>
         <p:nvSpPr>
-          <p:cNvPr id="200" name="Shape 200"/>
+          <p:cNvPr id="191" name="Shape 191"/>
           <p:cNvSpPr/>
           <p:nvPr>
             <p:ph type="sldNum" sz="quarter" idx="4294967295"/>
@@ -14676,7 +13928,7 @@
       </p:sp>
       <p:pic>
         <p:nvPicPr>
-          <p:cNvPr id="201" name="pasted-image.png">
+          <p:cNvPr id="192" name="pasted-image.png">
             <a:hlinkClick r:id="" invalidUrl="" action="ppaction://hlinkshowjump?jump=previousslide" tgtFrame="" tooltip="" history="1" highlightClick="0" endSnd="0"/>
           </p:cNvPr>
           <p:cNvPicPr>

--- a/Graduation/开题报告.pptx
+++ b/Graduation/开题报告.pptx
@@ -54,7 +54,7 @@
         <a:uFillTx/>
       </a:defRPr>
     </a:defPPr>
-    <a:lvl1pPr marL="0" marR="0" indent="0" algn="l" defTabSz="914400" rtl="0" fontAlgn="auto" latinLnBrk="0" hangingPunct="0">
+    <a:lvl1pPr marL="0" marR="0" indent="0" algn="ctr" defTabSz="914400" rtl="0" fontAlgn="auto" latinLnBrk="0" hangingPunct="0">
       <a:lnSpc>
         <a:spcPct val="100000"/>
       </a:lnSpc>
@@ -69,7 +69,7 @@
       <a:buFontTx/>
       <a:buNone/>
       <a:tabLst/>
-      <a:defRPr b="0" baseline="0" cap="none" i="0" spc="0" strike="noStrike" sz="1800" u="none" kumimoji="0" normalizeH="0">
+      <a:defRPr b="1" baseline="0" cap="none" i="0" spc="0" strike="noStrike" sz="2800" u="none" kumimoji="0" normalizeH="0">
         <a:ln>
           <a:noFill/>
         </a:ln>
@@ -78,13 +78,13 @@
         </a:solidFill>
         <a:effectLst/>
         <a:uFillTx/>
-        <a:latin typeface="Calibri"/>
-        <a:ea typeface="Calibri"/>
-        <a:cs typeface="Calibri"/>
-        <a:sym typeface="Calibri"/>
+        <a:latin typeface="微软雅黑"/>
+        <a:ea typeface="微软雅黑"/>
+        <a:cs typeface="微软雅黑"/>
+        <a:sym typeface="微软雅黑"/>
       </a:defRPr>
     </a:lvl1pPr>
-    <a:lvl2pPr marL="0" marR="0" indent="457200" algn="l" defTabSz="914400" rtl="0" fontAlgn="auto" latinLnBrk="0" hangingPunct="0">
+    <a:lvl2pPr marL="0" marR="0" indent="457200" algn="ctr" defTabSz="914400" rtl="0" fontAlgn="auto" latinLnBrk="0" hangingPunct="0">
       <a:lnSpc>
         <a:spcPct val="100000"/>
       </a:lnSpc>
@@ -99,7 +99,7 @@
       <a:buFontTx/>
       <a:buNone/>
       <a:tabLst/>
-      <a:defRPr b="0" baseline="0" cap="none" i="0" spc="0" strike="noStrike" sz="1800" u="none" kumimoji="0" normalizeH="0">
+      <a:defRPr b="1" baseline="0" cap="none" i="0" spc="0" strike="noStrike" sz="2800" u="none" kumimoji="0" normalizeH="0">
         <a:ln>
           <a:noFill/>
         </a:ln>
@@ -108,13 +108,13 @@
         </a:solidFill>
         <a:effectLst/>
         <a:uFillTx/>
-        <a:latin typeface="Calibri"/>
-        <a:ea typeface="Calibri"/>
-        <a:cs typeface="Calibri"/>
-        <a:sym typeface="Calibri"/>
+        <a:latin typeface="微软雅黑"/>
+        <a:ea typeface="微软雅黑"/>
+        <a:cs typeface="微软雅黑"/>
+        <a:sym typeface="微软雅黑"/>
       </a:defRPr>
     </a:lvl2pPr>
-    <a:lvl3pPr marL="0" marR="0" indent="914400" algn="l" defTabSz="914400" rtl="0" fontAlgn="auto" latinLnBrk="0" hangingPunct="0">
+    <a:lvl3pPr marL="0" marR="0" indent="914400" algn="ctr" defTabSz="914400" rtl="0" fontAlgn="auto" latinLnBrk="0" hangingPunct="0">
       <a:lnSpc>
         <a:spcPct val="100000"/>
       </a:lnSpc>
@@ -129,7 +129,7 @@
       <a:buFontTx/>
       <a:buNone/>
       <a:tabLst/>
-      <a:defRPr b="0" baseline="0" cap="none" i="0" spc="0" strike="noStrike" sz="1800" u="none" kumimoji="0" normalizeH="0">
+      <a:defRPr b="1" baseline="0" cap="none" i="0" spc="0" strike="noStrike" sz="2800" u="none" kumimoji="0" normalizeH="0">
         <a:ln>
           <a:noFill/>
         </a:ln>
@@ -138,13 +138,13 @@
         </a:solidFill>
         <a:effectLst/>
         <a:uFillTx/>
-        <a:latin typeface="Calibri"/>
-        <a:ea typeface="Calibri"/>
-        <a:cs typeface="Calibri"/>
-        <a:sym typeface="Calibri"/>
+        <a:latin typeface="微软雅黑"/>
+        <a:ea typeface="微软雅黑"/>
+        <a:cs typeface="微软雅黑"/>
+        <a:sym typeface="微软雅黑"/>
       </a:defRPr>
     </a:lvl3pPr>
-    <a:lvl4pPr marL="0" marR="0" indent="1371600" algn="l" defTabSz="914400" rtl="0" fontAlgn="auto" latinLnBrk="0" hangingPunct="0">
+    <a:lvl4pPr marL="0" marR="0" indent="1371600" algn="ctr" defTabSz="914400" rtl="0" fontAlgn="auto" latinLnBrk="0" hangingPunct="0">
       <a:lnSpc>
         <a:spcPct val="100000"/>
       </a:lnSpc>
@@ -159,7 +159,7 @@
       <a:buFontTx/>
       <a:buNone/>
       <a:tabLst/>
-      <a:defRPr b="0" baseline="0" cap="none" i="0" spc="0" strike="noStrike" sz="1800" u="none" kumimoji="0" normalizeH="0">
+      <a:defRPr b="1" baseline="0" cap="none" i="0" spc="0" strike="noStrike" sz="2800" u="none" kumimoji="0" normalizeH="0">
         <a:ln>
           <a:noFill/>
         </a:ln>
@@ -168,13 +168,13 @@
         </a:solidFill>
         <a:effectLst/>
         <a:uFillTx/>
-        <a:latin typeface="Calibri"/>
-        <a:ea typeface="Calibri"/>
-        <a:cs typeface="Calibri"/>
-        <a:sym typeface="Calibri"/>
+        <a:latin typeface="微软雅黑"/>
+        <a:ea typeface="微软雅黑"/>
+        <a:cs typeface="微软雅黑"/>
+        <a:sym typeface="微软雅黑"/>
       </a:defRPr>
     </a:lvl4pPr>
-    <a:lvl5pPr marL="0" marR="0" indent="1828800" algn="l" defTabSz="914400" rtl="0" fontAlgn="auto" latinLnBrk="0" hangingPunct="0">
+    <a:lvl5pPr marL="0" marR="0" indent="1828800" algn="ctr" defTabSz="914400" rtl="0" fontAlgn="auto" latinLnBrk="0" hangingPunct="0">
       <a:lnSpc>
         <a:spcPct val="100000"/>
       </a:lnSpc>
@@ -189,7 +189,7 @@
       <a:buFontTx/>
       <a:buNone/>
       <a:tabLst/>
-      <a:defRPr b="0" baseline="0" cap="none" i="0" spc="0" strike="noStrike" sz="1800" u="none" kumimoji="0" normalizeH="0">
+      <a:defRPr b="1" baseline="0" cap="none" i="0" spc="0" strike="noStrike" sz="2800" u="none" kumimoji="0" normalizeH="0">
         <a:ln>
           <a:noFill/>
         </a:ln>
@@ -198,13 +198,13 @@
         </a:solidFill>
         <a:effectLst/>
         <a:uFillTx/>
-        <a:latin typeface="Calibri"/>
-        <a:ea typeface="Calibri"/>
-        <a:cs typeface="Calibri"/>
-        <a:sym typeface="Calibri"/>
+        <a:latin typeface="微软雅黑"/>
+        <a:ea typeface="微软雅黑"/>
+        <a:cs typeface="微软雅黑"/>
+        <a:sym typeface="微软雅黑"/>
       </a:defRPr>
     </a:lvl5pPr>
-    <a:lvl6pPr marL="0" marR="0" indent="0" algn="l" defTabSz="914400" rtl="0" fontAlgn="auto" latinLnBrk="0" hangingPunct="0">
+    <a:lvl6pPr marL="0" marR="0" indent="0" algn="ctr" defTabSz="914400" rtl="0" fontAlgn="auto" latinLnBrk="0" hangingPunct="0">
       <a:lnSpc>
         <a:spcPct val="100000"/>
       </a:lnSpc>
@@ -219,7 +219,7 @@
       <a:buFontTx/>
       <a:buNone/>
       <a:tabLst/>
-      <a:defRPr b="0" baseline="0" cap="none" i="0" spc="0" strike="noStrike" sz="1800" u="none" kumimoji="0" normalizeH="0">
+      <a:defRPr b="1" baseline="0" cap="none" i="0" spc="0" strike="noStrike" sz="2800" u="none" kumimoji="0" normalizeH="0">
         <a:ln>
           <a:noFill/>
         </a:ln>
@@ -228,13 +228,13 @@
         </a:solidFill>
         <a:effectLst/>
         <a:uFillTx/>
-        <a:latin typeface="Calibri"/>
-        <a:ea typeface="Calibri"/>
-        <a:cs typeface="Calibri"/>
-        <a:sym typeface="Calibri"/>
+        <a:latin typeface="微软雅黑"/>
+        <a:ea typeface="微软雅黑"/>
+        <a:cs typeface="微软雅黑"/>
+        <a:sym typeface="微软雅黑"/>
       </a:defRPr>
     </a:lvl6pPr>
-    <a:lvl7pPr marL="0" marR="0" indent="0" algn="l" defTabSz="914400" rtl="0" fontAlgn="auto" latinLnBrk="0" hangingPunct="0">
+    <a:lvl7pPr marL="0" marR="0" indent="0" algn="ctr" defTabSz="914400" rtl="0" fontAlgn="auto" latinLnBrk="0" hangingPunct="0">
       <a:lnSpc>
         <a:spcPct val="100000"/>
       </a:lnSpc>
@@ -249,7 +249,7 @@
       <a:buFontTx/>
       <a:buNone/>
       <a:tabLst/>
-      <a:defRPr b="0" baseline="0" cap="none" i="0" spc="0" strike="noStrike" sz="1800" u="none" kumimoji="0" normalizeH="0">
+      <a:defRPr b="1" baseline="0" cap="none" i="0" spc="0" strike="noStrike" sz="2800" u="none" kumimoji="0" normalizeH="0">
         <a:ln>
           <a:noFill/>
         </a:ln>
@@ -258,13 +258,13 @@
         </a:solidFill>
         <a:effectLst/>
         <a:uFillTx/>
-        <a:latin typeface="Calibri"/>
-        <a:ea typeface="Calibri"/>
-        <a:cs typeface="Calibri"/>
-        <a:sym typeface="Calibri"/>
+        <a:latin typeface="微软雅黑"/>
+        <a:ea typeface="微软雅黑"/>
+        <a:cs typeface="微软雅黑"/>
+        <a:sym typeface="微软雅黑"/>
       </a:defRPr>
     </a:lvl7pPr>
-    <a:lvl8pPr marL="0" marR="0" indent="0" algn="l" defTabSz="914400" rtl="0" fontAlgn="auto" latinLnBrk="0" hangingPunct="0">
+    <a:lvl8pPr marL="0" marR="0" indent="0" algn="ctr" defTabSz="914400" rtl="0" fontAlgn="auto" latinLnBrk="0" hangingPunct="0">
       <a:lnSpc>
         <a:spcPct val="100000"/>
       </a:lnSpc>
@@ -279,7 +279,7 @@
       <a:buFontTx/>
       <a:buNone/>
       <a:tabLst/>
-      <a:defRPr b="0" baseline="0" cap="none" i="0" spc="0" strike="noStrike" sz="1800" u="none" kumimoji="0" normalizeH="0">
+      <a:defRPr b="1" baseline="0" cap="none" i="0" spc="0" strike="noStrike" sz="2800" u="none" kumimoji="0" normalizeH="0">
         <a:ln>
           <a:noFill/>
         </a:ln>
@@ -288,13 +288,13 @@
         </a:solidFill>
         <a:effectLst/>
         <a:uFillTx/>
-        <a:latin typeface="Calibri"/>
-        <a:ea typeface="Calibri"/>
-        <a:cs typeface="Calibri"/>
-        <a:sym typeface="Calibri"/>
+        <a:latin typeface="微软雅黑"/>
+        <a:ea typeface="微软雅黑"/>
+        <a:cs typeface="微软雅黑"/>
+        <a:sym typeface="微软雅黑"/>
       </a:defRPr>
     </a:lvl8pPr>
-    <a:lvl9pPr marL="0" marR="0" indent="0" algn="l" defTabSz="914400" rtl="0" fontAlgn="auto" latinLnBrk="0" hangingPunct="0">
+    <a:lvl9pPr marL="0" marR="0" indent="0" algn="ctr" defTabSz="914400" rtl="0" fontAlgn="auto" latinLnBrk="0" hangingPunct="0">
       <a:lnSpc>
         <a:spcPct val="100000"/>
       </a:lnSpc>
@@ -309,7 +309,7 @@
       <a:buFontTx/>
       <a:buNone/>
       <a:tabLst/>
-      <a:defRPr b="0" baseline="0" cap="none" i="0" spc="0" strike="noStrike" sz="1800" u="none" kumimoji="0" normalizeH="0">
+      <a:defRPr b="1" baseline="0" cap="none" i="0" spc="0" strike="noStrike" sz="2800" u="none" kumimoji="0" normalizeH="0">
         <a:ln>
           <a:noFill/>
         </a:ln>
@@ -318,10 +318,10 @@
         </a:solidFill>
         <a:effectLst/>
         <a:uFillTx/>
-        <a:latin typeface="Calibri"/>
-        <a:ea typeface="Calibri"/>
-        <a:cs typeface="Calibri"/>
-        <a:sym typeface="Calibri"/>
+        <a:latin typeface="微软雅黑"/>
+        <a:ea typeface="微软雅黑"/>
+        <a:cs typeface="微软雅黑"/>
+        <a:sym typeface="微软雅黑"/>
       </a:defRPr>
     </a:lvl9pPr>
   </p:defaultTextStyle>
@@ -1038,7 +1038,13 @@
           <a:p>
             <a:pPr/>
             <a:r>
-              <a:t>随着人年龄的增长，晶状体逐渐纤维硬化，睫状肌逐渐麻痹，使人眼无法有效调节眼球的形状，只能通过调节眼睛与所视物体的距离，看近处的物体时必须移远才能看清楚，这时的眼睛状态就称为老花眼。为了让有老花眼的人能够看清近处的事物，老花镜应运而生。老花镜从光路上来讲应当有凸透镜的特性，所以最初，老花镜就是凸透镜。这样的老花镜的调节能力固定因此有限，随着人年龄的增长，晶状体纤维硬化的程度加深，就需要更换老花镜，这是我们不希望看到的。我们期待有一种新型老花镜，能够通过电控制来改变老花镜的焦距，在此同时还要保持老花镜的透明度、低色散，瞳距的范围能够在人眼附近调节并固定。</a:t>
+              <a:t>年龄增长 ——&gt; 需要老花镜——&gt; 老花镜度数持续加深 ——&gt; 传统老花镜不行</a:t>
+            </a:r>
+          </a:p>
+          <a:p>
+            <a:pPr/>
+            <a:r>
+              <a:t>期待着：</a:t>
             </a:r>
           </a:p>
         </p:txBody>
@@ -1789,7 +1795,7 @@
           </a:bodyPr>
           <a:lstStyle>
             <a:lvl1pPr algn="r">
-              <a:defRPr sz="1200">
+              <a:defRPr b="0" sz="1200">
                 <a:solidFill>
                   <a:srgbClr val="898989"/>
                 </a:solidFill>
@@ -2653,8 +2659,8 @@
           <a:bodyPr lIns="45719" rIns="45719" anchor="ctr"/>
           <a:lstStyle/>
           <a:p>
-            <a:pPr algn="ctr">
-              <a:defRPr>
+            <a:pPr>
+              <a:defRPr b="0" sz="1800">
                 <a:solidFill>
                   <a:srgbClr val="FFFFFF"/>
                 </a:solidFill>
@@ -2695,8 +2701,8 @@
           <a:bodyPr lIns="45719" rIns="45719" anchor="ctr"/>
           <a:lstStyle/>
           <a:p>
-            <a:pPr algn="ctr">
-              <a:defRPr>
+            <a:pPr>
+              <a:defRPr b="0" sz="1800">
                 <a:solidFill>
                   <a:srgbClr val="FFFFFF"/>
                 </a:solidFill>
@@ -2736,7 +2742,14 @@
           <a:bodyPr lIns="45719" rIns="45719"/>
           <a:lstStyle/>
           <a:p>
-            <a:pPr/>
+            <a:pPr algn="l">
+              <a:defRPr b="0" sz="1800">
+                <a:latin typeface="Calibri"/>
+                <a:ea typeface="Calibri"/>
+                <a:cs typeface="Calibri"/>
+                <a:sym typeface="Calibri"/>
+              </a:defRPr>
+            </a:pPr>
           </a:p>
         </p:txBody>
       </p:sp>
@@ -2823,8 +2836,8 @@
             </a:bodyPr>
             <a:lstStyle/>
             <a:p>
-              <a:pPr algn="ctr">
-                <a:defRPr>
+              <a:pPr>
+                <a:defRPr b="0" sz="1800">
                   <a:solidFill>
                     <a:srgbClr val="FFFFFF"/>
                   </a:solidFill>
@@ -2868,7 +2881,14 @@
             </a:bodyPr>
             <a:lstStyle/>
             <a:p>
-              <a:pPr/>
+              <a:pPr algn="l">
+                <a:defRPr b="0" sz="1800">
+                  <a:latin typeface="Calibri"/>
+                  <a:ea typeface="Calibri"/>
+                  <a:cs typeface="Calibri"/>
+                  <a:sym typeface="Calibri"/>
+                </a:defRPr>
+              </a:pPr>
             </a:p>
           </p:txBody>
         </p:sp>
@@ -2903,7 +2923,14 @@
             </a:bodyPr>
             <a:lstStyle/>
             <a:p>
-              <a:pPr/>
+              <a:pPr algn="l">
+                <a:defRPr b="0" sz="1800">
+                  <a:latin typeface="Calibri"/>
+                  <a:ea typeface="Calibri"/>
+                  <a:cs typeface="Calibri"/>
+                  <a:sym typeface="Calibri"/>
+                </a:defRPr>
+              </a:pPr>
             </a:p>
           </p:txBody>
         </p:sp>
@@ -2938,7 +2965,14 @@
             </a:bodyPr>
             <a:lstStyle/>
             <a:p>
-              <a:pPr/>
+              <a:pPr algn="l">
+                <a:defRPr b="0" sz="1800">
+                  <a:latin typeface="Calibri"/>
+                  <a:ea typeface="Calibri"/>
+                  <a:cs typeface="Calibri"/>
+                  <a:sym typeface="Calibri"/>
+                </a:defRPr>
+              </a:pPr>
             </a:p>
           </p:txBody>
         </p:sp>
@@ -2973,7 +3007,14 @@
             </a:bodyPr>
             <a:lstStyle/>
             <a:p>
-              <a:pPr/>
+              <a:pPr algn="l">
+                <a:defRPr b="0" sz="1800">
+                  <a:latin typeface="Calibri"/>
+                  <a:ea typeface="Calibri"/>
+                  <a:cs typeface="Calibri"/>
+                  <a:sym typeface="Calibri"/>
+                </a:defRPr>
+              </a:pPr>
             </a:p>
           </p:txBody>
         </p:sp>
@@ -3008,7 +3049,14 @@
             </a:bodyPr>
             <a:lstStyle/>
             <a:p>
-              <a:pPr/>
+              <a:pPr algn="l">
+                <a:defRPr b="0" sz="1800">
+                  <a:latin typeface="Calibri"/>
+                  <a:ea typeface="Calibri"/>
+                  <a:cs typeface="Calibri"/>
+                  <a:sym typeface="Calibri"/>
+                </a:defRPr>
+              </a:pPr>
             </a:p>
           </p:txBody>
         </p:sp>
@@ -3041,8 +3089,8 @@
             </a:bodyPr>
             <a:lstStyle/>
             <a:p>
-              <a:pPr algn="ctr">
-                <a:defRPr>
+              <a:pPr>
+                <a:defRPr b="0" sz="1800">
                   <a:solidFill>
                     <a:srgbClr val="FFFFFF"/>
                   </a:solidFill>
@@ -3125,8 +3173,8 @@
             </a:bodyPr>
             <a:lstStyle/>
             <a:p>
-              <a:pPr algn="ctr">
-                <a:defRPr>
+              <a:pPr>
+                <a:defRPr b="0" sz="1800">
                   <a:solidFill>
                     <a:srgbClr val="FFFFFF"/>
                   </a:solidFill>
@@ -3168,8 +3216,8 @@
             <a:spAutoFit/>
           </a:bodyPr>
           <a:lstStyle>
-            <a:lvl1pPr algn="ctr">
-              <a:defRPr b="1" sz="3600">
+            <a:lvl1pPr>
+              <a:defRPr sz="3600">
                 <a:solidFill>
                   <a:srgbClr val="595959"/>
                 </a:solidFill>
@@ -3217,7 +3265,7 @@
           </a:bodyPr>
           <a:lstStyle/>
           <a:p>
-            <a:pPr algn="ctr">
+            <a:pPr>
               <a:lnSpc>
                 <a:spcPct val="150000"/>
               </a:lnSpc>
@@ -3236,7 +3284,7 @@
             </a:r>
           </a:p>
           <a:p>
-            <a:pPr algn="ctr">
+            <a:pPr>
               <a:lnSpc>
                 <a:spcPct val="150000"/>
               </a:lnSpc>
@@ -3255,7 +3303,7 @@
             </a:r>
           </a:p>
           <a:p>
-            <a:pPr algn="ctr">
+            <a:pPr>
               <a:lnSpc>
                 <a:spcPct val="150000"/>
               </a:lnSpc>
@@ -3302,7 +3350,14 @@
           <a:bodyPr lIns="45719" rIns="45719"/>
           <a:lstStyle/>
           <a:p>
-            <a:pPr/>
+            <a:pPr algn="l">
+              <a:defRPr b="0" sz="1800">
+                <a:latin typeface="Calibri"/>
+                <a:ea typeface="Calibri"/>
+                <a:cs typeface="Calibri"/>
+                <a:sym typeface="Calibri"/>
+              </a:defRPr>
+            </a:pPr>
           </a:p>
         </p:txBody>
       </p:sp>
@@ -3336,14 +3391,10 @@
           <a:lstStyle/>
           <a:p>
             <a:pPr algn="just">
-              <a:defRPr b="1" sz="5400">
+              <a:defRPr sz="5400">
                 <a:solidFill>
                   <a:srgbClr val="05AFC8"/>
                 </a:solidFill>
-                <a:latin typeface="微软雅黑"/>
-                <a:ea typeface="微软雅黑"/>
-                <a:cs typeface="微软雅黑"/>
-                <a:sym typeface="微软雅黑"/>
               </a:defRPr>
             </a:pPr>
             <a:r>
@@ -3468,8 +3519,8 @@
           <a:bodyPr lIns="45719" rIns="45719" anchor="ctr"/>
           <a:lstStyle/>
           <a:p>
-            <a:pPr algn="ctr">
-              <a:defRPr>
+            <a:pPr>
+              <a:defRPr b="0" sz="1800">
                 <a:solidFill>
                   <a:srgbClr val="FFFFFF"/>
                 </a:solidFill>
@@ -3507,7 +3558,14 @@
           <a:bodyPr lIns="45719" rIns="45719"/>
           <a:lstStyle/>
           <a:p>
-            <a:pPr/>
+            <a:pPr algn="l">
+              <a:defRPr b="0" sz="1800">
+                <a:latin typeface="Calibri"/>
+                <a:ea typeface="Calibri"/>
+                <a:cs typeface="Calibri"/>
+                <a:sym typeface="Calibri"/>
+              </a:defRPr>
+            </a:pPr>
           </a:p>
         </p:txBody>
       </p:sp>
@@ -3536,7 +3594,14 @@
           <a:bodyPr lIns="45719" rIns="45719"/>
           <a:lstStyle/>
           <a:p>
-            <a:pPr/>
+            <a:pPr algn="l">
+              <a:defRPr b="0" sz="1800">
+                <a:latin typeface="Calibri"/>
+                <a:ea typeface="Calibri"/>
+                <a:cs typeface="Calibri"/>
+                <a:sym typeface="Calibri"/>
+              </a:defRPr>
+            </a:pPr>
           </a:p>
         </p:txBody>
       </p:sp>
@@ -3569,14 +3634,10 @@
           </a:bodyPr>
           <a:lstStyle>
             <a:lvl1pPr algn="r">
-              <a:defRPr b="1" sz="2000">
+              <a:defRPr sz="2000">
                 <a:solidFill>
                   <a:srgbClr val="3F3F3F"/>
                 </a:solidFill>
-                <a:latin typeface="微软雅黑"/>
-                <a:ea typeface="微软雅黑"/>
-                <a:cs typeface="微软雅黑"/>
-                <a:sym typeface="微软雅黑"/>
               </a:defRPr>
             </a:lvl1pPr>
           </a:lstStyle>
@@ -3616,15 +3677,11 @@
             <a:spAutoFit/>
           </a:bodyPr>
           <a:lstStyle>
-            <a:lvl1pPr>
-              <a:defRPr b="1">
+            <a:lvl1pPr algn="l">
+              <a:defRPr sz="1800">
                 <a:solidFill>
                   <a:srgbClr val="3F3F3F"/>
                 </a:solidFill>
-                <a:latin typeface="微软雅黑"/>
-                <a:ea typeface="微软雅黑"/>
-                <a:cs typeface="微软雅黑"/>
-                <a:sym typeface="微软雅黑"/>
               </a:defRPr>
             </a:lvl1pPr>
           </a:lstStyle>
@@ -3666,14 +3723,10 @@
           <a:lstStyle/>
           <a:p>
             <a:pPr algn="just">
-              <a:defRPr b="1" sz="5400">
+              <a:defRPr sz="5400">
                 <a:solidFill>
                   <a:srgbClr val="05AFC8"/>
                 </a:solidFill>
-                <a:latin typeface="微软雅黑"/>
-                <a:ea typeface="微软雅黑"/>
-                <a:cs typeface="微软雅黑"/>
-                <a:sym typeface="微软雅黑"/>
               </a:defRPr>
             </a:pPr>
             <a:r>
@@ -3739,8 +3792,8 @@
           <a:bodyPr lIns="45719" rIns="45719" anchor="ctr"/>
           <a:lstStyle/>
           <a:p>
-            <a:pPr algn="ctr">
-              <a:defRPr>
+            <a:pPr>
+              <a:defRPr b="0" sz="1800">
                 <a:solidFill>
                   <a:srgbClr val="FFFFFF"/>
                 </a:solidFill>
@@ -3810,8 +3863,8 @@
           <a:bodyPr lIns="45719" rIns="45719" anchor="ctr"/>
           <a:lstStyle/>
           <a:p>
-            <a:pPr algn="ctr">
-              <a:defRPr>
+            <a:pPr>
+              <a:defRPr b="0" sz="1800">
                 <a:latin typeface="宋体"/>
                 <a:ea typeface="宋体"/>
                 <a:cs typeface="宋体"/>
@@ -3849,8 +3902,13 @@
             <a:spAutoFit/>
           </a:bodyPr>
           <a:lstStyle>
-            <a:lvl1pPr>
-              <a:defRPr b="1"/>
+            <a:lvl1pPr algn="l">
+              <a:defRPr b="0" sz="1800">
+                <a:latin typeface="+mn-lt"/>
+                <a:ea typeface="+mn-ea"/>
+                <a:cs typeface="+mn-cs"/>
+                <a:sym typeface="Arial"/>
+              </a:defRPr>
             </a:lvl1pPr>
           </a:lstStyle>
           <a:p>
@@ -3981,8 +4039,8 @@
           <a:bodyPr lIns="45719" rIns="45719" anchor="ctr"/>
           <a:lstStyle/>
           <a:p>
-            <a:pPr algn="ctr">
-              <a:defRPr>
+            <a:pPr>
+              <a:defRPr b="0" sz="1800">
                 <a:solidFill>
                   <a:srgbClr val="FFFFFF"/>
                 </a:solidFill>
@@ -4053,8 +4111,8 @@
           <a:bodyPr lIns="45719" rIns="45719" anchor="ctr"/>
           <a:lstStyle/>
           <a:p>
-            <a:pPr algn="ctr">
-              <a:defRPr>
+            <a:pPr>
+              <a:defRPr b="0" sz="1800">
                 <a:solidFill>
                   <a:srgbClr val="FFFFFF"/>
                 </a:solidFill>
@@ -4124,8 +4182,8 @@
           <a:bodyPr lIns="45719" rIns="45719" anchor="ctr"/>
           <a:lstStyle/>
           <a:p>
-            <a:pPr algn="ctr">
-              <a:defRPr>
+            <a:pPr>
+              <a:defRPr b="0" sz="1800">
                 <a:latin typeface="宋体"/>
                 <a:ea typeface="宋体"/>
                 <a:cs typeface="宋体"/>
@@ -4192,8 +4250,8 @@
           <a:bodyPr lIns="45719" rIns="45719" anchor="ctr"/>
           <a:lstStyle/>
           <a:p>
-            <a:pPr algn="ctr">
-              <a:defRPr>
+            <a:pPr>
+              <a:defRPr b="0" sz="1800">
                 <a:latin typeface="宋体"/>
                 <a:ea typeface="宋体"/>
                 <a:cs typeface="宋体"/>
@@ -4230,16 +4288,7 @@
           <a:bodyPr lIns="45719" rIns="45719">
             <a:spAutoFit/>
           </a:bodyPr>
-          <a:lstStyle>
-            <a:lvl1pPr algn="ctr">
-              <a:defRPr b="1" sz="2800">
-                <a:latin typeface="微软雅黑"/>
-                <a:ea typeface="微软雅黑"/>
-                <a:cs typeface="微软雅黑"/>
-                <a:sym typeface="微软雅黑"/>
-              </a:defRPr>
-            </a:lvl1pPr>
-          </a:lstStyle>
+          <a:lstStyle/>
           <a:p>
             <a:pPr/>
             <a:r>
@@ -4276,8 +4325,8 @@
             <a:spAutoFit/>
           </a:bodyPr>
           <a:lstStyle>
-            <a:lvl1pPr algn="ctr">
-              <a:defRPr b="1" sz="5400">
+            <a:lvl1pPr>
+              <a:defRPr sz="5400">
                 <a:solidFill>
                   <a:srgbClr val="FFFFFF"/>
                 </a:solidFill>
@@ -4323,8 +4372,8 @@
           <a:bodyPr lIns="45719" rIns="45719" anchor="ctr"/>
           <a:lstStyle/>
           <a:p>
-            <a:pPr algn="ctr">
-              <a:defRPr>
+            <a:pPr>
+              <a:defRPr b="0" sz="1800">
                 <a:solidFill>
                   <a:srgbClr val="FFFFFF"/>
                 </a:solidFill>
@@ -4432,8 +4481,8 @@
           <a:bodyPr lIns="45719" rIns="45719" anchor="ctr"/>
           <a:lstStyle/>
           <a:p>
-            <a:pPr algn="ctr">
-              <a:defRPr>
+            <a:pPr>
+              <a:defRPr b="0" sz="1800">
                 <a:solidFill>
                   <a:srgbClr val="FFFFFF"/>
                 </a:solidFill>
@@ -4490,7 +4539,14 @@
             </a:bodyPr>
             <a:lstStyle/>
             <a:p>
-              <a:pPr/>
+              <a:pPr algn="l">
+                <a:defRPr b="0" sz="1800">
+                  <a:latin typeface="Calibri"/>
+                  <a:ea typeface="Calibri"/>
+                  <a:cs typeface="Calibri"/>
+                  <a:sym typeface="Calibri"/>
+                </a:defRPr>
+              </a:pPr>
             </a:p>
           </p:txBody>
         </p:sp>
@@ -4526,14 +4582,10 @@
             </a:bodyPr>
             <a:lstStyle>
               <a:lvl1pPr algn="r">
-                <a:defRPr b="1" sz="2200">
+                <a:defRPr sz="2200">
                   <a:solidFill>
                     <a:srgbClr val="3F3F3F"/>
                   </a:solidFill>
-                  <a:latin typeface="微软雅黑"/>
-                  <a:ea typeface="微软雅黑"/>
-                  <a:cs typeface="微软雅黑"/>
-                  <a:sym typeface="微软雅黑"/>
                 </a:defRPr>
               </a:lvl1pPr>
             </a:lstStyle>
@@ -4577,14 +4629,10 @@
             </a:bodyPr>
             <a:lstStyle>
               <a:lvl1pPr>
-                <a:defRPr b="1" sz="2000">
+                <a:defRPr sz="2000">
                   <a:solidFill>
                     <a:srgbClr val="3F3F3F"/>
                   </a:solidFill>
-                  <a:latin typeface="微软雅黑"/>
-                  <a:ea typeface="微软雅黑"/>
-                  <a:cs typeface="微软雅黑"/>
-                  <a:sym typeface="微软雅黑"/>
                 </a:defRPr>
               </a:lvl1pPr>
             </a:lstStyle>
@@ -4627,14 +4675,10 @@
           <a:lstStyle/>
           <a:p>
             <a:pPr algn="r">
-              <a:defRPr b="1" sz="5400">
+              <a:defRPr sz="5400">
                 <a:solidFill>
                   <a:srgbClr val="05AFC8"/>
                 </a:solidFill>
-                <a:latin typeface="微软雅黑"/>
-                <a:ea typeface="微软雅黑"/>
-                <a:cs typeface="微软雅黑"/>
-                <a:sym typeface="微软雅黑"/>
               </a:defRPr>
             </a:pPr>
             <a:r>
@@ -4732,8 +4776,8 @@
           <a:bodyPr lIns="45719" rIns="45719" anchor="ctr"/>
           <a:lstStyle/>
           <a:p>
-            <a:pPr algn="ctr">
-              <a:defRPr>
+            <a:pPr>
+              <a:defRPr b="0" sz="1800">
                 <a:latin typeface="宋体"/>
                 <a:ea typeface="宋体"/>
                 <a:cs typeface="宋体"/>
@@ -4834,7 +4878,14 @@
           <a:bodyPr lIns="45719" rIns="45719"/>
           <a:lstStyle/>
           <a:p>
-            <a:pPr/>
+            <a:pPr algn="l">
+              <a:defRPr b="0" sz="1800">
+                <a:latin typeface="Calibri"/>
+                <a:ea typeface="Calibri"/>
+                <a:cs typeface="Calibri"/>
+                <a:sym typeface="Calibri"/>
+              </a:defRPr>
+            </a:pPr>
           </a:p>
         </p:txBody>
       </p:sp>
@@ -4902,8 +4953,8 @@
           <a:bodyPr lIns="45719" rIns="45719" anchor="ctr"/>
           <a:lstStyle/>
           <a:p>
-            <a:pPr algn="ctr">
-              <a:defRPr>
+            <a:pPr>
+              <a:defRPr b="0" sz="1800">
                 <a:solidFill>
                   <a:srgbClr val="FFFFFF"/>
                 </a:solidFill>
@@ -4974,8 +5025,8 @@
           <a:bodyPr lIns="45719" rIns="45719" anchor="ctr"/>
           <a:lstStyle/>
           <a:p>
-            <a:pPr algn="ctr">
-              <a:defRPr>
+            <a:pPr>
+              <a:defRPr b="0" sz="1800">
                 <a:solidFill>
                   <a:srgbClr val="FFFFFF"/>
                 </a:solidFill>
@@ -5045,8 +5096,8 @@
           <a:bodyPr lIns="45719" rIns="45719" anchor="ctr"/>
           <a:lstStyle/>
           <a:p>
-            <a:pPr algn="ctr">
-              <a:defRPr>
+            <a:pPr>
+              <a:defRPr b="0" sz="1800">
                 <a:latin typeface="宋体"/>
                 <a:ea typeface="宋体"/>
                 <a:cs typeface="宋体"/>
@@ -5084,8 +5135,8 @@
             <a:spAutoFit/>
           </a:bodyPr>
           <a:lstStyle>
-            <a:lvl1pPr algn="ctr">
-              <a:defRPr b="1" sz="6000">
+            <a:lvl1pPr>
+              <a:defRPr sz="6000">
                 <a:solidFill>
                   <a:srgbClr val="FFFFFF"/>
                 </a:solidFill>
@@ -5162,8 +5213,8 @@
           <a:bodyPr lIns="45719" rIns="45719" anchor="ctr"/>
           <a:lstStyle/>
           <a:p>
-            <a:pPr algn="ctr">
-              <a:defRPr>
+            <a:pPr>
+              <a:defRPr b="0" sz="1800">
                 <a:solidFill>
                   <a:srgbClr val="FFFFFF"/>
                 </a:solidFill>
@@ -5238,8 +5289,8 @@
           <a:bodyPr lIns="45719" rIns="45719" anchor="ctr"/>
           <a:lstStyle/>
           <a:p>
-            <a:pPr algn="ctr">
-              <a:defRPr>
+            <a:pPr>
+              <a:defRPr b="0" sz="1800">
                 <a:latin typeface="宋体"/>
                 <a:ea typeface="宋体"/>
                 <a:cs typeface="宋体"/>
@@ -5276,16 +5327,7 @@
           <a:bodyPr lIns="45719" rIns="45719">
             <a:spAutoFit/>
           </a:bodyPr>
-          <a:lstStyle>
-            <a:lvl1pPr algn="ctr">
-              <a:defRPr b="1" sz="2800">
-                <a:latin typeface="微软雅黑"/>
-                <a:ea typeface="微软雅黑"/>
-                <a:cs typeface="微软雅黑"/>
-                <a:sym typeface="微软雅黑"/>
-              </a:defRPr>
-            </a:lvl1pPr>
-          </a:lstStyle>
+          <a:lstStyle/>
           <a:p>
             <a:pPr/>
             <a:r>
@@ -5374,8 +5416,8 @@
           <a:bodyPr lIns="45719" rIns="45719" anchor="ctr"/>
           <a:lstStyle/>
           <a:p>
-            <a:pPr algn="ctr">
-              <a:defRPr>
+            <a:pPr>
+              <a:defRPr b="0" sz="1800">
                 <a:solidFill>
                   <a:srgbClr val="FFFFFF"/>
                 </a:solidFill>
@@ -5446,8 +5488,8 @@
           <a:bodyPr lIns="45719" rIns="45719" anchor="ctr"/>
           <a:lstStyle/>
           <a:p>
-            <a:pPr algn="ctr">
-              <a:defRPr>
+            <a:pPr>
+              <a:defRPr b="0" sz="1800">
                 <a:solidFill>
                   <a:srgbClr val="FFFFFF"/>
                 </a:solidFill>
@@ -5517,8 +5559,8 @@
           <a:bodyPr lIns="45719" rIns="45719" anchor="ctr"/>
           <a:lstStyle/>
           <a:p>
-            <a:pPr algn="ctr">
-              <a:defRPr>
+            <a:pPr>
+              <a:defRPr b="0" sz="1800">
                 <a:latin typeface="宋体"/>
                 <a:ea typeface="宋体"/>
                 <a:cs typeface="宋体"/>
@@ -5556,8 +5598,8 @@
             <a:spAutoFit/>
           </a:bodyPr>
           <a:lstStyle>
-            <a:lvl1pPr algn="ctr">
-              <a:defRPr b="1" sz="6000">
+            <a:lvl1pPr>
+              <a:defRPr sz="6000">
                 <a:solidFill>
                   <a:srgbClr val="FFFFFF"/>
                 </a:solidFill>
@@ -5634,8 +5676,8 @@
           <a:bodyPr lIns="45719" rIns="45719" anchor="ctr"/>
           <a:lstStyle/>
           <a:p>
-            <a:pPr algn="ctr">
-              <a:defRPr>
+            <a:pPr>
+              <a:defRPr b="0" sz="1800">
                 <a:solidFill>
                   <a:srgbClr val="FFFFFF"/>
                 </a:solidFill>
@@ -5710,8 +5752,8 @@
           <a:bodyPr lIns="45719" rIns="45719" anchor="ctr"/>
           <a:lstStyle/>
           <a:p>
-            <a:pPr algn="ctr">
-              <a:defRPr>
+            <a:pPr>
+              <a:defRPr b="0" sz="1800">
                 <a:latin typeface="宋体"/>
                 <a:ea typeface="宋体"/>
                 <a:cs typeface="宋体"/>
@@ -5749,13 +5791,8 @@
             <a:spAutoFit/>
           </a:bodyPr>
           <a:lstStyle>
-            <a:lvl1pPr algn="ctr">
-              <a:defRPr b="1" sz="2300">
-                <a:latin typeface="微软雅黑"/>
-                <a:ea typeface="微软雅黑"/>
-                <a:cs typeface="微软雅黑"/>
-                <a:sym typeface="微软雅黑"/>
-              </a:defRPr>
+            <a:lvl1pPr>
+              <a:defRPr sz="2300"/>
             </a:lvl1pPr>
           </a:lstStyle>
           <a:p>
@@ -5775,7 +5812,7 @@
         <p:spPr>
           <a:xfrm>
             <a:off x="1421130" y="767080"/>
-            <a:ext cx="5900054" cy="1996441"/>
+            <a:ext cx="5900054" cy="2011398"/>
           </a:xfrm>
           <a:prstGeom prst="rect">
             <a:avLst/>
@@ -5795,54 +5832,90 @@
           </a:bodyPr>
           <a:lstStyle/>
           <a:p>
-            <a:pPr marL="240631" indent="-240631">
+            <a:pPr marL="240631" indent="-240631" algn="l">
               <a:buSzPct val="100000"/>
               <a:buAutoNum type="arabicPeriod" startAt="1"/>
+              <a:defRPr b="0" sz="1800">
+                <a:latin typeface="+mn-lt"/>
+                <a:ea typeface="+mn-ea"/>
+                <a:cs typeface="+mn-cs"/>
+                <a:sym typeface="Arial"/>
+              </a:defRPr>
             </a:pPr>
             <a:r>
               <a:t>制备符合光学要求的GST相变材料</a:t>
             </a:r>
           </a:p>
           <a:p>
-            <a:pPr marL="240631" indent="-240631">
+            <a:pPr marL="240631" indent="-240631" algn="l">
               <a:buSzPct val="100000"/>
               <a:buAutoNum type="arabicPeriod" startAt="1"/>
+              <a:defRPr b="0" sz="1800">
+                <a:latin typeface="+mn-lt"/>
+                <a:ea typeface="+mn-ea"/>
+                <a:cs typeface="+mn-cs"/>
+                <a:sym typeface="Arial"/>
+              </a:defRPr>
             </a:pPr>
             <a:r>
               <a:t>能够将GST材料制成薄膜镀到玻璃／树脂上</a:t>
             </a:r>
           </a:p>
           <a:p>
-            <a:pPr marL="240631" indent="-240631">
+            <a:pPr marL="240631" indent="-240631" algn="l">
               <a:buSzPct val="100000"/>
               <a:buAutoNum type="arabicPeriod" startAt="1"/>
+              <a:defRPr b="0" sz="1800">
+                <a:latin typeface="+mn-lt"/>
+                <a:ea typeface="+mn-ea"/>
+                <a:cs typeface="+mn-cs"/>
+                <a:sym typeface="Arial"/>
+              </a:defRPr>
             </a:pPr>
             <a:r>
-              <a:t>验证这样组合之后能够成功达到老花镜的指标需求</a:t>
+              <a:t>验证这样组合之后能够成功达到变焦透镜的指标需求</a:t>
             </a:r>
           </a:p>
           <a:p>
-            <a:pPr marL="240631" indent="-240631">
+            <a:pPr marL="240631" indent="-240631" algn="l">
               <a:buSzPct val="100000"/>
               <a:buAutoNum type="arabicPeriod" startAt="1"/>
+              <a:defRPr b="0" sz="1800">
+                <a:latin typeface="+mn-lt"/>
+                <a:ea typeface="+mn-ea"/>
+                <a:cs typeface="+mn-cs"/>
+                <a:sym typeface="Arial"/>
+              </a:defRPr>
             </a:pPr>
             <a:r>
-              <a:t>制作可用的老花镜，并联系制作方投产</a:t>
+              <a:t>制作可用的变焦透镜，并联系制作方投产</a:t>
             </a:r>
           </a:p>
           <a:p>
-            <a:pPr marL="240631" indent="-240631">
+            <a:pPr marL="240631" indent="-240631" algn="l">
               <a:buSzPct val="100000"/>
               <a:buAutoNum type="arabicPeriod" startAt="1"/>
+              <a:defRPr b="0" sz="1800">
+                <a:latin typeface="+mn-lt"/>
+                <a:ea typeface="+mn-ea"/>
+                <a:cs typeface="+mn-cs"/>
+                <a:sym typeface="Arial"/>
+              </a:defRPr>
             </a:pPr>
             <a:r>
               <a:t>加深对相变材料的理解</a:t>
             </a:r>
           </a:p>
           <a:p>
-            <a:pPr marL="240631" indent="-240631">
+            <a:pPr marL="240631" indent="-240631" algn="l">
               <a:buSzPct val="100000"/>
               <a:buAutoNum type="arabicPeriod" startAt="1"/>
+              <a:defRPr b="0" sz="1800">
+                <a:latin typeface="+mn-lt"/>
+                <a:ea typeface="+mn-ea"/>
+                <a:cs typeface="+mn-cs"/>
+                <a:sym typeface="Arial"/>
+              </a:defRPr>
             </a:pPr>
             <a:r>
               <a:t>提高实验素养</a:t>
@@ -5945,8 +6018,8 @@
         <p:txBody>
           <a:bodyPr lIns="45719" rIns="45719" anchor="ctr"/>
           <a:lstStyle>
-            <a:lvl1pPr algn="ctr">
-              <a:defRPr>
+            <a:lvl1pPr>
+              <a:defRPr b="0" sz="1800">
                 <a:solidFill>
                   <a:srgbClr val="FFFFFF"/>
                 </a:solidFill>
@@ -6023,8 +6096,8 @@
           <a:bodyPr lIns="45719" rIns="45719" anchor="ctr"/>
           <a:lstStyle/>
           <a:p>
-            <a:pPr algn="ctr">
-              <a:defRPr>
+            <a:pPr>
+              <a:defRPr b="0" sz="1800">
                 <a:solidFill>
                   <a:srgbClr val="FFFFFF"/>
                 </a:solidFill>
@@ -6094,8 +6167,8 @@
           <a:bodyPr lIns="45719" rIns="45719" anchor="ctr"/>
           <a:lstStyle/>
           <a:p>
-            <a:pPr algn="ctr">
-              <a:defRPr>
+            <a:pPr>
+              <a:defRPr b="0" sz="1800">
                 <a:latin typeface="宋体"/>
                 <a:ea typeface="宋体"/>
                 <a:cs typeface="宋体"/>
@@ -6133,8 +6206,8 @@
             <a:spAutoFit/>
           </a:bodyPr>
           <a:lstStyle>
-            <a:lvl1pPr algn="ctr">
-              <a:defRPr b="1" sz="6000">
+            <a:lvl1pPr>
+              <a:defRPr sz="6000">
                 <a:solidFill>
                   <a:srgbClr val="FFFFFF"/>
                 </a:solidFill>
@@ -6211,8 +6284,8 @@
           <a:bodyPr lIns="45719" rIns="45719" anchor="ctr"/>
           <a:lstStyle/>
           <a:p>
-            <a:pPr algn="ctr">
-              <a:defRPr>
+            <a:pPr>
+              <a:defRPr b="0" sz="1800">
                 <a:solidFill>
                   <a:srgbClr val="FFFFFF"/>
                 </a:solidFill>
@@ -6287,8 +6360,8 @@
           <a:bodyPr lIns="45719" rIns="45719" anchor="ctr"/>
           <a:lstStyle/>
           <a:p>
-            <a:pPr algn="ctr">
-              <a:defRPr>
+            <a:pPr>
+              <a:defRPr b="0" sz="1800">
                 <a:latin typeface="宋体"/>
                 <a:ea typeface="宋体"/>
                 <a:cs typeface="宋体"/>
@@ -6326,13 +6399,8 @@
             <a:spAutoFit/>
           </a:bodyPr>
           <a:lstStyle>
-            <a:lvl1pPr algn="ctr">
-              <a:defRPr b="1" sz="2300">
-                <a:latin typeface="微软雅黑"/>
-                <a:ea typeface="微软雅黑"/>
-                <a:cs typeface="微软雅黑"/>
-                <a:sym typeface="微软雅黑"/>
-              </a:defRPr>
+            <a:lvl1pPr>
+              <a:defRPr sz="2300"/>
             </a:lvl1pPr>
           </a:lstStyle>
           <a:p>
@@ -6363,7 +6431,11 @@
         </p:spPr>
         <p:txBody>
           <a:bodyPr/>
-          <a:lstStyle/>
+          <a:lstStyle>
+            <a:lvl1pPr>
+              <a:defRPr b="1"/>
+            </a:lvl1pPr>
+          </a:lstStyle>
           <a:p>
             <a:pPr/>
             <a:fld id="{86CB4B4D-7CA3-9044-876B-883B54F8677D}" type="slidenum"/>
@@ -6748,8 +6820,8 @@
           <a:bodyPr lIns="45719" rIns="45719" anchor="ctr"/>
           <a:lstStyle/>
           <a:p>
-            <a:pPr algn="ctr">
-              <a:defRPr>
+            <a:pPr>
+              <a:defRPr b="0" sz="1800">
                 <a:solidFill>
                   <a:srgbClr val="FFFFFF"/>
                 </a:solidFill>
@@ -6790,8 +6862,8 @@
           <a:bodyPr lIns="45719" rIns="45719" anchor="ctr"/>
           <a:lstStyle/>
           <a:p>
-            <a:pPr algn="ctr">
-              <a:defRPr>
+            <a:pPr>
+              <a:defRPr b="0" sz="1800">
                 <a:solidFill>
                   <a:srgbClr val="FFFFFF"/>
                 </a:solidFill>
@@ -6831,7 +6903,14 @@
           <a:bodyPr lIns="45719" rIns="45719"/>
           <a:lstStyle/>
           <a:p>
-            <a:pPr/>
+            <a:pPr algn="l">
+              <a:defRPr b="0" sz="1800">
+                <a:latin typeface="Calibri"/>
+                <a:ea typeface="Calibri"/>
+                <a:cs typeface="Calibri"/>
+                <a:sym typeface="Calibri"/>
+              </a:defRPr>
+            </a:pPr>
           </a:p>
         </p:txBody>
       </p:sp>
@@ -6918,8 +6997,8 @@
             </a:bodyPr>
             <a:lstStyle/>
             <a:p>
-              <a:pPr algn="ctr">
-                <a:defRPr>
+              <a:pPr>
+                <a:defRPr b="0" sz="1800">
                   <a:solidFill>
                     <a:srgbClr val="FFFFFF"/>
                   </a:solidFill>
@@ -6963,7 +7042,14 @@
             </a:bodyPr>
             <a:lstStyle/>
             <a:p>
-              <a:pPr/>
+              <a:pPr algn="l">
+                <a:defRPr b="0" sz="1800">
+                  <a:latin typeface="Calibri"/>
+                  <a:ea typeface="Calibri"/>
+                  <a:cs typeface="Calibri"/>
+                  <a:sym typeface="Calibri"/>
+                </a:defRPr>
+              </a:pPr>
             </a:p>
           </p:txBody>
         </p:sp>
@@ -6998,7 +7084,14 @@
             </a:bodyPr>
             <a:lstStyle/>
             <a:p>
-              <a:pPr/>
+              <a:pPr algn="l">
+                <a:defRPr b="0" sz="1800">
+                  <a:latin typeface="Calibri"/>
+                  <a:ea typeface="Calibri"/>
+                  <a:cs typeface="Calibri"/>
+                  <a:sym typeface="Calibri"/>
+                </a:defRPr>
+              </a:pPr>
             </a:p>
           </p:txBody>
         </p:sp>
@@ -7033,7 +7126,14 @@
             </a:bodyPr>
             <a:lstStyle/>
             <a:p>
-              <a:pPr/>
+              <a:pPr algn="l">
+                <a:defRPr b="0" sz="1800">
+                  <a:latin typeface="Calibri"/>
+                  <a:ea typeface="Calibri"/>
+                  <a:cs typeface="Calibri"/>
+                  <a:sym typeface="Calibri"/>
+                </a:defRPr>
+              </a:pPr>
             </a:p>
           </p:txBody>
         </p:sp>
@@ -7068,7 +7168,14 @@
             </a:bodyPr>
             <a:lstStyle/>
             <a:p>
-              <a:pPr/>
+              <a:pPr algn="l">
+                <a:defRPr b="0" sz="1800">
+                  <a:latin typeface="Calibri"/>
+                  <a:ea typeface="Calibri"/>
+                  <a:cs typeface="Calibri"/>
+                  <a:sym typeface="Calibri"/>
+                </a:defRPr>
+              </a:pPr>
             </a:p>
           </p:txBody>
         </p:sp>
@@ -7103,7 +7210,14 @@
             </a:bodyPr>
             <a:lstStyle/>
             <a:p>
-              <a:pPr/>
+              <a:pPr algn="l">
+                <a:defRPr b="0" sz="1800">
+                  <a:latin typeface="Calibri"/>
+                  <a:ea typeface="Calibri"/>
+                  <a:cs typeface="Calibri"/>
+                  <a:sym typeface="Calibri"/>
+                </a:defRPr>
+              </a:pPr>
             </a:p>
           </p:txBody>
         </p:sp>
@@ -7136,8 +7250,8 @@
             </a:bodyPr>
             <a:lstStyle/>
             <a:p>
-              <a:pPr algn="ctr">
-                <a:defRPr>
+              <a:pPr>
+                <a:defRPr b="0" sz="1800">
                   <a:solidFill>
                     <a:srgbClr val="FFFFFF"/>
                   </a:solidFill>
@@ -7220,8 +7334,8 @@
             </a:bodyPr>
             <a:lstStyle/>
             <a:p>
-              <a:pPr algn="ctr">
-                <a:defRPr>
+              <a:pPr>
+                <a:defRPr b="0" sz="1800">
                   <a:solidFill>
                     <a:srgbClr val="FFFFFF"/>
                   </a:solidFill>
@@ -7263,8 +7377,8 @@
             <a:spAutoFit/>
           </a:bodyPr>
           <a:lstStyle>
-            <a:lvl1pPr algn="ctr">
-              <a:defRPr b="1" sz="3600">
+            <a:lvl1pPr>
+              <a:defRPr sz="3600">
                 <a:solidFill>
                   <a:srgbClr val="595959"/>
                 </a:solidFill>
@@ -7310,7 +7424,14 @@
           <a:bodyPr lIns="45719" rIns="45719"/>
           <a:lstStyle/>
           <a:p>
-            <a:pPr/>
+            <a:pPr algn="l">
+              <a:defRPr b="0" sz="1800">
+                <a:latin typeface="Calibri"/>
+                <a:ea typeface="Calibri"/>
+                <a:cs typeface="Calibri"/>
+                <a:sym typeface="Calibri"/>
+              </a:defRPr>
+            </a:pPr>
           </a:p>
         </p:txBody>
       </p:sp>
@@ -7344,14 +7465,10 @@
           <a:lstStyle/>
           <a:p>
             <a:pPr algn="just">
-              <a:defRPr b="1" sz="5400">
+              <a:defRPr sz="5400">
                 <a:solidFill>
                   <a:srgbClr val="05AFC8"/>
                 </a:solidFill>
-                <a:latin typeface="微软雅黑"/>
-                <a:ea typeface="微软雅黑"/>
-                <a:cs typeface="微软雅黑"/>
-                <a:sym typeface="微软雅黑"/>
               </a:defRPr>
             </a:pPr>
             <a:r>
@@ -7400,8 +7517,8 @@
         </p:nvSpPr>
         <p:spPr>
           <a:xfrm>
-            <a:off x="4621529" y="3313747"/>
-            <a:ext cx="2470174" cy="408941"/>
+            <a:off x="2712196" y="3313747"/>
+            <a:ext cx="3818668" cy="599441"/>
           </a:xfrm>
           <a:prstGeom prst="rect">
             <a:avLst/>
@@ -7519,8 +7636,8 @@
           <a:bodyPr lIns="45719" rIns="45719" anchor="ctr"/>
           <a:lstStyle/>
           <a:p>
-            <a:pPr algn="ctr">
-              <a:defRPr>
+            <a:pPr>
+              <a:defRPr b="0" sz="1800">
                 <a:solidFill>
                   <a:srgbClr val="FFFFFF"/>
                 </a:solidFill>
@@ -7558,8 +7675,8 @@
           <a:bodyPr lIns="45719" rIns="45719" anchor="ctr"/>
           <a:lstStyle/>
           <a:p>
-            <a:pPr algn="ctr">
-              <a:defRPr>
+            <a:pPr>
+              <a:defRPr b="0" sz="1800">
                 <a:solidFill>
                   <a:srgbClr val="FFFFFF"/>
                 </a:solidFill>
@@ -7597,7 +7714,14 @@
           <a:bodyPr lIns="45719" rIns="45719"/>
           <a:lstStyle/>
           <a:p>
-            <a:pPr/>
+            <a:pPr algn="l">
+              <a:defRPr b="0" sz="1800">
+                <a:latin typeface="Calibri"/>
+                <a:ea typeface="Calibri"/>
+                <a:cs typeface="Calibri"/>
+                <a:sym typeface="Calibri"/>
+              </a:defRPr>
+            </a:pPr>
           </a:p>
         </p:txBody>
       </p:sp>
@@ -7626,7 +7750,14 @@
           <a:bodyPr lIns="45719" rIns="45719"/>
           <a:lstStyle/>
           <a:p>
-            <a:pPr/>
+            <a:pPr algn="l">
+              <a:defRPr b="0" sz="1800">
+                <a:latin typeface="Calibri"/>
+                <a:ea typeface="Calibri"/>
+                <a:cs typeface="Calibri"/>
+                <a:sym typeface="Calibri"/>
+              </a:defRPr>
+            </a:pPr>
           </a:p>
         </p:txBody>
       </p:sp>
@@ -7658,15 +7789,11 @@
             <a:spAutoFit/>
           </a:bodyPr>
           <a:lstStyle>
-            <a:lvl1pPr algn="ctr">
-              <a:defRPr b="1" sz="2000">
+            <a:lvl1pPr>
+              <a:defRPr sz="2000">
                 <a:solidFill>
                   <a:srgbClr val="3F3F3F"/>
                 </a:solidFill>
-                <a:latin typeface="微软雅黑"/>
-                <a:ea typeface="微软雅黑"/>
-                <a:cs typeface="微软雅黑"/>
-                <a:sym typeface="微软雅黑"/>
               </a:defRPr>
             </a:lvl1pPr>
           </a:lstStyle>
@@ -7687,7 +7814,7 @@
         <p:spPr>
           <a:xfrm>
             <a:off x="1692275" y="330200"/>
-            <a:ext cx="1511300" cy="370840"/>
+            <a:ext cx="1511300" cy="955040"/>
           </a:xfrm>
           <a:prstGeom prst="rect">
             <a:avLst/>
@@ -7707,14 +7834,10 @@
           </a:bodyPr>
           <a:lstStyle>
             <a:lvl1pPr>
-              <a:defRPr b="1">
+              <a:defRPr>
                 <a:solidFill>
                   <a:srgbClr val="3F3F3F"/>
                 </a:solidFill>
-                <a:latin typeface="微软雅黑"/>
-                <a:ea typeface="微软雅黑"/>
-                <a:cs typeface="微软雅黑"/>
-                <a:sym typeface="微软雅黑"/>
               </a:defRPr>
             </a:lvl1pPr>
           </a:lstStyle>
@@ -7751,8 +7874,8 @@
           <a:bodyPr lIns="45719" rIns="45719" anchor="ctr"/>
           <a:lstStyle/>
           <a:p>
-            <a:pPr algn="ctr">
-              <a:defRPr>
+            <a:pPr>
+              <a:defRPr b="0" sz="1800">
                 <a:solidFill>
                   <a:srgbClr val="FFFFFF"/>
                 </a:solidFill>
@@ -7774,7 +7897,7 @@
         <p:spPr>
           <a:xfrm>
             <a:off x="818356" y="3138487"/>
-            <a:ext cx="1655763" cy="408941"/>
+            <a:ext cx="1655763" cy="599441"/>
           </a:xfrm>
           <a:prstGeom prst="rect">
             <a:avLst/>
@@ -7793,15 +7916,11 @@
             <a:spAutoFit/>
           </a:bodyPr>
           <a:lstStyle>
-            <a:lvl1pPr algn="ctr">
-              <a:defRPr b="1">
+            <a:lvl1pPr>
+              <a:defRPr>
                 <a:solidFill>
                   <a:srgbClr val="3F3F3F"/>
                 </a:solidFill>
-                <a:latin typeface="微软雅黑"/>
-                <a:ea typeface="微软雅黑"/>
-                <a:cs typeface="微软雅黑"/>
-                <a:sym typeface="微软雅黑"/>
               </a:defRPr>
             </a:lvl1pPr>
           </a:lstStyle>
@@ -7822,7 +7941,7 @@
         <p:spPr>
           <a:xfrm>
             <a:off x="2741612" y="3138487"/>
-            <a:ext cx="1755776" cy="408941"/>
+            <a:ext cx="1755776" cy="599441"/>
           </a:xfrm>
           <a:prstGeom prst="rect">
             <a:avLst/>
@@ -7841,15 +7960,11 @@
             <a:spAutoFit/>
           </a:bodyPr>
           <a:lstStyle>
-            <a:lvl1pPr algn="ctr">
-              <a:defRPr b="1">
+            <a:lvl1pPr>
+              <a:defRPr>
                 <a:solidFill>
                   <a:srgbClr val="3F3F3F"/>
                 </a:solidFill>
-                <a:latin typeface="微软雅黑"/>
-                <a:ea typeface="微软雅黑"/>
-                <a:cs typeface="微软雅黑"/>
-                <a:sym typeface="微软雅黑"/>
               </a:defRPr>
             </a:lvl1pPr>
           </a:lstStyle>
@@ -7890,15 +8005,11 @@
           </a:bodyPr>
           <a:lstStyle/>
           <a:p>
-            <a:pPr algn="ctr">
-              <a:defRPr b="1" sz="1200">
+            <a:pPr>
+              <a:defRPr sz="1200">
                 <a:solidFill>
                   <a:srgbClr val="3F3F3F"/>
                 </a:solidFill>
-                <a:latin typeface="微软雅黑"/>
-                <a:ea typeface="微软雅黑"/>
-                <a:cs typeface="微软雅黑"/>
-                <a:sym typeface="微软雅黑"/>
               </a:defRPr>
             </a:pPr>
             <a:r>
@@ -7937,8 +8048,8 @@
           <a:bodyPr lIns="45719" rIns="45719" anchor="ctr"/>
           <a:lstStyle/>
           <a:p>
-            <a:pPr algn="ctr">
-              <a:defRPr>
+            <a:pPr>
+              <a:defRPr b="0" sz="1800">
                 <a:solidFill>
                   <a:srgbClr val="FFFFFF"/>
                 </a:solidFill>
@@ -7976,8 +8087,8 @@
           <a:bodyPr lIns="45719" rIns="45719" anchor="ctr"/>
           <a:lstStyle/>
           <a:p>
-            <a:pPr algn="ctr">
-              <a:defRPr>
+            <a:pPr>
+              <a:defRPr b="0" sz="1800">
                 <a:solidFill>
                   <a:srgbClr val="FFFFFF"/>
                 </a:solidFill>
@@ -8015,8 +8126,8 @@
           <a:bodyPr lIns="45719" rIns="45719" anchor="ctr"/>
           <a:lstStyle/>
           <a:p>
-            <a:pPr algn="ctr">
-              <a:defRPr>
+            <a:pPr>
+              <a:defRPr b="0" sz="1800">
                 <a:solidFill>
                   <a:srgbClr val="FFFFFF"/>
                 </a:solidFill>
@@ -8075,7 +8186,14 @@
             </a:bodyPr>
             <a:lstStyle/>
             <a:p>
-              <a:pPr/>
+              <a:pPr algn="l">
+                <a:defRPr b="0" sz="1800">
+                  <a:latin typeface="Calibri"/>
+                  <a:ea typeface="Calibri"/>
+                  <a:cs typeface="Calibri"/>
+                  <a:sym typeface="Calibri"/>
+                </a:defRPr>
+              </a:pPr>
             </a:p>
           </p:txBody>
         </p:sp>
@@ -8148,7 +8266,14 @@
             </a:bodyPr>
             <a:lstStyle/>
             <a:p>
-              <a:pPr/>
+              <a:pPr algn="l">
+                <a:defRPr b="0" sz="1800">
+                  <a:latin typeface="Calibri"/>
+                  <a:ea typeface="Calibri"/>
+                  <a:cs typeface="Calibri"/>
+                  <a:sym typeface="Calibri"/>
+                </a:defRPr>
+              </a:pPr>
             </a:p>
           </p:txBody>
         </p:sp>
@@ -8184,7 +8309,14 @@
             </a:bodyPr>
             <a:lstStyle/>
             <a:p>
-              <a:pPr/>
+              <a:pPr algn="l">
+                <a:defRPr b="0" sz="1800">
+                  <a:latin typeface="Calibri"/>
+                  <a:ea typeface="Calibri"/>
+                  <a:cs typeface="Calibri"/>
+                  <a:sym typeface="Calibri"/>
+                </a:defRPr>
+              </a:pPr>
             </a:p>
           </p:txBody>
         </p:sp>
@@ -8319,7 +8451,14 @@
             </a:bodyPr>
             <a:lstStyle/>
             <a:p>
-              <a:pPr/>
+              <a:pPr algn="l">
+                <a:defRPr b="0" sz="1800">
+                  <a:latin typeface="Calibri"/>
+                  <a:ea typeface="Calibri"/>
+                  <a:cs typeface="Calibri"/>
+                  <a:sym typeface="Calibri"/>
+                </a:defRPr>
+              </a:pPr>
             </a:p>
           </p:txBody>
         </p:sp>
@@ -8761,7 +8900,14 @@
             </a:bodyPr>
             <a:lstStyle/>
             <a:p>
-              <a:pPr/>
+              <a:pPr algn="l">
+                <a:defRPr b="0" sz="1800">
+                  <a:latin typeface="Calibri"/>
+                  <a:ea typeface="Calibri"/>
+                  <a:cs typeface="Calibri"/>
+                  <a:sym typeface="Calibri"/>
+                </a:defRPr>
+              </a:pPr>
             </a:p>
           </p:txBody>
         </p:sp>
@@ -8876,7 +9022,14 @@
             </a:bodyPr>
             <a:lstStyle/>
             <a:p>
-              <a:pPr/>
+              <a:pPr algn="l">
+                <a:defRPr b="0" sz="1800">
+                  <a:latin typeface="Calibri"/>
+                  <a:ea typeface="Calibri"/>
+                  <a:cs typeface="Calibri"/>
+                  <a:sym typeface="Calibri"/>
+                </a:defRPr>
+              </a:pPr>
             </a:p>
           </p:txBody>
         </p:sp>
@@ -8938,15 +9091,11 @@
             <a:spAutoFit/>
           </a:bodyPr>
           <a:lstStyle>
-            <a:lvl1pPr algn="ctr">
-              <a:defRPr b="1">
+            <a:lvl1pPr>
+              <a:defRPr sz="1800">
                 <a:solidFill>
                   <a:srgbClr val="3F3F3F"/>
                 </a:solidFill>
-                <a:latin typeface="微软雅黑"/>
-                <a:ea typeface="微软雅黑"/>
-                <a:cs typeface="微软雅黑"/>
-                <a:sym typeface="微软雅黑"/>
               </a:defRPr>
             </a:lvl1pPr>
           </a:lstStyle>
@@ -9082,8 +9231,8 @@
           <a:bodyPr lIns="45719" rIns="45719" anchor="ctr"/>
           <a:lstStyle/>
           <a:p>
-            <a:pPr algn="ctr">
-              <a:defRPr>
+            <a:pPr>
+              <a:defRPr b="0" sz="1800">
                 <a:solidFill>
                   <a:srgbClr val="FFFFFF"/>
                 </a:solidFill>
@@ -9154,8 +9303,8 @@
           <a:bodyPr lIns="45719" rIns="45719" anchor="ctr"/>
           <a:lstStyle/>
           <a:p>
-            <a:pPr algn="ctr">
-              <a:defRPr>
+            <a:pPr>
+              <a:defRPr b="0" sz="1800">
                 <a:solidFill>
                   <a:srgbClr val="FFFFFF"/>
                 </a:solidFill>
@@ -9225,8 +9374,8 @@
           <a:bodyPr lIns="45719" rIns="45719" anchor="ctr"/>
           <a:lstStyle/>
           <a:p>
-            <a:pPr algn="ctr">
-              <a:defRPr>
+            <a:pPr>
+              <a:defRPr b="0" sz="1800">
                 <a:latin typeface="宋体"/>
                 <a:ea typeface="宋体"/>
                 <a:cs typeface="宋体"/>
@@ -9264,8 +9413,8 @@
             <a:spAutoFit/>
           </a:bodyPr>
           <a:lstStyle>
-            <a:lvl1pPr algn="ctr">
-              <a:defRPr b="1" sz="6000">
+            <a:lvl1pPr>
+              <a:defRPr sz="6000">
                 <a:solidFill>
                   <a:srgbClr val="FFFFFF"/>
                 </a:solidFill>
@@ -9341,8 +9490,8 @@
           <a:bodyPr lIns="45719" rIns="45719" anchor="ctr"/>
           <a:lstStyle/>
           <a:p>
-            <a:pPr algn="ctr">
-              <a:defRPr>
+            <a:pPr>
+              <a:defRPr b="0" sz="1800">
                 <a:latin typeface="宋体"/>
                 <a:ea typeface="宋体"/>
                 <a:cs typeface="宋体"/>
@@ -9361,7 +9510,7 @@
         <p:spPr>
           <a:xfrm>
             <a:off x="1152525" y="2316162"/>
-            <a:ext cx="6840538" cy="497841"/>
+            <a:ext cx="6840538" cy="599441"/>
           </a:xfrm>
           <a:prstGeom prst="rect">
             <a:avLst/>
@@ -9379,16 +9528,7 @@
           <a:bodyPr lIns="45719" rIns="45719">
             <a:spAutoFit/>
           </a:bodyPr>
-          <a:lstStyle>
-            <a:lvl1pPr algn="ctr">
-              <a:defRPr b="1" sz="2300">
-                <a:latin typeface="微软雅黑"/>
-                <a:ea typeface="微软雅黑"/>
-                <a:cs typeface="微软雅黑"/>
-                <a:sym typeface="微软雅黑"/>
-              </a:defRPr>
-            </a:lvl1pPr>
-          </a:lstStyle>
+          <a:lstStyle/>
           <a:p>
             <a:pPr/>
             <a:r>
@@ -9453,8 +9593,8 @@
           <a:bodyPr lIns="45719" rIns="45719" anchor="ctr"/>
           <a:lstStyle/>
           <a:p>
-            <a:pPr algn="ctr">
-              <a:defRPr>
+            <a:pPr>
+              <a:defRPr b="0" sz="1800">
                 <a:solidFill>
                   <a:srgbClr val="FFFFFF"/>
                 </a:solidFill>
@@ -9524,8 +9664,8 @@
           <a:bodyPr lIns="45719" rIns="45719" anchor="ctr"/>
           <a:lstStyle/>
           <a:p>
-            <a:pPr algn="ctr">
-              <a:defRPr>
+            <a:pPr>
+              <a:defRPr b="0" sz="1800">
                 <a:latin typeface="宋体"/>
                 <a:ea typeface="宋体"/>
                 <a:cs typeface="宋体"/>
@@ -9630,8 +9770,8 @@
           <a:bodyPr lIns="45719" rIns="45719" anchor="ctr"/>
           <a:lstStyle/>
           <a:p>
-            <a:pPr algn="ctr">
-              <a:defRPr>
+            <a:pPr>
+              <a:defRPr b="0" sz="1800">
                 <a:solidFill>
                   <a:srgbClr val="FFFFFF"/>
                 </a:solidFill>
@@ -9702,8 +9842,8 @@
           <a:bodyPr lIns="45719" rIns="45719" anchor="ctr"/>
           <a:lstStyle/>
           <a:p>
-            <a:pPr algn="ctr">
-              <a:defRPr>
+            <a:pPr>
+              <a:defRPr b="0" sz="1800">
                 <a:solidFill>
                   <a:srgbClr val="FFFFFF"/>
                 </a:solidFill>
@@ -9773,8 +9913,8 @@
           <a:bodyPr lIns="45719" rIns="45719" anchor="ctr"/>
           <a:lstStyle/>
           <a:p>
-            <a:pPr algn="ctr">
-              <a:defRPr>
+            <a:pPr>
+              <a:defRPr b="0" sz="1800">
                 <a:latin typeface="宋体"/>
                 <a:ea typeface="宋体"/>
                 <a:cs typeface="宋体"/>
@@ -9812,8 +9952,8 @@
             <a:spAutoFit/>
           </a:bodyPr>
           <a:lstStyle>
-            <a:lvl1pPr algn="ctr">
-              <a:defRPr b="1" sz="6000">
+            <a:lvl1pPr>
+              <a:defRPr sz="6000">
                 <a:solidFill>
                   <a:srgbClr val="FFFFFF"/>
                 </a:solidFill>
@@ -9889,8 +10029,8 @@
           <a:bodyPr lIns="45719" rIns="45719" anchor="ctr"/>
           <a:lstStyle/>
           <a:p>
-            <a:pPr algn="ctr">
-              <a:defRPr>
+            <a:pPr>
+              <a:defRPr b="0" sz="1800">
                 <a:latin typeface="宋体"/>
                 <a:ea typeface="宋体"/>
                 <a:cs typeface="宋体"/>
@@ -9928,13 +10068,8 @@
             <a:spAutoFit/>
           </a:bodyPr>
           <a:lstStyle>
-            <a:lvl1pPr algn="ctr">
-              <a:defRPr b="1" sz="2300">
-                <a:latin typeface="微软雅黑"/>
-                <a:ea typeface="微软雅黑"/>
-                <a:cs typeface="微软雅黑"/>
-                <a:sym typeface="微软雅黑"/>
-              </a:defRPr>
+            <a:lvl1pPr>
+              <a:defRPr sz="2300"/>
             </a:lvl1pPr>
           </a:lstStyle>
           <a:p>
@@ -10001,8 +10136,8 @@
           <a:bodyPr lIns="45719" rIns="45719" anchor="ctr"/>
           <a:lstStyle/>
           <a:p>
-            <a:pPr algn="ctr">
-              <a:defRPr>
+            <a:pPr>
+              <a:defRPr b="0" sz="1800">
                 <a:solidFill>
                   <a:srgbClr val="FFFFFF"/>
                 </a:solidFill>
@@ -10072,8 +10207,8 @@
           <a:bodyPr lIns="45719" rIns="45719" anchor="ctr"/>
           <a:lstStyle/>
           <a:p>
-            <a:pPr algn="ctr">
-              <a:defRPr>
+            <a:pPr>
+              <a:defRPr b="0" sz="1800">
                 <a:latin typeface="宋体"/>
                 <a:ea typeface="宋体"/>
                 <a:cs typeface="宋体"/>
@@ -10092,7 +10227,7 @@
         <p:spPr>
           <a:xfrm>
             <a:off x="860650" y="1185759"/>
-            <a:ext cx="3893688" cy="2580641"/>
+            <a:ext cx="3893688" cy="2300534"/>
           </a:xfrm>
           <a:prstGeom prst="rect">
             <a:avLst/>
@@ -10112,31 +10247,66 @@
           </a:bodyPr>
           <a:lstStyle/>
           <a:p>
-            <a:pPr/>
+            <a:pPr algn="l">
+              <a:defRPr b="0" sz="1800">
+                <a:latin typeface="+mn-lt"/>
+                <a:ea typeface="+mn-ea"/>
+                <a:cs typeface="+mn-cs"/>
+                <a:sym typeface="Arial"/>
+              </a:defRPr>
+            </a:pPr>
             <a:r>
               <a:t>· 一种相变材料</a:t>
             </a:r>
           </a:p>
           <a:p>
-            <a:pPr/>
+            <a:pPr algn="l">
+              <a:defRPr b="0" sz="1800">
+                <a:latin typeface="+mn-lt"/>
+                <a:ea typeface="+mn-ea"/>
+                <a:cs typeface="+mn-cs"/>
+                <a:sym typeface="Arial"/>
+              </a:defRPr>
+            </a:pPr>
             <a:r>
               <a:t>· 由Ge Sb Te 三种元素组成的合金</a:t>
             </a:r>
           </a:p>
           <a:p>
-            <a:pPr/>
+            <a:pPr algn="l">
+              <a:defRPr b="0" sz="1800">
+                <a:latin typeface="+mn-lt"/>
+                <a:ea typeface="+mn-ea"/>
+                <a:cs typeface="+mn-cs"/>
+                <a:sym typeface="Arial"/>
+              </a:defRPr>
+            </a:pPr>
             <a:r>
               <a:t>· 最常见的化学计量比：Ge2Sb2Te5  GeSb4Te7  GeSb2Te4</a:t>
             </a:r>
           </a:p>
           <a:p>
-            <a:pPr/>
+            <a:pPr algn="l">
+              <a:defRPr b="0" sz="1800">
+                <a:latin typeface="+mn-lt"/>
+                <a:ea typeface="+mn-ea"/>
+                <a:cs typeface="+mn-cs"/>
+                <a:sym typeface="Arial"/>
+              </a:defRPr>
+            </a:pPr>
             <a:r>
               <a:t>· 具有两种晶态：面心立方和六方密堆</a:t>
             </a:r>
           </a:p>
           <a:p>
-            <a:pPr/>
+            <a:pPr algn="l">
+              <a:defRPr b="0" sz="1800">
+                <a:latin typeface="+mn-lt"/>
+                <a:ea typeface="+mn-ea"/>
+                <a:cs typeface="+mn-cs"/>
+                <a:sym typeface="Arial"/>
+              </a:defRPr>
+            </a:pPr>
             <a:r>
               <a:t>· 通过通电能够在非晶态和两种晶态之间转换</a:t>
             </a:r>
@@ -10267,8 +10437,8 @@
           <a:bodyPr lIns="45719" rIns="45719" anchor="ctr"/>
           <a:lstStyle/>
           <a:p>
-            <a:pPr algn="ctr">
-              <a:defRPr>
+            <a:pPr>
+              <a:defRPr b="0" sz="1800">
                 <a:solidFill>
                   <a:srgbClr val="FFFFFF"/>
                 </a:solidFill>
@@ -10339,8 +10509,8 @@
           <a:bodyPr lIns="45719" rIns="45719" anchor="ctr"/>
           <a:lstStyle/>
           <a:p>
-            <a:pPr algn="ctr">
-              <a:defRPr>
+            <a:pPr>
+              <a:defRPr b="0" sz="1800">
                 <a:solidFill>
                   <a:srgbClr val="FFFFFF"/>
                 </a:solidFill>
@@ -10410,8 +10580,8 @@
           <a:bodyPr lIns="45719" rIns="45719" anchor="ctr"/>
           <a:lstStyle/>
           <a:p>
-            <a:pPr algn="ctr">
-              <a:defRPr>
+            <a:pPr>
+              <a:defRPr b="0" sz="1800">
                 <a:latin typeface="宋体"/>
                 <a:ea typeface="宋体"/>
                 <a:cs typeface="宋体"/>
@@ -10449,8 +10619,8 @@
             <a:spAutoFit/>
           </a:bodyPr>
           <a:lstStyle>
-            <a:lvl1pPr algn="ctr">
-              <a:defRPr b="1" sz="6000">
+            <a:lvl1pPr>
+              <a:defRPr sz="6000">
                 <a:solidFill>
                   <a:srgbClr val="FFFFFF"/>
                 </a:solidFill>
@@ -10526,8 +10696,8 @@
           <a:bodyPr lIns="45719" rIns="45719" anchor="ctr"/>
           <a:lstStyle/>
           <a:p>
-            <a:pPr algn="ctr">
-              <a:defRPr>
+            <a:pPr>
+              <a:defRPr b="0" sz="1800">
                 <a:latin typeface="宋体"/>
                 <a:ea typeface="宋体"/>
                 <a:cs typeface="宋体"/>
@@ -10565,13 +10735,8 @@
             <a:spAutoFit/>
           </a:bodyPr>
           <a:lstStyle>
-            <a:lvl1pPr algn="ctr">
-              <a:defRPr b="1" sz="2300">
-                <a:latin typeface="微软雅黑"/>
-                <a:ea typeface="微软雅黑"/>
-                <a:cs typeface="微软雅黑"/>
-                <a:sym typeface="微软雅黑"/>
-              </a:defRPr>
+            <a:lvl1pPr>
+              <a:defRPr sz="2300"/>
             </a:lvl1pPr>
           </a:lstStyle>
           <a:p>
@@ -10638,8 +10803,8 @@
           <a:bodyPr lIns="45719" rIns="45719" anchor="ctr"/>
           <a:lstStyle/>
           <a:p>
-            <a:pPr algn="ctr">
-              <a:defRPr>
+            <a:pPr>
+              <a:defRPr b="0" sz="1800">
                 <a:solidFill>
                   <a:srgbClr val="FFFFFF"/>
                 </a:solidFill>
@@ -10709,8 +10874,8 @@
           <a:bodyPr lIns="45719" rIns="45719" anchor="ctr"/>
           <a:lstStyle/>
           <a:p>
-            <a:pPr algn="ctr">
-              <a:defRPr>
+            <a:pPr>
+              <a:defRPr b="0" sz="1800">
                 <a:latin typeface="宋体"/>
                 <a:ea typeface="宋体"/>
                 <a:cs typeface="宋体"/>
@@ -10729,7 +10894,7 @@
         <p:spPr>
           <a:xfrm>
             <a:off x="863223" y="1041957"/>
-            <a:ext cx="2770683" cy="726441"/>
+            <a:ext cx="2770683" cy="733919"/>
           </a:xfrm>
           <a:prstGeom prst="rect">
             <a:avLst/>
@@ -10749,13 +10914,27 @@
           </a:bodyPr>
           <a:lstStyle/>
           <a:p>
-            <a:pPr/>
+            <a:pPr algn="l">
+              <a:defRPr b="0" sz="1800">
+                <a:latin typeface="+mn-lt"/>
+                <a:ea typeface="+mn-ea"/>
+                <a:cs typeface="+mn-cs"/>
+                <a:sym typeface="Arial"/>
+              </a:defRPr>
+            </a:pPr>
             <a:r>
               <a:t>· 相变存储器</a:t>
             </a:r>
           </a:p>
           <a:p>
-            <a:pPr/>
+            <a:pPr algn="l">
+              <a:defRPr b="0" sz="1800">
+                <a:latin typeface="+mn-lt"/>
+                <a:ea typeface="+mn-ea"/>
+                <a:cs typeface="+mn-cs"/>
+                <a:sym typeface="Arial"/>
+              </a:defRPr>
+            </a:pPr>
             <a:r>
               <a:t>· 柔性超高分辨率显示屏</a:t>
             </a:r>
@@ -10786,7 +10965,11 @@
         </p:spPr>
         <p:txBody>
           <a:bodyPr/>
-          <a:lstStyle/>
+          <a:lstStyle>
+            <a:lvl1pPr>
+              <a:defRPr b="1"/>
+            </a:lvl1pPr>
+          </a:lstStyle>
           <a:p>
             <a:pPr/>
             <a:fld id="{86CB4B4D-7CA3-9044-876B-883B54F8677D}" type="slidenum"/>
@@ -10915,8 +11098,8 @@
           <a:bodyPr lIns="45719" rIns="45719" anchor="ctr"/>
           <a:lstStyle/>
           <a:p>
-            <a:pPr algn="ctr">
-              <a:defRPr>
+            <a:pPr>
+              <a:defRPr b="0" sz="1800">
                 <a:solidFill>
                   <a:srgbClr val="FFFFFF"/>
                 </a:solidFill>
@@ -10954,8 +11137,8 @@
           <a:bodyPr lIns="45719" rIns="45719" anchor="ctr"/>
           <a:lstStyle/>
           <a:p>
-            <a:pPr algn="ctr">
-              <a:defRPr>
+            <a:pPr>
+              <a:defRPr b="0" sz="1800">
                 <a:solidFill>
                   <a:srgbClr val="FFFFFF"/>
                 </a:solidFill>
@@ -11026,8 +11209,8 @@
           <a:bodyPr lIns="45719" rIns="45719" anchor="ctr"/>
           <a:lstStyle/>
           <a:p>
-            <a:pPr algn="ctr">
-              <a:defRPr>
+            <a:pPr>
+              <a:defRPr b="0" sz="1800">
                 <a:solidFill>
                   <a:srgbClr val="FFFFFF"/>
                 </a:solidFill>
@@ -11097,8 +11280,8 @@
           <a:bodyPr lIns="45719" rIns="45719" anchor="ctr"/>
           <a:lstStyle/>
           <a:p>
-            <a:pPr algn="ctr">
-              <a:defRPr>
+            <a:pPr>
+              <a:defRPr b="0" sz="1800">
                 <a:latin typeface="宋体"/>
                 <a:ea typeface="宋体"/>
                 <a:cs typeface="宋体"/>
@@ -11136,8 +11319,8 @@
             <a:spAutoFit/>
           </a:bodyPr>
           <a:lstStyle>
-            <a:lvl1pPr algn="ctr">
-              <a:defRPr b="1" sz="6000">
+            <a:lvl1pPr>
+              <a:defRPr sz="6000">
                 <a:solidFill>
                   <a:srgbClr val="FFFFFF"/>
                 </a:solidFill>
@@ -11213,8 +11396,8 @@
           <a:bodyPr lIns="45719" rIns="45719" anchor="ctr"/>
           <a:lstStyle/>
           <a:p>
-            <a:pPr algn="ctr">
-              <a:defRPr>
+            <a:pPr>
+              <a:defRPr b="0" sz="1800">
                 <a:latin typeface="宋体"/>
                 <a:ea typeface="宋体"/>
                 <a:cs typeface="宋体"/>
@@ -11251,16 +11434,7 @@
           <a:bodyPr lIns="45719" rIns="45719">
             <a:spAutoFit/>
           </a:bodyPr>
-          <a:lstStyle>
-            <a:lvl1pPr>
-              <a:defRPr b="1" sz="2800">
-                <a:latin typeface="微软雅黑"/>
-                <a:ea typeface="微软雅黑"/>
-                <a:cs typeface="微软雅黑"/>
-                <a:sym typeface="微软雅黑"/>
-              </a:defRPr>
-            </a:lvl1pPr>
-          </a:lstStyle>
+          <a:lstStyle/>
           <a:p>
             <a:pPr/>
             <a:r>
@@ -11364,8 +11538,8 @@
           <a:bodyPr lIns="45719" rIns="45719" anchor="ctr"/>
           <a:lstStyle/>
           <a:p>
-            <a:pPr algn="ctr">
-              <a:defRPr>
+            <a:pPr>
+              <a:defRPr b="0" sz="1800">
                 <a:solidFill>
                   <a:srgbClr val="FFFFFF"/>
                 </a:solidFill>
@@ -11403,7 +11577,14 @@
           <a:bodyPr lIns="45719" rIns="45719"/>
           <a:lstStyle/>
           <a:p>
-            <a:pPr/>
+            <a:pPr algn="l">
+              <a:defRPr b="0" sz="1800">
+                <a:latin typeface="Calibri"/>
+                <a:ea typeface="Calibri"/>
+                <a:cs typeface="Calibri"/>
+                <a:sym typeface="Calibri"/>
+              </a:defRPr>
+            </a:pPr>
           </a:p>
         </p:txBody>
       </p:sp>
@@ -11432,7 +11613,14 @@
           <a:bodyPr lIns="45719" rIns="45719"/>
           <a:lstStyle/>
           <a:p>
-            <a:pPr/>
+            <a:pPr algn="l">
+              <a:defRPr b="0" sz="1800">
+                <a:latin typeface="Calibri"/>
+                <a:ea typeface="Calibri"/>
+                <a:cs typeface="Calibri"/>
+                <a:sym typeface="Calibri"/>
+              </a:defRPr>
+            </a:pPr>
           </a:p>
         </p:txBody>
       </p:sp>
@@ -11465,14 +11653,10 @@
           </a:bodyPr>
           <a:lstStyle>
             <a:lvl1pPr algn="r">
-              <a:defRPr b="1" sz="2000">
+              <a:defRPr sz="2000">
                 <a:solidFill>
                   <a:srgbClr val="3F3F3F"/>
                 </a:solidFill>
-                <a:latin typeface="微软雅黑"/>
-                <a:ea typeface="微软雅黑"/>
-                <a:cs typeface="微软雅黑"/>
-                <a:sym typeface="微软雅黑"/>
               </a:defRPr>
             </a:lvl1pPr>
           </a:lstStyle>
@@ -11493,7 +11677,7 @@
         <p:spPr>
           <a:xfrm>
             <a:off x="1084262" y="241300"/>
-            <a:ext cx="2303463" cy="408940"/>
+            <a:ext cx="2303463" cy="599440"/>
           </a:xfrm>
           <a:prstGeom prst="rect">
             <a:avLst/>
@@ -11513,14 +11697,10 @@
           </a:bodyPr>
           <a:lstStyle>
             <a:lvl1pPr>
-              <a:defRPr b="1">
+              <a:defRPr>
                 <a:solidFill>
                   <a:srgbClr val="3F3F3F"/>
                 </a:solidFill>
-                <a:latin typeface="微软雅黑"/>
-                <a:ea typeface="微软雅黑"/>
-                <a:cs typeface="微软雅黑"/>
-                <a:sym typeface="微软雅黑"/>
               </a:defRPr>
             </a:lvl1pPr>
           </a:lstStyle>
@@ -11562,14 +11742,10 @@
           <a:lstStyle/>
           <a:p>
             <a:pPr algn="just">
-              <a:defRPr b="1" sz="5400">
+              <a:defRPr sz="5400">
                 <a:solidFill>
                   <a:srgbClr val="05AFC8"/>
                 </a:solidFill>
-                <a:latin typeface="微软雅黑"/>
-                <a:ea typeface="微软雅黑"/>
-                <a:cs typeface="微软雅黑"/>
-                <a:sym typeface="微软雅黑"/>
               </a:defRPr>
             </a:pPr>
             <a:r>
@@ -11635,8 +11811,8 @@
           <a:bodyPr lIns="45719" rIns="45719" anchor="ctr"/>
           <a:lstStyle/>
           <a:p>
-            <a:pPr algn="ctr">
-              <a:defRPr>
+            <a:pPr>
+              <a:defRPr b="0" sz="1800">
                 <a:solidFill>
                   <a:srgbClr val="FFFFFF"/>
                 </a:solidFill>
@@ -11674,8 +11850,8 @@
           <a:bodyPr lIns="45719" rIns="45719" anchor="ctr"/>
           <a:lstStyle/>
           <a:p>
-            <a:pPr algn="ctr">
-              <a:defRPr>
+            <a:pPr>
+              <a:defRPr b="0" sz="1800">
                 <a:solidFill>
                   <a:srgbClr val="FFFFFF"/>
                 </a:solidFill>
@@ -11717,21 +11893,17 @@
           </a:bodyPr>
           <a:lstStyle>
             <a:lvl1pPr>
-              <a:defRPr b="1" sz="1900">
+              <a:defRPr sz="1900">
                 <a:solidFill>
                   <a:srgbClr val="FFFFFF"/>
                 </a:solidFill>
-                <a:latin typeface="微软雅黑"/>
-                <a:ea typeface="微软雅黑"/>
-                <a:cs typeface="微软雅黑"/>
-                <a:sym typeface="微软雅黑"/>
               </a:defRPr>
             </a:lvl1pPr>
           </a:lstStyle>
           <a:p>
             <a:pPr/>
             <a:r>
-              <a:t>传统老花镜</a:t>
+              <a:t>多焦透镜</a:t>
             </a:r>
           </a:p>
         </p:txBody>
@@ -11779,8 +11951,8 @@
             </a:bodyPr>
             <a:lstStyle/>
             <a:p>
-              <a:pPr algn="ctr">
-                <a:defRPr>
+              <a:pPr>
+                <a:defRPr b="0" sz="1800">
                   <a:solidFill>
                     <a:srgbClr val="FFFFFF"/>
                   </a:solidFill>
@@ -11822,8 +11994,8 @@
             </a:bodyPr>
             <a:lstStyle/>
             <a:p>
-              <a:pPr algn="ctr">
-                <a:defRPr>
+              <a:pPr>
+                <a:defRPr b="0" sz="1800">
                   <a:solidFill>
                     <a:srgbClr val="FFFFFF"/>
                   </a:solidFill>
@@ -11868,21 +12040,17 @@
             </a:bodyPr>
             <a:lstStyle>
               <a:lvl1pPr>
-                <a:defRPr b="1" sz="2000">
+                <a:defRPr sz="2000">
                   <a:solidFill>
                     <a:srgbClr val="FFFFFF"/>
                   </a:solidFill>
-                  <a:latin typeface="微软雅黑"/>
-                  <a:ea typeface="微软雅黑"/>
-                  <a:cs typeface="微软雅黑"/>
-                  <a:sym typeface="微软雅黑"/>
                 </a:defRPr>
               </a:lvl1pPr>
             </a:lstStyle>
             <a:p>
               <a:pPr/>
               <a:r>
-                <a:t>我们期待的老花镜</a:t>
+                <a:t>变焦透镜</a:t>
               </a:r>
             </a:p>
           </p:txBody>
@@ -11917,21 +12085,17 @@
           </a:bodyPr>
           <a:lstStyle/>
           <a:p>
-            <a:pPr marL="285750" indent="-285750">
+            <a:pPr marL="285750" indent="-285750" algn="l">
               <a:lnSpc>
                 <a:spcPct val="150000"/>
               </a:lnSpc>
               <a:buSzPct val="100000"/>
               <a:buFont typeface="Arial"/>
               <a:buChar char="•"/>
-              <a:defRPr b="1" sz="1400">
+              <a:defRPr sz="1400">
                 <a:solidFill>
                   <a:srgbClr val="3F3F3F"/>
                 </a:solidFill>
-                <a:latin typeface="微软雅黑"/>
-                <a:ea typeface="微软雅黑"/>
-                <a:cs typeface="微软雅黑"/>
-                <a:sym typeface="微软雅黑"/>
               </a:defRPr>
             </a:pPr>
             <a:r>
@@ -11939,21 +12103,17 @@
             </a:r>
           </a:p>
           <a:p>
-            <a:pPr marL="285750" indent="-285750">
+            <a:pPr marL="285750" indent="-285750" algn="l">
               <a:lnSpc>
                 <a:spcPct val="150000"/>
               </a:lnSpc>
               <a:buSzPct val="100000"/>
               <a:buFont typeface="Arial"/>
               <a:buChar char="•"/>
-              <a:defRPr b="1" sz="1400">
+              <a:defRPr sz="1400">
                 <a:solidFill>
                   <a:srgbClr val="3F3F3F"/>
                 </a:solidFill>
-                <a:latin typeface="微软雅黑"/>
-                <a:ea typeface="微软雅黑"/>
-                <a:cs typeface="微软雅黑"/>
-                <a:sym typeface="微软雅黑"/>
               </a:defRPr>
             </a:pPr>
             <a:r>
@@ -11987,8 +12147,8 @@
           <a:bodyPr lIns="45719" rIns="45719" anchor="ctr"/>
           <a:lstStyle/>
           <a:p>
-            <a:pPr algn="ctr">
-              <a:defRPr>
+            <a:pPr>
+              <a:defRPr b="0" sz="1800">
                 <a:solidFill>
                   <a:srgbClr val="FFFFFF"/>
                 </a:solidFill>
@@ -12058,8 +12218,8 @@
           <a:bodyPr lIns="45719" rIns="45719" anchor="ctr"/>
           <a:lstStyle/>
           <a:p>
-            <a:pPr algn="ctr">
-              <a:defRPr>
+            <a:pPr>
+              <a:defRPr b="0" sz="1800">
                 <a:latin typeface="宋体"/>
                 <a:ea typeface="宋体"/>
                 <a:cs typeface="宋体"/>
@@ -12078,7 +12238,7 @@
         <p:spPr>
           <a:xfrm>
             <a:off x="287337" y="3292475"/>
-            <a:ext cx="3671888" cy="1488440"/>
+            <a:ext cx="3671888" cy="1107440"/>
           </a:xfrm>
           <a:prstGeom prst="rect">
             <a:avLst/>
@@ -12098,21 +12258,17 @@
           </a:bodyPr>
           <a:lstStyle/>
           <a:p>
-            <a:pPr marL="285750" indent="-285750">
+            <a:pPr marL="285750" indent="-285750" algn="l">
               <a:lnSpc>
                 <a:spcPct val="150000"/>
               </a:lnSpc>
               <a:buSzPct val="100000"/>
               <a:buFont typeface="Arial"/>
               <a:buChar char="•"/>
-              <a:defRPr b="1" sz="1400">
+              <a:defRPr sz="1400">
                 <a:solidFill>
                   <a:srgbClr val="3F3F3F"/>
                 </a:solidFill>
-                <a:latin typeface="微软雅黑"/>
-                <a:ea typeface="微软雅黑"/>
-                <a:cs typeface="微软雅黑"/>
-                <a:sym typeface="微软雅黑"/>
               </a:defRPr>
             </a:pPr>
             <a:r>
@@ -12120,21 +12276,17 @@
             </a:r>
           </a:p>
           <a:p>
-            <a:pPr marL="285750" indent="-285750">
+            <a:pPr marL="285750" indent="-285750" algn="l">
               <a:lnSpc>
                 <a:spcPct val="150000"/>
               </a:lnSpc>
               <a:buSzPct val="100000"/>
               <a:buFont typeface="Arial"/>
               <a:buChar char="•"/>
-              <a:defRPr b="1" sz="1400">
+              <a:defRPr sz="1400">
                 <a:solidFill>
                   <a:srgbClr val="3F3F3F"/>
                 </a:solidFill>
-                <a:latin typeface="微软雅黑"/>
-                <a:ea typeface="微软雅黑"/>
-                <a:cs typeface="微软雅黑"/>
-                <a:sym typeface="微软雅黑"/>
               </a:defRPr>
             </a:pPr>
             <a:r>
@@ -12142,43 +12294,17 @@
             </a:r>
           </a:p>
           <a:p>
-            <a:pPr marL="285750" indent="-285750">
+            <a:pPr marL="285750" indent="-285750" algn="l">
               <a:lnSpc>
                 <a:spcPct val="150000"/>
               </a:lnSpc>
               <a:buSzPct val="100000"/>
               <a:buFont typeface="Arial"/>
               <a:buChar char="•"/>
-              <a:defRPr b="1" sz="1400">
+              <a:defRPr sz="1400">
                 <a:solidFill>
                   <a:srgbClr val="3F3F3F"/>
                 </a:solidFill>
-                <a:latin typeface="微软雅黑"/>
-                <a:ea typeface="微软雅黑"/>
-                <a:cs typeface="微软雅黑"/>
-                <a:sym typeface="微软雅黑"/>
-              </a:defRPr>
-            </a:pPr>
-            <a:r>
-              <a:t>物理上使用平面镜</a:t>
-            </a:r>
-          </a:p>
-          <a:p>
-            <a:pPr marL="285750" indent="-285750">
-              <a:lnSpc>
-                <a:spcPct val="150000"/>
-              </a:lnSpc>
-              <a:buSzPct val="100000"/>
-              <a:buFont typeface="Arial"/>
-              <a:buChar char="•"/>
-              <a:defRPr b="1" sz="1400">
-                <a:solidFill>
-                  <a:srgbClr val="3F3F3F"/>
-                </a:solidFill>
-                <a:latin typeface="微软雅黑"/>
-                <a:ea typeface="微软雅黑"/>
-                <a:cs typeface="微软雅黑"/>
-                <a:sym typeface="微软雅黑"/>
               </a:defRPr>
             </a:pPr>
             <a:r>
@@ -12230,13 +12356,8 @@
             </a:bodyPr>
             <a:lstStyle/>
             <a:p>
-              <a:pPr algn="ctr">
-                <a:defRPr b="1">
-                  <a:latin typeface="微软雅黑"/>
-                  <a:ea typeface="微软雅黑"/>
-                  <a:cs typeface="微软雅黑"/>
-                  <a:sym typeface="微软雅黑"/>
-                </a:defRPr>
+              <a:pPr>
+                <a:defRPr sz="1800"/>
               </a:pPr>
             </a:p>
           </p:txBody>
@@ -12273,12 +12394,12 @@
             </a:bodyPr>
             <a:lstStyle/>
             <a:p>
-              <a:pPr algn="ctr">
-                <a:defRPr b="1">
-                  <a:latin typeface="微软雅黑"/>
-                  <a:ea typeface="微软雅黑"/>
-                  <a:cs typeface="微软雅黑"/>
-                  <a:sym typeface="微软雅黑"/>
+              <a:pPr algn="l">
+                <a:defRPr b="0" sz="1800">
+                  <a:latin typeface="+mn-lt"/>
+                  <a:ea typeface="+mn-ea"/>
+                  <a:cs typeface="+mn-cs"/>
+                  <a:sym typeface="Arial"/>
                 </a:defRPr>
               </a:pPr>
               <a:r>
@@ -12286,16 +12407,16 @@
               </a:r>
             </a:p>
             <a:p>
-              <a:pPr algn="ctr">
-                <a:defRPr b="1">
-                  <a:latin typeface="微软雅黑"/>
-                  <a:ea typeface="微软雅黑"/>
-                  <a:cs typeface="微软雅黑"/>
-                  <a:sym typeface="微软雅黑"/>
+              <a:pPr algn="l">
+                <a:defRPr b="0" sz="1800">
+                  <a:latin typeface="+mn-lt"/>
+                  <a:ea typeface="+mn-ea"/>
+                  <a:cs typeface="+mn-cs"/>
+                  <a:sym typeface="Arial"/>
                 </a:defRPr>
               </a:pPr>
               <a:r>
-                <a:t>而随着年纪的增长，所需求的老花镜读书持续加深</a:t>
+                <a:t>而随着年纪的增长，晶状体调焦能力降低</a:t>
               </a:r>
             </a:p>
           </p:txBody>
@@ -12344,13 +12465,8 @@
             </a:bodyPr>
             <a:lstStyle/>
             <a:p>
-              <a:pPr algn="ctr">
-                <a:defRPr b="1">
-                  <a:latin typeface="微软雅黑"/>
-                  <a:ea typeface="微软雅黑"/>
-                  <a:cs typeface="微软雅黑"/>
-                  <a:sym typeface="微软雅黑"/>
-                </a:defRPr>
+              <a:pPr>
+                <a:defRPr sz="1800"/>
               </a:pPr>
             </a:p>
           </p:txBody>
@@ -12386,12 +12502,12 @@
               <a:spAutoFit/>
             </a:bodyPr>
             <a:lstStyle>
-              <a:lvl1pPr algn="ctr">
-                <a:defRPr b="1">
-                  <a:latin typeface="微软雅黑"/>
-                  <a:ea typeface="微软雅黑"/>
-                  <a:cs typeface="微软雅黑"/>
-                  <a:sym typeface="微软雅黑"/>
+              <a:lvl1pPr algn="l">
+                <a:defRPr b="0" sz="1800">
+                  <a:latin typeface="+mn-lt"/>
+                  <a:ea typeface="+mn-ea"/>
+                  <a:cs typeface="+mn-cs"/>
+                  <a:sym typeface="Arial"/>
                 </a:defRPr>
               </a:lvl1pPr>
             </a:lstStyle>
@@ -12538,10 +12654,10 @@
         </p:nvGrpSpPr>
         <p:grpSpPr>
           <a:xfrm>
-            <a:off x="107949" y="201865"/>
-            <a:ext cx="5902872" cy="424310"/>
-            <a:chOff x="0" y="0"/>
-            <a:chExt cx="5902870" cy="424308"/>
+            <a:off x="-154219" y="155088"/>
+            <a:ext cx="5179379" cy="431531"/>
+            <a:chOff x="0" y="-739"/>
+            <a:chExt cx="5179378" cy="431529"/>
           </a:xfrm>
         </p:grpSpPr>
         <p:sp>
@@ -12552,8 +12668,8 @@
           </p:nvSpPr>
           <p:spPr>
             <a:xfrm flipV="1">
-              <a:off x="811751" y="42245"/>
-              <a:ext cx="2" cy="299336"/>
+              <a:off x="825567" y="42964"/>
+              <a:ext cx="2" cy="304431"/>
             </a:xfrm>
             <a:prstGeom prst="line">
               <a:avLst/>
@@ -12574,7 +12690,14 @@
             </a:bodyPr>
             <a:lstStyle/>
             <a:p>
-              <a:pPr/>
+              <a:pPr algn="l">
+                <a:defRPr b="0" sz="1800">
+                  <a:latin typeface="Calibri"/>
+                  <a:ea typeface="Calibri"/>
+                  <a:cs typeface="Calibri"/>
+                  <a:sym typeface="Calibri"/>
+                </a:defRPr>
+              </a:pPr>
             </a:p>
           </p:txBody>
         </p:sp>
@@ -12586,8 +12709,8 @@
           </p:nvSpPr>
           <p:spPr>
             <a:xfrm>
-              <a:off x="0" y="5861"/>
-              <a:ext cx="811752" cy="411132"/>
+              <a:off x="0" y="5961"/>
+              <a:ext cx="825568" cy="418129"/>
             </a:xfrm>
             <a:prstGeom prst="rect">
               <a:avLst/>
@@ -12610,14 +12733,10 @@
             </a:bodyPr>
             <a:lstStyle>
               <a:lvl1pPr algn="r">
-                <a:defRPr b="1" sz="2000">
+                <a:defRPr sz="2000">
                   <a:solidFill>
                     <a:srgbClr val="3F3F3F"/>
                   </a:solidFill>
-                  <a:latin typeface="微软雅黑"/>
-                  <a:ea typeface="微软雅黑"/>
-                  <a:cs typeface="微软雅黑"/>
-                  <a:sym typeface="微软雅黑"/>
                 </a:defRPr>
               </a:lvl1pPr>
             </a:lstStyle>
@@ -12637,8 +12756,8 @@
           </p:nvSpPr>
           <p:spPr>
             <a:xfrm>
-              <a:off x="822043" y="0"/>
-              <a:ext cx="5080828" cy="424309"/>
+              <a:off x="12075" y="-740"/>
+              <a:ext cx="5167304" cy="431531"/>
             </a:xfrm>
             <a:prstGeom prst="rect">
               <a:avLst/>
@@ -12661,14 +12780,10 @@
             </a:bodyPr>
             <a:lstStyle>
               <a:lvl1pPr>
-                <a:defRPr b="1">
+                <a:defRPr sz="2400">
                   <a:solidFill>
                     <a:srgbClr val="3F3F3F"/>
                   </a:solidFill>
-                  <a:latin typeface="微软雅黑"/>
-                  <a:ea typeface="微软雅黑"/>
-                  <a:cs typeface="微软雅黑"/>
-                  <a:sym typeface="微软雅黑"/>
                 </a:defRPr>
               </a:lvl1pPr>
             </a:lstStyle>
@@ -12713,14 +12828,10 @@
           <a:lstStyle/>
           <a:p>
             <a:pPr algn="r">
-              <a:defRPr b="1" sz="1500">
+              <a:defRPr sz="1500">
                 <a:solidFill>
                   <a:srgbClr val="3F3F3F"/>
                 </a:solidFill>
-                <a:latin typeface="微软雅黑"/>
-                <a:ea typeface="微软雅黑"/>
-                <a:cs typeface="微软雅黑"/>
-                <a:sym typeface="微软雅黑"/>
               </a:defRPr>
             </a:pPr>
             <a:r>
@@ -12729,14 +12840,10 @@
           </a:p>
           <a:p>
             <a:pPr algn="r">
-              <a:defRPr b="1" sz="1200">
+              <a:defRPr sz="1200">
                 <a:solidFill>
                   <a:srgbClr val="3F3F3F"/>
                 </a:solidFill>
-                <a:latin typeface="微软雅黑"/>
-                <a:ea typeface="微软雅黑"/>
-                <a:cs typeface="微软雅黑"/>
-                <a:sym typeface="微软雅黑"/>
               </a:defRPr>
             </a:pPr>
             <a:r>
@@ -12770,7 +12877,14 @@
           <a:bodyPr lIns="45719" rIns="45719"/>
           <a:lstStyle/>
           <a:p>
-            <a:pPr/>
+            <a:pPr algn="l">
+              <a:defRPr b="0" sz="1800">
+                <a:latin typeface="Calibri"/>
+                <a:ea typeface="Calibri"/>
+                <a:cs typeface="Calibri"/>
+                <a:sym typeface="Calibri"/>
+              </a:defRPr>
+            </a:pPr>
           </a:p>
         </p:txBody>
       </p:sp>
@@ -12804,14 +12918,10 @@
           <a:lstStyle/>
           <a:p>
             <a:pPr algn="just">
-              <a:defRPr b="1" sz="5400">
+              <a:defRPr sz="5400">
                 <a:solidFill>
                   <a:srgbClr val="05AFC8"/>
                 </a:solidFill>
-                <a:latin typeface="微软雅黑"/>
-                <a:ea typeface="微软雅黑"/>
-                <a:cs typeface="微软雅黑"/>
-                <a:sym typeface="微软雅黑"/>
               </a:defRPr>
             </a:pPr>
             <a:r>
@@ -12877,8 +12987,8 @@
           <a:bodyPr lIns="45719" rIns="45719" anchor="ctr"/>
           <a:lstStyle/>
           <a:p>
-            <a:pPr algn="ctr">
-              <a:defRPr>
+            <a:pPr>
+              <a:defRPr b="0" sz="1800">
                 <a:solidFill>
                   <a:srgbClr val="FFFFFF"/>
                 </a:solidFill>
@@ -12948,8 +13058,8 @@
           <a:bodyPr lIns="45719" rIns="45719" anchor="ctr"/>
           <a:lstStyle/>
           <a:p>
-            <a:pPr algn="ctr">
-              <a:defRPr>
+            <a:pPr>
+              <a:defRPr b="0" sz="1800">
                 <a:latin typeface="宋体"/>
                 <a:ea typeface="宋体"/>
                 <a:cs typeface="宋体"/>
@@ -12969,8 +13079,8 @@
         </p:nvSpPr>
         <p:spPr>
           <a:xfrm>
-            <a:off x="6702162" y="3740141"/>
-            <a:ext cx="2233614" cy="574041"/>
+            <a:off x="6702163" y="3740141"/>
+            <a:ext cx="2233613" cy="574041"/>
           </a:xfrm>
           <a:prstGeom prst="rect">
             <a:avLst/>
@@ -12991,14 +13101,10 @@
           <a:lstStyle/>
           <a:p>
             <a:pPr>
-              <a:defRPr b="1" sz="1500">
+              <a:defRPr sz="1500">
                 <a:solidFill>
                   <a:srgbClr val="3F3F3F"/>
                 </a:solidFill>
-                <a:latin typeface="微软雅黑"/>
-                <a:ea typeface="微软雅黑"/>
-                <a:cs typeface="微软雅黑"/>
-                <a:sym typeface="微软雅黑"/>
               </a:defRPr>
             </a:pPr>
             <a:r>
@@ -13007,14 +13113,10 @@
           </a:p>
           <a:p>
             <a:pPr>
-              <a:defRPr b="1" sz="1200">
+              <a:defRPr sz="1200">
                 <a:solidFill>
                   <a:srgbClr val="3F3F3F"/>
                 </a:solidFill>
-                <a:latin typeface="微软雅黑"/>
-                <a:ea typeface="微软雅黑"/>
-                <a:cs typeface="微软雅黑"/>
-                <a:sym typeface="微软雅黑"/>
               </a:defRPr>
             </a:pPr>
             <a:r>
@@ -13215,7 +13317,7 @@
                         <a:rPr>
                           <a:sym typeface="Calibri"/>
                         </a:rPr>
-                        <a:t>状态切换的时间在纳秒量级(&lt;400ns)</a:t>
+                        <a:t>状态切换的时间在纳秒量级(&lt;200ns)</a:t>
                       </a:r>
                     </a:p>
                   </a:txBody>
@@ -13366,8 +13468,8 @@
           <a:bodyPr lIns="45719" rIns="45719" anchor="ctr"/>
           <a:lstStyle/>
           <a:p>
-            <a:pPr algn="ctr">
-              <a:defRPr>
+            <a:pPr>
+              <a:defRPr b="0" sz="1800">
                 <a:solidFill>
                   <a:srgbClr val="FFFFFF"/>
                 </a:solidFill>
@@ -13405,7 +13507,14 @@
           <a:bodyPr lIns="45719" rIns="45719"/>
           <a:lstStyle/>
           <a:p>
-            <a:pPr/>
+            <a:pPr algn="l">
+              <a:defRPr b="0" sz="1800">
+                <a:latin typeface="Calibri"/>
+                <a:ea typeface="Calibri"/>
+                <a:cs typeface="Calibri"/>
+                <a:sym typeface="Calibri"/>
+              </a:defRPr>
+            </a:pPr>
           </a:p>
         </p:txBody>
       </p:sp>
@@ -13434,7 +13543,14 @@
           <a:bodyPr lIns="45719" rIns="45719"/>
           <a:lstStyle/>
           <a:p>
-            <a:pPr/>
+            <a:pPr algn="l">
+              <a:defRPr b="0" sz="1800">
+                <a:latin typeface="Calibri"/>
+                <a:ea typeface="Calibri"/>
+                <a:cs typeface="Calibri"/>
+                <a:sym typeface="Calibri"/>
+              </a:defRPr>
+            </a:pPr>
           </a:p>
         </p:txBody>
       </p:sp>
@@ -13467,14 +13583,10 @@
           </a:bodyPr>
           <a:lstStyle>
             <a:lvl1pPr algn="r">
-              <a:defRPr b="1" sz="2000">
+              <a:defRPr sz="2000">
                 <a:solidFill>
                   <a:srgbClr val="3F3F3F"/>
                 </a:solidFill>
-                <a:latin typeface="微软雅黑"/>
-                <a:ea typeface="微软雅黑"/>
-                <a:cs typeface="微软雅黑"/>
-                <a:sym typeface="微软雅黑"/>
               </a:defRPr>
             </a:lvl1pPr>
           </a:lstStyle>
@@ -13514,15 +13626,11 @@
             <a:spAutoFit/>
           </a:bodyPr>
           <a:lstStyle>
-            <a:lvl1pPr>
-              <a:defRPr b="1">
+            <a:lvl1pPr algn="l">
+              <a:defRPr sz="1800">
                 <a:solidFill>
                   <a:srgbClr val="3F3F3F"/>
                 </a:solidFill>
-                <a:latin typeface="微软雅黑"/>
-                <a:ea typeface="微软雅黑"/>
-                <a:cs typeface="微软雅黑"/>
-                <a:sym typeface="微软雅黑"/>
               </a:defRPr>
             </a:lvl1pPr>
           </a:lstStyle>
@@ -13564,14 +13672,10 @@
           <a:lstStyle/>
           <a:p>
             <a:pPr algn="just">
-              <a:defRPr b="1" sz="5400">
+              <a:defRPr sz="5400">
                 <a:solidFill>
                   <a:srgbClr val="05AFC8"/>
                 </a:solidFill>
-                <a:latin typeface="微软雅黑"/>
-                <a:ea typeface="微软雅黑"/>
-                <a:cs typeface="微软雅黑"/>
-                <a:sym typeface="微软雅黑"/>
               </a:defRPr>
             </a:pPr>
             <a:r>
@@ -13637,8 +13741,8 @@
           <a:bodyPr lIns="45719" rIns="45719" anchor="ctr"/>
           <a:lstStyle/>
           <a:p>
-            <a:pPr algn="ctr">
-              <a:defRPr>
+            <a:pPr>
+              <a:defRPr b="0" sz="1800">
                 <a:solidFill>
                   <a:srgbClr val="FFFFFF"/>
                 </a:solidFill>
@@ -13708,8 +13812,8 @@
           <a:bodyPr lIns="45719" rIns="45719" anchor="ctr"/>
           <a:lstStyle/>
           <a:p>
-            <a:pPr algn="ctr">
-              <a:defRPr>
+            <a:pPr>
+              <a:defRPr b="0" sz="1800">
                 <a:latin typeface="宋体"/>
                 <a:ea typeface="宋体"/>
                 <a:cs typeface="宋体"/>
@@ -13748,21 +13852,17 @@
           </a:bodyPr>
           <a:lstStyle/>
           <a:p>
-            <a:pPr marL="285750" indent="-285750">
+            <a:pPr marL="285750" indent="-285750" algn="l">
               <a:lnSpc>
                 <a:spcPct val="150000"/>
               </a:lnSpc>
               <a:buSzPct val="100000"/>
               <a:buFont typeface="Arial"/>
               <a:buChar char="•"/>
-              <a:defRPr b="1" sz="1600">
+              <a:defRPr sz="1600">
                 <a:solidFill>
                   <a:srgbClr val="3F3F3F"/>
                 </a:solidFill>
-                <a:latin typeface="微软雅黑"/>
-                <a:ea typeface="微软雅黑"/>
-                <a:cs typeface="微软雅黑"/>
-                <a:sym typeface="微软雅黑"/>
               </a:defRPr>
             </a:pPr>
             <a:r>
@@ -13770,21 +13870,17 @@
             </a:r>
           </a:p>
           <a:p>
-            <a:pPr marL="285750" indent="-285750">
+            <a:pPr marL="285750" indent="-285750" algn="l">
               <a:lnSpc>
                 <a:spcPct val="150000"/>
               </a:lnSpc>
               <a:buSzPct val="100000"/>
               <a:buFont typeface="Arial"/>
               <a:buChar char="•"/>
-              <a:defRPr b="1" sz="1600">
+              <a:defRPr sz="1600">
                 <a:solidFill>
                   <a:srgbClr val="3F3F3F"/>
                 </a:solidFill>
-                <a:latin typeface="微软雅黑"/>
-                <a:ea typeface="微软雅黑"/>
-                <a:cs typeface="微软雅黑"/>
-                <a:sym typeface="微软雅黑"/>
               </a:defRPr>
             </a:pPr>
             <a:r>
@@ -13792,21 +13888,17 @@
             </a:r>
           </a:p>
           <a:p>
-            <a:pPr marL="285750" indent="-285750">
+            <a:pPr marL="285750" indent="-285750" algn="l">
               <a:lnSpc>
                 <a:spcPct val="150000"/>
               </a:lnSpc>
               <a:buSzPct val="100000"/>
               <a:buFont typeface="Arial"/>
               <a:buChar char="•"/>
-              <a:defRPr b="1" sz="1600">
+              <a:defRPr sz="1600">
                 <a:solidFill>
                   <a:srgbClr val="3F3F3F"/>
                 </a:solidFill>
-                <a:latin typeface="微软雅黑"/>
-                <a:ea typeface="微软雅黑"/>
-                <a:cs typeface="微软雅黑"/>
-                <a:sym typeface="微软雅黑"/>
               </a:defRPr>
             </a:pPr>
             <a:r>
@@ -13814,21 +13906,17 @@
             </a:r>
           </a:p>
           <a:p>
-            <a:pPr marL="285750" indent="-285750">
+            <a:pPr marL="285750" indent="-285750" algn="l">
               <a:lnSpc>
                 <a:spcPct val="150000"/>
               </a:lnSpc>
               <a:buSzPct val="100000"/>
               <a:buFont typeface="Arial"/>
               <a:buChar char="•"/>
-              <a:defRPr b="1" sz="1600">
+              <a:defRPr sz="1600">
                 <a:solidFill>
                   <a:srgbClr val="3F3F3F"/>
                 </a:solidFill>
-                <a:latin typeface="微软雅黑"/>
-                <a:ea typeface="微软雅黑"/>
-                <a:cs typeface="微软雅黑"/>
-                <a:sym typeface="微软雅黑"/>
               </a:defRPr>
             </a:pPr>
             <a:r>
@@ -14767,7 +14855,7 @@
         <a:spAutoFit/>
       </a:bodyPr>
       <a:lstStyle>
-        <a:defPPr marL="0" marR="0" indent="0" algn="l" defTabSz="914400" rtl="0" fontAlgn="auto" latinLnBrk="0" hangingPunct="0">
+        <a:defPPr marL="0" marR="0" indent="0" algn="ctr" defTabSz="914400" rtl="0" fontAlgn="auto" latinLnBrk="0" hangingPunct="0">
           <a:lnSpc>
             <a:spcPct val="100000"/>
           </a:lnSpc>
@@ -14782,7 +14870,7 @@
           <a:buFontTx/>
           <a:buNone/>
           <a:tabLst/>
-          <a:defRPr b="0" baseline="0" cap="none" i="0" spc="0" strike="noStrike" sz="1800" u="none" kumimoji="0" normalizeH="0">
+          <a:defRPr b="1" baseline="0" cap="none" i="0" spc="0" strike="noStrike" sz="2800" u="none" kumimoji="0" normalizeH="0">
             <a:ln>
               <a:noFill/>
             </a:ln>
@@ -14791,10 +14879,10 @@
             </a:solidFill>
             <a:effectLst/>
             <a:uFillTx/>
-            <a:latin typeface="Calibri"/>
-            <a:ea typeface="Calibri"/>
-            <a:cs typeface="Calibri"/>
-            <a:sym typeface="Calibri"/>
+            <a:latin typeface="微软雅黑"/>
+            <a:ea typeface="微软雅黑"/>
+            <a:cs typeface="微软雅黑"/>
+            <a:sym typeface="微软雅黑"/>
           </a:defRPr>
         </a:defPPr>
         <a:lvl1pPr marL="0" marR="0" indent="0" algn="l" defTabSz="914400" rtl="0" fontAlgn="auto" latinLnBrk="1" hangingPunct="0">
@@ -15833,7 +15921,7 @@
         <a:spAutoFit/>
       </a:bodyPr>
       <a:lstStyle>
-        <a:defPPr marL="0" marR="0" indent="0" algn="l" defTabSz="914400" rtl="0" fontAlgn="auto" latinLnBrk="0" hangingPunct="0">
+        <a:defPPr marL="0" marR="0" indent="0" algn="ctr" defTabSz="914400" rtl="0" fontAlgn="auto" latinLnBrk="0" hangingPunct="0">
           <a:lnSpc>
             <a:spcPct val="100000"/>
           </a:lnSpc>
@@ -15848,7 +15936,7 @@
           <a:buFontTx/>
           <a:buNone/>
           <a:tabLst/>
-          <a:defRPr b="0" baseline="0" cap="none" i="0" spc="0" strike="noStrike" sz="1800" u="none" kumimoji="0" normalizeH="0">
+          <a:defRPr b="1" baseline="0" cap="none" i="0" spc="0" strike="noStrike" sz="2800" u="none" kumimoji="0" normalizeH="0">
             <a:ln>
               <a:noFill/>
             </a:ln>
@@ -15857,10 +15945,10 @@
             </a:solidFill>
             <a:effectLst/>
             <a:uFillTx/>
-            <a:latin typeface="Calibri"/>
-            <a:ea typeface="Calibri"/>
-            <a:cs typeface="Calibri"/>
-            <a:sym typeface="Calibri"/>
+            <a:latin typeface="微软雅黑"/>
+            <a:ea typeface="微软雅黑"/>
+            <a:cs typeface="微软雅黑"/>
+            <a:sym typeface="微软雅黑"/>
           </a:defRPr>
         </a:defPPr>
         <a:lvl1pPr marL="0" marR="0" indent="0" algn="l" defTabSz="914400" rtl="0" fontAlgn="auto" latinLnBrk="1" hangingPunct="0">
